--- a/GeoRace_presentation.pptx
+++ b/GeoRace_presentation.pptx
@@ -22,6 +22,10 @@
     <p:sldId id="270" r:id="rId16"/>
     <p:sldId id="271" r:id="rId17"/>
     <p:sldId id="272" r:id="rId18"/>
+    <p:sldId id="273" r:id="rId19"/>
+    <p:sldId id="274" r:id="rId20"/>
+    <p:sldId id="275" r:id="rId21"/>
+    <p:sldId id="276" r:id="rId22"/>
   </p:sldIdLst>
   <p:sldSz cx="9144000" cy="5143500" type="screen16x9"/>
   <p:notesSz cx="6858000" cy="9144000"/>
@@ -3210,7 +3214,7 @@
             </a:pPr>
             <a:r>
               <a:rPr/>
-              <a:t>🟦 Slide 9 – Fonctionnalités clés</a:t>
+              <a:t>🟦 Slide 9 – Quick demo (key points for presentation)</a:t>
             </a:r>
           </a:p>
         </p:txBody>
@@ -3235,62 +3239,86 @@
             </a:pPr>
             <a:r>
               <a:rPr b="1"/>
-              <a:t>Technologie au service de la performance</a:t>
+              <a:t>Presentation script - Key points to emphasize</a:t>
             </a:r>
           </a:p>
           <a:p>
             <a:pPr lvl="0"/>
             <a:r>
               <a:rPr b="1"/>
-              <a:t>GPS haute précision</a:t>
-            </a:r>
-            <a:r>
-              <a:rPr/>
-              <a:t> : tracking en temps réel pendant les duels</a:t>
+              <a:t>Equidistant finish point</a:t>
+            </a:r>
+            <a:r>
+              <a:rPr/>
+              <a:t>: “Each runner covers exactly the same distance - total fairness”</a:t>
             </a:r>
           </a:p>
           <a:p>
             <a:pPr lvl="0"/>
             <a:r>
               <a:rPr b="1"/>
-              <a:t>Algorithme intelligent</a:t>
-            </a:r>
-            <a:r>
-              <a:rPr/>
-              <a:t> : calcul de points équidistants accessibles</a:t>
+              <a:t>ELO Matchmaking</a:t>
+            </a:r>
+            <a:r>
+              <a:rPr/>
+              <a:t>: “You always face someone at your level - neither too easy nor impossible”</a:t>
             </a:r>
           </a:p>
           <a:p>
             <a:pPr lvl="0"/>
             <a:r>
               <a:rPr b="1"/>
-              <a:t>Sécurité</a:t>
-            </a:r>
-            <a:r>
-              <a:rPr/>
-              <a:t> : position visible uniquement en duel actif</a:t>
+              <a:t>Real-time duel</a:t>
+            </a:r>
+            <a:r>
+              <a:rPr/>
+              <a:t>: “No after-the-fact comparison - it’s a real race, now”</a:t>
             </a:r>
           </a:p>
           <a:p>
             <a:pPr lvl="0"/>
             <a:r>
               <a:rPr b="1"/>
-              <a:t>Anti-triche</a:t>
-            </a:r>
-            <a:r>
-              <a:rPr/>
-              <a:t> : détection de vitesse anormale et validation communautaire</a:t>
+              <a:t>Security and privacy</a:t>
+            </a:r>
+            <a:r>
+              <a:rPr/>
+              <a:t>: “Your position is only visible during active duels”</a:t>
             </a:r>
           </a:p>
           <a:p>
             <a:pPr lvl="0"/>
             <a:r>
               <a:rPr b="1"/>
-              <a:t>Optimisation batterie</a:t>
-            </a:r>
-            <a:r>
-              <a:rPr/>
-              <a:t> : mode économie d’énergie</a:t>
+              <a:t>Anti-cheat</a:t>
+            </a:r>
+            <a:r>
+              <a:rPr/>
+              <a:t>: “Automatic GPS anomaly detection - no cheaters”</a:t>
+            </a:r>
+          </a:p>
+          <a:p>
+            <a:pPr lvl="0"/>
+            <a:r>
+              <a:rPr b="1"/>
+              <a:t>Social engagement</a:t>
+            </a:r>
+            <a:r>
+              <a:rPr/>
+              <a:t>: “Profiles, chat, badges, local tournaments - a real community”</a:t>
+            </a:r>
+          </a:p>
+          <a:p>
+            <a:pPr lvl="0" indent="0" marL="0">
+              <a:buNone/>
+            </a:pPr>
+            <a:r>
+              <a:rPr b="1"/>
+              <a:t>Key message</a:t>
+            </a:r>
+            <a:r>
+              <a:rPr/>
+              <a:t>: Fair real-time dueling changes everything - it’s no longer tracking, it’s competition!</a:t>
             </a:r>
           </a:p>
         </p:txBody>
@@ -3337,7 +3365,7 @@
             </a:pPr>
             <a:r>
               <a:rPr/>
-              <a:t>🟦 Slide 10 – Cible</a:t>
+              <a:t>🟦 Slide 10 – Social aspect</a:t>
             </a:r>
           </a:p>
         </p:txBody>
@@ -3362,67 +3390,46 @@
             </a:pPr>
             <a:r>
               <a:rPr b="1"/>
-              <a:t>Qui utilise GeoRace ?</a:t>
-            </a:r>
-          </a:p>
-          <a:p>
-            <a:pPr lvl="0"/>
-            <a:r>
-              <a:rPr/>
-              <a:t>🏃‍♂️ </a:t>
-            </a:r>
-            <a:r>
-              <a:rPr b="1"/>
-              <a:t>Coureurs réguliers</a:t>
-            </a:r>
-            <a:r>
-              <a:rPr/>
-              <a:t> : cherchent à améliorer leurs performances</a:t>
-            </a:r>
-          </a:p>
-          <a:p>
-            <a:pPr lvl="0"/>
-            <a:r>
-              <a:rPr/>
-              <a:t>👟 </a:t>
-            </a:r>
-            <a:r>
-              <a:rPr b="1"/>
-              <a:t>Coureurs occasionnels</a:t>
-            </a:r>
-            <a:r>
-              <a:rPr/>
-              <a:t> : ont besoin de motivation pour rester réguliers</a:t>
-            </a:r>
-          </a:p>
-          <a:p>
-            <a:pPr lvl="0"/>
-            <a:r>
-              <a:rPr/>
-              <a:t>🏅 </a:t>
-            </a:r>
-            <a:r>
-              <a:rPr b="1"/>
-              <a:t>Coureurs compétitifs</a:t>
-            </a:r>
-            <a:r>
-              <a:rPr/>
-              <a:t> : veulent tester leur niveau entre les courses officielles</a:t>
-            </a:r>
-          </a:p>
-          <a:p>
-            <a:pPr lvl="0"/>
-            <a:r>
-              <a:rPr/>
-              <a:t>👥 </a:t>
-            </a:r>
-            <a:r>
-              <a:rPr b="1"/>
-              <a:t>Nouveaux coureurs</a:t>
-            </a:r>
-            <a:r>
-              <a:rPr/>
-              <a:t> : cherchent une communauté motivante</a:t>
+              <a:t>Build a runner community</a:t>
+            </a:r>
+          </a:p>
+          <a:p>
+            <a:pPr lvl="0" indent="0" marL="0">
+              <a:buNone/>
+            </a:pPr>
+            <a:r>
+              <a:rPr b="1"/>
+              <a:t>01 - BALANCED MATCHMAKING</a:t>
+            </a:r>
+            <a:r>
+              <a:rPr/>
+              <a:t> Automatic connection between runners of similar levels through ELO</a:t>
+            </a:r>
+          </a:p>
+          <a:p>
+            <a:pPr lvl="0" indent="0" marL="0">
+              <a:buNone/>
+            </a:pPr>
+            <a:r>
+              <a:rPr b="1"/>
+              <a:t>02 - DISCUSSION AND SHARING</a:t>
+            </a:r>
+            <a:r>
+              <a:rPr/>
+              <a:t> Live chat, friend adding, detailed profiles with statistics</a:t>
+            </a:r>
+          </a:p>
+          <a:p>
+            <a:pPr lvl="0" indent="0" marL="0">
+              <a:buNone/>
+            </a:pPr>
+            <a:r>
+              <a:rPr b="1"/>
+              <a:t>03 - COMMUNITY EVENTS</a:t>
+            </a:r>
+            <a:r>
+              <a:rPr/>
+              <a:t> Organized races, collective challenges, local leagues by city/neighborhood</a:t>
             </a:r>
           </a:p>
         </p:txBody>
@@ -3469,7 +3476,7 @@
             </a:pPr>
             <a:r>
               <a:rPr/>
-              <a:t>🟦 Slide 11 – Différenciation</a:t>
+              <a:t>🟦 Slide 11 – ELO ranking system</a:t>
             </a:r>
           </a:p>
         </p:txBody>
@@ -3494,67 +3501,46 @@
             </a:pPr>
             <a:r>
               <a:rPr b="1"/>
-              <a:t>Ce que les autres apps ne font pas :</a:t>
-            </a:r>
-          </a:p>
-          <a:p>
-            <a:pPr lvl="0"/>
-            <a:r>
-              <a:rPr b="1"/>
-              <a:t>Strava</a:t>
-            </a:r>
-            <a:r>
-              <a:rPr/>
-              <a:t> → réseau social, pas de compétition temps réel</a:t>
-            </a:r>
-          </a:p>
-          <a:p>
-            <a:pPr lvl="0"/>
-            <a:r>
-              <a:rPr b="1"/>
-              <a:t>Nike Run Club</a:t>
-            </a:r>
-            <a:r>
-              <a:rPr/>
-              <a:t> → tracking + défis asynchrones</a:t>
-            </a:r>
-          </a:p>
-          <a:p>
-            <a:pPr lvl="0"/>
-            <a:r>
-              <a:rPr b="1"/>
-              <a:t>Runkeeper</a:t>
-            </a:r>
-            <a:r>
-              <a:rPr/>
-              <a:t> → GPS basique sans interaction</a:t>
-            </a:r>
-          </a:p>
-          <a:p>
-            <a:pPr lvl="0" indent="0" marL="0">
-              <a:buNone/>
-            </a:pPr>
-            <a:r>
-              <a:rPr b="1"/>
-              <a:t>GeoRace combine :</a:t>
-            </a:r>
-          </a:p>
-          <a:p>
-            <a:pPr lvl="0" indent="0" marL="1270000">
-              <a:buNone/>
-            </a:pPr>
-            <a:r>
-              <a:rPr sz="2000"/>
-              <a:t>Duels spontanés en temps réel + Point d’arrivée équitable + Matchmaking ELO</a:t>
-            </a:r>
-          </a:p>
-          <a:p>
-            <a:pPr lvl="0" indent="0" marL="0">
-              <a:buNone/>
-            </a:pPr>
-            <a:r>
-              <a:rPr b="1"/>
-              <a:t>= Concept unique sur le marché</a:t>
+              <a:t>Fair competition and motivating progression</a:t>
+            </a:r>
+          </a:p>
+          <a:p>
+            <a:pPr lvl="0" indent="0" marL="0">
+              <a:buNone/>
+            </a:pPr>
+            <a:r>
+              <a:rPr b="1"/>
+              <a:t>01 - BALANCED MATCHES</a:t>
+            </a:r>
+            <a:r>
+              <a:rPr/>
+              <a:t> ELO algorithm pairs you with runners of similar level</a:t>
+            </a:r>
+          </a:p>
+          <a:p>
+            <a:pPr lvl="0" indent="0" marL="0">
+              <a:buNone/>
+            </a:pPr>
+            <a:r>
+              <a:rPr b="1"/>
+              <a:t>02 - VISIBLE PROGRESSION</a:t>
+            </a:r>
+            <a:r>
+              <a:rPr/>
+              <a:t> Track your rise in rankings (Bronze → Silver → Gold → Platinum)</a:t>
+            </a:r>
+          </a:p>
+          <a:p>
+            <a:pPr lvl="0" indent="0" marL="0">
+              <a:buNone/>
+            </a:pPr>
+            <a:r>
+              <a:rPr b="1"/>
+              <a:t>03 - REWARDS AND BADGES</a:t>
+            </a:r>
+            <a:r>
+              <a:rPr/>
+              <a:t> Unlock achievements at each level reached</a:t>
             </a:r>
           </a:p>
         </p:txBody>
@@ -3601,7 +3587,7 @@
             </a:pPr>
             <a:r>
               <a:rPr/>
-              <a:t>🟦 Slide 12 – Modèle économique</a:t>
+              <a:t>�� Slide 12 – GeoRace benefits</a:t>
             </a:r>
           </a:p>
         </p:txBody>
@@ -3626,46 +3612,46 @@
             </a:pPr>
             <a:r>
               <a:rPr b="1"/>
-              <a:t>Freemium avec valeur ajoutée</a:t>
-            </a:r>
-          </a:p>
-          <a:p>
-            <a:pPr lvl="0" indent="0" marL="0">
-              <a:buNone/>
-            </a:pPr>
-            <a:r>
-              <a:rPr b="1"/>
-              <a:t>Gratuit :</a:t>
-            </a:r>
-            <a:r>
-              <a:rPr/>
-              <a:t> * 3 duels par jour * Classement ELO * Statistiques de base * Événements communautaires</a:t>
-            </a:r>
-          </a:p>
-          <a:p>
-            <a:pPr lvl="0" indent="0" marL="0">
-              <a:buNone/>
-            </a:pPr>
-            <a:r>
-              <a:rPr b="1"/>
-              <a:t>Premium (4,99€/mois) :</a:t>
-            </a:r>
-            <a:r>
-              <a:rPr/>
-              <a:t> * Duels illimités * Statistiques avancées * Personnalisation profil * Mode entraînement contre vos records * Pas de publicités</a:t>
-            </a:r>
-          </a:p>
-          <a:p>
-            <a:pPr lvl="0" indent="0" marL="0">
-              <a:buNone/>
-            </a:pPr>
-            <a:r>
-              <a:rPr b="1"/>
-              <a:t>Revenus additionnels :</a:t>
-            </a:r>
-            <a:r>
-              <a:rPr/>
-              <a:t> * Partenariats marques (Nike, Adidas) * Événements premium avec prix</a:t>
+              <a:t>More than a running app</a:t>
+            </a:r>
+          </a:p>
+          <a:p>
+            <a:pPr lvl="0" indent="0" marL="0">
+              <a:buNone/>
+            </a:pPr>
+            <a:r>
+              <a:rPr b="1"/>
+              <a:t>01 - INCREASED MOTIVATION</a:t>
+            </a:r>
+            <a:r>
+              <a:rPr/>
+              <a:t> Each outing becomes a concrete and exciting challenge</a:t>
+            </a:r>
+          </a:p>
+          <a:p>
+            <a:pPr lvl="0" indent="0" marL="0">
+              <a:buNone/>
+            </a:pPr>
+            <a:r>
+              <a:rPr b="1"/>
+              <a:t>02 - PERFORMANCE IMPROVEMENT</a:t>
+            </a:r>
+            <a:r>
+              <a:rPr/>
+              <a:t> Competition naturally pushes self-improvement</a:t>
+            </a:r>
+          </a:p>
+          <a:p>
+            <a:pPr lvl="0" indent="0" marL="0">
+              <a:buNone/>
+            </a:pPr>
+            <a:r>
+              <a:rPr b="1"/>
+              <a:t>03 - SOCIAL WELL-BEING</a:t>
+            </a:r>
+            <a:r>
+              <a:rPr/>
+              <a:t> Meet and interact with other passionate runners</a:t>
             </a:r>
           </a:p>
         </p:txBody>
@@ -3712,7 +3698,7 @@
             </a:pPr>
             <a:r>
               <a:rPr/>
-              <a:t>🟦 Slide 13 – Roadmap</a:t>
+              <a:t>🟦 Slide 13 – Key features</a:t>
             </a:r>
           </a:p>
         </p:txBody>
@@ -3737,58 +3723,62 @@
             </a:pPr>
             <a:r>
               <a:rPr b="1"/>
-              <a:t>Déploiement progressif</a:t>
-            </a:r>
-          </a:p>
-          <a:p>
-            <a:pPr lvl="0" indent="0" marL="0">
-              <a:buNone/>
-            </a:pPr>
-            <a:r>
-              <a:rPr b="1"/>
-              <a:t>Phase 1 (6 mois) - MVP</a:t>
-            </a:r>
-            <a:r>
-              <a:rPr/>
-              <a:t> * Duels 1v1 en temps réel * Système ELO * Test dans 2-3 villes pilotes * </a:t>
-            </a:r>
-            <a:r>
-              <a:rPr b="1"/>
-              <a:t>Objectif : 500 utilisateurs actifs</a:t>
-            </a:r>
-          </a:p>
-          <a:p>
-            <a:pPr lvl="0" indent="0" marL="0">
-              <a:buNone/>
-            </a:pPr>
-            <a:r>
-              <a:rPr b="1"/>
-              <a:t>Phase 2 (12 mois) - Gamification</a:t>
-            </a:r>
-            <a:r>
-              <a:rPr/>
-              <a:t> * Badges, statistiques, profils * Événements communautaires * </a:t>
-            </a:r>
-            <a:r>
-              <a:rPr b="1"/>
-              <a:t>Objectif : 5 000 utilisateurs</a:t>
-            </a:r>
-          </a:p>
-          <a:p>
-            <a:pPr lvl="0" indent="0" marL="0">
-              <a:buNone/>
-            </a:pPr>
-            <a:r>
-              <a:rPr b="1"/>
-              <a:t>Phase 3 (24 mois) - Scale</a:t>
-            </a:r>
-            <a:r>
-              <a:rPr/>
-              <a:t> * Version Premium * Duels multi-joueurs * Expansion nationale * </a:t>
-            </a:r>
-            <a:r>
-              <a:rPr b="1"/>
-              <a:t>Objectif : 50 000 utilisateurs</a:t>
+              <a:t>Technology serving performance</a:t>
+            </a:r>
+          </a:p>
+          <a:p>
+            <a:pPr lvl="0"/>
+            <a:r>
+              <a:rPr b="1"/>
+              <a:t>High-precision GPS</a:t>
+            </a:r>
+            <a:r>
+              <a:rPr/>
+              <a:t>: real-time tracking during duels</a:t>
+            </a:r>
+          </a:p>
+          <a:p>
+            <a:pPr lvl="0"/>
+            <a:r>
+              <a:rPr b="1"/>
+              <a:t>Intelligent algorithm</a:t>
+            </a:r>
+            <a:r>
+              <a:rPr/>
+              <a:t>: calculation of accessible equidistant points</a:t>
+            </a:r>
+          </a:p>
+          <a:p>
+            <a:pPr lvl="0"/>
+            <a:r>
+              <a:rPr b="1"/>
+              <a:t>Security</a:t>
+            </a:r>
+            <a:r>
+              <a:rPr/>
+              <a:t>: position visible only during active duel</a:t>
+            </a:r>
+          </a:p>
+          <a:p>
+            <a:pPr lvl="0"/>
+            <a:r>
+              <a:rPr b="1"/>
+              <a:t>Anti-cheat</a:t>
+            </a:r>
+            <a:r>
+              <a:rPr/>
+              <a:t>: abnormal speed detection and community validation</a:t>
+            </a:r>
+          </a:p>
+          <a:p>
+            <a:pPr lvl="0"/>
+            <a:r>
+              <a:rPr b="1"/>
+              <a:t>Battery optimization</a:t>
+            </a:r>
+            <a:r>
+              <a:rPr/>
+              <a:t>: energy-saving mode</a:t>
             </a:r>
           </a:p>
         </p:txBody>
@@ -3835,7 +3825,7 @@
             </a:pPr>
             <a:r>
               <a:rPr/>
-              <a:t>🟦 Slide 14 – Défis &amp; Solutions</a:t>
+              <a:t>🟦 Slide 14 – Target audience</a:t>
             </a:r>
           </a:p>
         </p:txBody>
@@ -3860,59 +3850,67 @@
             </a:pPr>
             <a:r>
               <a:rPr b="1"/>
-              <a:t>Anticiper les obstacles</a:t>
-            </a:r>
-          </a:p>
-          <a:p>
-            <a:pPr lvl="0" indent="0" marL="0">
-              <a:buNone/>
-            </a:pPr>
-            <a:r>
-              <a:rPr b="1"/>
-              <a:t>Défi : Sécurité des coureurs</a:t>
-            </a:r>
-            <a:r>
-              <a:rPr/>
-              <a:t> → Alertes de sécurité, mode “course prudente”</a:t>
-            </a:r>
-          </a:p>
-          <a:p>
-            <a:pPr lvl="0" indent="0" marL="0">
-              <a:buNone/>
-            </a:pPr>
-            <a:r>
-              <a:rPr b="1"/>
-              <a:t>Défi : Zones rurales (peu d’utilisateurs)</a:t>
-            </a:r>
-            <a:r>
-              <a:rPr/>
-              <a:t> → Mode asynchrone contre “ghost runners”</a:t>
-            </a:r>
-          </a:p>
-          <a:p>
-            <a:pPr lvl="0" indent="0" marL="0">
-              <a:buNone/>
-            </a:pPr>
-            <a:r>
-              <a:rPr b="1"/>
-              <a:t>Défi : Triche (vélo, voiture)</a:t>
-            </a:r>
-            <a:r>
-              <a:rPr/>
-              <a:t> → Détection vitesse anormale + validation communautaire</a:t>
-            </a:r>
-          </a:p>
-          <a:p>
-            <a:pPr lvl="0" indent="0" marL="0">
-              <a:buNone/>
-            </a:pPr>
-            <a:r>
-              <a:rPr b="1"/>
-              <a:t>Défi : Vie privée</a:t>
-            </a:r>
-            <a:r>
-              <a:rPr/>
-              <a:t> → Position visible uniquement en duel, blocage d’utilisateurs</a:t>
+              <a:t>Who uses GeoRace?</a:t>
+            </a:r>
+          </a:p>
+          <a:p>
+            <a:pPr lvl="0"/>
+            <a:r>
+              <a:rPr/>
+              <a:t>🏃‍♂️ </a:t>
+            </a:r>
+            <a:r>
+              <a:rPr b="1"/>
+              <a:t>Regular runners</a:t>
+            </a:r>
+            <a:r>
+              <a:rPr/>
+              <a:t>: seeking to improve their performance</a:t>
+            </a:r>
+          </a:p>
+          <a:p>
+            <a:pPr lvl="0"/>
+            <a:r>
+              <a:rPr/>
+              <a:t>👟 </a:t>
+            </a:r>
+            <a:r>
+              <a:rPr b="1"/>
+              <a:t>Occasional runners</a:t>
+            </a:r>
+            <a:r>
+              <a:rPr/>
+              <a:t>: need motivation to stay consistent</a:t>
+            </a:r>
+          </a:p>
+          <a:p>
+            <a:pPr lvl="0"/>
+            <a:r>
+              <a:rPr/>
+              <a:t>🏅 </a:t>
+            </a:r>
+            <a:r>
+              <a:rPr b="1"/>
+              <a:t>Competitive runners</a:t>
+            </a:r>
+            <a:r>
+              <a:rPr/>
+              <a:t>: want to test their level between official races</a:t>
+            </a:r>
+          </a:p>
+          <a:p>
+            <a:pPr lvl="0"/>
+            <a:r>
+              <a:rPr/>
+              <a:t>👥 </a:t>
+            </a:r>
+            <a:r>
+              <a:rPr b="1"/>
+              <a:t>New runners</a:t>
+            </a:r>
+            <a:r>
+              <a:rPr/>
+              <a:t>: looking for a motivating community</a:t>
             </a:r>
           </a:p>
         </p:txBody>
@@ -3959,7 +3957,7 @@
             </a:pPr>
             <a:r>
               <a:rPr/>
-              <a:t>🟦 Slide 15 – Vision</a:t>
+              <a:t>🟦 Slide 15 – Differentiation vs competitors</a:t>
             </a:r>
           </a:p>
         </p:txBody>
@@ -3979,33 +3977,72 @@
           <a:bodyPr/>
           <a:lstStyle/>
           <a:p>
+            <a:pPr lvl="0" indent="0" marL="0">
+              <a:buNone/>
+            </a:pPr>
+            <a:r>
+              <a:rPr b="1"/>
+              <a:t>What other apps don’t do:</a:t>
+            </a:r>
+          </a:p>
+          <a:p>
+            <a:pPr lvl="0"/>
+            <a:r>
+              <a:rPr b="1"/>
+              <a:t>Strava</a:t>
+            </a:r>
+            <a:r>
+              <a:rPr/>
+              <a:t> → social network, no real-time competition</a:t>
+            </a:r>
+          </a:p>
+          <a:p>
+            <a:pPr lvl="0"/>
+            <a:r>
+              <a:rPr b="1"/>
+              <a:t>Nike Run Club</a:t>
+            </a:r>
+            <a:r>
+              <a:rPr/>
+              <a:t> → tracking + asynchronous challenges</a:t>
+            </a:r>
+          </a:p>
+          <a:p>
+            <a:pPr lvl="0"/>
+            <a:r>
+              <a:rPr b="1"/>
+              <a:t>Runkeeper</a:t>
+            </a:r>
+            <a:r>
+              <a:rPr/>
+              <a:t> → basic GPS without interaction</a:t>
+            </a:r>
+          </a:p>
+          <a:p>
+            <a:pPr lvl="0" indent="0" marL="0">
+              <a:buNone/>
+            </a:pPr>
+            <a:r>
+              <a:rPr b="1"/>
+              <a:t>GeoRace combines:</a:t>
+            </a:r>
+          </a:p>
+          <a:p>
             <a:pPr lvl="0" indent="0" marL="1270000">
               <a:buNone/>
             </a:pPr>
             <a:r>
               <a:rPr sz="2000"/>
-              <a:t>GeoRace ne se contente pas de tracker vos courses. Nous transformons la course à pied en une </a:t>
-            </a:r>
-            <a:r>
-              <a:rPr sz="2000" b="1"/>
-              <a:t>expérience sociale, compétitive et motivante</a:t>
-            </a:r>
-            <a:r>
-              <a:rPr sz="2000"/>
-              <a:t> accessible à tous, partout, à tout moment.</a:t>
-            </a:r>
-          </a:p>
-          <a:p>
-            <a:pPr lvl="0" indent="0" marL="0">
-              <a:buNone/>
-            </a:pPr>
-            <a:r>
-              <a:rPr b="1"/>
-              <a:t>Notre ambition :</a:t>
-            </a:r>
-            <a:r>
-              <a:rPr/>
-              <a:t> Devenir la référence de la course compétitive en temps réel et créer une communauté mondiale de coureurs passionnés par le défi.</a:t>
+              <a:t>Spontaneous real-time duels + Fair finish point + ELO Matchmaking</a:t>
+            </a:r>
+          </a:p>
+          <a:p>
+            <a:pPr lvl="0" indent="0" marL="0">
+              <a:buNone/>
+            </a:pPr>
+            <a:r>
+              <a:rPr b="1"/>
+              <a:t>= Unique concept in the market</a:t>
             </a:r>
           </a:p>
         </p:txBody>
@@ -4052,7 +4089,7 @@
             </a:pPr>
             <a:r>
               <a:rPr/>
-              <a:t>🟦 Slide 16 – Phrase finale</a:t>
+              <a:t>🟦 Slide 16 – Business model</a:t>
             </a:r>
           </a:p>
         </p:txBody>
@@ -4077,25 +4114,293 @@
             </a:pPr>
             <a:r>
               <a:rPr b="1"/>
-              <a:t>GeoRace</a:t>
-            </a:r>
-          </a:p>
-          <a:p>
-            <a:pPr lvl="0" indent="0" marL="1270000">
-              <a:buNone/>
-            </a:pPr>
-            <a:r>
-              <a:rPr sz="2000"/>
-              <a:t>Chaque course est un duel. Chaque duel est une opportunité. Transformez votre motivation.</a:t>
-            </a:r>
-          </a:p>
-          <a:p>
-            <a:pPr lvl="0" indent="0" marL="0">
-              <a:buNone/>
-            </a:pPr>
-            <a:r>
-              <a:rPr b="1"/>
-              <a:t>Prêt à relever le défi ?</a:t>
+              <a:t>Freemium with added value</a:t>
+            </a:r>
+          </a:p>
+          <a:p>
+            <a:pPr lvl="0" indent="0" marL="0">
+              <a:buNone/>
+            </a:pPr>
+            <a:r>
+              <a:rPr b="1"/>
+              <a:t>Free:</a:t>
+            </a:r>
+            <a:r>
+              <a:rPr/>
+              <a:t> * 3 duels per day * ELO ranking * Basic statistics * Community events</a:t>
+            </a:r>
+          </a:p>
+          <a:p>
+            <a:pPr lvl="0" indent="0" marL="0">
+              <a:buNone/>
+            </a:pPr>
+            <a:r>
+              <a:rPr b="1"/>
+              <a:t>Premium (€4.99/month):</a:t>
+            </a:r>
+            <a:r>
+              <a:rPr/>
+              <a:t> * Unlimited duels * Advanced statistics * Profile customization * Training mode against your records * No ads</a:t>
+            </a:r>
+          </a:p>
+          <a:p>
+            <a:pPr lvl="0" indent="0" marL="0">
+              <a:buNone/>
+            </a:pPr>
+            <a:r>
+              <a:rPr b="1"/>
+              <a:t>Additional revenues:</a:t>
+            </a:r>
+            <a:r>
+              <a:rPr/>
+              <a:t> * Brand partnerships (Nike, Adidas) * Premium events with prizes</a:t>
+            </a:r>
+          </a:p>
+        </p:txBody>
+      </p:sp>
+    </p:spTree>
+  </p:cSld>
+</p:sld>
+</file>
+
+<file path=ppt/slides/slide18.xml><?xml version="1.0" encoding="utf-8"?>
+<p:sld xmlns:a="http://schemas.openxmlformats.org/drawingml/2006/main" xmlns:r="http://schemas.openxmlformats.org/officeDocument/2006/relationships" xmlns:p="http://schemas.openxmlformats.org/presentationml/2006/main">
+  <p:cSld>
+    <p:spTree>
+      <p:nvGrpSpPr>
+        <p:cNvPr id="1" name=""/>
+        <p:cNvGrpSpPr/>
+        <p:nvPr/>
+      </p:nvGrpSpPr>
+      <p:grpSpPr>
+        <a:xfrm>
+          <a:off x="0" y="0"/>
+          <a:ext cx="0" cy="0"/>
+          <a:chOff x="0" y="0"/>
+          <a:chExt cx="0" cy="0"/>
+        </a:xfrm>
+      </p:grpSpPr>
+      <p:sp>
+        <p:nvSpPr>
+          <p:cNvPr id="2" name="Title 1"/>
+          <p:cNvSpPr>
+            <a:spLocks noGrp="1"/>
+          </p:cNvSpPr>
+          <p:nvPr>
+            <p:ph type="title"/>
+          </p:nvPr>
+        </p:nvSpPr>
+        <p:spPr/>
+        <p:txBody>
+          <a:bodyPr/>
+          <a:lstStyle/>
+          <a:p>
+            <a:pPr lvl="0" indent="0" marL="0">
+              <a:buNone/>
+            </a:pPr>
+            <a:r>
+              <a:rPr/>
+              <a:t>🟦 Slide 17 – Roadmap</a:t>
+            </a:r>
+          </a:p>
+        </p:txBody>
+      </p:sp>
+      <p:sp>
+        <p:nvSpPr>
+          <p:cNvPr id="3" name="Content Placeholder 2"/>
+          <p:cNvSpPr>
+            <a:spLocks noGrp="1"/>
+          </p:cNvSpPr>
+          <p:nvPr>
+            <p:ph idx="1"/>
+          </p:nvPr>
+        </p:nvSpPr>
+        <p:spPr/>
+        <p:txBody>
+          <a:bodyPr/>
+          <a:lstStyle/>
+          <a:p>
+            <a:pPr lvl="0" indent="0" marL="0">
+              <a:buNone/>
+            </a:pPr>
+            <a:r>
+              <a:rPr b="1"/>
+              <a:t>Progressive deployment</a:t>
+            </a:r>
+          </a:p>
+          <a:p>
+            <a:pPr lvl="0" indent="0" marL="0">
+              <a:buNone/>
+            </a:pPr>
+            <a:r>
+              <a:rPr b="1"/>
+              <a:t>Phase 1 (6 months) - MVP</a:t>
+            </a:r>
+            <a:r>
+              <a:rPr/>
+              <a:t> * 1v1 real-time duels * ELO system * Test in 2-3 pilot cities * </a:t>
+            </a:r>
+            <a:r>
+              <a:rPr b="1"/>
+              <a:t>Goal: 500 active users</a:t>
+            </a:r>
+          </a:p>
+          <a:p>
+            <a:pPr lvl="0" indent="0" marL="0">
+              <a:buNone/>
+            </a:pPr>
+            <a:r>
+              <a:rPr b="1"/>
+              <a:t>Phase 2 (12 months) - Gamification</a:t>
+            </a:r>
+            <a:r>
+              <a:rPr/>
+              <a:t> * Badges, statistics, profiles * Community events * </a:t>
+            </a:r>
+            <a:r>
+              <a:rPr b="1"/>
+              <a:t>Goal: 5,000 users</a:t>
+            </a:r>
+          </a:p>
+          <a:p>
+            <a:pPr lvl="0" indent="0" marL="0">
+              <a:buNone/>
+            </a:pPr>
+            <a:r>
+              <a:rPr b="1"/>
+              <a:t>Phase 3 (24 months) - Scale</a:t>
+            </a:r>
+            <a:r>
+              <a:rPr/>
+              <a:t> * Premium version * Multi-player duels * National expansion * </a:t>
+            </a:r>
+            <a:r>
+              <a:rPr b="1"/>
+              <a:t>Goal: 50,000 users</a:t>
+            </a:r>
+          </a:p>
+        </p:txBody>
+      </p:sp>
+    </p:spTree>
+  </p:cSld>
+</p:sld>
+</file>
+
+<file path=ppt/slides/slide19.xml><?xml version="1.0" encoding="utf-8"?>
+<p:sld xmlns:a="http://schemas.openxmlformats.org/drawingml/2006/main" xmlns:r="http://schemas.openxmlformats.org/officeDocument/2006/relationships" xmlns:p="http://schemas.openxmlformats.org/presentationml/2006/main">
+  <p:cSld>
+    <p:spTree>
+      <p:nvGrpSpPr>
+        <p:cNvPr id="1" name=""/>
+        <p:cNvGrpSpPr/>
+        <p:nvPr/>
+      </p:nvGrpSpPr>
+      <p:grpSpPr>
+        <a:xfrm>
+          <a:off x="0" y="0"/>
+          <a:ext cx="0" cy="0"/>
+          <a:chOff x="0" y="0"/>
+          <a:chExt cx="0" cy="0"/>
+        </a:xfrm>
+      </p:grpSpPr>
+      <p:sp>
+        <p:nvSpPr>
+          <p:cNvPr id="2" name="Title 1"/>
+          <p:cNvSpPr>
+            <a:spLocks noGrp="1"/>
+          </p:cNvSpPr>
+          <p:nvPr>
+            <p:ph type="title"/>
+          </p:nvPr>
+        </p:nvSpPr>
+        <p:spPr/>
+        <p:txBody>
+          <a:bodyPr/>
+          <a:lstStyle/>
+          <a:p>
+            <a:pPr lvl="0" indent="0" marL="0">
+              <a:buNone/>
+            </a:pPr>
+            <a:r>
+              <a:rPr/>
+              <a:t>🟦 Slide 18 – Challenges &amp; Solutions</a:t>
+            </a:r>
+          </a:p>
+        </p:txBody>
+      </p:sp>
+      <p:sp>
+        <p:nvSpPr>
+          <p:cNvPr id="3" name="Content Placeholder 2"/>
+          <p:cNvSpPr>
+            <a:spLocks noGrp="1"/>
+          </p:cNvSpPr>
+          <p:nvPr>
+            <p:ph idx="1"/>
+          </p:nvPr>
+        </p:nvSpPr>
+        <p:spPr/>
+        <p:txBody>
+          <a:bodyPr/>
+          <a:lstStyle/>
+          <a:p>
+            <a:pPr lvl="0" indent="0" marL="0">
+              <a:buNone/>
+            </a:pPr>
+            <a:r>
+              <a:rPr b="1"/>
+              <a:t>Anticipating obstacles</a:t>
+            </a:r>
+          </a:p>
+          <a:p>
+            <a:pPr lvl="0" indent="0" marL="0">
+              <a:buNone/>
+            </a:pPr>
+            <a:r>
+              <a:rPr b="1"/>
+              <a:t>Challenge: Runner safety</a:t>
+            </a:r>
+            <a:r>
+              <a:rPr/>
+              <a:t> → Safety alerts, “cautious race” mode</a:t>
+            </a:r>
+          </a:p>
+          <a:p>
+            <a:pPr lvl="0" indent="0" marL="0">
+              <a:buNone/>
+            </a:pPr>
+            <a:r>
+              <a:rPr b="1"/>
+              <a:t>Challenge: Rural areas (few users)</a:t>
+            </a:r>
+            <a:r>
+              <a:rPr/>
+              <a:t> → Asynchronous mode against “ghost runners”</a:t>
+            </a:r>
+          </a:p>
+          <a:p>
+            <a:pPr lvl="0" indent="0" marL="0">
+              <a:buNone/>
+            </a:pPr>
+            <a:r>
+              <a:rPr b="1"/>
+              <a:t>Challenge: Cheating (bike, car)</a:t>
+            </a:r>
+            <a:r>
+              <a:rPr/>
+              <a:t> → Abnormal speed detection + community validation</a:t>
+            </a:r>
+          </a:p>
+          <a:p>
+            <a:pPr lvl="0" indent="0" marL="0">
+              <a:buNone/>
+            </a:pPr>
+            <a:r>
+              <a:rPr b="1"/>
+              <a:t>Challenge: Privacy</a:t>
+            </a:r>
+            <a:r>
+              <a:rPr/>
+              <a:t> → Position visible only during duel, user blocking</a:t>
             </a:r>
           </a:p>
         </p:txBody>
@@ -4142,7 +4447,7 @@
             </a:pPr>
             <a:r>
               <a:rPr/>
-              <a:t>🟦 Slide 1 – Titre</a:t>
+              <a:t>🟦 Slide 1 – Title</a:t>
             </a:r>
           </a:p>
         </p:txBody>
@@ -4176,20 +4481,203 @@
             </a:pPr>
             <a:r>
               <a:rPr sz="2000"/>
-              <a:t>L’application de course compétitive en temps réel</a:t>
-            </a:r>
-          </a:p>
-          <a:p>
-            <a:pPr lvl="0" indent="0" marL="0">
-              <a:buNone/>
-            </a:pPr>
-            <a:r>
-              <a:rPr b="1"/>
-              <a:t>Sous‑titre :</a:t>
-            </a:r>
-            <a:r>
-              <a:rPr/>
-              <a:t> Transformez chaque sortie running en duel excitant.</a:t>
+              <a:t>The real-time competitive running app</a:t>
+            </a:r>
+          </a:p>
+          <a:p>
+            <a:pPr lvl="0" indent="0" marL="0">
+              <a:buNone/>
+            </a:pPr>
+            <a:r>
+              <a:rPr b="1"/>
+              <a:t>Subtitle:</a:t>
+            </a:r>
+            <a:r>
+              <a:rPr/>
+              <a:t> Turn every run into an exciting duel.</a:t>
+            </a:r>
+          </a:p>
+        </p:txBody>
+      </p:sp>
+    </p:spTree>
+  </p:cSld>
+</p:sld>
+</file>
+
+<file path=ppt/slides/slide20.xml><?xml version="1.0" encoding="utf-8"?>
+<p:sld xmlns:a="http://schemas.openxmlformats.org/drawingml/2006/main" xmlns:r="http://schemas.openxmlformats.org/officeDocument/2006/relationships" xmlns:p="http://schemas.openxmlformats.org/presentationml/2006/main">
+  <p:cSld>
+    <p:spTree>
+      <p:nvGrpSpPr>
+        <p:cNvPr id="1" name=""/>
+        <p:cNvGrpSpPr/>
+        <p:nvPr/>
+      </p:nvGrpSpPr>
+      <p:grpSpPr>
+        <a:xfrm>
+          <a:off x="0" y="0"/>
+          <a:ext cx="0" cy="0"/>
+          <a:chOff x="0" y="0"/>
+          <a:chExt cx="0" cy="0"/>
+        </a:xfrm>
+      </p:grpSpPr>
+      <p:sp>
+        <p:nvSpPr>
+          <p:cNvPr id="2" name="Title 1"/>
+          <p:cNvSpPr>
+            <a:spLocks noGrp="1"/>
+          </p:cNvSpPr>
+          <p:nvPr>
+            <p:ph type="title"/>
+          </p:nvPr>
+        </p:nvSpPr>
+        <p:spPr/>
+        <p:txBody>
+          <a:bodyPr/>
+          <a:lstStyle/>
+          <a:p>
+            <a:pPr lvl="0" indent="0" marL="0">
+              <a:buNone/>
+            </a:pPr>
+            <a:r>
+              <a:rPr/>
+              <a:t>🟦 Slide 19 – Vision</a:t>
+            </a:r>
+          </a:p>
+        </p:txBody>
+      </p:sp>
+      <p:sp>
+        <p:nvSpPr>
+          <p:cNvPr id="3" name="Content Placeholder 2"/>
+          <p:cNvSpPr>
+            <a:spLocks noGrp="1"/>
+          </p:cNvSpPr>
+          <p:nvPr>
+            <p:ph idx="1"/>
+          </p:nvPr>
+        </p:nvSpPr>
+        <p:spPr/>
+        <p:txBody>
+          <a:bodyPr/>
+          <a:lstStyle/>
+          <a:p>
+            <a:pPr lvl="0" indent="0" marL="1270000">
+              <a:buNone/>
+            </a:pPr>
+            <a:r>
+              <a:rPr sz="2000"/>
+              <a:t>GeoRace doesn’t just track your runs. We transform running into a </a:t>
+            </a:r>
+            <a:r>
+              <a:rPr sz="2000" b="1"/>
+              <a:t>social, competitive, and motivating experience</a:t>
+            </a:r>
+            <a:r>
+              <a:rPr sz="2000"/>
+              <a:t> accessible to everyone, everywhere, anytime.</a:t>
+            </a:r>
+          </a:p>
+          <a:p>
+            <a:pPr lvl="0" indent="0" marL="0">
+              <a:buNone/>
+            </a:pPr>
+            <a:r>
+              <a:rPr b="1"/>
+              <a:t>Our ambition:</a:t>
+            </a:r>
+            <a:r>
+              <a:rPr/>
+              <a:t> Become the reference for real-time competitive running and create a global community of runners passionate about challenges.</a:t>
+            </a:r>
+          </a:p>
+        </p:txBody>
+      </p:sp>
+    </p:spTree>
+  </p:cSld>
+</p:sld>
+</file>
+
+<file path=ppt/slides/slide21.xml><?xml version="1.0" encoding="utf-8"?>
+<p:sld xmlns:a="http://schemas.openxmlformats.org/drawingml/2006/main" xmlns:r="http://schemas.openxmlformats.org/officeDocument/2006/relationships" xmlns:p="http://schemas.openxmlformats.org/presentationml/2006/main">
+  <p:cSld>
+    <p:spTree>
+      <p:nvGrpSpPr>
+        <p:cNvPr id="1" name=""/>
+        <p:cNvGrpSpPr/>
+        <p:nvPr/>
+      </p:nvGrpSpPr>
+      <p:grpSpPr>
+        <a:xfrm>
+          <a:off x="0" y="0"/>
+          <a:ext cx="0" cy="0"/>
+          <a:chOff x="0" y="0"/>
+          <a:chExt cx="0" cy="0"/>
+        </a:xfrm>
+      </p:grpSpPr>
+      <p:sp>
+        <p:nvSpPr>
+          <p:cNvPr id="2" name="Title 1"/>
+          <p:cNvSpPr>
+            <a:spLocks noGrp="1"/>
+          </p:cNvSpPr>
+          <p:nvPr>
+            <p:ph type="title"/>
+          </p:nvPr>
+        </p:nvSpPr>
+        <p:spPr/>
+        <p:txBody>
+          <a:bodyPr/>
+          <a:lstStyle/>
+          <a:p>
+            <a:pPr lvl="0" indent="0" marL="0">
+              <a:buNone/>
+            </a:pPr>
+            <a:r>
+              <a:rPr/>
+              <a:t>🟦 Slide 20 – Final message</a:t>
+            </a:r>
+          </a:p>
+        </p:txBody>
+      </p:sp>
+      <p:sp>
+        <p:nvSpPr>
+          <p:cNvPr id="3" name="Content Placeholder 2"/>
+          <p:cNvSpPr>
+            <a:spLocks noGrp="1"/>
+          </p:cNvSpPr>
+          <p:nvPr>
+            <p:ph idx="1"/>
+          </p:nvPr>
+        </p:nvSpPr>
+        <p:spPr/>
+        <p:txBody>
+          <a:bodyPr/>
+          <a:lstStyle/>
+          <a:p>
+            <a:pPr lvl="0" indent="0" marL="0">
+              <a:buNone/>
+            </a:pPr>
+            <a:r>
+              <a:rPr b="1"/>
+              <a:t>GeoRace</a:t>
+            </a:r>
+          </a:p>
+          <a:p>
+            <a:pPr lvl="0" indent="0" marL="1270000">
+              <a:buNone/>
+            </a:pPr>
+            <a:r>
+              <a:rPr sz="2000"/>
+              <a:t>Every run is a duel. Every duel is an opportunity. Transform your motivation.</a:t>
+            </a:r>
+          </a:p>
+          <a:p>
+            <a:pPr lvl="0" indent="0" marL="0">
+              <a:buNone/>
+            </a:pPr>
+            <a:r>
+              <a:rPr b="1"/>
+              <a:t>Ready to take on the challenge?</a:t>
             </a:r>
           </a:p>
         </p:txBody>
@@ -4236,7 +4724,7 @@
             </a:pPr>
             <a:r>
               <a:rPr/>
-              <a:t>🟦 Slide 2 – Problème</a:t>
+              <a:t>🟦 Slide 2 – Problem</a:t>
             </a:r>
           </a:p>
         </p:txBody>
@@ -4261,44 +4749,44 @@
             </a:pPr>
             <a:r>
               <a:rPr b="1"/>
-              <a:t>Courir seul, une motivation en berne</a:t>
+              <a:t>Running alone, declining motivation</a:t>
             </a:r>
           </a:p>
           <a:p>
             <a:pPr lvl="0"/>
             <a:r>
               <a:rPr/>
-              <a:t>De nombreux coureurs se sentent démotivés seuls</a:t>
+              <a:t>Many runners feel demotivated when running alone</a:t>
             </a:r>
           </a:p>
           <a:p>
             <a:pPr lvl="0"/>
             <a:r>
               <a:rPr/>
-              <a:t>Manque de défi et d’interaction</a:t>
+              <a:t>Lack of challenge and interaction</a:t>
             </a:r>
           </a:p>
           <a:p>
             <a:pPr lvl="0"/>
             <a:r>
               <a:rPr/>
-              <a:t>Difficulté à mesurer ses progrès face à d’autres</a:t>
+              <a:t>Difficulty measuring progress against others</a:t>
             </a:r>
           </a:p>
           <a:p>
             <a:pPr lvl="0"/>
             <a:r>
               <a:rPr/>
-              <a:t>Risque d’abandon des objectifs sportifs</a:t>
-            </a:r>
-          </a:p>
-          <a:p>
-            <a:pPr lvl="0" indent="0" marL="0">
-              <a:buNone/>
-            </a:pPr>
-            <a:r>
-              <a:rPr/>
-              <a:t>➡ Résultat : monotonie, perte de motivation, arrêt de la pratique</a:t>
+              <a:t>Risk of abandoning fitness goals</a:t>
+            </a:r>
+          </a:p>
+          <a:p>
+            <a:pPr lvl="0" indent="0" marL="0">
+              <a:buNone/>
+            </a:pPr>
+            <a:r>
+              <a:rPr/>
+              <a:t>➡ Result: monotony, loss of motivation, practice abandonment</a:t>
             </a:r>
           </a:p>
         </p:txBody>
@@ -4345,7 +4833,7 @@
             </a:pPr>
             <a:r>
               <a:rPr/>
-              <a:t>🟦 Slide 3 – Concept innovant</a:t>
+              <a:t>🟦 Slide 3 – Our differentiators</a:t>
             </a:r>
           </a:p>
         </p:txBody>
@@ -4370,58 +4858,73 @@
             </a:pPr>
             <a:r>
               <a:rPr b="1"/>
-              <a:t>Duels en temps réel pour tous</a:t>
-            </a:r>
-          </a:p>
-          <a:p>
-            <a:pPr lvl="0" indent="0" marL="0">
-              <a:buNone/>
-            </a:pPr>
-            <a:r>
-              <a:rPr/>
-              <a:t>🏃 </a:t>
-            </a:r>
-            <a:r>
-              <a:rPr b="1"/>
-              <a:t>DUELS EN TEMPS RÉEL</a:t>
-            </a:r>
-            <a:r>
-              <a:rPr/>
-              <a:t> Affrontez d’autres coureurs à proximité dans des courses spontanées</a:t>
-            </a:r>
-          </a:p>
-          <a:p>
-            <a:pPr lvl="0" indent="0" marL="0">
-              <a:buNone/>
-            </a:pPr>
-            <a:r>
-              <a:rPr/>
-              <a:t>📍 </a:t>
-            </a:r>
-            <a:r>
-              <a:rPr b="1"/>
-              <a:t>POINT D’ARRIVÉE ÉQUITABLE</a:t>
-            </a:r>
-            <a:r>
-              <a:rPr/>
-              <a:t> Chaque duel se termine à un point équidistant pour tous les participants</a:t>
-            </a:r>
-          </a:p>
-          <a:p>
-            <a:pPr lvl="0" indent="0" marL="0">
-              <a:buNone/>
-            </a:pPr>
-            <a:r>
-              <a:rPr/>
-              <a:t>⚖️ </a:t>
-            </a:r>
-            <a:r>
-              <a:rPr b="1"/>
-              <a:t>COMPÉTITION JUSTE</a:t>
-            </a:r>
-            <a:r>
-              <a:rPr/>
-              <a:t> Système ELO garantit des matchs équilibrés quel que soit votre niveau</a:t>
+              <a:t>What makes GeoRace unique</a:t>
+            </a:r>
+          </a:p>
+          <a:p>
+            <a:pPr lvl="0"/>
+            <a:r>
+              <a:rPr b="1"/>
+              <a:t>Real-time duel to an equidistant finish point</a:t>
+            </a:r>
+            <a:r>
+              <a:rPr/>
+              <a:t> → guaranteed fairness between runners</a:t>
+            </a:r>
+          </a:p>
+          <a:p>
+            <a:pPr lvl="0"/>
+            <a:r>
+              <a:rPr b="1"/>
+              <a:t>ELO Matchmaking</a:t>
+            </a:r>
+            <a:r>
+              <a:rPr/>
+              <a:t> → opponents of comparable level, visible progression</a:t>
+            </a:r>
+          </a:p>
+          <a:p>
+            <a:pPr lvl="0"/>
+            <a:r>
+              <a:rPr b="1"/>
+              <a:t>Live GPS &amp; synchronized tracking</a:t>
+            </a:r>
+            <a:r>
+              <a:rPr/>
+              <a:t> → immediate competitive experience</a:t>
+            </a:r>
+          </a:p>
+          <a:p>
+            <a:pPr lvl="0"/>
+            <a:r>
+              <a:rPr b="1"/>
+              <a:t>Privacy and security</a:t>
+            </a:r>
+            <a:r>
+              <a:rPr/>
+              <a:t> → position sharing limited to active duels</a:t>
+            </a:r>
+          </a:p>
+          <a:p>
+            <a:pPr lvl="0"/>
+            <a:r>
+              <a:rPr b="1"/>
+              <a:t>Integrated anti-cheat</a:t>
+            </a:r>
+            <a:r>
+              <a:rPr/>
+              <a:t> (GPS anomaly detection, route verification)</a:t>
+            </a:r>
+          </a:p>
+          <a:p>
+            <a:pPr lvl="0"/>
+            <a:r>
+              <a:rPr b="1"/>
+              <a:t>Social features</a:t>
+            </a:r>
+            <a:r>
+              <a:rPr/>
+              <a:t> → profiles, chat, badges, local leaderboards</a:t>
             </a:r>
           </a:p>
         </p:txBody>
@@ -4468,7 +4971,7 @@
             </a:pPr>
             <a:r>
               <a:rPr/>
-              <a:t>🟦 Slide 4 – Fonctionnement d’un duel</a:t>
+              <a:t>🟦 Slide 4 – Why users will join us</a:t>
             </a:r>
           </a:p>
         </p:txBody>
@@ -4493,46 +4996,51 @@
             </a:pPr>
             <a:r>
               <a:rPr b="1"/>
-              <a:t>3 étapes simples</a:t>
-            </a:r>
-          </a:p>
-          <a:p>
-            <a:pPr lvl="0" indent="0" marL="0">
-              <a:buNone/>
-            </a:pPr>
-            <a:r>
-              <a:rPr b="1"/>
-              <a:t>01 - DÉTECTION DES COUREURS</a:t>
-            </a:r>
-            <a:r>
-              <a:rPr/>
-              <a:t> Identification automatique des coureurs actifs à proximité</a:t>
-            </a:r>
-          </a:p>
-          <a:p>
-            <a:pPr lvl="0" indent="0" marL="0">
-              <a:buNone/>
-            </a:pPr>
-            <a:r>
-              <a:rPr b="1"/>
-              <a:t>02 - POINT D’ARRIVÉE ÉQUITABLE</a:t>
-            </a:r>
-            <a:r>
-              <a:rPr/>
-              <a:t> Calcul algorithmique d’un point accessible à distance ��gale pour tous</a:t>
-            </a:r>
-          </a:p>
-          <a:p>
-            <a:pPr lvl="0" indent="0" marL="0">
-              <a:buNone/>
-            </a:pPr>
-            <a:r>
-              <a:rPr b="1"/>
-              <a:t>03 - DÉPART SIMULTANÉ</a:t>
-            </a:r>
-            <a:r>
-              <a:rPr/>
-              <a:t> Compte à rebours synchronisé après acceptation mutuelle</a:t>
+              <a:t>Reasons to switch to GeoRace</a:t>
+            </a:r>
+          </a:p>
+          <a:p>
+            <a:pPr lvl="0"/>
+            <a:r>
+              <a:rPr b="1"/>
+              <a:t>Unique and fair duel experience</a:t>
+            </a:r>
+            <a:r>
+              <a:rPr/>
+              <a:t> = more fun and challenge</a:t>
+            </a:r>
+          </a:p>
+          <a:p>
+            <a:pPr lvl="0"/>
+            <a:r>
+              <a:rPr b="1"/>
+              <a:t>Visible progression (ELO)</a:t>
+            </a:r>
+            <a:r>
+              <a:rPr/>
+              <a:t> = motivation to return</a:t>
+            </a:r>
+          </a:p>
+          <a:p>
+            <a:pPr lvl="0"/>
+            <a:r>
+              <a:rPr b="1"/>
+              <a:t>Local events &amp; tournaments</a:t>
+            </a:r>
+            <a:r>
+              <a:rPr/>
+              <a:t> = social opportunities and rewards</a:t>
+            </a:r>
+          </a:p>
+          <a:p>
+            <a:pPr lvl="0"/>
+            <a:r>
+              <a:rPr b="1"/>
+              <a:t>Easy friend transfer</a:t>
+            </a:r>
+            <a:r>
+              <a:rPr/>
+              <a:t> via invitations and immediate duels</a:t>
             </a:r>
           </a:p>
         </p:txBody>
@@ -4579,7 +5087,7 @@
             </a:pPr>
             <a:r>
               <a:rPr/>
-              <a:t>🟦 Slide 5 – Un duel GeoRace</a:t>
+              <a:t>🟦 Slide 5 – Acquisition strategy (how to steal users from competitors)</a:t>
             </a:r>
           </a:p>
         </p:txBody>
@@ -4604,85 +5112,73 @@
             </a:pPr>
             <a:r>
               <a:rPr b="1"/>
-              <a:t>Scénario typique :</a:t>
-            </a:r>
-          </a:p>
-          <a:p>
-            <a:pPr lvl="0" indent="-342900" marL="342900">
-              <a:buAutoNum type="arabicPeriod"/>
-            </a:pPr>
-            <a:r>
-              <a:rPr b="1"/>
-              <a:t>Vous commencez votre course</a:t>
-            </a:r>
-            <a:r>
-              <a:rPr/>
-              <a:t> → l’app détecte 3 coureurs dans un rayon de 800m</a:t>
-            </a:r>
-          </a:p>
-          <a:p>
-            <a:pPr lvl="0" indent="-342900" marL="342900">
-              <a:buAutoNum type="arabicPeriod"/>
-            </a:pPr>
-            <a:r>
-              <a:rPr b="1"/>
-              <a:t>Proposition de duel</a:t>
-            </a:r>
-            <a:r>
-              <a:rPr/>
-              <a:t> → notification “Paul (ELO 1420) vous défie”</a:t>
-            </a:r>
-          </a:p>
-          <a:p>
-            <a:pPr lvl="0" indent="-342900" marL="342900">
-              <a:buAutoNum type="arabicPeriod"/>
-            </a:pPr>
-            <a:r>
-              <a:rPr b="1"/>
-              <a:t>Vous acceptez</a:t>
-            </a:r>
-            <a:r>
-              <a:rPr/>
-              <a:t> → le système calcule un point d’arrivée à 1,2km pour chacun</a:t>
-            </a:r>
-          </a:p>
-          <a:p>
-            <a:pPr lvl="0" indent="-342900" marL="342900">
-              <a:buAutoNum type="arabicPeriod"/>
-            </a:pPr>
-            <a:r>
-              <a:rPr b="1"/>
-              <a:t>Départ dans 10 secondes</a:t>
-            </a:r>
-            <a:r>
-              <a:rPr/>
-              <a:t> → compte à rebours</a:t>
-            </a:r>
-          </a:p>
-          <a:p>
-            <a:pPr lvl="0" indent="-342900" marL="342900">
-              <a:buAutoNum type="arabicPeriod"/>
-            </a:pPr>
-            <a:r>
-              <a:rPr b="1"/>
-              <a:t>Course en direct</a:t>
-            </a:r>
-            <a:r>
-              <a:rPr/>
-              <a:t> → GPS vous guide, position de l’adversaire visible</a:t>
-            </a:r>
-          </a:p>
-          <a:p>
-            <a:pPr lvl="0" indent="-342900" marL="342900">
-              <a:buAutoNum type="arabicPeriod"/>
-            </a:pPr>
-            <a:r>
-              <a:rPr b="1"/>
-              <a:t>Arrivée</a:t>
-            </a:r>
-            <a:r>
-              <a:rPr/>
-              <a:t> → +25 ELO, badge “5 victoires consécutives” débloqué</a:t>
+              <a:t>Concrete tactics to attract users</a:t>
+            </a:r>
+          </a:p>
+          <a:p>
+            <a:pPr lvl="0"/>
+            <a:r>
+              <a:rPr b="1"/>
+              <a:t>Local targeting</a:t>
+            </a:r>
+            <a:r>
+              <a:rPr/>
+              <a:t>: organize micro-events and challenges in parks and campuses</a:t>
+            </a:r>
+          </a:p>
+          <a:p>
+            <a:pPr lvl="0"/>
+            <a:r>
+              <a:rPr b="1"/>
+              <a:t>Partnerships</a:t>
+            </a:r>
+            <a:r>
+              <a:rPr/>
+              <a:t> with running clubs, coaches, local influencers</a:t>
+            </a:r>
+          </a:p>
+          <a:p>
+            <a:pPr lvl="0"/>
+            <a:r>
+              <a:rPr b="1"/>
+              <a:t>Integrations &amp; entry point</a:t>
+            </a:r>
+            <a:r>
+              <a:rPr/>
+              <a:t>: simplified import from Strava/Runkeeper + friend import</a:t>
+            </a:r>
+          </a:p>
+          <a:p>
+            <a:pPr lvl="0"/>
+            <a:r>
+              <a:rPr b="1"/>
+              <a:t>Incentive programs</a:t>
+            </a:r>
+            <a:r>
+              <a:rPr/>
+              <a:t>: free duels/initial ELO bonus, rewards, exclusive badges</a:t>
+            </a:r>
+          </a:p>
+          <a:p>
+            <a:pPr lvl="0"/>
+            <a:r>
+              <a:rPr b="1"/>
+              <a:t>Social media campaigns</a:t>
+            </a:r>
+            <a:r>
+              <a:rPr/>
+              <a:t> showing live duels + user stories</a:t>
+            </a:r>
+          </a:p>
+          <a:p>
+            <a:pPr lvl="0"/>
+            <a:r>
+              <a:rPr b="1"/>
+              <a:t>Differentiating features in onboarding</a:t>
+            </a:r>
+            <a:r>
+              <a:rPr/>
+              <a:t> (30s duel demonstration)</a:t>
             </a:r>
           </a:p>
         </p:txBody>
@@ -4729,7 +5225,7 @@
             </a:pPr>
             <a:r>
               <a:rPr/>
-              <a:t>🟦 Slide 6 – Aspect social</a:t>
+              <a:t>🟦 Slide 6 – Innovative concept: Duel mode</a:t>
             </a:r>
           </a:p>
         </p:txBody>
@@ -4754,46 +5250,58 @@
             </a:pPr>
             <a:r>
               <a:rPr b="1"/>
-              <a:t>Construisez une communauté de coureurs</a:t>
-            </a:r>
-          </a:p>
-          <a:p>
-            <a:pPr lvl="0" indent="0" marL="0">
-              <a:buNone/>
-            </a:pPr>
-            <a:r>
-              <a:rPr b="1"/>
-              <a:t>01 - MATCHMAKING ÉQUILIBRÉ</a:t>
-            </a:r>
-            <a:r>
-              <a:rPr/>
-              <a:t> Connexion automatique entre coureurs de niveaux similaires grâce à l’ELO</a:t>
-            </a:r>
-          </a:p>
-          <a:p>
-            <a:pPr lvl="0" indent="0" marL="0">
-              <a:buNone/>
-            </a:pPr>
-            <a:r>
-              <a:rPr b="1"/>
-              <a:t>02 - DISCUSSION ET PARTAGE</a:t>
-            </a:r>
-            <a:r>
-              <a:rPr/>
-              <a:t> Chat en direct, ajout d’amis, profils détaillés avec statistiques</a:t>
-            </a:r>
-          </a:p>
-          <a:p>
-            <a:pPr lvl="0" indent="0" marL="0">
-              <a:buNone/>
-            </a:pPr>
-            <a:r>
-              <a:rPr b="1"/>
-              <a:t>03 - ÉVÉNEMENTS COMMUNAUTAIRES</a:t>
-            </a:r>
-            <a:r>
-              <a:rPr/>
-              <a:t> Courses organisées, défis collectifs, ligues locales par ville/quartier</a:t>
+              <a:t>Real-time duels for everyone</a:t>
+            </a:r>
+          </a:p>
+          <a:p>
+            <a:pPr lvl="0" indent="0" marL="0">
+              <a:buNone/>
+            </a:pPr>
+            <a:r>
+              <a:rPr/>
+              <a:t>🏃 </a:t>
+            </a:r>
+            <a:r>
+              <a:rPr b="1"/>
+              <a:t>REAL-TIME DUELS</a:t>
+            </a:r>
+            <a:r>
+              <a:rPr/>
+              <a:t> Face other nearby runners in spontaneous races</a:t>
+            </a:r>
+          </a:p>
+          <a:p>
+            <a:pPr lvl="0" indent="0" marL="0">
+              <a:buNone/>
+            </a:pPr>
+            <a:r>
+              <a:rPr/>
+              <a:t>📍 </a:t>
+            </a:r>
+            <a:r>
+              <a:rPr b="1"/>
+              <a:t>FAIR FINISH POINT</a:t>
+            </a:r>
+            <a:r>
+              <a:rPr/>
+              <a:t> Each duel ends at an equidistant point for all participants</a:t>
+            </a:r>
+          </a:p>
+          <a:p>
+            <a:pPr lvl="0" indent="0" marL="0">
+              <a:buNone/>
+            </a:pPr>
+            <a:r>
+              <a:rPr/>
+              <a:t>⚖️ </a:t>
+            </a:r>
+            <a:r>
+              <a:rPr b="1"/>
+              <a:t>FAIR COMPETITION</a:t>
+            </a:r>
+            <a:r>
+              <a:rPr/>
+              <a:t> ELO system ensures balanced matches regardless of your level</a:t>
             </a:r>
           </a:p>
         </p:txBody>
@@ -4840,7 +5348,7 @@
             </a:pPr>
             <a:r>
               <a:rPr/>
-              <a:t>🟦 Slide 7 – Système de classement ELO</a:t>
+              <a:t>🟦 Slide 7 – How a duel works</a:t>
             </a:r>
           </a:p>
         </p:txBody>
@@ -4865,46 +5373,46 @@
             </a:pPr>
             <a:r>
               <a:rPr b="1"/>
-              <a:t>Compétition équitable et progression motivante</a:t>
-            </a:r>
-          </a:p>
-          <a:p>
-            <a:pPr lvl="0" indent="0" marL="0">
-              <a:buNone/>
-            </a:pPr>
-            <a:r>
-              <a:rPr b="1"/>
-              <a:t>01 - MATCHS ÉQUILIBRÉS</a:t>
-            </a:r>
-            <a:r>
-              <a:rPr/>
-              <a:t> Algorithme ELO vous oppose à des coureurs de niveau proche</a:t>
-            </a:r>
-          </a:p>
-          <a:p>
-            <a:pPr lvl="0" indent="0" marL="0">
-              <a:buNone/>
-            </a:pPr>
-            <a:r>
-              <a:rPr b="1"/>
-              <a:t>02 - PROGRESSION VISIBLE</a:t>
-            </a:r>
-            <a:r>
-              <a:rPr/>
-              <a:t> Suivez votre montée dans les classements (Bronze → Argent → Or → Platine)</a:t>
-            </a:r>
-          </a:p>
-          <a:p>
-            <a:pPr lvl="0" indent="0" marL="0">
-              <a:buNone/>
-            </a:pPr>
-            <a:r>
-              <a:rPr b="1"/>
-              <a:t>03 - RÉCOMPENSES ET BADGES</a:t>
-            </a:r>
-            <a:r>
-              <a:rPr/>
-              <a:t> Débloquez des achievements à chaque niveau atteint</a:t>
+              <a:t>3 simple steps</a:t>
+            </a:r>
+          </a:p>
+          <a:p>
+            <a:pPr lvl="0" indent="0" marL="0">
+              <a:buNone/>
+            </a:pPr>
+            <a:r>
+              <a:rPr b="1"/>
+              <a:t>01 - RUNNER DETECTION</a:t>
+            </a:r>
+            <a:r>
+              <a:rPr/>
+              <a:t> Automatic identification of active runners nearby</a:t>
+            </a:r>
+          </a:p>
+          <a:p>
+            <a:pPr lvl="0" indent="0" marL="0">
+              <a:buNone/>
+            </a:pPr>
+            <a:r>
+              <a:rPr b="1"/>
+              <a:t>02 - FAIR FINISH POINT</a:t>
+            </a:r>
+            <a:r>
+              <a:rPr/>
+              <a:t> Algorithmic calculation of a point accessible at equal distance for all</a:t>
+            </a:r>
+          </a:p>
+          <a:p>
+            <a:pPr lvl="0" indent="0" marL="0">
+              <a:buNone/>
+            </a:pPr>
+            <a:r>
+              <a:rPr b="1"/>
+              <a:t>03 - SIMULTANEOUS START</a:t>
+            </a:r>
+            <a:r>
+              <a:rPr/>
+              <a:t> Synchronized countdown after mutual acceptance</a:t>
             </a:r>
           </a:p>
         </p:txBody>
@@ -4951,7 +5459,7 @@
             </a:pPr>
             <a:r>
               <a:rPr/>
-              <a:t>🟦 Slide 8 – Bénéfices de GeoRace</a:t>
+              <a:t>🟦 Slide 8 – A GeoRace duel</a:t>
             </a:r>
           </a:p>
         </p:txBody>
@@ -4976,46 +5484,85 @@
             </a:pPr>
             <a:r>
               <a:rPr b="1"/>
-              <a:t>Plus qu’une app de running</a:t>
-            </a:r>
-          </a:p>
-          <a:p>
-            <a:pPr lvl="0" indent="0" marL="0">
-              <a:buNone/>
-            </a:pPr>
-            <a:r>
-              <a:rPr b="1"/>
-              <a:t>01 - MOTIVATION ACCRUE</a:t>
-            </a:r>
-            <a:r>
-              <a:rPr/>
-              <a:t> Chaque sortie devient un défi concret et excitant</a:t>
-            </a:r>
-          </a:p>
-          <a:p>
-            <a:pPr lvl="0" indent="0" marL="0">
-              <a:buNone/>
-            </a:pPr>
-            <a:r>
-              <a:rPr b="1"/>
-              <a:t>02 - AMÉLIORATION DES PERFORMANCES</a:t>
-            </a:r>
-            <a:r>
-              <a:rPr/>
-              <a:t> La compétition pousse naturellement au dépassement de soi</a:t>
-            </a:r>
-          </a:p>
-          <a:p>
-            <a:pPr lvl="0" indent="0" marL="0">
-              <a:buNone/>
-            </a:pPr>
-            <a:r>
-              <a:rPr b="1"/>
-              <a:t>03 - BIEN-ÊTRE SOCIAL</a:t>
-            </a:r>
-            <a:r>
-              <a:rPr/>
-              <a:t> Rencontrez et interagissez avec d’autres coureurs passionnés</a:t>
+              <a:t>Typical scenario:</a:t>
+            </a:r>
+          </a:p>
+          <a:p>
+            <a:pPr lvl="0" indent="-342900" marL="342900">
+              <a:buAutoNum type="arabicPeriod"/>
+            </a:pPr>
+            <a:r>
+              <a:rPr b="1"/>
+              <a:t>You start your run</a:t>
+            </a:r>
+            <a:r>
+              <a:rPr/>
+              <a:t> → the app detects 3 runners within 800m</a:t>
+            </a:r>
+          </a:p>
+          <a:p>
+            <a:pPr lvl="0" indent="-342900" marL="342900">
+              <a:buAutoNum type="arabicPeriod"/>
+            </a:pPr>
+            <a:r>
+              <a:rPr b="1"/>
+              <a:t>Duel proposal</a:t>
+            </a:r>
+            <a:r>
+              <a:rPr/>
+              <a:t> → notification “Paul (ELO 1420) challenges you”</a:t>
+            </a:r>
+          </a:p>
+          <a:p>
+            <a:pPr lvl="0" indent="-342900" marL="342900">
+              <a:buAutoNum type="arabicPeriod"/>
+            </a:pPr>
+            <a:r>
+              <a:rPr b="1"/>
+              <a:t>You accept</a:t>
+            </a:r>
+            <a:r>
+              <a:rPr/>
+              <a:t> → the system calculates a finish point at 1.2km for each</a:t>
+            </a:r>
+          </a:p>
+          <a:p>
+            <a:pPr lvl="0" indent="-342900" marL="342900">
+              <a:buAutoNum type="arabicPeriod"/>
+            </a:pPr>
+            <a:r>
+              <a:rPr b="1"/>
+              <a:t>Start in 10 seconds</a:t>
+            </a:r>
+            <a:r>
+              <a:rPr/>
+              <a:t> → countdown</a:t>
+            </a:r>
+          </a:p>
+          <a:p>
+            <a:pPr lvl="0" indent="-342900" marL="342900">
+              <a:buAutoNum type="arabicPeriod"/>
+            </a:pPr>
+            <a:r>
+              <a:rPr b="1"/>
+              <a:t>Live race</a:t>
+            </a:r>
+            <a:r>
+              <a:rPr/>
+              <a:t> → GPS guides you, opponent’s position visible</a:t>
+            </a:r>
+          </a:p>
+          <a:p>
+            <a:pPr lvl="0" indent="-342900" marL="342900">
+              <a:buAutoNum type="arabicPeriod"/>
+            </a:pPr>
+            <a:r>
+              <a:rPr b="1"/>
+              <a:t>Finish</a:t>
+            </a:r>
+            <a:r>
+              <a:rPr/>
+              <a:t> → +25 ELO, badge “5 consecutive victories” unlocked</a:t>
             </a:r>
           </a:p>
         </p:txBody>

--- a/GeoRace_presentation.pptx
+++ b/GeoRace_presentation.pptx
@@ -3214,7 +3214,7 @@
             </a:pPr>
             <a:r>
               <a:rPr/>
-              <a:t>🟦 Slide 9 – Quick demo (key points for presentation)</a:t>
+              <a:t>🟦 Slide 9 – Démo rapide (points clés pour la présentation)</a:t>
             </a:r>
           </a:p>
         </p:txBody>
@@ -3239,86 +3239,86 @@
             </a:pPr>
             <a:r>
               <a:rPr b="1"/>
-              <a:t>Presentation script - Key points to emphasize</a:t>
+              <a:t>Script de présentation - Points à appuyer</a:t>
             </a:r>
           </a:p>
           <a:p>
             <a:pPr lvl="0"/>
             <a:r>
               <a:rPr b="1"/>
-              <a:t>Equidistant finish point</a:t>
-            </a:r>
-            <a:r>
-              <a:rPr/>
-              <a:t>: “Each runner covers exactly the same distance - total fairness”</a:t>
+              <a:t>Point d’arrivée équidistant</a:t>
+            </a:r>
+            <a:r>
+              <a:rPr/>
+              <a:t> : “Chaque coureur parcourt exactement la même distance - l’équité totale”</a:t>
             </a:r>
           </a:p>
           <a:p>
             <a:pPr lvl="0"/>
             <a:r>
               <a:rPr b="1"/>
-              <a:t>ELO Matchmaking</a:t>
-            </a:r>
-            <a:r>
-              <a:rPr/>
-              <a:t>: “You always face someone at your level - neither too easy nor impossible”</a:t>
+              <a:t>Matchmaking ELO</a:t>
+            </a:r>
+            <a:r>
+              <a:rPr/>
+              <a:t> : “Vous affrontez toujours quelqu’un de votre niveau - ni trop facile, ni impossible”</a:t>
             </a:r>
           </a:p>
           <a:p>
             <a:pPr lvl="0"/>
             <a:r>
               <a:rPr b="1"/>
-              <a:t>Real-time duel</a:t>
-            </a:r>
-            <a:r>
-              <a:rPr/>
-              <a:t>: “No after-the-fact comparison - it’s a real race, now”</a:t>
+              <a:t>Duel en temps réel</a:t>
+            </a:r>
+            <a:r>
+              <a:rPr/>
+              <a:t> : “Pas de comparaison après coup - c’est une vraie course, maintenant”</a:t>
             </a:r>
           </a:p>
           <a:p>
             <a:pPr lvl="0"/>
             <a:r>
               <a:rPr b="1"/>
-              <a:t>Security and privacy</a:t>
-            </a:r>
-            <a:r>
-              <a:rPr/>
-              <a:t>: “Your position is only visible during active duels”</a:t>
+              <a:t>Sécurité et confidentialité</a:t>
+            </a:r>
+            <a:r>
+              <a:rPr/>
+              <a:t> : “Votre position n’est visible que pendant les duels actifs”</a:t>
             </a:r>
           </a:p>
           <a:p>
             <a:pPr lvl="0"/>
             <a:r>
               <a:rPr b="1"/>
-              <a:t>Anti-cheat</a:t>
-            </a:r>
-            <a:r>
-              <a:rPr/>
-              <a:t>: “Automatic GPS anomaly detection - no cheaters”</a:t>
+              <a:t>Anti-triche</a:t>
+            </a:r>
+            <a:r>
+              <a:rPr/>
+              <a:t> : “Détection automatique des anomalies GPS - pas de tricheurs”</a:t>
             </a:r>
           </a:p>
           <a:p>
             <a:pPr lvl="0"/>
             <a:r>
               <a:rPr b="1"/>
-              <a:t>Social engagement</a:t>
-            </a:r>
-            <a:r>
-              <a:rPr/>
-              <a:t>: “Profiles, chat, badges, local tournaments - a real community”</a:t>
-            </a:r>
-          </a:p>
-          <a:p>
-            <a:pPr lvl="0" indent="0" marL="0">
-              <a:buNone/>
-            </a:pPr>
-            <a:r>
-              <a:rPr b="1"/>
-              <a:t>Key message</a:t>
-            </a:r>
-            <a:r>
-              <a:rPr/>
-              <a:t>: Fair real-time dueling changes everything - it’s no longer tracking, it’s competition!</a:t>
+              <a:t>Engagement social</a:t>
+            </a:r>
+            <a:r>
+              <a:rPr/>
+              <a:t> : “Profils, chat, badges, tournois locaux - une vraie communauté”</a:t>
+            </a:r>
+          </a:p>
+          <a:p>
+            <a:pPr lvl="0" indent="0" marL="0">
+              <a:buNone/>
+            </a:pPr>
+            <a:r>
+              <a:rPr b="1"/>
+              <a:t>Message clé</a:t>
+            </a:r>
+            <a:r>
+              <a:rPr/>
+              <a:t> : Le duel équitable en temps réel change tout - ce n’est plus du tracking, c’est de la compétition !</a:t>
             </a:r>
           </a:p>
         </p:txBody>
@@ -3365,7 +3365,7 @@
             </a:pPr>
             <a:r>
               <a:rPr/>
-              <a:t>🟦 Slide 10 – Social aspect</a:t>
+              <a:t>🟦 Slide 10 – Aspect social</a:t>
             </a:r>
           </a:p>
         </p:txBody>
@@ -3390,46 +3390,46 @@
             </a:pPr>
             <a:r>
               <a:rPr b="1"/>
-              <a:t>Build a runner community</a:t>
-            </a:r>
-          </a:p>
-          <a:p>
-            <a:pPr lvl="0" indent="0" marL="0">
-              <a:buNone/>
-            </a:pPr>
-            <a:r>
-              <a:rPr b="1"/>
-              <a:t>01 - BALANCED MATCHMAKING</a:t>
-            </a:r>
-            <a:r>
-              <a:rPr/>
-              <a:t> Automatic connection between runners of similar levels through ELO</a:t>
-            </a:r>
-          </a:p>
-          <a:p>
-            <a:pPr lvl="0" indent="0" marL="0">
-              <a:buNone/>
-            </a:pPr>
-            <a:r>
-              <a:rPr b="1"/>
-              <a:t>02 - DISCUSSION AND SHARING</a:t>
-            </a:r>
-            <a:r>
-              <a:rPr/>
-              <a:t> Live chat, friend adding, detailed profiles with statistics</a:t>
-            </a:r>
-          </a:p>
-          <a:p>
-            <a:pPr lvl="0" indent="0" marL="0">
-              <a:buNone/>
-            </a:pPr>
-            <a:r>
-              <a:rPr b="1"/>
-              <a:t>03 - COMMUNITY EVENTS</a:t>
-            </a:r>
-            <a:r>
-              <a:rPr/>
-              <a:t> Organized races, collective challenges, local leagues by city/neighborhood</a:t>
+              <a:t>Construisez une communauté de coureurs</a:t>
+            </a:r>
+          </a:p>
+          <a:p>
+            <a:pPr lvl="0" indent="0" marL="0">
+              <a:buNone/>
+            </a:pPr>
+            <a:r>
+              <a:rPr b="1"/>
+              <a:t>01 - MATCHMAKING ÉQUILIBRÉ</a:t>
+            </a:r>
+            <a:r>
+              <a:rPr/>
+              <a:t> Connexion automatique entre coureurs de niveaux similaires grâce à l’ELO</a:t>
+            </a:r>
+          </a:p>
+          <a:p>
+            <a:pPr lvl="0" indent="0" marL="0">
+              <a:buNone/>
+            </a:pPr>
+            <a:r>
+              <a:rPr b="1"/>
+              <a:t>02 - DISCUSSION ET PARTAGE</a:t>
+            </a:r>
+            <a:r>
+              <a:rPr/>
+              <a:t> Chat en direct, ajout d’amis, profils détaillés avec statistiques</a:t>
+            </a:r>
+          </a:p>
+          <a:p>
+            <a:pPr lvl="0" indent="0" marL="0">
+              <a:buNone/>
+            </a:pPr>
+            <a:r>
+              <a:rPr b="1"/>
+              <a:t>03 - ÉVÉNEMENTS COMMUNAUTAIRES</a:t>
+            </a:r>
+            <a:r>
+              <a:rPr/>
+              <a:t> Courses organisées, défis collectifs, ligues locales par ville/quartier</a:t>
             </a:r>
           </a:p>
         </p:txBody>
@@ -3476,7 +3476,7 @@
             </a:pPr>
             <a:r>
               <a:rPr/>
-              <a:t>🟦 Slide 11 – ELO ranking system</a:t>
+              <a:t>🟦 Slide 11 – Système de classement ELO</a:t>
             </a:r>
           </a:p>
         </p:txBody>
@@ -3501,46 +3501,46 @@
             </a:pPr>
             <a:r>
               <a:rPr b="1"/>
-              <a:t>Fair competition and motivating progression</a:t>
-            </a:r>
-          </a:p>
-          <a:p>
-            <a:pPr lvl="0" indent="0" marL="0">
-              <a:buNone/>
-            </a:pPr>
-            <a:r>
-              <a:rPr b="1"/>
-              <a:t>01 - BALANCED MATCHES</a:t>
-            </a:r>
-            <a:r>
-              <a:rPr/>
-              <a:t> ELO algorithm pairs you with runners of similar level</a:t>
-            </a:r>
-          </a:p>
-          <a:p>
-            <a:pPr lvl="0" indent="0" marL="0">
-              <a:buNone/>
-            </a:pPr>
-            <a:r>
-              <a:rPr b="1"/>
-              <a:t>02 - VISIBLE PROGRESSION</a:t>
-            </a:r>
-            <a:r>
-              <a:rPr/>
-              <a:t> Track your rise in rankings (Bronze → Silver → Gold → Platinum)</a:t>
-            </a:r>
-          </a:p>
-          <a:p>
-            <a:pPr lvl="0" indent="0" marL="0">
-              <a:buNone/>
-            </a:pPr>
-            <a:r>
-              <a:rPr b="1"/>
-              <a:t>03 - REWARDS AND BADGES</a:t>
-            </a:r>
-            <a:r>
-              <a:rPr/>
-              <a:t> Unlock achievements at each level reached</a:t>
+              <a:t>Compétition équitable et progression motivante</a:t>
+            </a:r>
+          </a:p>
+          <a:p>
+            <a:pPr lvl="0" indent="0" marL="0">
+              <a:buNone/>
+            </a:pPr>
+            <a:r>
+              <a:rPr b="1"/>
+              <a:t>01 - MATCHS ÉQUILIBRÉS</a:t>
+            </a:r>
+            <a:r>
+              <a:rPr/>
+              <a:t> Algorithme ELO vous oppose à des coureurs de niveau proche</a:t>
+            </a:r>
+          </a:p>
+          <a:p>
+            <a:pPr lvl="0" indent="0" marL="0">
+              <a:buNone/>
+            </a:pPr>
+            <a:r>
+              <a:rPr b="1"/>
+              <a:t>02 - PROGRESSION VISIBLE</a:t>
+            </a:r>
+            <a:r>
+              <a:rPr/>
+              <a:t> Suivez votre montée dans les classements (Bronze → Argent → Or → Platine)</a:t>
+            </a:r>
+          </a:p>
+          <a:p>
+            <a:pPr lvl="0" indent="0" marL="0">
+              <a:buNone/>
+            </a:pPr>
+            <a:r>
+              <a:rPr b="1"/>
+              <a:t>03 - RÉCOMPENSES ET BADGES</a:t>
+            </a:r>
+            <a:r>
+              <a:rPr/>
+              <a:t> Débloquez des achievements à chaque niveau atteint</a:t>
             </a:r>
           </a:p>
         </p:txBody>
@@ -3587,7 +3587,7 @@
             </a:pPr>
             <a:r>
               <a:rPr/>
-              <a:t>�� Slide 12 – GeoRace benefits</a:t>
+              <a:t>🟦 Slide 12 – Bénéfices de GeoRace</a:t>
             </a:r>
           </a:p>
         </p:txBody>
@@ -3612,46 +3612,46 @@
             </a:pPr>
             <a:r>
               <a:rPr b="1"/>
-              <a:t>More than a running app</a:t>
-            </a:r>
-          </a:p>
-          <a:p>
-            <a:pPr lvl="0" indent="0" marL="0">
-              <a:buNone/>
-            </a:pPr>
-            <a:r>
-              <a:rPr b="1"/>
-              <a:t>01 - INCREASED MOTIVATION</a:t>
-            </a:r>
-            <a:r>
-              <a:rPr/>
-              <a:t> Each outing becomes a concrete and exciting challenge</a:t>
-            </a:r>
-          </a:p>
-          <a:p>
-            <a:pPr lvl="0" indent="0" marL="0">
-              <a:buNone/>
-            </a:pPr>
-            <a:r>
-              <a:rPr b="1"/>
-              <a:t>02 - PERFORMANCE IMPROVEMENT</a:t>
-            </a:r>
-            <a:r>
-              <a:rPr/>
-              <a:t> Competition naturally pushes self-improvement</a:t>
-            </a:r>
-          </a:p>
-          <a:p>
-            <a:pPr lvl="0" indent="0" marL="0">
-              <a:buNone/>
-            </a:pPr>
-            <a:r>
-              <a:rPr b="1"/>
-              <a:t>03 - SOCIAL WELL-BEING</a:t>
-            </a:r>
-            <a:r>
-              <a:rPr/>
-              <a:t> Meet and interact with other passionate runners</a:t>
+              <a:t>Plus qu’une app de running</a:t>
+            </a:r>
+          </a:p>
+          <a:p>
+            <a:pPr lvl="0" indent="0" marL="0">
+              <a:buNone/>
+            </a:pPr>
+            <a:r>
+              <a:rPr b="1"/>
+              <a:t>01 - MOTIVATION ACCRUE</a:t>
+            </a:r>
+            <a:r>
+              <a:rPr/>
+              <a:t> Chaque sortie devient un défi concret et excitant</a:t>
+            </a:r>
+          </a:p>
+          <a:p>
+            <a:pPr lvl="0" indent="0" marL="0">
+              <a:buNone/>
+            </a:pPr>
+            <a:r>
+              <a:rPr b="1"/>
+              <a:t>02 - AMÉLIORATION DES PERFORMANCES</a:t>
+            </a:r>
+            <a:r>
+              <a:rPr/>
+              <a:t> La compétition pousse naturellement au dépassement de soi</a:t>
+            </a:r>
+          </a:p>
+          <a:p>
+            <a:pPr lvl="0" indent="0" marL="0">
+              <a:buNone/>
+            </a:pPr>
+            <a:r>
+              <a:rPr b="1"/>
+              <a:t>03 - BIEN-ÊTRE SOCIAL</a:t>
+            </a:r>
+            <a:r>
+              <a:rPr/>
+              <a:t> Rencontrez et interagissez avec d’autres coureurs passionnés</a:t>
             </a:r>
           </a:p>
         </p:txBody>
@@ -3698,7 +3698,7 @@
             </a:pPr>
             <a:r>
               <a:rPr/>
-              <a:t>🟦 Slide 13 – Key features</a:t>
+              <a:t>🟦 Slide 13 – Fonctionnalités clés</a:t>
             </a:r>
           </a:p>
         </p:txBody>
@@ -3723,62 +3723,62 @@
             </a:pPr>
             <a:r>
               <a:rPr b="1"/>
-              <a:t>Technology serving performance</a:t>
+              <a:t>Technologie au service de la performance</a:t>
             </a:r>
           </a:p>
           <a:p>
             <a:pPr lvl="0"/>
             <a:r>
               <a:rPr b="1"/>
-              <a:t>High-precision GPS</a:t>
-            </a:r>
-            <a:r>
-              <a:rPr/>
-              <a:t>: real-time tracking during duels</a:t>
+              <a:t>GPS haute précision</a:t>
+            </a:r>
+            <a:r>
+              <a:rPr/>
+              <a:t> : tracking en temps réel pendant les duels</a:t>
             </a:r>
           </a:p>
           <a:p>
             <a:pPr lvl="0"/>
             <a:r>
               <a:rPr b="1"/>
-              <a:t>Intelligent algorithm</a:t>
-            </a:r>
-            <a:r>
-              <a:rPr/>
-              <a:t>: calculation of accessible equidistant points</a:t>
+              <a:t>Algorithme intelligent</a:t>
+            </a:r>
+            <a:r>
+              <a:rPr/>
+              <a:t> : calcul de points équidistants accessibles</a:t>
             </a:r>
           </a:p>
           <a:p>
             <a:pPr lvl="0"/>
             <a:r>
               <a:rPr b="1"/>
-              <a:t>Security</a:t>
-            </a:r>
-            <a:r>
-              <a:rPr/>
-              <a:t>: position visible only during active duel</a:t>
+              <a:t>Sécurité</a:t>
+            </a:r>
+            <a:r>
+              <a:rPr/>
+              <a:t> : position visible uniquement en duel actif</a:t>
             </a:r>
           </a:p>
           <a:p>
             <a:pPr lvl="0"/>
             <a:r>
               <a:rPr b="1"/>
-              <a:t>Anti-cheat</a:t>
-            </a:r>
-            <a:r>
-              <a:rPr/>
-              <a:t>: abnormal speed detection and community validation</a:t>
+              <a:t>Anti-triche</a:t>
+            </a:r>
+            <a:r>
+              <a:rPr/>
+              <a:t> : détection de vitesse anormale et validation communautaire</a:t>
             </a:r>
           </a:p>
           <a:p>
             <a:pPr lvl="0"/>
             <a:r>
               <a:rPr b="1"/>
-              <a:t>Battery optimization</a:t>
-            </a:r>
-            <a:r>
-              <a:rPr/>
-              <a:t>: energy-saving mode</a:t>
+              <a:t>Optimisation batterie</a:t>
+            </a:r>
+            <a:r>
+              <a:rPr/>
+              <a:t> : mode économie d’énergie</a:t>
             </a:r>
           </a:p>
         </p:txBody>
@@ -3825,7 +3825,7 @@
             </a:pPr>
             <a:r>
               <a:rPr/>
-              <a:t>🟦 Slide 14 – Target audience</a:t>
+              <a:t>🟦 Slide 14 – Cible</a:t>
             </a:r>
           </a:p>
         </p:txBody>
@@ -3850,7 +3850,7 @@
             </a:pPr>
             <a:r>
               <a:rPr b="1"/>
-              <a:t>Who uses GeoRace?</a:t>
+              <a:t>Qui utilise GeoRace ?</a:t>
             </a:r>
           </a:p>
           <a:p>
@@ -3861,11 +3861,11 @@
             </a:r>
             <a:r>
               <a:rPr b="1"/>
-              <a:t>Regular runners</a:t>
-            </a:r>
-            <a:r>
-              <a:rPr/>
-              <a:t>: seeking to improve their performance</a:t>
+              <a:t>Coureurs réguliers</a:t>
+            </a:r>
+            <a:r>
+              <a:rPr/>
+              <a:t> : cherchent à améliorer leurs performances</a:t>
             </a:r>
           </a:p>
           <a:p>
@@ -3876,11 +3876,11 @@
             </a:r>
             <a:r>
               <a:rPr b="1"/>
-              <a:t>Occasional runners</a:t>
-            </a:r>
-            <a:r>
-              <a:rPr/>
-              <a:t>: need motivation to stay consistent</a:t>
+              <a:t>Coureurs occasionnels</a:t>
+            </a:r>
+            <a:r>
+              <a:rPr/>
+              <a:t> : ont besoin de motivation pour rester réguliers</a:t>
             </a:r>
           </a:p>
           <a:p>
@@ -3891,11 +3891,11 @@
             </a:r>
             <a:r>
               <a:rPr b="1"/>
-              <a:t>Competitive runners</a:t>
-            </a:r>
-            <a:r>
-              <a:rPr/>
-              <a:t>: want to test their level between official races</a:t>
+              <a:t>Coureurs compétitifs</a:t>
+            </a:r>
+            <a:r>
+              <a:rPr/>
+              <a:t> : veulent tester leur niveau entre les courses officielles</a:t>
             </a:r>
           </a:p>
           <a:p>
@@ -3906,11 +3906,11 @@
             </a:r>
             <a:r>
               <a:rPr b="1"/>
-              <a:t>New runners</a:t>
-            </a:r>
-            <a:r>
-              <a:rPr/>
-              <a:t>: looking for a motivating community</a:t>
+              <a:t>Nouveaux coureurs</a:t>
+            </a:r>
+            <a:r>
+              <a:rPr/>
+              <a:t> : cherchent une communauté motivante</a:t>
             </a:r>
           </a:p>
         </p:txBody>
@@ -3957,7 +3957,7 @@
             </a:pPr>
             <a:r>
               <a:rPr/>
-              <a:t>🟦 Slide 15 – Differentiation vs competitors</a:t>
+              <a:t>🟦 Slide 15 – Différenciation vs concurrents</a:t>
             </a:r>
           </a:p>
         </p:txBody>
@@ -3982,7 +3982,7 @@
             </a:pPr>
             <a:r>
               <a:rPr b="1"/>
-              <a:t>What other apps don’t do:</a:t>
+              <a:t>Ce que les autres apps ne font pas :</a:t>
             </a:r>
           </a:p>
           <a:p>
@@ -3993,7 +3993,7 @@
             </a:r>
             <a:r>
               <a:rPr/>
-              <a:t> → social network, no real-time competition</a:t>
+              <a:t> → réseau social, pas de compétition temps réel</a:t>
             </a:r>
           </a:p>
           <a:p>
@@ -4004,7 +4004,7 @@
             </a:r>
             <a:r>
               <a:rPr/>
-              <a:t> → tracking + asynchronous challenges</a:t>
+              <a:t> → tracking + défis asynchrones</a:t>
             </a:r>
           </a:p>
           <a:p>
@@ -4015,16 +4015,16 @@
             </a:r>
             <a:r>
               <a:rPr/>
-              <a:t> → basic GPS without interaction</a:t>
-            </a:r>
-          </a:p>
-          <a:p>
-            <a:pPr lvl="0" indent="0" marL="0">
-              <a:buNone/>
-            </a:pPr>
-            <a:r>
-              <a:rPr b="1"/>
-              <a:t>GeoRace combines:</a:t>
+              <a:t> → GPS basique sans interaction</a:t>
+            </a:r>
+          </a:p>
+          <a:p>
+            <a:pPr lvl="0" indent="0" marL="0">
+              <a:buNone/>
+            </a:pPr>
+            <a:r>
+              <a:rPr b="1"/>
+              <a:t>GeoRace combine :</a:t>
             </a:r>
           </a:p>
           <a:p>
@@ -4033,16 +4033,16 @@
             </a:pPr>
             <a:r>
               <a:rPr sz="2000"/>
-              <a:t>Spontaneous real-time duels + Fair finish point + ELO Matchmaking</a:t>
-            </a:r>
-          </a:p>
-          <a:p>
-            <a:pPr lvl="0" indent="0" marL="0">
-              <a:buNone/>
-            </a:pPr>
-            <a:r>
-              <a:rPr b="1"/>
-              <a:t>= Unique concept in the market</a:t>
+              <a:t>Duels spontanés en temps réel + Point d’arrivée équitable + Matchmaking ELO</a:t>
+            </a:r>
+          </a:p>
+          <a:p>
+            <a:pPr lvl="0" indent="0" marL="0">
+              <a:buNone/>
+            </a:pPr>
+            <a:r>
+              <a:rPr b="1"/>
+              <a:t>= Concept unique sur le marché</a:t>
             </a:r>
           </a:p>
         </p:txBody>
@@ -4089,7 +4089,7 @@
             </a:pPr>
             <a:r>
               <a:rPr/>
-              <a:t>🟦 Slide 16 – Business model</a:t>
+              <a:t>🟦 Slide 16 – Modèle économique</a:t>
             </a:r>
           </a:p>
         </p:txBody>
@@ -4114,46 +4114,46 @@
             </a:pPr>
             <a:r>
               <a:rPr b="1"/>
-              <a:t>Freemium with added value</a:t>
-            </a:r>
-          </a:p>
-          <a:p>
-            <a:pPr lvl="0" indent="0" marL="0">
-              <a:buNone/>
-            </a:pPr>
-            <a:r>
-              <a:rPr b="1"/>
-              <a:t>Free:</a:t>
-            </a:r>
-            <a:r>
-              <a:rPr/>
-              <a:t> * 3 duels per day * ELO ranking * Basic statistics * Community events</a:t>
-            </a:r>
-          </a:p>
-          <a:p>
-            <a:pPr lvl="0" indent="0" marL="0">
-              <a:buNone/>
-            </a:pPr>
-            <a:r>
-              <a:rPr b="1"/>
-              <a:t>Premium (€4.99/month):</a:t>
-            </a:r>
-            <a:r>
-              <a:rPr/>
-              <a:t> * Unlimited duels * Advanced statistics * Profile customization * Training mode against your records * No ads</a:t>
-            </a:r>
-          </a:p>
-          <a:p>
-            <a:pPr lvl="0" indent="0" marL="0">
-              <a:buNone/>
-            </a:pPr>
-            <a:r>
-              <a:rPr b="1"/>
-              <a:t>Additional revenues:</a:t>
-            </a:r>
-            <a:r>
-              <a:rPr/>
-              <a:t> * Brand partnerships (Nike, Adidas) * Premium events with prizes</a:t>
+              <a:t>Freemium avec valeur ajoutée</a:t>
+            </a:r>
+          </a:p>
+          <a:p>
+            <a:pPr lvl="0" indent="0" marL="0">
+              <a:buNone/>
+            </a:pPr>
+            <a:r>
+              <a:rPr b="1"/>
+              <a:t>Gratuit :</a:t>
+            </a:r>
+            <a:r>
+              <a:rPr/>
+              <a:t> * 3 duels par jour * Classement ELO * Statistiques de base * Événements communautaires</a:t>
+            </a:r>
+          </a:p>
+          <a:p>
+            <a:pPr lvl="0" indent="0" marL="0">
+              <a:buNone/>
+            </a:pPr>
+            <a:r>
+              <a:rPr b="1"/>
+              <a:t>Premium (4,99€/mois) :</a:t>
+            </a:r>
+            <a:r>
+              <a:rPr/>
+              <a:t> * Duels illimités * Statistiques avancées * Personnalisation profil * Mode entraînement contre vos records * Pas de publicités</a:t>
+            </a:r>
+          </a:p>
+          <a:p>
+            <a:pPr lvl="0" indent="0" marL="0">
+              <a:buNone/>
+            </a:pPr>
+            <a:r>
+              <a:rPr b="1"/>
+              <a:t>Revenus additionnels :</a:t>
+            </a:r>
+            <a:r>
+              <a:rPr/>
+              <a:t> * Partenariats marques (Nike, Adidas) * Événements premium avec prix</a:t>
             </a:r>
           </a:p>
         </p:txBody>
@@ -4225,58 +4225,58 @@
             </a:pPr>
             <a:r>
               <a:rPr b="1"/>
-              <a:t>Progressive deployment</a:t>
-            </a:r>
-          </a:p>
-          <a:p>
-            <a:pPr lvl="0" indent="0" marL="0">
-              <a:buNone/>
-            </a:pPr>
-            <a:r>
-              <a:rPr b="1"/>
-              <a:t>Phase 1 (6 months) - MVP</a:t>
-            </a:r>
-            <a:r>
-              <a:rPr/>
-              <a:t> * 1v1 real-time duels * ELO system * Test in 2-3 pilot cities * </a:t>
-            </a:r>
-            <a:r>
-              <a:rPr b="1"/>
-              <a:t>Goal: 500 active users</a:t>
-            </a:r>
-          </a:p>
-          <a:p>
-            <a:pPr lvl="0" indent="0" marL="0">
-              <a:buNone/>
-            </a:pPr>
-            <a:r>
-              <a:rPr b="1"/>
-              <a:t>Phase 2 (12 months) - Gamification</a:t>
-            </a:r>
-            <a:r>
-              <a:rPr/>
-              <a:t> * Badges, statistics, profiles * Community events * </a:t>
-            </a:r>
-            <a:r>
-              <a:rPr b="1"/>
-              <a:t>Goal: 5,000 users</a:t>
-            </a:r>
-          </a:p>
-          <a:p>
-            <a:pPr lvl="0" indent="0" marL="0">
-              <a:buNone/>
-            </a:pPr>
-            <a:r>
-              <a:rPr b="1"/>
-              <a:t>Phase 3 (24 months) - Scale</a:t>
-            </a:r>
-            <a:r>
-              <a:rPr/>
-              <a:t> * Premium version * Multi-player duels * National expansion * </a:t>
-            </a:r>
-            <a:r>
-              <a:rPr b="1"/>
-              <a:t>Goal: 50,000 users</a:t>
+              <a:t>Déploiement progressif</a:t>
+            </a:r>
+          </a:p>
+          <a:p>
+            <a:pPr lvl="0" indent="0" marL="0">
+              <a:buNone/>
+            </a:pPr>
+            <a:r>
+              <a:rPr b="1"/>
+              <a:t>Phase 1 (6 mois) - MVP</a:t>
+            </a:r>
+            <a:r>
+              <a:rPr/>
+              <a:t> * Duels 1v1 en temps réel * Système ELO * Test dans 2-3 villes pilotes * </a:t>
+            </a:r>
+            <a:r>
+              <a:rPr b="1"/>
+              <a:t>Objectif : 500 utilisateurs actifs</a:t>
+            </a:r>
+          </a:p>
+          <a:p>
+            <a:pPr lvl="0" indent="0" marL="0">
+              <a:buNone/>
+            </a:pPr>
+            <a:r>
+              <a:rPr b="1"/>
+              <a:t>Phase 2 (12 mois) - Gamification</a:t>
+            </a:r>
+            <a:r>
+              <a:rPr/>
+              <a:t> * Badges, statistiques, profils * Événements communautaires * </a:t>
+            </a:r>
+            <a:r>
+              <a:rPr b="1"/>
+              <a:t>Objectif : 5 000 utilisateurs</a:t>
+            </a:r>
+          </a:p>
+          <a:p>
+            <a:pPr lvl="0" indent="0" marL="0">
+              <a:buNone/>
+            </a:pPr>
+            <a:r>
+              <a:rPr b="1"/>
+              <a:t>Phase 3 (24 mois) - Scale</a:t>
+            </a:r>
+            <a:r>
+              <a:rPr/>
+              <a:t> * Version Premium * Duels multi-joueurs * Expansion nationale * </a:t>
+            </a:r>
+            <a:r>
+              <a:rPr b="1"/>
+              <a:t>Objectif : 50 000 utilisateurs</a:t>
             </a:r>
           </a:p>
         </p:txBody>
@@ -4323,7 +4323,7 @@
             </a:pPr>
             <a:r>
               <a:rPr/>
-              <a:t>🟦 Slide 18 – Challenges &amp; Solutions</a:t>
+              <a:t>🟦 Slide 18 – Défis &amp; Solutions</a:t>
             </a:r>
           </a:p>
         </p:txBody>
@@ -4348,59 +4348,59 @@
             </a:pPr>
             <a:r>
               <a:rPr b="1"/>
-              <a:t>Anticipating obstacles</a:t>
-            </a:r>
-          </a:p>
-          <a:p>
-            <a:pPr lvl="0" indent="0" marL="0">
-              <a:buNone/>
-            </a:pPr>
-            <a:r>
-              <a:rPr b="1"/>
-              <a:t>Challenge: Runner safety</a:t>
-            </a:r>
-            <a:r>
-              <a:rPr/>
-              <a:t> → Safety alerts, “cautious race” mode</a:t>
-            </a:r>
-          </a:p>
-          <a:p>
-            <a:pPr lvl="0" indent="0" marL="0">
-              <a:buNone/>
-            </a:pPr>
-            <a:r>
-              <a:rPr b="1"/>
-              <a:t>Challenge: Rural areas (few users)</a:t>
-            </a:r>
-            <a:r>
-              <a:rPr/>
-              <a:t> → Asynchronous mode against “ghost runners”</a:t>
-            </a:r>
-          </a:p>
-          <a:p>
-            <a:pPr lvl="0" indent="0" marL="0">
-              <a:buNone/>
-            </a:pPr>
-            <a:r>
-              <a:rPr b="1"/>
-              <a:t>Challenge: Cheating (bike, car)</a:t>
-            </a:r>
-            <a:r>
-              <a:rPr/>
-              <a:t> → Abnormal speed detection + community validation</a:t>
-            </a:r>
-          </a:p>
-          <a:p>
-            <a:pPr lvl="0" indent="0" marL="0">
-              <a:buNone/>
-            </a:pPr>
-            <a:r>
-              <a:rPr b="1"/>
-              <a:t>Challenge: Privacy</a:t>
-            </a:r>
-            <a:r>
-              <a:rPr/>
-              <a:t> → Position visible only during duel, user blocking</a:t>
+              <a:t>Anticiper les obstacles</a:t>
+            </a:r>
+          </a:p>
+          <a:p>
+            <a:pPr lvl="0" indent="0" marL="0">
+              <a:buNone/>
+            </a:pPr>
+            <a:r>
+              <a:rPr b="1"/>
+              <a:t>Défi : Sécurité des coureurs</a:t>
+            </a:r>
+            <a:r>
+              <a:rPr/>
+              <a:t> → Alertes de sécurité, mode “course prudente”</a:t>
+            </a:r>
+          </a:p>
+          <a:p>
+            <a:pPr lvl="0" indent="0" marL="0">
+              <a:buNone/>
+            </a:pPr>
+            <a:r>
+              <a:rPr b="1"/>
+              <a:t>Défi : Zones rurales (peu d’utilisateurs)</a:t>
+            </a:r>
+            <a:r>
+              <a:rPr/>
+              <a:t> → Mode asynchrone contre “ghost runners”</a:t>
+            </a:r>
+          </a:p>
+          <a:p>
+            <a:pPr lvl="0" indent="0" marL="0">
+              <a:buNone/>
+            </a:pPr>
+            <a:r>
+              <a:rPr b="1"/>
+              <a:t>Défi : Triche (vélo, voiture)</a:t>
+            </a:r>
+            <a:r>
+              <a:rPr/>
+              <a:t> → Détection vitesse anormale + validation communautaire</a:t>
+            </a:r>
+          </a:p>
+          <a:p>
+            <a:pPr lvl="0" indent="0" marL="0">
+              <a:buNone/>
+            </a:pPr>
+            <a:r>
+              <a:rPr b="1"/>
+              <a:t>Défi : Vie privée</a:t>
+            </a:r>
+            <a:r>
+              <a:rPr/>
+              <a:t> → Position visible uniquement en duel, blocage d’utilisateurs</a:t>
             </a:r>
           </a:p>
         </p:txBody>
@@ -4447,7 +4447,7 @@
             </a:pPr>
             <a:r>
               <a:rPr/>
-              <a:t>🟦 Slide 1 – Title</a:t>
+              <a:t>🟦 Slide 1 – Titre</a:t>
             </a:r>
           </a:p>
         </p:txBody>
@@ -4481,20 +4481,20 @@
             </a:pPr>
             <a:r>
               <a:rPr sz="2000"/>
-              <a:t>The real-time competitive running app</a:t>
-            </a:r>
-          </a:p>
-          <a:p>
-            <a:pPr lvl="0" indent="0" marL="0">
-              <a:buNone/>
-            </a:pPr>
-            <a:r>
-              <a:rPr b="1"/>
-              <a:t>Subtitle:</a:t>
-            </a:r>
-            <a:r>
-              <a:rPr/>
-              <a:t> Turn every run into an exciting duel.</a:t>
+              <a:t>L’application de course compétitive en temps réel</a:t>
+            </a:r>
+          </a:p>
+          <a:p>
+            <a:pPr lvl="0" indent="0" marL="0">
+              <a:buNone/>
+            </a:pPr>
+            <a:r>
+              <a:rPr b="1"/>
+              <a:t>Sous‑titre :</a:t>
+            </a:r>
+            <a:r>
+              <a:rPr/>
+              <a:t> Transformez chaque sortie running en duel excitant.</a:t>
             </a:r>
           </a:p>
         </p:txBody>
@@ -4566,28 +4566,28 @@
             </a:pPr>
             <a:r>
               <a:rPr sz="2000"/>
-              <a:t>GeoRace doesn’t just track your runs. We transform running into a </a:t>
+              <a:t>GeoRace ne se contente pas de tracker vos courses. Nous transformons la course à pied en une </a:t>
             </a:r>
             <a:r>
               <a:rPr sz="2000" b="1"/>
-              <a:t>social, competitive, and motivating experience</a:t>
+              <a:t>expérience sociale, compétitive et motivante</a:t>
             </a:r>
             <a:r>
               <a:rPr sz="2000"/>
-              <a:t> accessible to everyone, everywhere, anytime.</a:t>
-            </a:r>
-          </a:p>
-          <a:p>
-            <a:pPr lvl="0" indent="0" marL="0">
-              <a:buNone/>
-            </a:pPr>
-            <a:r>
-              <a:rPr b="1"/>
-              <a:t>Our ambition:</a:t>
-            </a:r>
-            <a:r>
-              <a:rPr/>
-              <a:t> Become the reference for real-time competitive running and create a global community of runners passionate about challenges.</a:t>
+              <a:t> accessible à tous, partout, à tout moment.</a:t>
+            </a:r>
+          </a:p>
+          <a:p>
+            <a:pPr lvl="0" indent="0" marL="0">
+              <a:buNone/>
+            </a:pPr>
+            <a:r>
+              <a:rPr b="1"/>
+              <a:t>Notre ambition :</a:t>
+            </a:r>
+            <a:r>
+              <a:rPr/>
+              <a:t> Devenir la référence de la course compétitive en temps réel et créer une communauté mondiale de coureurs passionnés par le défi.</a:t>
             </a:r>
           </a:p>
         </p:txBody>
@@ -4634,7 +4634,7 @@
             </a:pPr>
             <a:r>
               <a:rPr/>
-              <a:t>🟦 Slide 20 – Final message</a:t>
+              <a:t>🟦 Slide 20 – Phrase finale</a:t>
             </a:r>
           </a:p>
         </p:txBody>
@@ -4668,16 +4668,16 @@
             </a:pPr>
             <a:r>
               <a:rPr sz="2000"/>
-              <a:t>Every run is a duel. Every duel is an opportunity. Transform your motivation.</a:t>
-            </a:r>
-          </a:p>
-          <a:p>
-            <a:pPr lvl="0" indent="0" marL="0">
-              <a:buNone/>
-            </a:pPr>
-            <a:r>
-              <a:rPr b="1"/>
-              <a:t>Ready to take on the challenge?</a:t>
+              <a:t>Chaque course est un duel. Chaque duel est une opportunité. Transformez votre motivation.</a:t>
+            </a:r>
+          </a:p>
+          <a:p>
+            <a:pPr lvl="0" indent="0" marL="0">
+              <a:buNone/>
+            </a:pPr>
+            <a:r>
+              <a:rPr b="1"/>
+              <a:t>Prêt à relever le défi ?</a:t>
             </a:r>
           </a:p>
         </p:txBody>
@@ -4724,7 +4724,7 @@
             </a:pPr>
             <a:r>
               <a:rPr/>
-              <a:t>🟦 Slide 2 – Problem</a:t>
+              <a:t>🟦 Slide 2 – Problème</a:t>
             </a:r>
           </a:p>
         </p:txBody>
@@ -4749,44 +4749,44 @@
             </a:pPr>
             <a:r>
               <a:rPr b="1"/>
-              <a:t>Running alone, declining motivation</a:t>
+              <a:t>Courir seul, une motivation en berne</a:t>
             </a:r>
           </a:p>
           <a:p>
             <a:pPr lvl="0"/>
             <a:r>
               <a:rPr/>
-              <a:t>Many runners feel demotivated when running alone</a:t>
+              <a:t>De nombreux coureurs se sentent démotivés seuls</a:t>
             </a:r>
           </a:p>
           <a:p>
             <a:pPr lvl="0"/>
             <a:r>
               <a:rPr/>
-              <a:t>Lack of challenge and interaction</a:t>
+              <a:t>Manque de défi et d’interaction</a:t>
             </a:r>
           </a:p>
           <a:p>
             <a:pPr lvl="0"/>
             <a:r>
               <a:rPr/>
-              <a:t>Difficulty measuring progress against others</a:t>
+              <a:t>Difficulté à mesurer ses progrès face à d’autres</a:t>
             </a:r>
           </a:p>
           <a:p>
             <a:pPr lvl="0"/>
             <a:r>
               <a:rPr/>
-              <a:t>Risk of abandoning fitness goals</a:t>
-            </a:r>
-          </a:p>
-          <a:p>
-            <a:pPr lvl="0" indent="0" marL="0">
-              <a:buNone/>
-            </a:pPr>
-            <a:r>
-              <a:rPr/>
-              <a:t>➡ Result: monotony, loss of motivation, practice abandonment</a:t>
+              <a:t>Risque d’abandon des objectifs sportifs</a:t>
+            </a:r>
+          </a:p>
+          <a:p>
+            <a:pPr lvl="0" indent="0" marL="0">
+              <a:buNone/>
+            </a:pPr>
+            <a:r>
+              <a:rPr/>
+              <a:t>➡ Résultat : monotonie, perte de motivation, arrêt de la pratique</a:t>
             </a:r>
           </a:p>
         </p:txBody>
@@ -4833,7 +4833,7 @@
             </a:pPr>
             <a:r>
               <a:rPr/>
-              <a:t>🟦 Slide 3 – Our differentiators</a:t>
+              <a:t>🟦 Slide 3 – Nos différenciateurs</a:t>
             </a:r>
           </a:p>
         </p:txBody>
@@ -4858,73 +4858,73 @@
             </a:pPr>
             <a:r>
               <a:rPr b="1"/>
-              <a:t>What makes GeoRace unique</a:t>
+              <a:t>Ce qui rend GeoRace unique</a:t>
             </a:r>
           </a:p>
           <a:p>
             <a:pPr lvl="0"/>
             <a:r>
               <a:rPr b="1"/>
-              <a:t>Real-time duel to an equidistant finish point</a:t>
-            </a:r>
-            <a:r>
-              <a:rPr/>
-              <a:t> → guaranteed fairness between runners</a:t>
+              <a:t>Duel en temps réel vers un point d’arrivée équidistant</a:t>
+            </a:r>
+            <a:r>
+              <a:rPr/>
+              <a:t> → équité garantie entre coureurs</a:t>
             </a:r>
           </a:p>
           <a:p>
             <a:pPr lvl="0"/>
             <a:r>
               <a:rPr b="1"/>
-              <a:t>ELO Matchmaking</a:t>
-            </a:r>
-            <a:r>
-              <a:rPr/>
-              <a:t> → opponents of comparable level, visible progression</a:t>
+              <a:t>Matchmaking ELO</a:t>
+            </a:r>
+            <a:r>
+              <a:rPr/>
+              <a:t> → adversaires de niveau comparable, progression visible</a:t>
             </a:r>
           </a:p>
           <a:p>
             <a:pPr lvl="0"/>
             <a:r>
               <a:rPr b="1"/>
-              <a:t>Live GPS &amp; synchronized tracking</a:t>
-            </a:r>
-            <a:r>
-              <a:rPr/>
-              <a:t> → immediate competitive experience</a:t>
+              <a:t>GPS en direct &amp; suivi synchronisé</a:t>
+            </a:r>
+            <a:r>
+              <a:rPr/>
+              <a:t> → expérience compétitive immédiate</a:t>
             </a:r>
           </a:p>
           <a:p>
             <a:pPr lvl="0"/>
             <a:r>
               <a:rPr b="1"/>
-              <a:t>Privacy and security</a:t>
-            </a:r>
-            <a:r>
-              <a:rPr/>
-              <a:t> → position sharing limited to active duels</a:t>
+              <a:t>Confidentialité et sécurité</a:t>
+            </a:r>
+            <a:r>
+              <a:rPr/>
+              <a:t> → partage de position limité aux duels actifs</a:t>
             </a:r>
           </a:p>
           <a:p>
             <a:pPr lvl="0"/>
             <a:r>
               <a:rPr b="1"/>
-              <a:t>Integrated anti-cheat</a:t>
-            </a:r>
-            <a:r>
-              <a:rPr/>
-              <a:t> (GPS anomaly detection, route verification)</a:t>
+              <a:t>Anti‑triche intégré</a:t>
+            </a:r>
+            <a:r>
+              <a:rPr/>
+              <a:t> (détection d’anomalies GPS, vérifications de parcours)</a:t>
             </a:r>
           </a:p>
           <a:p>
             <a:pPr lvl="0"/>
             <a:r>
               <a:rPr b="1"/>
-              <a:t>Social features</a:t>
-            </a:r>
-            <a:r>
-              <a:rPr/>
-              <a:t> → profiles, chat, badges, local leaderboards</a:t>
+              <a:t>Fonctions sociales</a:t>
+            </a:r>
+            <a:r>
+              <a:rPr/>
+              <a:t> → profils, chat, badges, classements locaux</a:t>
             </a:r>
           </a:p>
         </p:txBody>
@@ -4971,7 +4971,7 @@
             </a:pPr>
             <a:r>
               <a:rPr/>
-              <a:t>🟦 Slide 4 – Why users will join us</a:t>
+              <a:t>🟦 Slide 4 – Pourquoi les utilisateurs nous rejoindront</a:t>
             </a:r>
           </a:p>
         </p:txBody>
@@ -4996,51 +4996,51 @@
             </a:pPr>
             <a:r>
               <a:rPr b="1"/>
-              <a:t>Reasons to switch to GeoRace</a:t>
+              <a:t>Les raisons de passer à GeoRace</a:t>
             </a:r>
           </a:p>
           <a:p>
             <a:pPr lvl="0"/>
             <a:r>
               <a:rPr b="1"/>
-              <a:t>Unique and fair duel experience</a:t>
-            </a:r>
-            <a:r>
-              <a:rPr/>
-              <a:t> = more fun and challenge</a:t>
+              <a:t>Expérience de duel unique et équitable</a:t>
+            </a:r>
+            <a:r>
+              <a:rPr/>
+              <a:t> = plus de fun et de challenge</a:t>
             </a:r>
           </a:p>
           <a:p>
             <a:pPr lvl="0"/>
             <a:r>
               <a:rPr b="1"/>
-              <a:t>Visible progression (ELO)</a:t>
-            </a:r>
-            <a:r>
-              <a:rPr/>
-              <a:t> = motivation to return</a:t>
+              <a:t>Progression visible (ELO)</a:t>
+            </a:r>
+            <a:r>
+              <a:rPr/>
+              <a:t> = motivation à revenir</a:t>
             </a:r>
           </a:p>
           <a:p>
             <a:pPr lvl="0"/>
             <a:r>
               <a:rPr b="1"/>
-              <a:t>Local events &amp; tournaments</a:t>
-            </a:r>
-            <a:r>
-              <a:rPr/>
-              <a:t> = social opportunities and rewards</a:t>
+              <a:t>Événements locaux &amp; tournois</a:t>
+            </a:r>
+            <a:r>
+              <a:rPr/>
+              <a:t> = opportunités sociales et récompenses</a:t>
             </a:r>
           </a:p>
           <a:p>
             <a:pPr lvl="0"/>
             <a:r>
               <a:rPr b="1"/>
-              <a:t>Easy friend transfer</a:t>
-            </a:r>
-            <a:r>
-              <a:rPr/>
-              <a:t> via invitations and immediate duels</a:t>
+              <a:t>Transfert facile des amis</a:t>
+            </a:r>
+            <a:r>
+              <a:rPr/>
+              <a:t> via invitations et duels immédiats</a:t>
             </a:r>
           </a:p>
         </p:txBody>
@@ -5087,7 +5087,7 @@
             </a:pPr>
             <a:r>
               <a:rPr/>
-              <a:t>🟦 Slide 5 – Acquisition strategy (how to steal users from competitors)</a:t>
+              <a:t>🟦 Slide 5 – Stratégie d’acquisition (comment voler des utilisateurs aux concurrents)</a:t>
             </a:r>
           </a:p>
         </p:txBody>
@@ -5112,73 +5112,73 @@
             </a:pPr>
             <a:r>
               <a:rPr b="1"/>
-              <a:t>Concrete tactics to attract users</a:t>
+              <a:t>Tactiques concrètes pour attirer les utilisateurs</a:t>
             </a:r>
           </a:p>
           <a:p>
             <a:pPr lvl="0"/>
             <a:r>
               <a:rPr b="1"/>
-              <a:t>Local targeting</a:t>
-            </a:r>
-            <a:r>
-              <a:rPr/>
-              <a:t>: organize micro-events and challenges in parks and campuses</a:t>
+              <a:t>Ciblage local</a:t>
+            </a:r>
+            <a:r>
+              <a:rPr/>
+              <a:t> : organiser micro‑événements et challenges dans les parcs et campus</a:t>
             </a:r>
           </a:p>
           <a:p>
             <a:pPr lvl="0"/>
             <a:r>
               <a:rPr b="1"/>
-              <a:t>Partnerships</a:t>
-            </a:r>
-            <a:r>
-              <a:rPr/>
-              <a:t> with running clubs, coaches, local influencers</a:t>
+              <a:t>Partenariats</a:t>
+            </a:r>
+            <a:r>
+              <a:rPr/>
+              <a:t> avec clubs de course, coachs, influenceurs locaux</a:t>
             </a:r>
           </a:p>
           <a:p>
             <a:pPr lvl="0"/>
             <a:r>
               <a:rPr b="1"/>
-              <a:t>Integrations &amp; entry point</a:t>
-            </a:r>
-            <a:r>
-              <a:rPr/>
-              <a:t>: simplified import from Strava/Runkeeper + friend import</a:t>
+              <a:t>Intégrations &amp; porte d’entrée</a:t>
+            </a:r>
+            <a:r>
+              <a:rPr/>
+              <a:t> : import simplifié depuis Strava/Runkeeper + import d’amis</a:t>
             </a:r>
           </a:p>
           <a:p>
             <a:pPr lvl="0"/>
             <a:r>
               <a:rPr b="1"/>
-              <a:t>Incentive programs</a:t>
-            </a:r>
-            <a:r>
-              <a:rPr/>
-              <a:t>: free duels/initial ELO bonus, rewards, exclusive badges</a:t>
+              <a:t>Programmes d’incitation</a:t>
+            </a:r>
+            <a:r>
+              <a:rPr/>
+              <a:t> : duels gratuits/bonus initial ELO, récompenses, badges exclusifs</a:t>
             </a:r>
           </a:p>
           <a:p>
             <a:pPr lvl="0"/>
             <a:r>
               <a:rPr b="1"/>
-              <a:t>Social media campaigns</a:t>
-            </a:r>
-            <a:r>
-              <a:rPr/>
-              <a:t> showing live duels + user stories</a:t>
+              <a:t>Campagnes social media</a:t>
+            </a:r>
+            <a:r>
+              <a:rPr/>
+              <a:t> montrant duels en direct + récits d’utilisateurs</a:t>
             </a:r>
           </a:p>
           <a:p>
             <a:pPr lvl="0"/>
             <a:r>
               <a:rPr b="1"/>
-              <a:t>Differentiating features in onboarding</a:t>
-            </a:r>
-            <a:r>
-              <a:rPr/>
-              <a:t> (30s duel demonstration)</a:t>
+              <a:t>Fonctionnalités différenciantes en onboarding</a:t>
+            </a:r>
+            <a:r>
+              <a:rPr/>
+              <a:t> (démonstration duel en 30s)</a:t>
             </a:r>
           </a:p>
         </p:txBody>
@@ -5225,7 +5225,7 @@
             </a:pPr>
             <a:r>
               <a:rPr/>
-              <a:t>🟦 Slide 6 – Innovative concept: Duel mode</a:t>
+              <a:t>🟦 Slide 6 – Concept innovant : Le mode duel</a:t>
             </a:r>
           </a:p>
         </p:txBody>
@@ -5250,7 +5250,7 @@
             </a:pPr>
             <a:r>
               <a:rPr b="1"/>
-              <a:t>Real-time duels for everyone</a:t>
+              <a:t>Duels en temps réel pour tous</a:t>
             </a:r>
           </a:p>
           <a:p>
@@ -5263,11 +5263,11 @@
             </a:r>
             <a:r>
               <a:rPr b="1"/>
-              <a:t>REAL-TIME DUELS</a:t>
-            </a:r>
-            <a:r>
-              <a:rPr/>
-              <a:t> Face other nearby runners in spontaneous races</a:t>
+              <a:t>DUELS EN TEMPS RÉEL</a:t>
+            </a:r>
+            <a:r>
+              <a:rPr/>
+              <a:t> Affrontez d’autres coureurs à proximité dans des courses spontanées</a:t>
             </a:r>
           </a:p>
           <a:p>
@@ -5280,11 +5280,11 @@
             </a:r>
             <a:r>
               <a:rPr b="1"/>
-              <a:t>FAIR FINISH POINT</a:t>
-            </a:r>
-            <a:r>
-              <a:rPr/>
-              <a:t> Each duel ends at an equidistant point for all participants</a:t>
+              <a:t>POINT D’ARRIVÉE ÉQUITABLE</a:t>
+            </a:r>
+            <a:r>
+              <a:rPr/>
+              <a:t> Chaque duel se termine à un point équidistant pour tous les participants</a:t>
             </a:r>
           </a:p>
           <a:p>
@@ -5297,11 +5297,11 @@
             </a:r>
             <a:r>
               <a:rPr b="1"/>
-              <a:t>FAIR COMPETITION</a:t>
-            </a:r>
-            <a:r>
-              <a:rPr/>
-              <a:t> ELO system ensures balanced matches regardless of your level</a:t>
+              <a:t>COMPÉTITION JUSTE</a:t>
+            </a:r>
+            <a:r>
+              <a:rPr/>
+              <a:t> Système ELO garantit des matchs équilibrés quel que soit votre niveau</a:t>
             </a:r>
           </a:p>
         </p:txBody>
@@ -5348,7 +5348,7 @@
             </a:pPr>
             <a:r>
               <a:rPr/>
-              <a:t>🟦 Slide 7 – How a duel works</a:t>
+              <a:t>🟦 Slide 7 – Fonctionnement d’un duel</a:t>
             </a:r>
           </a:p>
         </p:txBody>
@@ -5373,46 +5373,46 @@
             </a:pPr>
             <a:r>
               <a:rPr b="1"/>
-              <a:t>3 simple steps</a:t>
-            </a:r>
-          </a:p>
-          <a:p>
-            <a:pPr lvl="0" indent="0" marL="0">
-              <a:buNone/>
-            </a:pPr>
-            <a:r>
-              <a:rPr b="1"/>
-              <a:t>01 - RUNNER DETECTION</a:t>
-            </a:r>
-            <a:r>
-              <a:rPr/>
-              <a:t> Automatic identification of active runners nearby</a:t>
-            </a:r>
-          </a:p>
-          <a:p>
-            <a:pPr lvl="0" indent="0" marL="0">
-              <a:buNone/>
-            </a:pPr>
-            <a:r>
-              <a:rPr b="1"/>
-              <a:t>02 - FAIR FINISH POINT</a:t>
-            </a:r>
-            <a:r>
-              <a:rPr/>
-              <a:t> Algorithmic calculation of a point accessible at equal distance for all</a:t>
-            </a:r>
-          </a:p>
-          <a:p>
-            <a:pPr lvl="0" indent="0" marL="0">
-              <a:buNone/>
-            </a:pPr>
-            <a:r>
-              <a:rPr b="1"/>
-              <a:t>03 - SIMULTANEOUS START</a:t>
-            </a:r>
-            <a:r>
-              <a:rPr/>
-              <a:t> Synchronized countdown after mutual acceptance</a:t>
+              <a:t>3 étapes simples</a:t>
+            </a:r>
+          </a:p>
+          <a:p>
+            <a:pPr lvl="0" indent="0" marL="0">
+              <a:buNone/>
+            </a:pPr>
+            <a:r>
+              <a:rPr b="1"/>
+              <a:t>01 - DÉTECTION DES COUREURS</a:t>
+            </a:r>
+            <a:r>
+              <a:rPr/>
+              <a:t> Identification automatique des coureurs actifs à proximité</a:t>
+            </a:r>
+          </a:p>
+          <a:p>
+            <a:pPr lvl="0" indent="0" marL="0">
+              <a:buNone/>
+            </a:pPr>
+            <a:r>
+              <a:rPr b="1"/>
+              <a:t>02 - POINT D’ARRIVÉE ÉQUITABLE</a:t>
+            </a:r>
+            <a:r>
+              <a:rPr/>
+              <a:t> Calcul algorithmique d’un point accessible à distance égale pour tous</a:t>
+            </a:r>
+          </a:p>
+          <a:p>
+            <a:pPr lvl="0" indent="0" marL="0">
+              <a:buNone/>
+            </a:pPr>
+            <a:r>
+              <a:rPr b="1"/>
+              <a:t>03 - DÉPART SIMULTANÉ</a:t>
+            </a:r>
+            <a:r>
+              <a:rPr/>
+              <a:t> Compte à rebours synchronisé après acceptation mutuelle</a:t>
             </a:r>
           </a:p>
         </p:txBody>
@@ -5459,7 +5459,7 @@
             </a:pPr>
             <a:r>
               <a:rPr/>
-              <a:t>🟦 Slide 8 – A GeoRace duel</a:t>
+              <a:t>🟦 Slide 8 – Un duel GeoRace</a:t>
             </a:r>
           </a:p>
         </p:txBody>
@@ -5484,7 +5484,7 @@
             </a:pPr>
             <a:r>
               <a:rPr b="1"/>
-              <a:t>Typical scenario:</a:t>
+              <a:t>Scénario typique :</a:t>
             </a:r>
           </a:p>
           <a:p>
@@ -5493,11 +5493,11 @@
             </a:pPr>
             <a:r>
               <a:rPr b="1"/>
-              <a:t>You start your run</a:t>
-            </a:r>
-            <a:r>
-              <a:rPr/>
-              <a:t> → the app detects 3 runners within 800m</a:t>
+              <a:t>Vous commencez votre course</a:t>
+            </a:r>
+            <a:r>
+              <a:rPr/>
+              <a:t> → l’app détecte 3 coureurs dans un rayon de 800m</a:t>
             </a:r>
           </a:p>
           <a:p>
@@ -5506,11 +5506,11 @@
             </a:pPr>
             <a:r>
               <a:rPr b="1"/>
-              <a:t>Duel proposal</a:t>
-            </a:r>
-            <a:r>
-              <a:rPr/>
-              <a:t> → notification “Paul (ELO 1420) challenges you”</a:t>
+              <a:t>Proposition de duel</a:t>
+            </a:r>
+            <a:r>
+              <a:rPr/>
+              <a:t> → notification “Paul (ELO 1420) vous défie”</a:t>
             </a:r>
           </a:p>
           <a:p>
@@ -5519,11 +5519,11 @@
             </a:pPr>
             <a:r>
               <a:rPr b="1"/>
-              <a:t>You accept</a:t>
-            </a:r>
-            <a:r>
-              <a:rPr/>
-              <a:t> → the system calculates a finish point at 1.2km for each</a:t>
+              <a:t>Vous acceptez</a:t>
+            </a:r>
+            <a:r>
+              <a:rPr/>
+              <a:t> → le système calcule un point d’arrivée à 1,2km pour chacun</a:t>
             </a:r>
           </a:p>
           <a:p>
@@ -5532,11 +5532,11 @@
             </a:pPr>
             <a:r>
               <a:rPr b="1"/>
-              <a:t>Start in 10 seconds</a:t>
-            </a:r>
-            <a:r>
-              <a:rPr/>
-              <a:t> → countdown</a:t>
+              <a:t>Départ dans 10 secondes</a:t>
+            </a:r>
+            <a:r>
+              <a:rPr/>
+              <a:t> → compte à rebours</a:t>
             </a:r>
           </a:p>
           <a:p>
@@ -5545,11 +5545,11 @@
             </a:pPr>
             <a:r>
               <a:rPr b="1"/>
-              <a:t>Live race</a:t>
-            </a:r>
-            <a:r>
-              <a:rPr/>
-              <a:t> → GPS guides you, opponent’s position visible</a:t>
+              <a:t>Course en direct</a:t>
+            </a:r>
+            <a:r>
+              <a:rPr/>
+              <a:t> → GPS vous guide, position de l’adversaire visible</a:t>
             </a:r>
           </a:p>
           <a:p>
@@ -5558,11 +5558,11 @@
             </a:pPr>
             <a:r>
               <a:rPr b="1"/>
-              <a:t>Finish</a:t>
-            </a:r>
-            <a:r>
-              <a:rPr/>
-              <a:t> → +25 ELO, badge “5 consecutive victories” unlocked</a:t>
+              <a:t>Arrivée</a:t>
+            </a:r>
+            <a:r>
+              <a:rPr/>
+              <a:t> → +25 ELO, badge “5 victoires consécutives” débloqué</a:t>
             </a:r>
           </a:p>
         </p:txBody>

--- a/GeoRace_presentation.pptx
+++ b/GeoRace_presentation.pptx
@@ -3214,7 +3214,7 @@
             </a:pPr>
             <a:r>
               <a:rPr/>
-              <a:t>🟦 Slide 9 – Démo rapide (points clés pour la présentation)</a:t>
+              <a:t>🟦 Slide 9 – Quick demo (key points for presentation)</a:t>
             </a:r>
           </a:p>
         </p:txBody>
@@ -3239,86 +3239,86 @@
             </a:pPr>
             <a:r>
               <a:rPr b="1"/>
-              <a:t>Script de présentation - Points à appuyer</a:t>
+              <a:t>Presentation script - Key points to emphasize</a:t>
             </a:r>
           </a:p>
           <a:p>
             <a:pPr lvl="0"/>
             <a:r>
               <a:rPr b="1"/>
-              <a:t>Point d’arrivée équidistant</a:t>
-            </a:r>
-            <a:r>
-              <a:rPr/>
-              <a:t> : “Chaque coureur parcourt exactement la même distance - l’équité totale”</a:t>
+              <a:t>Equidistant finish point</a:t>
+            </a:r>
+            <a:r>
+              <a:rPr/>
+              <a:t>: “Each runner covers exactly the same distance - total fairness”</a:t>
             </a:r>
           </a:p>
           <a:p>
             <a:pPr lvl="0"/>
             <a:r>
               <a:rPr b="1"/>
-              <a:t>Matchmaking ELO</a:t>
-            </a:r>
-            <a:r>
-              <a:rPr/>
-              <a:t> : “Vous affrontez toujours quelqu’un de votre niveau - ni trop facile, ni impossible”</a:t>
+              <a:t>ELO Matchmaking</a:t>
+            </a:r>
+            <a:r>
+              <a:rPr/>
+              <a:t>: “You always face someone at your level - neither too easy nor impossible”</a:t>
             </a:r>
           </a:p>
           <a:p>
             <a:pPr lvl="0"/>
             <a:r>
               <a:rPr b="1"/>
-              <a:t>Duel en temps réel</a:t>
-            </a:r>
-            <a:r>
-              <a:rPr/>
-              <a:t> : “Pas de comparaison après coup - c’est une vraie course, maintenant”</a:t>
+              <a:t>Real-time duel</a:t>
+            </a:r>
+            <a:r>
+              <a:rPr/>
+              <a:t>: “No after-the-fact comparison - it’s a real race, now”</a:t>
             </a:r>
           </a:p>
           <a:p>
             <a:pPr lvl="0"/>
             <a:r>
               <a:rPr b="1"/>
-              <a:t>Sécurité et confidentialité</a:t>
-            </a:r>
-            <a:r>
-              <a:rPr/>
-              <a:t> : “Votre position n’est visible que pendant les duels actifs”</a:t>
+              <a:t>Security and privacy</a:t>
+            </a:r>
+            <a:r>
+              <a:rPr/>
+              <a:t>: “Your position is only visible during active duels”</a:t>
             </a:r>
           </a:p>
           <a:p>
             <a:pPr lvl="0"/>
             <a:r>
               <a:rPr b="1"/>
-              <a:t>Anti-triche</a:t>
-            </a:r>
-            <a:r>
-              <a:rPr/>
-              <a:t> : “Détection automatique des anomalies GPS - pas de tricheurs”</a:t>
+              <a:t>Anti-cheat</a:t>
+            </a:r>
+            <a:r>
+              <a:rPr/>
+              <a:t>: “Automatic GPS anomaly detection - no cheaters”</a:t>
             </a:r>
           </a:p>
           <a:p>
             <a:pPr lvl="0"/>
             <a:r>
               <a:rPr b="1"/>
-              <a:t>Engagement social</a:t>
-            </a:r>
-            <a:r>
-              <a:rPr/>
-              <a:t> : “Profils, chat, badges, tournois locaux - une vraie communauté”</a:t>
-            </a:r>
-          </a:p>
-          <a:p>
-            <a:pPr lvl="0" indent="0" marL="0">
-              <a:buNone/>
-            </a:pPr>
-            <a:r>
-              <a:rPr b="1"/>
-              <a:t>Message clé</a:t>
-            </a:r>
-            <a:r>
-              <a:rPr/>
-              <a:t> : Le duel équitable en temps réel change tout - ce n’est plus du tracking, c’est de la compétition !</a:t>
+              <a:t>Social engagement</a:t>
+            </a:r>
+            <a:r>
+              <a:rPr/>
+              <a:t>: “Profiles, chat, badges, local tournaments - a real community”</a:t>
+            </a:r>
+          </a:p>
+          <a:p>
+            <a:pPr lvl="0" indent="0" marL="0">
+              <a:buNone/>
+            </a:pPr>
+            <a:r>
+              <a:rPr b="1"/>
+              <a:t>Key message</a:t>
+            </a:r>
+            <a:r>
+              <a:rPr/>
+              <a:t>: Fair real-time dueling changes everything - it’s no longer tracking, it’s competition!</a:t>
             </a:r>
           </a:p>
         </p:txBody>
@@ -3365,7 +3365,7 @@
             </a:pPr>
             <a:r>
               <a:rPr/>
-              <a:t>🟦 Slide 10 – Aspect social</a:t>
+              <a:t>🟦 Slide 10 – Social aspect</a:t>
             </a:r>
           </a:p>
         </p:txBody>
@@ -3390,46 +3390,46 @@
             </a:pPr>
             <a:r>
               <a:rPr b="1"/>
-              <a:t>Construisez une communauté de coureurs</a:t>
-            </a:r>
-          </a:p>
-          <a:p>
-            <a:pPr lvl="0" indent="0" marL="0">
-              <a:buNone/>
-            </a:pPr>
-            <a:r>
-              <a:rPr b="1"/>
-              <a:t>01 - MATCHMAKING ÉQUILIBRÉ</a:t>
-            </a:r>
-            <a:r>
-              <a:rPr/>
-              <a:t> Connexion automatique entre coureurs de niveaux similaires grâce à l’ELO</a:t>
-            </a:r>
-          </a:p>
-          <a:p>
-            <a:pPr lvl="0" indent="0" marL="0">
-              <a:buNone/>
-            </a:pPr>
-            <a:r>
-              <a:rPr b="1"/>
-              <a:t>02 - DISCUSSION ET PARTAGE</a:t>
-            </a:r>
-            <a:r>
-              <a:rPr/>
-              <a:t> Chat en direct, ajout d’amis, profils détaillés avec statistiques</a:t>
-            </a:r>
-          </a:p>
-          <a:p>
-            <a:pPr lvl="0" indent="0" marL="0">
-              <a:buNone/>
-            </a:pPr>
-            <a:r>
-              <a:rPr b="1"/>
-              <a:t>03 - ÉVÉNEMENTS COMMUNAUTAIRES</a:t>
-            </a:r>
-            <a:r>
-              <a:rPr/>
-              <a:t> Courses organisées, défis collectifs, ligues locales par ville/quartier</a:t>
+              <a:t>Build a runner community</a:t>
+            </a:r>
+          </a:p>
+          <a:p>
+            <a:pPr lvl="0" indent="0" marL="0">
+              <a:buNone/>
+            </a:pPr>
+            <a:r>
+              <a:rPr b="1"/>
+              <a:t>01 - BALANCED MATCHMAKING</a:t>
+            </a:r>
+            <a:r>
+              <a:rPr/>
+              <a:t> Automatic connection between runners of similar levels through ELO</a:t>
+            </a:r>
+          </a:p>
+          <a:p>
+            <a:pPr lvl="0" indent="0" marL="0">
+              <a:buNone/>
+            </a:pPr>
+            <a:r>
+              <a:rPr b="1"/>
+              <a:t>02 - DISCUSSION AND SHARING</a:t>
+            </a:r>
+            <a:r>
+              <a:rPr/>
+              <a:t> Live chat, friend adding, detailed profiles with statistics</a:t>
+            </a:r>
+          </a:p>
+          <a:p>
+            <a:pPr lvl="0" indent="0" marL="0">
+              <a:buNone/>
+            </a:pPr>
+            <a:r>
+              <a:rPr b="1"/>
+              <a:t>03 - COMMUNITY EVENTS</a:t>
+            </a:r>
+            <a:r>
+              <a:rPr/>
+              <a:t> Organized races, collective challenges, local leagues by city/neighborhood</a:t>
             </a:r>
           </a:p>
         </p:txBody>
@@ -3476,7 +3476,7 @@
             </a:pPr>
             <a:r>
               <a:rPr/>
-              <a:t>🟦 Slide 11 – Système de classement ELO</a:t>
+              <a:t>🟦 Slide 11 – ELO ranking system</a:t>
             </a:r>
           </a:p>
         </p:txBody>
@@ -3501,46 +3501,46 @@
             </a:pPr>
             <a:r>
               <a:rPr b="1"/>
-              <a:t>Compétition équitable et progression motivante</a:t>
-            </a:r>
-          </a:p>
-          <a:p>
-            <a:pPr lvl="0" indent="0" marL="0">
-              <a:buNone/>
-            </a:pPr>
-            <a:r>
-              <a:rPr b="1"/>
-              <a:t>01 - MATCHS ÉQUILIBRÉS</a:t>
-            </a:r>
-            <a:r>
-              <a:rPr/>
-              <a:t> Algorithme ELO vous oppose à des coureurs de niveau proche</a:t>
-            </a:r>
-          </a:p>
-          <a:p>
-            <a:pPr lvl="0" indent="0" marL="0">
-              <a:buNone/>
-            </a:pPr>
-            <a:r>
-              <a:rPr b="1"/>
-              <a:t>02 - PROGRESSION VISIBLE</a:t>
-            </a:r>
-            <a:r>
-              <a:rPr/>
-              <a:t> Suivez votre montée dans les classements (Bronze → Argent → Or → Platine)</a:t>
-            </a:r>
-          </a:p>
-          <a:p>
-            <a:pPr lvl="0" indent="0" marL="0">
-              <a:buNone/>
-            </a:pPr>
-            <a:r>
-              <a:rPr b="1"/>
-              <a:t>03 - RÉCOMPENSES ET BADGES</a:t>
-            </a:r>
-            <a:r>
-              <a:rPr/>
-              <a:t> Débloquez des achievements à chaque niveau atteint</a:t>
+              <a:t>Fair competition and motivating progression</a:t>
+            </a:r>
+          </a:p>
+          <a:p>
+            <a:pPr lvl="0" indent="0" marL="0">
+              <a:buNone/>
+            </a:pPr>
+            <a:r>
+              <a:rPr b="1"/>
+              <a:t>01 - BALANCED MATCHES</a:t>
+            </a:r>
+            <a:r>
+              <a:rPr/>
+              <a:t> ELO algorithm pairs you with runners of similar level</a:t>
+            </a:r>
+          </a:p>
+          <a:p>
+            <a:pPr lvl="0" indent="0" marL="0">
+              <a:buNone/>
+            </a:pPr>
+            <a:r>
+              <a:rPr b="1"/>
+              <a:t>02 - VISIBLE PROGRESSION</a:t>
+            </a:r>
+            <a:r>
+              <a:rPr/>
+              <a:t> Track your rise in rankings (Bronze → Silver → Gold → Platinum)</a:t>
+            </a:r>
+          </a:p>
+          <a:p>
+            <a:pPr lvl="0" indent="0" marL="0">
+              <a:buNone/>
+            </a:pPr>
+            <a:r>
+              <a:rPr b="1"/>
+              <a:t>03 - REWARDS AND BADGES</a:t>
+            </a:r>
+            <a:r>
+              <a:rPr/>
+              <a:t> Unlock achievements at each level reached</a:t>
             </a:r>
           </a:p>
         </p:txBody>
@@ -3587,7 +3587,7 @@
             </a:pPr>
             <a:r>
               <a:rPr/>
-              <a:t>🟦 Slide 12 – Bénéfices de GeoRace</a:t>
+              <a:t>�� Slide 12 – GeoRace benefits</a:t>
             </a:r>
           </a:p>
         </p:txBody>
@@ -3612,46 +3612,46 @@
             </a:pPr>
             <a:r>
               <a:rPr b="1"/>
-              <a:t>Plus qu’une app de running</a:t>
-            </a:r>
-          </a:p>
-          <a:p>
-            <a:pPr lvl="0" indent="0" marL="0">
-              <a:buNone/>
-            </a:pPr>
-            <a:r>
-              <a:rPr b="1"/>
-              <a:t>01 - MOTIVATION ACCRUE</a:t>
-            </a:r>
-            <a:r>
-              <a:rPr/>
-              <a:t> Chaque sortie devient un défi concret et excitant</a:t>
-            </a:r>
-          </a:p>
-          <a:p>
-            <a:pPr lvl="0" indent="0" marL="0">
-              <a:buNone/>
-            </a:pPr>
-            <a:r>
-              <a:rPr b="1"/>
-              <a:t>02 - AMÉLIORATION DES PERFORMANCES</a:t>
-            </a:r>
-            <a:r>
-              <a:rPr/>
-              <a:t> La compétition pousse naturellement au dépassement de soi</a:t>
-            </a:r>
-          </a:p>
-          <a:p>
-            <a:pPr lvl="0" indent="0" marL="0">
-              <a:buNone/>
-            </a:pPr>
-            <a:r>
-              <a:rPr b="1"/>
-              <a:t>03 - BIEN-ÊTRE SOCIAL</a:t>
-            </a:r>
-            <a:r>
-              <a:rPr/>
-              <a:t> Rencontrez et interagissez avec d’autres coureurs passionnés</a:t>
+              <a:t>More than a running app</a:t>
+            </a:r>
+          </a:p>
+          <a:p>
+            <a:pPr lvl="0" indent="0" marL="0">
+              <a:buNone/>
+            </a:pPr>
+            <a:r>
+              <a:rPr b="1"/>
+              <a:t>01 - INCREASED MOTIVATION</a:t>
+            </a:r>
+            <a:r>
+              <a:rPr/>
+              <a:t> Each outing becomes a concrete and exciting challenge</a:t>
+            </a:r>
+          </a:p>
+          <a:p>
+            <a:pPr lvl="0" indent="0" marL="0">
+              <a:buNone/>
+            </a:pPr>
+            <a:r>
+              <a:rPr b="1"/>
+              <a:t>02 - PERFORMANCE IMPROVEMENT</a:t>
+            </a:r>
+            <a:r>
+              <a:rPr/>
+              <a:t> Competition naturally pushes self-improvement</a:t>
+            </a:r>
+          </a:p>
+          <a:p>
+            <a:pPr lvl="0" indent="0" marL="0">
+              <a:buNone/>
+            </a:pPr>
+            <a:r>
+              <a:rPr b="1"/>
+              <a:t>03 - SOCIAL WELL-BEING</a:t>
+            </a:r>
+            <a:r>
+              <a:rPr/>
+              <a:t> Meet and interact with other passionate runners</a:t>
             </a:r>
           </a:p>
         </p:txBody>
@@ -3698,7 +3698,7 @@
             </a:pPr>
             <a:r>
               <a:rPr/>
-              <a:t>🟦 Slide 13 – Fonctionnalités clés</a:t>
+              <a:t>🟦 Slide 13 – Key features</a:t>
             </a:r>
           </a:p>
         </p:txBody>
@@ -3723,62 +3723,62 @@
             </a:pPr>
             <a:r>
               <a:rPr b="1"/>
-              <a:t>Technologie au service de la performance</a:t>
+              <a:t>Technology serving performance</a:t>
             </a:r>
           </a:p>
           <a:p>
             <a:pPr lvl="0"/>
             <a:r>
               <a:rPr b="1"/>
-              <a:t>GPS haute précision</a:t>
-            </a:r>
-            <a:r>
-              <a:rPr/>
-              <a:t> : tracking en temps réel pendant les duels</a:t>
+              <a:t>High-precision GPS</a:t>
+            </a:r>
+            <a:r>
+              <a:rPr/>
+              <a:t>: real-time tracking during duels</a:t>
             </a:r>
           </a:p>
           <a:p>
             <a:pPr lvl="0"/>
             <a:r>
               <a:rPr b="1"/>
-              <a:t>Algorithme intelligent</a:t>
-            </a:r>
-            <a:r>
-              <a:rPr/>
-              <a:t> : calcul de points équidistants accessibles</a:t>
+              <a:t>Intelligent algorithm</a:t>
+            </a:r>
+            <a:r>
+              <a:rPr/>
+              <a:t>: calculation of accessible equidistant points</a:t>
             </a:r>
           </a:p>
           <a:p>
             <a:pPr lvl="0"/>
             <a:r>
               <a:rPr b="1"/>
-              <a:t>Sécurité</a:t>
-            </a:r>
-            <a:r>
-              <a:rPr/>
-              <a:t> : position visible uniquement en duel actif</a:t>
+              <a:t>Security</a:t>
+            </a:r>
+            <a:r>
+              <a:rPr/>
+              <a:t>: position visible only during active duel</a:t>
             </a:r>
           </a:p>
           <a:p>
             <a:pPr lvl="0"/>
             <a:r>
               <a:rPr b="1"/>
-              <a:t>Anti-triche</a:t>
-            </a:r>
-            <a:r>
-              <a:rPr/>
-              <a:t> : détection de vitesse anormale et validation communautaire</a:t>
+              <a:t>Anti-cheat</a:t>
+            </a:r>
+            <a:r>
+              <a:rPr/>
+              <a:t>: abnormal speed detection and community validation</a:t>
             </a:r>
           </a:p>
           <a:p>
             <a:pPr lvl="0"/>
             <a:r>
               <a:rPr b="1"/>
-              <a:t>Optimisation batterie</a:t>
-            </a:r>
-            <a:r>
-              <a:rPr/>
-              <a:t> : mode économie d’énergie</a:t>
+              <a:t>Battery optimization</a:t>
+            </a:r>
+            <a:r>
+              <a:rPr/>
+              <a:t>: energy-saving mode</a:t>
             </a:r>
           </a:p>
         </p:txBody>
@@ -3825,7 +3825,7 @@
             </a:pPr>
             <a:r>
               <a:rPr/>
-              <a:t>🟦 Slide 14 – Cible</a:t>
+              <a:t>🟦 Slide 14 – Target audience</a:t>
             </a:r>
           </a:p>
         </p:txBody>
@@ -3850,7 +3850,7 @@
             </a:pPr>
             <a:r>
               <a:rPr b="1"/>
-              <a:t>Qui utilise GeoRace ?</a:t>
+              <a:t>Who uses GeoRace?</a:t>
             </a:r>
           </a:p>
           <a:p>
@@ -3861,11 +3861,11 @@
             </a:r>
             <a:r>
               <a:rPr b="1"/>
-              <a:t>Coureurs réguliers</a:t>
-            </a:r>
-            <a:r>
-              <a:rPr/>
-              <a:t> : cherchent à améliorer leurs performances</a:t>
+              <a:t>Regular runners</a:t>
+            </a:r>
+            <a:r>
+              <a:rPr/>
+              <a:t>: seeking to improve their performance</a:t>
             </a:r>
           </a:p>
           <a:p>
@@ -3876,11 +3876,11 @@
             </a:r>
             <a:r>
               <a:rPr b="1"/>
-              <a:t>Coureurs occasionnels</a:t>
-            </a:r>
-            <a:r>
-              <a:rPr/>
-              <a:t> : ont besoin de motivation pour rester réguliers</a:t>
+              <a:t>Occasional runners</a:t>
+            </a:r>
+            <a:r>
+              <a:rPr/>
+              <a:t>: need motivation to stay consistent</a:t>
             </a:r>
           </a:p>
           <a:p>
@@ -3891,11 +3891,11 @@
             </a:r>
             <a:r>
               <a:rPr b="1"/>
-              <a:t>Coureurs compétitifs</a:t>
-            </a:r>
-            <a:r>
-              <a:rPr/>
-              <a:t> : veulent tester leur niveau entre les courses officielles</a:t>
+              <a:t>Competitive runners</a:t>
+            </a:r>
+            <a:r>
+              <a:rPr/>
+              <a:t>: want to test their level between official races</a:t>
             </a:r>
           </a:p>
           <a:p>
@@ -3906,11 +3906,11 @@
             </a:r>
             <a:r>
               <a:rPr b="1"/>
-              <a:t>Nouveaux coureurs</a:t>
-            </a:r>
-            <a:r>
-              <a:rPr/>
-              <a:t> : cherchent une communauté motivante</a:t>
+              <a:t>New runners</a:t>
+            </a:r>
+            <a:r>
+              <a:rPr/>
+              <a:t>: looking for a motivating community</a:t>
             </a:r>
           </a:p>
         </p:txBody>
@@ -3957,7 +3957,7 @@
             </a:pPr>
             <a:r>
               <a:rPr/>
-              <a:t>🟦 Slide 15 – Différenciation vs concurrents</a:t>
+              <a:t>🟦 Slide 15 – Differentiation vs competitors</a:t>
             </a:r>
           </a:p>
         </p:txBody>
@@ -3982,7 +3982,7 @@
             </a:pPr>
             <a:r>
               <a:rPr b="1"/>
-              <a:t>Ce que les autres apps ne font pas :</a:t>
+              <a:t>What other apps don’t do:</a:t>
             </a:r>
           </a:p>
           <a:p>
@@ -3993,7 +3993,7 @@
             </a:r>
             <a:r>
               <a:rPr/>
-              <a:t> → réseau social, pas de compétition temps réel</a:t>
+              <a:t> → social network, no real-time competition</a:t>
             </a:r>
           </a:p>
           <a:p>
@@ -4004,7 +4004,7 @@
             </a:r>
             <a:r>
               <a:rPr/>
-              <a:t> → tracking + défis asynchrones</a:t>
+              <a:t> → tracking + asynchronous challenges</a:t>
             </a:r>
           </a:p>
           <a:p>
@@ -4015,16 +4015,16 @@
             </a:r>
             <a:r>
               <a:rPr/>
-              <a:t> → GPS basique sans interaction</a:t>
-            </a:r>
-          </a:p>
-          <a:p>
-            <a:pPr lvl="0" indent="0" marL="0">
-              <a:buNone/>
-            </a:pPr>
-            <a:r>
-              <a:rPr b="1"/>
-              <a:t>GeoRace combine :</a:t>
+              <a:t> → basic GPS without interaction</a:t>
+            </a:r>
+          </a:p>
+          <a:p>
+            <a:pPr lvl="0" indent="0" marL="0">
+              <a:buNone/>
+            </a:pPr>
+            <a:r>
+              <a:rPr b="1"/>
+              <a:t>GeoRace combines:</a:t>
             </a:r>
           </a:p>
           <a:p>
@@ -4033,16 +4033,16 @@
             </a:pPr>
             <a:r>
               <a:rPr sz="2000"/>
-              <a:t>Duels spontanés en temps réel + Point d’arrivée équitable + Matchmaking ELO</a:t>
-            </a:r>
-          </a:p>
-          <a:p>
-            <a:pPr lvl="0" indent="0" marL="0">
-              <a:buNone/>
-            </a:pPr>
-            <a:r>
-              <a:rPr b="1"/>
-              <a:t>= Concept unique sur le marché</a:t>
+              <a:t>Spontaneous real-time duels + Fair finish point + ELO Matchmaking</a:t>
+            </a:r>
+          </a:p>
+          <a:p>
+            <a:pPr lvl="0" indent="0" marL="0">
+              <a:buNone/>
+            </a:pPr>
+            <a:r>
+              <a:rPr b="1"/>
+              <a:t>= Unique concept in the market</a:t>
             </a:r>
           </a:p>
         </p:txBody>
@@ -4089,7 +4089,7 @@
             </a:pPr>
             <a:r>
               <a:rPr/>
-              <a:t>🟦 Slide 16 – Modèle économique</a:t>
+              <a:t>🟦 Slide 16 – Business model</a:t>
             </a:r>
           </a:p>
         </p:txBody>
@@ -4114,46 +4114,46 @@
             </a:pPr>
             <a:r>
               <a:rPr b="1"/>
-              <a:t>Freemium avec valeur ajoutée</a:t>
-            </a:r>
-          </a:p>
-          <a:p>
-            <a:pPr lvl="0" indent="0" marL="0">
-              <a:buNone/>
-            </a:pPr>
-            <a:r>
-              <a:rPr b="1"/>
-              <a:t>Gratuit :</a:t>
-            </a:r>
-            <a:r>
-              <a:rPr/>
-              <a:t> * 3 duels par jour * Classement ELO * Statistiques de base * Événements communautaires</a:t>
-            </a:r>
-          </a:p>
-          <a:p>
-            <a:pPr lvl="0" indent="0" marL="0">
-              <a:buNone/>
-            </a:pPr>
-            <a:r>
-              <a:rPr b="1"/>
-              <a:t>Premium (4,99€/mois) :</a:t>
-            </a:r>
-            <a:r>
-              <a:rPr/>
-              <a:t> * Duels illimités * Statistiques avancées * Personnalisation profil * Mode entraînement contre vos records * Pas de publicités</a:t>
-            </a:r>
-          </a:p>
-          <a:p>
-            <a:pPr lvl="0" indent="0" marL="0">
-              <a:buNone/>
-            </a:pPr>
-            <a:r>
-              <a:rPr b="1"/>
-              <a:t>Revenus additionnels :</a:t>
-            </a:r>
-            <a:r>
-              <a:rPr/>
-              <a:t> * Partenariats marques (Nike, Adidas) * Événements premium avec prix</a:t>
+              <a:t>Freemium with added value</a:t>
+            </a:r>
+          </a:p>
+          <a:p>
+            <a:pPr lvl="0" indent="0" marL="0">
+              <a:buNone/>
+            </a:pPr>
+            <a:r>
+              <a:rPr b="1"/>
+              <a:t>Free:</a:t>
+            </a:r>
+            <a:r>
+              <a:rPr/>
+              <a:t> * 3 duels per day * ELO ranking * Basic statistics * Community events</a:t>
+            </a:r>
+          </a:p>
+          <a:p>
+            <a:pPr lvl="0" indent="0" marL="0">
+              <a:buNone/>
+            </a:pPr>
+            <a:r>
+              <a:rPr b="1"/>
+              <a:t>Premium (€4.99/month):</a:t>
+            </a:r>
+            <a:r>
+              <a:rPr/>
+              <a:t> * Unlimited duels * Advanced statistics * Profile customization * Training mode against your records * No ads</a:t>
+            </a:r>
+          </a:p>
+          <a:p>
+            <a:pPr lvl="0" indent="0" marL="0">
+              <a:buNone/>
+            </a:pPr>
+            <a:r>
+              <a:rPr b="1"/>
+              <a:t>Additional revenues:</a:t>
+            </a:r>
+            <a:r>
+              <a:rPr/>
+              <a:t> * Brand partnerships (Nike, Adidas) * Premium events with prizes</a:t>
             </a:r>
           </a:p>
         </p:txBody>
@@ -4225,58 +4225,58 @@
             </a:pPr>
             <a:r>
               <a:rPr b="1"/>
-              <a:t>Déploiement progressif</a:t>
-            </a:r>
-          </a:p>
-          <a:p>
-            <a:pPr lvl="0" indent="0" marL="0">
-              <a:buNone/>
-            </a:pPr>
-            <a:r>
-              <a:rPr b="1"/>
-              <a:t>Phase 1 (6 mois) - MVP</a:t>
-            </a:r>
-            <a:r>
-              <a:rPr/>
-              <a:t> * Duels 1v1 en temps réel * Système ELO * Test dans 2-3 villes pilotes * </a:t>
-            </a:r>
-            <a:r>
-              <a:rPr b="1"/>
-              <a:t>Objectif : 500 utilisateurs actifs</a:t>
-            </a:r>
-          </a:p>
-          <a:p>
-            <a:pPr lvl="0" indent="0" marL="0">
-              <a:buNone/>
-            </a:pPr>
-            <a:r>
-              <a:rPr b="1"/>
-              <a:t>Phase 2 (12 mois) - Gamification</a:t>
-            </a:r>
-            <a:r>
-              <a:rPr/>
-              <a:t> * Badges, statistiques, profils * Événements communautaires * </a:t>
-            </a:r>
-            <a:r>
-              <a:rPr b="1"/>
-              <a:t>Objectif : 5 000 utilisateurs</a:t>
-            </a:r>
-          </a:p>
-          <a:p>
-            <a:pPr lvl="0" indent="0" marL="0">
-              <a:buNone/>
-            </a:pPr>
-            <a:r>
-              <a:rPr b="1"/>
-              <a:t>Phase 3 (24 mois) - Scale</a:t>
-            </a:r>
-            <a:r>
-              <a:rPr/>
-              <a:t> * Version Premium * Duels multi-joueurs * Expansion nationale * </a:t>
-            </a:r>
-            <a:r>
-              <a:rPr b="1"/>
-              <a:t>Objectif : 50 000 utilisateurs</a:t>
+              <a:t>Progressive deployment</a:t>
+            </a:r>
+          </a:p>
+          <a:p>
+            <a:pPr lvl="0" indent="0" marL="0">
+              <a:buNone/>
+            </a:pPr>
+            <a:r>
+              <a:rPr b="1"/>
+              <a:t>Phase 1 (6 months) - MVP</a:t>
+            </a:r>
+            <a:r>
+              <a:rPr/>
+              <a:t> * 1v1 real-time duels * ELO system * Test in 2-3 pilot cities * </a:t>
+            </a:r>
+            <a:r>
+              <a:rPr b="1"/>
+              <a:t>Goal: 500 active users</a:t>
+            </a:r>
+          </a:p>
+          <a:p>
+            <a:pPr lvl="0" indent="0" marL="0">
+              <a:buNone/>
+            </a:pPr>
+            <a:r>
+              <a:rPr b="1"/>
+              <a:t>Phase 2 (12 months) - Gamification</a:t>
+            </a:r>
+            <a:r>
+              <a:rPr/>
+              <a:t> * Badges, statistics, profiles * Community events * </a:t>
+            </a:r>
+            <a:r>
+              <a:rPr b="1"/>
+              <a:t>Goal: 5,000 users</a:t>
+            </a:r>
+          </a:p>
+          <a:p>
+            <a:pPr lvl="0" indent="0" marL="0">
+              <a:buNone/>
+            </a:pPr>
+            <a:r>
+              <a:rPr b="1"/>
+              <a:t>Phase 3 (24 months) - Scale</a:t>
+            </a:r>
+            <a:r>
+              <a:rPr/>
+              <a:t> * Premium version * Multi-player duels * National expansion * </a:t>
+            </a:r>
+            <a:r>
+              <a:rPr b="1"/>
+              <a:t>Goal: 50,000 users</a:t>
             </a:r>
           </a:p>
         </p:txBody>
@@ -4323,7 +4323,7 @@
             </a:pPr>
             <a:r>
               <a:rPr/>
-              <a:t>🟦 Slide 18 – Défis &amp; Solutions</a:t>
+              <a:t>🟦 Slide 18 – Challenges &amp; Solutions</a:t>
             </a:r>
           </a:p>
         </p:txBody>
@@ -4348,59 +4348,59 @@
             </a:pPr>
             <a:r>
               <a:rPr b="1"/>
-              <a:t>Anticiper les obstacles</a:t>
-            </a:r>
-          </a:p>
-          <a:p>
-            <a:pPr lvl="0" indent="0" marL="0">
-              <a:buNone/>
-            </a:pPr>
-            <a:r>
-              <a:rPr b="1"/>
-              <a:t>Défi : Sécurité des coureurs</a:t>
-            </a:r>
-            <a:r>
-              <a:rPr/>
-              <a:t> → Alertes de sécurité, mode “course prudente”</a:t>
-            </a:r>
-          </a:p>
-          <a:p>
-            <a:pPr lvl="0" indent="0" marL="0">
-              <a:buNone/>
-            </a:pPr>
-            <a:r>
-              <a:rPr b="1"/>
-              <a:t>Défi : Zones rurales (peu d’utilisateurs)</a:t>
-            </a:r>
-            <a:r>
-              <a:rPr/>
-              <a:t> → Mode asynchrone contre “ghost runners”</a:t>
-            </a:r>
-          </a:p>
-          <a:p>
-            <a:pPr lvl="0" indent="0" marL="0">
-              <a:buNone/>
-            </a:pPr>
-            <a:r>
-              <a:rPr b="1"/>
-              <a:t>Défi : Triche (vélo, voiture)</a:t>
-            </a:r>
-            <a:r>
-              <a:rPr/>
-              <a:t> → Détection vitesse anormale + validation communautaire</a:t>
-            </a:r>
-          </a:p>
-          <a:p>
-            <a:pPr lvl="0" indent="0" marL="0">
-              <a:buNone/>
-            </a:pPr>
-            <a:r>
-              <a:rPr b="1"/>
-              <a:t>Défi : Vie privée</a:t>
-            </a:r>
-            <a:r>
-              <a:rPr/>
-              <a:t> → Position visible uniquement en duel, blocage d’utilisateurs</a:t>
+              <a:t>Anticipating obstacles</a:t>
+            </a:r>
+          </a:p>
+          <a:p>
+            <a:pPr lvl="0" indent="0" marL="0">
+              <a:buNone/>
+            </a:pPr>
+            <a:r>
+              <a:rPr b="1"/>
+              <a:t>Challenge: Runner safety</a:t>
+            </a:r>
+            <a:r>
+              <a:rPr/>
+              <a:t> → Safety alerts, “cautious race” mode</a:t>
+            </a:r>
+          </a:p>
+          <a:p>
+            <a:pPr lvl="0" indent="0" marL="0">
+              <a:buNone/>
+            </a:pPr>
+            <a:r>
+              <a:rPr b="1"/>
+              <a:t>Challenge: Rural areas (few users)</a:t>
+            </a:r>
+            <a:r>
+              <a:rPr/>
+              <a:t> → Asynchronous mode against “ghost runners”</a:t>
+            </a:r>
+          </a:p>
+          <a:p>
+            <a:pPr lvl="0" indent="0" marL="0">
+              <a:buNone/>
+            </a:pPr>
+            <a:r>
+              <a:rPr b="1"/>
+              <a:t>Challenge: Cheating (bike, car)</a:t>
+            </a:r>
+            <a:r>
+              <a:rPr/>
+              <a:t> → Abnormal speed detection + community validation</a:t>
+            </a:r>
+          </a:p>
+          <a:p>
+            <a:pPr lvl="0" indent="0" marL="0">
+              <a:buNone/>
+            </a:pPr>
+            <a:r>
+              <a:rPr b="1"/>
+              <a:t>Challenge: Privacy</a:t>
+            </a:r>
+            <a:r>
+              <a:rPr/>
+              <a:t> → Position visible only during duel, user blocking</a:t>
             </a:r>
           </a:p>
         </p:txBody>
@@ -4447,7 +4447,7 @@
             </a:pPr>
             <a:r>
               <a:rPr/>
-              <a:t>🟦 Slide 1 – Titre</a:t>
+              <a:t>🟦 Slide 1 – Title</a:t>
             </a:r>
           </a:p>
         </p:txBody>
@@ -4481,20 +4481,20 @@
             </a:pPr>
             <a:r>
               <a:rPr sz="2000"/>
-              <a:t>L’application de course compétitive en temps réel</a:t>
-            </a:r>
-          </a:p>
-          <a:p>
-            <a:pPr lvl="0" indent="0" marL="0">
-              <a:buNone/>
-            </a:pPr>
-            <a:r>
-              <a:rPr b="1"/>
-              <a:t>Sous‑titre :</a:t>
-            </a:r>
-            <a:r>
-              <a:rPr/>
-              <a:t> Transformez chaque sortie running en duel excitant.</a:t>
+              <a:t>The real-time competitive running app</a:t>
+            </a:r>
+          </a:p>
+          <a:p>
+            <a:pPr lvl="0" indent="0" marL="0">
+              <a:buNone/>
+            </a:pPr>
+            <a:r>
+              <a:rPr b="1"/>
+              <a:t>Subtitle:</a:t>
+            </a:r>
+            <a:r>
+              <a:rPr/>
+              <a:t> Turn every run into an exciting duel.</a:t>
             </a:r>
           </a:p>
         </p:txBody>
@@ -4566,28 +4566,28 @@
             </a:pPr>
             <a:r>
               <a:rPr sz="2000"/>
-              <a:t>GeoRace ne se contente pas de tracker vos courses. Nous transformons la course à pied en une </a:t>
+              <a:t>GeoRace doesn’t just track your runs. We transform running into a </a:t>
             </a:r>
             <a:r>
               <a:rPr sz="2000" b="1"/>
-              <a:t>expérience sociale, compétitive et motivante</a:t>
+              <a:t>social, competitive, and motivating experience</a:t>
             </a:r>
             <a:r>
               <a:rPr sz="2000"/>
-              <a:t> accessible à tous, partout, à tout moment.</a:t>
-            </a:r>
-          </a:p>
-          <a:p>
-            <a:pPr lvl="0" indent="0" marL="0">
-              <a:buNone/>
-            </a:pPr>
-            <a:r>
-              <a:rPr b="1"/>
-              <a:t>Notre ambition :</a:t>
-            </a:r>
-            <a:r>
-              <a:rPr/>
-              <a:t> Devenir la référence de la course compétitive en temps réel et créer une communauté mondiale de coureurs passionnés par le défi.</a:t>
+              <a:t> accessible to everyone, everywhere, anytime.</a:t>
+            </a:r>
+          </a:p>
+          <a:p>
+            <a:pPr lvl="0" indent="0" marL="0">
+              <a:buNone/>
+            </a:pPr>
+            <a:r>
+              <a:rPr b="1"/>
+              <a:t>Our ambition:</a:t>
+            </a:r>
+            <a:r>
+              <a:rPr/>
+              <a:t> Become the reference for real-time competitive running and create a global community of runners passionate about challenges.</a:t>
             </a:r>
           </a:p>
         </p:txBody>
@@ -4634,7 +4634,7 @@
             </a:pPr>
             <a:r>
               <a:rPr/>
-              <a:t>🟦 Slide 20 – Phrase finale</a:t>
+              <a:t>🟦 Slide 20 – Final message</a:t>
             </a:r>
           </a:p>
         </p:txBody>
@@ -4668,16 +4668,16 @@
             </a:pPr>
             <a:r>
               <a:rPr sz="2000"/>
-              <a:t>Chaque course est un duel. Chaque duel est une opportunité. Transformez votre motivation.</a:t>
-            </a:r>
-          </a:p>
-          <a:p>
-            <a:pPr lvl="0" indent="0" marL="0">
-              <a:buNone/>
-            </a:pPr>
-            <a:r>
-              <a:rPr b="1"/>
-              <a:t>Prêt à relever le défi ?</a:t>
+              <a:t>Every run is a duel. Every duel is an opportunity. Transform your motivation.</a:t>
+            </a:r>
+          </a:p>
+          <a:p>
+            <a:pPr lvl="0" indent="0" marL="0">
+              <a:buNone/>
+            </a:pPr>
+            <a:r>
+              <a:rPr b="1"/>
+              <a:t>Ready to take on the challenge?</a:t>
             </a:r>
           </a:p>
         </p:txBody>
@@ -4724,7 +4724,7 @@
             </a:pPr>
             <a:r>
               <a:rPr/>
-              <a:t>🟦 Slide 2 – Problème</a:t>
+              <a:t>🟦 Slide 2 – Problem</a:t>
             </a:r>
           </a:p>
         </p:txBody>
@@ -4749,44 +4749,44 @@
             </a:pPr>
             <a:r>
               <a:rPr b="1"/>
-              <a:t>Courir seul, une motivation en berne</a:t>
+              <a:t>Running alone, declining motivation</a:t>
             </a:r>
           </a:p>
           <a:p>
             <a:pPr lvl="0"/>
             <a:r>
               <a:rPr/>
-              <a:t>De nombreux coureurs se sentent démotivés seuls</a:t>
+              <a:t>Many runners feel demotivated when running alone</a:t>
             </a:r>
           </a:p>
           <a:p>
             <a:pPr lvl="0"/>
             <a:r>
               <a:rPr/>
-              <a:t>Manque de défi et d’interaction</a:t>
+              <a:t>Lack of challenge and interaction</a:t>
             </a:r>
           </a:p>
           <a:p>
             <a:pPr lvl="0"/>
             <a:r>
               <a:rPr/>
-              <a:t>Difficulté à mesurer ses progrès face à d’autres</a:t>
+              <a:t>Difficulty measuring progress against others</a:t>
             </a:r>
           </a:p>
           <a:p>
             <a:pPr lvl="0"/>
             <a:r>
               <a:rPr/>
-              <a:t>Risque d’abandon des objectifs sportifs</a:t>
-            </a:r>
-          </a:p>
-          <a:p>
-            <a:pPr lvl="0" indent="0" marL="0">
-              <a:buNone/>
-            </a:pPr>
-            <a:r>
-              <a:rPr/>
-              <a:t>➡ Résultat : monotonie, perte de motivation, arrêt de la pratique</a:t>
+              <a:t>Risk of abandoning fitness goals</a:t>
+            </a:r>
+          </a:p>
+          <a:p>
+            <a:pPr lvl="0" indent="0" marL="0">
+              <a:buNone/>
+            </a:pPr>
+            <a:r>
+              <a:rPr/>
+              <a:t>➡ Result: monotony, loss of motivation, practice abandonment</a:t>
             </a:r>
           </a:p>
         </p:txBody>
@@ -4833,7 +4833,7 @@
             </a:pPr>
             <a:r>
               <a:rPr/>
-              <a:t>🟦 Slide 3 – Nos différenciateurs</a:t>
+              <a:t>🟦 Slide 3 – Our differentiators</a:t>
             </a:r>
           </a:p>
         </p:txBody>
@@ -4858,73 +4858,73 @@
             </a:pPr>
             <a:r>
               <a:rPr b="1"/>
-              <a:t>Ce qui rend GeoRace unique</a:t>
+              <a:t>What makes GeoRace unique</a:t>
             </a:r>
           </a:p>
           <a:p>
             <a:pPr lvl="0"/>
             <a:r>
               <a:rPr b="1"/>
-              <a:t>Duel en temps réel vers un point d’arrivée équidistant</a:t>
-            </a:r>
-            <a:r>
-              <a:rPr/>
-              <a:t> → équité garantie entre coureurs</a:t>
+              <a:t>Real-time duel to an equidistant finish point</a:t>
+            </a:r>
+            <a:r>
+              <a:rPr/>
+              <a:t> → guaranteed fairness between runners</a:t>
             </a:r>
           </a:p>
           <a:p>
             <a:pPr lvl="0"/>
             <a:r>
               <a:rPr b="1"/>
-              <a:t>Matchmaking ELO</a:t>
-            </a:r>
-            <a:r>
-              <a:rPr/>
-              <a:t> → adversaires de niveau comparable, progression visible</a:t>
+              <a:t>ELO Matchmaking</a:t>
+            </a:r>
+            <a:r>
+              <a:rPr/>
+              <a:t> → opponents of comparable level, visible progression</a:t>
             </a:r>
           </a:p>
           <a:p>
             <a:pPr lvl="0"/>
             <a:r>
               <a:rPr b="1"/>
-              <a:t>GPS en direct &amp; suivi synchronisé</a:t>
-            </a:r>
-            <a:r>
-              <a:rPr/>
-              <a:t> → expérience compétitive immédiate</a:t>
+              <a:t>Live GPS &amp; synchronized tracking</a:t>
+            </a:r>
+            <a:r>
+              <a:rPr/>
+              <a:t> → immediate competitive experience</a:t>
             </a:r>
           </a:p>
           <a:p>
             <a:pPr lvl="0"/>
             <a:r>
               <a:rPr b="1"/>
-              <a:t>Confidentialité et sécurité</a:t>
-            </a:r>
-            <a:r>
-              <a:rPr/>
-              <a:t> → partage de position limité aux duels actifs</a:t>
+              <a:t>Privacy and security</a:t>
+            </a:r>
+            <a:r>
+              <a:rPr/>
+              <a:t> → position sharing limited to active duels</a:t>
             </a:r>
           </a:p>
           <a:p>
             <a:pPr lvl="0"/>
             <a:r>
               <a:rPr b="1"/>
-              <a:t>Anti‑triche intégré</a:t>
-            </a:r>
-            <a:r>
-              <a:rPr/>
-              <a:t> (détection d’anomalies GPS, vérifications de parcours)</a:t>
+              <a:t>Integrated anti-cheat</a:t>
+            </a:r>
+            <a:r>
+              <a:rPr/>
+              <a:t> (GPS anomaly detection, route verification)</a:t>
             </a:r>
           </a:p>
           <a:p>
             <a:pPr lvl="0"/>
             <a:r>
               <a:rPr b="1"/>
-              <a:t>Fonctions sociales</a:t>
-            </a:r>
-            <a:r>
-              <a:rPr/>
-              <a:t> → profils, chat, badges, classements locaux</a:t>
+              <a:t>Social features</a:t>
+            </a:r>
+            <a:r>
+              <a:rPr/>
+              <a:t> → profiles, chat, badges, local leaderboards</a:t>
             </a:r>
           </a:p>
         </p:txBody>
@@ -4971,7 +4971,7 @@
             </a:pPr>
             <a:r>
               <a:rPr/>
-              <a:t>🟦 Slide 4 – Pourquoi les utilisateurs nous rejoindront</a:t>
+              <a:t>🟦 Slide 4 – Why users will join us</a:t>
             </a:r>
           </a:p>
         </p:txBody>
@@ -4996,51 +4996,51 @@
             </a:pPr>
             <a:r>
               <a:rPr b="1"/>
-              <a:t>Les raisons de passer à GeoRace</a:t>
+              <a:t>Reasons to switch to GeoRace</a:t>
             </a:r>
           </a:p>
           <a:p>
             <a:pPr lvl="0"/>
             <a:r>
               <a:rPr b="1"/>
-              <a:t>Expérience de duel unique et équitable</a:t>
-            </a:r>
-            <a:r>
-              <a:rPr/>
-              <a:t> = plus de fun et de challenge</a:t>
+              <a:t>Unique and fair duel experience</a:t>
+            </a:r>
+            <a:r>
+              <a:rPr/>
+              <a:t> = more fun and challenge</a:t>
             </a:r>
           </a:p>
           <a:p>
             <a:pPr lvl="0"/>
             <a:r>
               <a:rPr b="1"/>
-              <a:t>Progression visible (ELO)</a:t>
-            </a:r>
-            <a:r>
-              <a:rPr/>
-              <a:t> = motivation à revenir</a:t>
+              <a:t>Visible progression (ELO)</a:t>
+            </a:r>
+            <a:r>
+              <a:rPr/>
+              <a:t> = motivation to return</a:t>
             </a:r>
           </a:p>
           <a:p>
             <a:pPr lvl="0"/>
             <a:r>
               <a:rPr b="1"/>
-              <a:t>Événements locaux &amp; tournois</a:t>
-            </a:r>
-            <a:r>
-              <a:rPr/>
-              <a:t> = opportunités sociales et récompenses</a:t>
+              <a:t>Local events &amp; tournaments</a:t>
+            </a:r>
+            <a:r>
+              <a:rPr/>
+              <a:t> = social opportunities and rewards</a:t>
             </a:r>
           </a:p>
           <a:p>
             <a:pPr lvl="0"/>
             <a:r>
               <a:rPr b="1"/>
-              <a:t>Transfert facile des amis</a:t>
-            </a:r>
-            <a:r>
-              <a:rPr/>
-              <a:t> via invitations et duels immédiats</a:t>
+              <a:t>Easy friend transfer</a:t>
+            </a:r>
+            <a:r>
+              <a:rPr/>
+              <a:t> via invitations and immediate duels</a:t>
             </a:r>
           </a:p>
         </p:txBody>
@@ -5087,7 +5087,7 @@
             </a:pPr>
             <a:r>
               <a:rPr/>
-              <a:t>🟦 Slide 5 – Stratégie d’acquisition (comment voler des utilisateurs aux concurrents)</a:t>
+              <a:t>🟦 Slide 5 – Acquisition strategy (how to steal users from competitors)</a:t>
             </a:r>
           </a:p>
         </p:txBody>
@@ -5112,73 +5112,73 @@
             </a:pPr>
             <a:r>
               <a:rPr b="1"/>
-              <a:t>Tactiques concrètes pour attirer les utilisateurs</a:t>
+              <a:t>Concrete tactics to attract users</a:t>
             </a:r>
           </a:p>
           <a:p>
             <a:pPr lvl="0"/>
             <a:r>
               <a:rPr b="1"/>
-              <a:t>Ciblage local</a:t>
-            </a:r>
-            <a:r>
-              <a:rPr/>
-              <a:t> : organiser micro‑événements et challenges dans les parcs et campus</a:t>
+              <a:t>Local targeting</a:t>
+            </a:r>
+            <a:r>
+              <a:rPr/>
+              <a:t>: organize micro-events and challenges in parks and campuses</a:t>
             </a:r>
           </a:p>
           <a:p>
             <a:pPr lvl="0"/>
             <a:r>
               <a:rPr b="1"/>
-              <a:t>Partenariats</a:t>
-            </a:r>
-            <a:r>
-              <a:rPr/>
-              <a:t> avec clubs de course, coachs, influenceurs locaux</a:t>
+              <a:t>Partnerships</a:t>
+            </a:r>
+            <a:r>
+              <a:rPr/>
+              <a:t> with running clubs, coaches, local influencers</a:t>
             </a:r>
           </a:p>
           <a:p>
             <a:pPr lvl="0"/>
             <a:r>
               <a:rPr b="1"/>
-              <a:t>Intégrations &amp; porte d’entrée</a:t>
-            </a:r>
-            <a:r>
-              <a:rPr/>
-              <a:t> : import simplifié depuis Strava/Runkeeper + import d’amis</a:t>
+              <a:t>Integrations &amp; entry point</a:t>
+            </a:r>
+            <a:r>
+              <a:rPr/>
+              <a:t>: simplified import from Strava/Runkeeper + friend import</a:t>
             </a:r>
           </a:p>
           <a:p>
             <a:pPr lvl="0"/>
             <a:r>
               <a:rPr b="1"/>
-              <a:t>Programmes d’incitation</a:t>
-            </a:r>
-            <a:r>
-              <a:rPr/>
-              <a:t> : duels gratuits/bonus initial ELO, récompenses, badges exclusifs</a:t>
+              <a:t>Incentive programs</a:t>
+            </a:r>
+            <a:r>
+              <a:rPr/>
+              <a:t>: free duels/initial ELO bonus, rewards, exclusive badges</a:t>
             </a:r>
           </a:p>
           <a:p>
             <a:pPr lvl="0"/>
             <a:r>
               <a:rPr b="1"/>
-              <a:t>Campagnes social media</a:t>
-            </a:r>
-            <a:r>
-              <a:rPr/>
-              <a:t> montrant duels en direct + récits d’utilisateurs</a:t>
+              <a:t>Social media campaigns</a:t>
+            </a:r>
+            <a:r>
+              <a:rPr/>
+              <a:t> showing live duels + user stories</a:t>
             </a:r>
           </a:p>
           <a:p>
             <a:pPr lvl="0"/>
             <a:r>
               <a:rPr b="1"/>
-              <a:t>Fonctionnalités différenciantes en onboarding</a:t>
-            </a:r>
-            <a:r>
-              <a:rPr/>
-              <a:t> (démonstration duel en 30s)</a:t>
+              <a:t>Differentiating features in onboarding</a:t>
+            </a:r>
+            <a:r>
+              <a:rPr/>
+              <a:t> (30s duel demonstration)</a:t>
             </a:r>
           </a:p>
         </p:txBody>
@@ -5225,7 +5225,7 @@
             </a:pPr>
             <a:r>
               <a:rPr/>
-              <a:t>🟦 Slide 6 – Concept innovant : Le mode duel</a:t>
+              <a:t>🟦 Slide 6 – Innovative concept: Duel mode</a:t>
             </a:r>
           </a:p>
         </p:txBody>
@@ -5250,7 +5250,7 @@
             </a:pPr>
             <a:r>
               <a:rPr b="1"/>
-              <a:t>Duels en temps réel pour tous</a:t>
+              <a:t>Real-time duels for everyone</a:t>
             </a:r>
           </a:p>
           <a:p>
@@ -5263,11 +5263,11 @@
             </a:r>
             <a:r>
               <a:rPr b="1"/>
-              <a:t>DUELS EN TEMPS RÉEL</a:t>
-            </a:r>
-            <a:r>
-              <a:rPr/>
-              <a:t> Affrontez d’autres coureurs à proximité dans des courses spontanées</a:t>
+              <a:t>REAL-TIME DUELS</a:t>
+            </a:r>
+            <a:r>
+              <a:rPr/>
+              <a:t> Face other nearby runners in spontaneous races</a:t>
             </a:r>
           </a:p>
           <a:p>
@@ -5280,11 +5280,11 @@
             </a:r>
             <a:r>
               <a:rPr b="1"/>
-              <a:t>POINT D’ARRIVÉE ÉQUITABLE</a:t>
-            </a:r>
-            <a:r>
-              <a:rPr/>
-              <a:t> Chaque duel se termine à un point équidistant pour tous les participants</a:t>
+              <a:t>FAIR FINISH POINT</a:t>
+            </a:r>
+            <a:r>
+              <a:rPr/>
+              <a:t> Each duel ends at an equidistant point for all participants</a:t>
             </a:r>
           </a:p>
           <a:p>
@@ -5297,11 +5297,11 @@
             </a:r>
             <a:r>
               <a:rPr b="1"/>
-              <a:t>COMPÉTITION JUSTE</a:t>
-            </a:r>
-            <a:r>
-              <a:rPr/>
-              <a:t> Système ELO garantit des matchs équilibrés quel que soit votre niveau</a:t>
+              <a:t>FAIR COMPETITION</a:t>
+            </a:r>
+            <a:r>
+              <a:rPr/>
+              <a:t> ELO system ensures balanced matches regardless of your level</a:t>
             </a:r>
           </a:p>
         </p:txBody>
@@ -5348,7 +5348,7 @@
             </a:pPr>
             <a:r>
               <a:rPr/>
-              <a:t>🟦 Slide 7 – Fonctionnement d’un duel</a:t>
+              <a:t>🟦 Slide 7 – How a duel works</a:t>
             </a:r>
           </a:p>
         </p:txBody>
@@ -5373,46 +5373,46 @@
             </a:pPr>
             <a:r>
               <a:rPr b="1"/>
-              <a:t>3 étapes simples</a:t>
-            </a:r>
-          </a:p>
-          <a:p>
-            <a:pPr lvl="0" indent="0" marL="0">
-              <a:buNone/>
-            </a:pPr>
-            <a:r>
-              <a:rPr b="1"/>
-              <a:t>01 - DÉTECTION DES COUREURS</a:t>
-            </a:r>
-            <a:r>
-              <a:rPr/>
-              <a:t> Identification automatique des coureurs actifs à proximité</a:t>
-            </a:r>
-          </a:p>
-          <a:p>
-            <a:pPr lvl="0" indent="0" marL="0">
-              <a:buNone/>
-            </a:pPr>
-            <a:r>
-              <a:rPr b="1"/>
-              <a:t>02 - POINT D’ARRIVÉE ÉQUITABLE</a:t>
-            </a:r>
-            <a:r>
-              <a:rPr/>
-              <a:t> Calcul algorithmique d’un point accessible à distance égale pour tous</a:t>
-            </a:r>
-          </a:p>
-          <a:p>
-            <a:pPr lvl="0" indent="0" marL="0">
-              <a:buNone/>
-            </a:pPr>
-            <a:r>
-              <a:rPr b="1"/>
-              <a:t>03 - DÉPART SIMULTANÉ</a:t>
-            </a:r>
-            <a:r>
-              <a:rPr/>
-              <a:t> Compte à rebours synchronisé après acceptation mutuelle</a:t>
+              <a:t>3 simple steps</a:t>
+            </a:r>
+          </a:p>
+          <a:p>
+            <a:pPr lvl="0" indent="0" marL="0">
+              <a:buNone/>
+            </a:pPr>
+            <a:r>
+              <a:rPr b="1"/>
+              <a:t>01 - RUNNER DETECTION</a:t>
+            </a:r>
+            <a:r>
+              <a:rPr/>
+              <a:t> Automatic identification of active runners nearby</a:t>
+            </a:r>
+          </a:p>
+          <a:p>
+            <a:pPr lvl="0" indent="0" marL="0">
+              <a:buNone/>
+            </a:pPr>
+            <a:r>
+              <a:rPr b="1"/>
+              <a:t>02 - FAIR FINISH POINT</a:t>
+            </a:r>
+            <a:r>
+              <a:rPr/>
+              <a:t> Algorithmic calculation of a point accessible at equal distance for all</a:t>
+            </a:r>
+          </a:p>
+          <a:p>
+            <a:pPr lvl="0" indent="0" marL="0">
+              <a:buNone/>
+            </a:pPr>
+            <a:r>
+              <a:rPr b="1"/>
+              <a:t>03 - SIMULTANEOUS START</a:t>
+            </a:r>
+            <a:r>
+              <a:rPr/>
+              <a:t> Synchronized countdown after mutual acceptance</a:t>
             </a:r>
           </a:p>
         </p:txBody>
@@ -5459,7 +5459,7 @@
             </a:pPr>
             <a:r>
               <a:rPr/>
-              <a:t>🟦 Slide 8 – Un duel GeoRace</a:t>
+              <a:t>🟦 Slide 8 – A GeoRace duel</a:t>
             </a:r>
           </a:p>
         </p:txBody>
@@ -5484,7 +5484,7 @@
             </a:pPr>
             <a:r>
               <a:rPr b="1"/>
-              <a:t>Scénario typique :</a:t>
+              <a:t>Typical scenario:</a:t>
             </a:r>
           </a:p>
           <a:p>
@@ -5493,11 +5493,11 @@
             </a:pPr>
             <a:r>
               <a:rPr b="1"/>
-              <a:t>Vous commencez votre course</a:t>
-            </a:r>
-            <a:r>
-              <a:rPr/>
-              <a:t> → l’app détecte 3 coureurs dans un rayon de 800m</a:t>
+              <a:t>You start your run</a:t>
+            </a:r>
+            <a:r>
+              <a:rPr/>
+              <a:t> → the app detects 3 runners within 800m</a:t>
             </a:r>
           </a:p>
           <a:p>
@@ -5506,11 +5506,11 @@
             </a:pPr>
             <a:r>
               <a:rPr b="1"/>
-              <a:t>Proposition de duel</a:t>
-            </a:r>
-            <a:r>
-              <a:rPr/>
-              <a:t> → notification “Paul (ELO 1420) vous défie”</a:t>
+              <a:t>Duel proposal</a:t>
+            </a:r>
+            <a:r>
+              <a:rPr/>
+              <a:t> → notification “Paul (ELO 1420) challenges you”</a:t>
             </a:r>
           </a:p>
           <a:p>
@@ -5519,11 +5519,11 @@
             </a:pPr>
             <a:r>
               <a:rPr b="1"/>
-              <a:t>Vous acceptez</a:t>
-            </a:r>
-            <a:r>
-              <a:rPr/>
-              <a:t> → le système calcule un point d’arrivée à 1,2km pour chacun</a:t>
+              <a:t>You accept</a:t>
+            </a:r>
+            <a:r>
+              <a:rPr/>
+              <a:t> → the system calculates a finish point at 1.2km for each</a:t>
             </a:r>
           </a:p>
           <a:p>
@@ -5532,11 +5532,11 @@
             </a:pPr>
             <a:r>
               <a:rPr b="1"/>
-              <a:t>Départ dans 10 secondes</a:t>
-            </a:r>
-            <a:r>
-              <a:rPr/>
-              <a:t> → compte à rebours</a:t>
+              <a:t>Start in 10 seconds</a:t>
+            </a:r>
+            <a:r>
+              <a:rPr/>
+              <a:t> → countdown</a:t>
             </a:r>
           </a:p>
           <a:p>
@@ -5545,11 +5545,11 @@
             </a:pPr>
             <a:r>
               <a:rPr b="1"/>
-              <a:t>Course en direct</a:t>
-            </a:r>
-            <a:r>
-              <a:rPr/>
-              <a:t> → GPS vous guide, position de l’adversaire visible</a:t>
+              <a:t>Live race</a:t>
+            </a:r>
+            <a:r>
+              <a:rPr/>
+              <a:t> → GPS guides you, opponent’s position visible</a:t>
             </a:r>
           </a:p>
           <a:p>
@@ -5558,11 +5558,11 @@
             </a:pPr>
             <a:r>
               <a:rPr b="1"/>
-              <a:t>Arrivée</a:t>
-            </a:r>
-            <a:r>
-              <a:rPr/>
-              <a:t> → +25 ELO, badge “5 victoires consécutives” débloqué</a:t>
+              <a:t>Finish</a:t>
+            </a:r>
+            <a:r>
+              <a:rPr/>
+              <a:t> → +25 ELO, badge “5 consecutive victories” unlocked</a:t>
             </a:r>
           </a:p>
         </p:txBody>

--- a/GeoRace_presentation.pptx
+++ b/GeoRace_presentation.pptx
@@ -22,10 +22,6 @@
     <p:sldId id="270" r:id="rId16"/>
     <p:sldId id="271" r:id="rId17"/>
     <p:sldId id="272" r:id="rId18"/>
-    <p:sldId id="273" r:id="rId19"/>
-    <p:sldId id="274" r:id="rId20"/>
-    <p:sldId id="275" r:id="rId21"/>
-    <p:sldId id="276" r:id="rId22"/>
   </p:sldIdLst>
   <p:sldSz cx="9144000" cy="5143500" type="screen16x9"/>
   <p:notesSz cx="6858000" cy="9144000"/>
@@ -3214,7 +3210,7 @@
             </a:pPr>
             <a:r>
               <a:rPr/>
-              <a:t>🟦 Slide 9 – Quick demo (key points for presentation)</a:t>
+              <a:t>🟦 Slide 9 – Fonctionnalités clés</a:t>
             </a:r>
           </a:p>
         </p:txBody>
@@ -3239,86 +3235,62 @@
             </a:pPr>
             <a:r>
               <a:rPr b="1"/>
-              <a:t>Presentation script - Key points to emphasize</a:t>
+              <a:t>Technologie au service de la performance</a:t>
             </a:r>
           </a:p>
           <a:p>
             <a:pPr lvl="0"/>
             <a:r>
               <a:rPr b="1"/>
-              <a:t>Equidistant finish point</a:t>
-            </a:r>
-            <a:r>
-              <a:rPr/>
-              <a:t>: “Each runner covers exactly the same distance - total fairness”</a:t>
+              <a:t>GPS haute précision</a:t>
+            </a:r>
+            <a:r>
+              <a:rPr/>
+              <a:t> : tracking en temps réel pendant les duels</a:t>
             </a:r>
           </a:p>
           <a:p>
             <a:pPr lvl="0"/>
             <a:r>
               <a:rPr b="1"/>
-              <a:t>ELO Matchmaking</a:t>
-            </a:r>
-            <a:r>
-              <a:rPr/>
-              <a:t>: “You always face someone at your level - neither too easy nor impossible”</a:t>
+              <a:t>Algorithme intelligent</a:t>
+            </a:r>
+            <a:r>
+              <a:rPr/>
+              <a:t> : calcul de points équidistants accessibles</a:t>
             </a:r>
           </a:p>
           <a:p>
             <a:pPr lvl="0"/>
             <a:r>
               <a:rPr b="1"/>
-              <a:t>Real-time duel</a:t>
-            </a:r>
-            <a:r>
-              <a:rPr/>
-              <a:t>: “No after-the-fact comparison - it’s a real race, now”</a:t>
+              <a:t>Sécurité</a:t>
+            </a:r>
+            <a:r>
+              <a:rPr/>
+              <a:t> : position visible uniquement en duel actif</a:t>
             </a:r>
           </a:p>
           <a:p>
             <a:pPr lvl="0"/>
             <a:r>
               <a:rPr b="1"/>
-              <a:t>Security and privacy</a:t>
-            </a:r>
-            <a:r>
-              <a:rPr/>
-              <a:t>: “Your position is only visible during active duels”</a:t>
+              <a:t>Anti-triche</a:t>
+            </a:r>
+            <a:r>
+              <a:rPr/>
+              <a:t> : détection de vitesse anormale et validation communautaire</a:t>
             </a:r>
           </a:p>
           <a:p>
             <a:pPr lvl="0"/>
             <a:r>
               <a:rPr b="1"/>
-              <a:t>Anti-cheat</a:t>
-            </a:r>
-            <a:r>
-              <a:rPr/>
-              <a:t>: “Automatic GPS anomaly detection - no cheaters”</a:t>
-            </a:r>
-          </a:p>
-          <a:p>
-            <a:pPr lvl="0"/>
-            <a:r>
-              <a:rPr b="1"/>
-              <a:t>Social engagement</a:t>
-            </a:r>
-            <a:r>
-              <a:rPr/>
-              <a:t>: “Profiles, chat, badges, local tournaments - a real community”</a:t>
-            </a:r>
-          </a:p>
-          <a:p>
-            <a:pPr lvl="0" indent="0" marL="0">
-              <a:buNone/>
-            </a:pPr>
-            <a:r>
-              <a:rPr b="1"/>
-              <a:t>Key message</a:t>
-            </a:r>
-            <a:r>
-              <a:rPr/>
-              <a:t>: Fair real-time dueling changes everything - it’s no longer tracking, it’s competition!</a:t>
+              <a:t>Optimisation batterie</a:t>
+            </a:r>
+            <a:r>
+              <a:rPr/>
+              <a:t> : mode économie d’énergie</a:t>
             </a:r>
           </a:p>
         </p:txBody>
@@ -3365,7 +3337,7 @@
             </a:pPr>
             <a:r>
               <a:rPr/>
-              <a:t>🟦 Slide 10 – Social aspect</a:t>
+              <a:t>🟦 Slide 10 – Cible</a:t>
             </a:r>
           </a:p>
         </p:txBody>
@@ -3390,46 +3362,67 @@
             </a:pPr>
             <a:r>
               <a:rPr b="1"/>
-              <a:t>Build a runner community</a:t>
-            </a:r>
-          </a:p>
-          <a:p>
-            <a:pPr lvl="0" indent="0" marL="0">
-              <a:buNone/>
-            </a:pPr>
-            <a:r>
-              <a:rPr b="1"/>
-              <a:t>01 - BALANCED MATCHMAKING</a:t>
-            </a:r>
-            <a:r>
-              <a:rPr/>
-              <a:t> Automatic connection between runners of similar levels through ELO</a:t>
-            </a:r>
-          </a:p>
-          <a:p>
-            <a:pPr lvl="0" indent="0" marL="0">
-              <a:buNone/>
-            </a:pPr>
-            <a:r>
-              <a:rPr b="1"/>
-              <a:t>02 - DISCUSSION AND SHARING</a:t>
-            </a:r>
-            <a:r>
-              <a:rPr/>
-              <a:t> Live chat, friend adding, detailed profiles with statistics</a:t>
-            </a:r>
-          </a:p>
-          <a:p>
-            <a:pPr lvl="0" indent="0" marL="0">
-              <a:buNone/>
-            </a:pPr>
-            <a:r>
-              <a:rPr b="1"/>
-              <a:t>03 - COMMUNITY EVENTS</a:t>
-            </a:r>
-            <a:r>
-              <a:rPr/>
-              <a:t> Organized races, collective challenges, local leagues by city/neighborhood</a:t>
+              <a:t>Qui utilise GeoRace ?</a:t>
+            </a:r>
+          </a:p>
+          <a:p>
+            <a:pPr lvl="0"/>
+            <a:r>
+              <a:rPr/>
+              <a:t>🏃‍♂️ </a:t>
+            </a:r>
+            <a:r>
+              <a:rPr b="1"/>
+              <a:t>Coureurs réguliers</a:t>
+            </a:r>
+            <a:r>
+              <a:rPr/>
+              <a:t> : cherchent à améliorer leurs performances</a:t>
+            </a:r>
+          </a:p>
+          <a:p>
+            <a:pPr lvl="0"/>
+            <a:r>
+              <a:rPr/>
+              <a:t>👟 </a:t>
+            </a:r>
+            <a:r>
+              <a:rPr b="1"/>
+              <a:t>Coureurs occasionnels</a:t>
+            </a:r>
+            <a:r>
+              <a:rPr/>
+              <a:t> : ont besoin de motivation pour rester réguliers</a:t>
+            </a:r>
+          </a:p>
+          <a:p>
+            <a:pPr lvl="0"/>
+            <a:r>
+              <a:rPr/>
+              <a:t>🏅 </a:t>
+            </a:r>
+            <a:r>
+              <a:rPr b="1"/>
+              <a:t>Coureurs compétitifs</a:t>
+            </a:r>
+            <a:r>
+              <a:rPr/>
+              <a:t> : veulent tester leur niveau entre les courses officielles</a:t>
+            </a:r>
+          </a:p>
+          <a:p>
+            <a:pPr lvl="0"/>
+            <a:r>
+              <a:rPr/>
+              <a:t>👥 </a:t>
+            </a:r>
+            <a:r>
+              <a:rPr b="1"/>
+              <a:t>Nouveaux coureurs</a:t>
+            </a:r>
+            <a:r>
+              <a:rPr/>
+              <a:t> : cherchent une communauté motivante</a:t>
             </a:r>
           </a:p>
         </p:txBody>
@@ -3476,7 +3469,7 @@
             </a:pPr>
             <a:r>
               <a:rPr/>
-              <a:t>🟦 Slide 11 – ELO ranking system</a:t>
+              <a:t>🟦 Slide 11 – Différenciation</a:t>
             </a:r>
           </a:p>
         </p:txBody>
@@ -3501,46 +3494,67 @@
             </a:pPr>
             <a:r>
               <a:rPr b="1"/>
-              <a:t>Fair competition and motivating progression</a:t>
-            </a:r>
-          </a:p>
-          <a:p>
-            <a:pPr lvl="0" indent="0" marL="0">
-              <a:buNone/>
-            </a:pPr>
-            <a:r>
-              <a:rPr b="1"/>
-              <a:t>01 - BALANCED MATCHES</a:t>
-            </a:r>
-            <a:r>
-              <a:rPr/>
-              <a:t> ELO algorithm pairs you with runners of similar level</a:t>
-            </a:r>
-          </a:p>
-          <a:p>
-            <a:pPr lvl="0" indent="0" marL="0">
-              <a:buNone/>
-            </a:pPr>
-            <a:r>
-              <a:rPr b="1"/>
-              <a:t>02 - VISIBLE PROGRESSION</a:t>
-            </a:r>
-            <a:r>
-              <a:rPr/>
-              <a:t> Track your rise in rankings (Bronze → Silver → Gold → Platinum)</a:t>
-            </a:r>
-          </a:p>
-          <a:p>
-            <a:pPr lvl="0" indent="0" marL="0">
-              <a:buNone/>
-            </a:pPr>
-            <a:r>
-              <a:rPr b="1"/>
-              <a:t>03 - REWARDS AND BADGES</a:t>
-            </a:r>
-            <a:r>
-              <a:rPr/>
-              <a:t> Unlock achievements at each level reached</a:t>
+              <a:t>Ce que les autres apps ne font pas :</a:t>
+            </a:r>
+          </a:p>
+          <a:p>
+            <a:pPr lvl="0"/>
+            <a:r>
+              <a:rPr b="1"/>
+              <a:t>Strava</a:t>
+            </a:r>
+            <a:r>
+              <a:rPr/>
+              <a:t> → réseau social, pas de compétition temps réel</a:t>
+            </a:r>
+          </a:p>
+          <a:p>
+            <a:pPr lvl="0"/>
+            <a:r>
+              <a:rPr b="1"/>
+              <a:t>Nike Run Club</a:t>
+            </a:r>
+            <a:r>
+              <a:rPr/>
+              <a:t> → tracking + défis asynchrones</a:t>
+            </a:r>
+          </a:p>
+          <a:p>
+            <a:pPr lvl="0"/>
+            <a:r>
+              <a:rPr b="1"/>
+              <a:t>Runkeeper</a:t>
+            </a:r>
+            <a:r>
+              <a:rPr/>
+              <a:t> → GPS basique sans interaction</a:t>
+            </a:r>
+          </a:p>
+          <a:p>
+            <a:pPr lvl="0" indent="0" marL="0">
+              <a:buNone/>
+            </a:pPr>
+            <a:r>
+              <a:rPr b="1"/>
+              <a:t>GeoRace combine :</a:t>
+            </a:r>
+          </a:p>
+          <a:p>
+            <a:pPr lvl="0" indent="0" marL="1270000">
+              <a:buNone/>
+            </a:pPr>
+            <a:r>
+              <a:rPr sz="2000"/>
+              <a:t>Duels spontanés en temps réel + Point d’arrivée équitable + Matchmaking ELO</a:t>
+            </a:r>
+          </a:p>
+          <a:p>
+            <a:pPr lvl="0" indent="0" marL="0">
+              <a:buNone/>
+            </a:pPr>
+            <a:r>
+              <a:rPr b="1"/>
+              <a:t>= Concept unique sur le marché</a:t>
             </a:r>
           </a:p>
         </p:txBody>
@@ -3587,7 +3601,7 @@
             </a:pPr>
             <a:r>
               <a:rPr/>
-              <a:t>�� Slide 12 – GeoRace benefits</a:t>
+              <a:t>🟦 Slide 12 – Modèle économique</a:t>
             </a:r>
           </a:p>
         </p:txBody>
@@ -3612,46 +3626,46 @@
             </a:pPr>
             <a:r>
               <a:rPr b="1"/>
-              <a:t>More than a running app</a:t>
-            </a:r>
-          </a:p>
-          <a:p>
-            <a:pPr lvl="0" indent="0" marL="0">
-              <a:buNone/>
-            </a:pPr>
-            <a:r>
-              <a:rPr b="1"/>
-              <a:t>01 - INCREASED MOTIVATION</a:t>
-            </a:r>
-            <a:r>
-              <a:rPr/>
-              <a:t> Each outing becomes a concrete and exciting challenge</a:t>
-            </a:r>
-          </a:p>
-          <a:p>
-            <a:pPr lvl="0" indent="0" marL="0">
-              <a:buNone/>
-            </a:pPr>
-            <a:r>
-              <a:rPr b="1"/>
-              <a:t>02 - PERFORMANCE IMPROVEMENT</a:t>
-            </a:r>
-            <a:r>
-              <a:rPr/>
-              <a:t> Competition naturally pushes self-improvement</a:t>
-            </a:r>
-          </a:p>
-          <a:p>
-            <a:pPr lvl="0" indent="0" marL="0">
-              <a:buNone/>
-            </a:pPr>
-            <a:r>
-              <a:rPr b="1"/>
-              <a:t>03 - SOCIAL WELL-BEING</a:t>
-            </a:r>
-            <a:r>
-              <a:rPr/>
-              <a:t> Meet and interact with other passionate runners</a:t>
+              <a:t>Freemium avec valeur ajoutée</a:t>
+            </a:r>
+          </a:p>
+          <a:p>
+            <a:pPr lvl="0" indent="0" marL="0">
+              <a:buNone/>
+            </a:pPr>
+            <a:r>
+              <a:rPr b="1"/>
+              <a:t>Gratuit :</a:t>
+            </a:r>
+            <a:r>
+              <a:rPr/>
+              <a:t> * 3 duels par jour * Classement ELO * Statistiques de base * Événements communautaires</a:t>
+            </a:r>
+          </a:p>
+          <a:p>
+            <a:pPr lvl="0" indent="0" marL="0">
+              <a:buNone/>
+            </a:pPr>
+            <a:r>
+              <a:rPr b="1"/>
+              <a:t>Premium (4,99€/mois) :</a:t>
+            </a:r>
+            <a:r>
+              <a:rPr/>
+              <a:t> * Duels illimités * Statistiques avancées * Personnalisation profil * Mode entraînement contre vos records * Pas de publicités</a:t>
+            </a:r>
+          </a:p>
+          <a:p>
+            <a:pPr lvl="0" indent="0" marL="0">
+              <a:buNone/>
+            </a:pPr>
+            <a:r>
+              <a:rPr b="1"/>
+              <a:t>Revenus additionnels :</a:t>
+            </a:r>
+            <a:r>
+              <a:rPr/>
+              <a:t> * Partenariats marques (Nike, Adidas) * Événements premium avec prix</a:t>
             </a:r>
           </a:p>
         </p:txBody>
@@ -3698,7 +3712,7 @@
             </a:pPr>
             <a:r>
               <a:rPr/>
-              <a:t>🟦 Slide 13 – Key features</a:t>
+              <a:t>🟦 Slide 13 – Roadmap</a:t>
             </a:r>
           </a:p>
         </p:txBody>
@@ -3723,62 +3737,58 @@
             </a:pPr>
             <a:r>
               <a:rPr b="1"/>
-              <a:t>Technology serving performance</a:t>
-            </a:r>
-          </a:p>
-          <a:p>
-            <a:pPr lvl="0"/>
-            <a:r>
-              <a:rPr b="1"/>
-              <a:t>High-precision GPS</a:t>
-            </a:r>
-            <a:r>
-              <a:rPr/>
-              <a:t>: real-time tracking during duels</a:t>
-            </a:r>
-          </a:p>
-          <a:p>
-            <a:pPr lvl="0"/>
-            <a:r>
-              <a:rPr b="1"/>
-              <a:t>Intelligent algorithm</a:t>
-            </a:r>
-            <a:r>
-              <a:rPr/>
-              <a:t>: calculation of accessible equidistant points</a:t>
-            </a:r>
-          </a:p>
-          <a:p>
-            <a:pPr lvl="0"/>
-            <a:r>
-              <a:rPr b="1"/>
-              <a:t>Security</a:t>
-            </a:r>
-            <a:r>
-              <a:rPr/>
-              <a:t>: position visible only during active duel</a:t>
-            </a:r>
-          </a:p>
-          <a:p>
-            <a:pPr lvl="0"/>
-            <a:r>
-              <a:rPr b="1"/>
-              <a:t>Anti-cheat</a:t>
-            </a:r>
-            <a:r>
-              <a:rPr/>
-              <a:t>: abnormal speed detection and community validation</a:t>
-            </a:r>
-          </a:p>
-          <a:p>
-            <a:pPr lvl="0"/>
-            <a:r>
-              <a:rPr b="1"/>
-              <a:t>Battery optimization</a:t>
-            </a:r>
-            <a:r>
-              <a:rPr/>
-              <a:t>: energy-saving mode</a:t>
+              <a:t>Déploiement progressif</a:t>
+            </a:r>
+          </a:p>
+          <a:p>
+            <a:pPr lvl="0" indent="0" marL="0">
+              <a:buNone/>
+            </a:pPr>
+            <a:r>
+              <a:rPr b="1"/>
+              <a:t>Phase 1 (6 mois) - MVP</a:t>
+            </a:r>
+            <a:r>
+              <a:rPr/>
+              <a:t> * Duels 1v1 en temps réel * Système ELO * Test dans 2-3 villes pilotes * </a:t>
+            </a:r>
+            <a:r>
+              <a:rPr b="1"/>
+              <a:t>Objectif : 500 utilisateurs actifs</a:t>
+            </a:r>
+          </a:p>
+          <a:p>
+            <a:pPr lvl="0" indent="0" marL="0">
+              <a:buNone/>
+            </a:pPr>
+            <a:r>
+              <a:rPr b="1"/>
+              <a:t>Phase 2 (12 mois) - Gamification</a:t>
+            </a:r>
+            <a:r>
+              <a:rPr/>
+              <a:t> * Badges, statistiques, profils * Événements communautaires * </a:t>
+            </a:r>
+            <a:r>
+              <a:rPr b="1"/>
+              <a:t>Objectif : 5 000 utilisateurs</a:t>
+            </a:r>
+          </a:p>
+          <a:p>
+            <a:pPr lvl="0" indent="0" marL="0">
+              <a:buNone/>
+            </a:pPr>
+            <a:r>
+              <a:rPr b="1"/>
+              <a:t>Phase 3 (24 mois) - Scale</a:t>
+            </a:r>
+            <a:r>
+              <a:rPr/>
+              <a:t> * Version Premium * Duels multi-joueurs * Expansion nationale * </a:t>
+            </a:r>
+            <a:r>
+              <a:rPr b="1"/>
+              <a:t>Objectif : 50 000 utilisateurs</a:t>
             </a:r>
           </a:p>
         </p:txBody>
@@ -3825,7 +3835,7 @@
             </a:pPr>
             <a:r>
               <a:rPr/>
-              <a:t>🟦 Slide 14 – Target audience</a:t>
+              <a:t>🟦 Slide 14 – Défis &amp; Solutions</a:t>
             </a:r>
           </a:p>
         </p:txBody>
@@ -3850,67 +3860,59 @@
             </a:pPr>
             <a:r>
               <a:rPr b="1"/>
-              <a:t>Who uses GeoRace?</a:t>
-            </a:r>
-          </a:p>
-          <a:p>
-            <a:pPr lvl="0"/>
-            <a:r>
-              <a:rPr/>
-              <a:t>🏃‍♂️ </a:t>
-            </a:r>
-            <a:r>
-              <a:rPr b="1"/>
-              <a:t>Regular runners</a:t>
-            </a:r>
-            <a:r>
-              <a:rPr/>
-              <a:t>: seeking to improve their performance</a:t>
-            </a:r>
-          </a:p>
-          <a:p>
-            <a:pPr lvl="0"/>
-            <a:r>
-              <a:rPr/>
-              <a:t>👟 </a:t>
-            </a:r>
-            <a:r>
-              <a:rPr b="1"/>
-              <a:t>Occasional runners</a:t>
-            </a:r>
-            <a:r>
-              <a:rPr/>
-              <a:t>: need motivation to stay consistent</a:t>
-            </a:r>
-          </a:p>
-          <a:p>
-            <a:pPr lvl="0"/>
-            <a:r>
-              <a:rPr/>
-              <a:t>🏅 </a:t>
-            </a:r>
-            <a:r>
-              <a:rPr b="1"/>
-              <a:t>Competitive runners</a:t>
-            </a:r>
-            <a:r>
-              <a:rPr/>
-              <a:t>: want to test their level between official races</a:t>
-            </a:r>
-          </a:p>
-          <a:p>
-            <a:pPr lvl="0"/>
-            <a:r>
-              <a:rPr/>
-              <a:t>👥 </a:t>
-            </a:r>
-            <a:r>
-              <a:rPr b="1"/>
-              <a:t>New runners</a:t>
-            </a:r>
-            <a:r>
-              <a:rPr/>
-              <a:t>: looking for a motivating community</a:t>
+              <a:t>Anticiper les obstacles</a:t>
+            </a:r>
+          </a:p>
+          <a:p>
+            <a:pPr lvl="0" indent="0" marL="0">
+              <a:buNone/>
+            </a:pPr>
+            <a:r>
+              <a:rPr b="1"/>
+              <a:t>Défi : Sécurité des coureurs</a:t>
+            </a:r>
+            <a:r>
+              <a:rPr/>
+              <a:t> → Alertes de sécurité, mode “course prudente”</a:t>
+            </a:r>
+          </a:p>
+          <a:p>
+            <a:pPr lvl="0" indent="0" marL="0">
+              <a:buNone/>
+            </a:pPr>
+            <a:r>
+              <a:rPr b="1"/>
+              <a:t>Défi : Zones rurales (peu d’utilisateurs)</a:t>
+            </a:r>
+            <a:r>
+              <a:rPr/>
+              <a:t> → Mode asynchrone contre “ghost runners”</a:t>
+            </a:r>
+          </a:p>
+          <a:p>
+            <a:pPr lvl="0" indent="0" marL="0">
+              <a:buNone/>
+            </a:pPr>
+            <a:r>
+              <a:rPr b="1"/>
+              <a:t>Défi : Triche (vélo, voiture)</a:t>
+            </a:r>
+            <a:r>
+              <a:rPr/>
+              <a:t> → Détection vitesse anormale + validation communautaire</a:t>
+            </a:r>
+          </a:p>
+          <a:p>
+            <a:pPr lvl="0" indent="0" marL="0">
+              <a:buNone/>
+            </a:pPr>
+            <a:r>
+              <a:rPr b="1"/>
+              <a:t>Défi : Vie privée</a:t>
+            </a:r>
+            <a:r>
+              <a:rPr/>
+              <a:t> → Position visible uniquement en duel, blocage d’utilisateurs</a:t>
             </a:r>
           </a:p>
         </p:txBody>
@@ -3957,7 +3959,7 @@
             </a:pPr>
             <a:r>
               <a:rPr/>
-              <a:t>🟦 Slide 15 – Differentiation vs competitors</a:t>
+              <a:t>🟦 Slide 15 – Vision</a:t>
             </a:r>
           </a:p>
         </p:txBody>
@@ -3977,72 +3979,33 @@
           <a:bodyPr/>
           <a:lstStyle/>
           <a:p>
-            <a:pPr lvl="0" indent="0" marL="0">
-              <a:buNone/>
-            </a:pPr>
-            <a:r>
-              <a:rPr b="1"/>
-              <a:t>What other apps don’t do:</a:t>
-            </a:r>
-          </a:p>
-          <a:p>
-            <a:pPr lvl="0"/>
-            <a:r>
-              <a:rPr b="1"/>
-              <a:t>Strava</a:t>
-            </a:r>
-            <a:r>
-              <a:rPr/>
-              <a:t> → social network, no real-time competition</a:t>
-            </a:r>
-          </a:p>
-          <a:p>
-            <a:pPr lvl="0"/>
-            <a:r>
-              <a:rPr b="1"/>
-              <a:t>Nike Run Club</a:t>
-            </a:r>
-            <a:r>
-              <a:rPr/>
-              <a:t> → tracking + asynchronous challenges</a:t>
-            </a:r>
-          </a:p>
-          <a:p>
-            <a:pPr lvl="0"/>
-            <a:r>
-              <a:rPr b="1"/>
-              <a:t>Runkeeper</a:t>
-            </a:r>
-            <a:r>
-              <a:rPr/>
-              <a:t> → basic GPS without interaction</a:t>
-            </a:r>
-          </a:p>
-          <a:p>
-            <a:pPr lvl="0" indent="0" marL="0">
-              <a:buNone/>
-            </a:pPr>
-            <a:r>
-              <a:rPr b="1"/>
-              <a:t>GeoRace combines:</a:t>
-            </a:r>
-          </a:p>
-          <a:p>
             <a:pPr lvl="0" indent="0" marL="1270000">
               <a:buNone/>
             </a:pPr>
             <a:r>
               <a:rPr sz="2000"/>
-              <a:t>Spontaneous real-time duels + Fair finish point + ELO Matchmaking</a:t>
-            </a:r>
-          </a:p>
-          <a:p>
-            <a:pPr lvl="0" indent="0" marL="0">
-              <a:buNone/>
-            </a:pPr>
-            <a:r>
-              <a:rPr b="1"/>
-              <a:t>= Unique concept in the market</a:t>
+              <a:t>GeoRace ne se contente pas de tracker vos courses. Nous transformons la course à pied en une </a:t>
+            </a:r>
+            <a:r>
+              <a:rPr sz="2000" b="1"/>
+              <a:t>expérience sociale, compétitive et motivante</a:t>
+            </a:r>
+            <a:r>
+              <a:rPr sz="2000"/>
+              <a:t> accessible à tous, partout, à tout moment.</a:t>
+            </a:r>
+          </a:p>
+          <a:p>
+            <a:pPr lvl="0" indent="0" marL="0">
+              <a:buNone/>
+            </a:pPr>
+            <a:r>
+              <a:rPr b="1"/>
+              <a:t>Notre ambition :</a:t>
+            </a:r>
+            <a:r>
+              <a:rPr/>
+              <a:t> Devenir la référence de la course compétitive en temps réel et créer une communauté mondiale de coureurs passionnés par le défi.</a:t>
             </a:r>
           </a:p>
         </p:txBody>
@@ -4089,7 +4052,7 @@
             </a:pPr>
             <a:r>
               <a:rPr/>
-              <a:t>🟦 Slide 16 – Business model</a:t>
+              <a:t>🟦 Slide 16 – Phrase finale</a:t>
             </a:r>
           </a:p>
         </p:txBody>
@@ -4114,293 +4077,25 @@
             </a:pPr>
             <a:r>
               <a:rPr b="1"/>
-              <a:t>Freemium with added value</a:t>
-            </a:r>
-          </a:p>
-          <a:p>
-            <a:pPr lvl="0" indent="0" marL="0">
-              <a:buNone/>
-            </a:pPr>
-            <a:r>
-              <a:rPr b="1"/>
-              <a:t>Free:</a:t>
-            </a:r>
-            <a:r>
-              <a:rPr/>
-              <a:t> * 3 duels per day * ELO ranking * Basic statistics * Community events</a:t>
-            </a:r>
-          </a:p>
-          <a:p>
-            <a:pPr lvl="0" indent="0" marL="0">
-              <a:buNone/>
-            </a:pPr>
-            <a:r>
-              <a:rPr b="1"/>
-              <a:t>Premium (€4.99/month):</a:t>
-            </a:r>
-            <a:r>
-              <a:rPr/>
-              <a:t> * Unlimited duels * Advanced statistics * Profile customization * Training mode against your records * No ads</a:t>
-            </a:r>
-          </a:p>
-          <a:p>
-            <a:pPr lvl="0" indent="0" marL="0">
-              <a:buNone/>
-            </a:pPr>
-            <a:r>
-              <a:rPr b="1"/>
-              <a:t>Additional revenues:</a:t>
-            </a:r>
-            <a:r>
-              <a:rPr/>
-              <a:t> * Brand partnerships (Nike, Adidas) * Premium events with prizes</a:t>
-            </a:r>
-          </a:p>
-        </p:txBody>
-      </p:sp>
-    </p:spTree>
-  </p:cSld>
-</p:sld>
-</file>
-
-<file path=ppt/slides/slide18.xml><?xml version="1.0" encoding="utf-8"?>
-<p:sld xmlns:a="http://schemas.openxmlformats.org/drawingml/2006/main" xmlns:r="http://schemas.openxmlformats.org/officeDocument/2006/relationships" xmlns:p="http://schemas.openxmlformats.org/presentationml/2006/main">
-  <p:cSld>
-    <p:spTree>
-      <p:nvGrpSpPr>
-        <p:cNvPr id="1" name=""/>
-        <p:cNvGrpSpPr/>
-        <p:nvPr/>
-      </p:nvGrpSpPr>
-      <p:grpSpPr>
-        <a:xfrm>
-          <a:off x="0" y="0"/>
-          <a:ext cx="0" cy="0"/>
-          <a:chOff x="0" y="0"/>
-          <a:chExt cx="0" cy="0"/>
-        </a:xfrm>
-      </p:grpSpPr>
-      <p:sp>
-        <p:nvSpPr>
-          <p:cNvPr id="2" name="Title 1"/>
-          <p:cNvSpPr>
-            <a:spLocks noGrp="1"/>
-          </p:cNvSpPr>
-          <p:nvPr>
-            <p:ph type="title"/>
-          </p:nvPr>
-        </p:nvSpPr>
-        <p:spPr/>
-        <p:txBody>
-          <a:bodyPr/>
-          <a:lstStyle/>
-          <a:p>
-            <a:pPr lvl="0" indent="0" marL="0">
-              <a:buNone/>
-            </a:pPr>
-            <a:r>
-              <a:rPr/>
-              <a:t>🟦 Slide 17 – Roadmap</a:t>
-            </a:r>
-          </a:p>
-        </p:txBody>
-      </p:sp>
-      <p:sp>
-        <p:nvSpPr>
-          <p:cNvPr id="3" name="Content Placeholder 2"/>
-          <p:cNvSpPr>
-            <a:spLocks noGrp="1"/>
-          </p:cNvSpPr>
-          <p:nvPr>
-            <p:ph idx="1"/>
-          </p:nvPr>
-        </p:nvSpPr>
-        <p:spPr/>
-        <p:txBody>
-          <a:bodyPr/>
-          <a:lstStyle/>
-          <a:p>
-            <a:pPr lvl="0" indent="0" marL="0">
-              <a:buNone/>
-            </a:pPr>
-            <a:r>
-              <a:rPr b="1"/>
-              <a:t>Progressive deployment</a:t>
-            </a:r>
-          </a:p>
-          <a:p>
-            <a:pPr lvl="0" indent="0" marL="0">
-              <a:buNone/>
-            </a:pPr>
-            <a:r>
-              <a:rPr b="1"/>
-              <a:t>Phase 1 (6 months) - MVP</a:t>
-            </a:r>
-            <a:r>
-              <a:rPr/>
-              <a:t> * 1v1 real-time duels * ELO system * Test in 2-3 pilot cities * </a:t>
-            </a:r>
-            <a:r>
-              <a:rPr b="1"/>
-              <a:t>Goal: 500 active users</a:t>
-            </a:r>
-          </a:p>
-          <a:p>
-            <a:pPr lvl="0" indent="0" marL="0">
-              <a:buNone/>
-            </a:pPr>
-            <a:r>
-              <a:rPr b="1"/>
-              <a:t>Phase 2 (12 months) - Gamification</a:t>
-            </a:r>
-            <a:r>
-              <a:rPr/>
-              <a:t> * Badges, statistics, profiles * Community events * </a:t>
-            </a:r>
-            <a:r>
-              <a:rPr b="1"/>
-              <a:t>Goal: 5,000 users</a:t>
-            </a:r>
-          </a:p>
-          <a:p>
-            <a:pPr lvl="0" indent="0" marL="0">
-              <a:buNone/>
-            </a:pPr>
-            <a:r>
-              <a:rPr b="1"/>
-              <a:t>Phase 3 (24 months) - Scale</a:t>
-            </a:r>
-            <a:r>
-              <a:rPr/>
-              <a:t> * Premium version * Multi-player duels * National expansion * </a:t>
-            </a:r>
-            <a:r>
-              <a:rPr b="1"/>
-              <a:t>Goal: 50,000 users</a:t>
-            </a:r>
-          </a:p>
-        </p:txBody>
-      </p:sp>
-    </p:spTree>
-  </p:cSld>
-</p:sld>
-</file>
-
-<file path=ppt/slides/slide19.xml><?xml version="1.0" encoding="utf-8"?>
-<p:sld xmlns:a="http://schemas.openxmlformats.org/drawingml/2006/main" xmlns:r="http://schemas.openxmlformats.org/officeDocument/2006/relationships" xmlns:p="http://schemas.openxmlformats.org/presentationml/2006/main">
-  <p:cSld>
-    <p:spTree>
-      <p:nvGrpSpPr>
-        <p:cNvPr id="1" name=""/>
-        <p:cNvGrpSpPr/>
-        <p:nvPr/>
-      </p:nvGrpSpPr>
-      <p:grpSpPr>
-        <a:xfrm>
-          <a:off x="0" y="0"/>
-          <a:ext cx="0" cy="0"/>
-          <a:chOff x="0" y="0"/>
-          <a:chExt cx="0" cy="0"/>
-        </a:xfrm>
-      </p:grpSpPr>
-      <p:sp>
-        <p:nvSpPr>
-          <p:cNvPr id="2" name="Title 1"/>
-          <p:cNvSpPr>
-            <a:spLocks noGrp="1"/>
-          </p:cNvSpPr>
-          <p:nvPr>
-            <p:ph type="title"/>
-          </p:nvPr>
-        </p:nvSpPr>
-        <p:spPr/>
-        <p:txBody>
-          <a:bodyPr/>
-          <a:lstStyle/>
-          <a:p>
-            <a:pPr lvl="0" indent="0" marL="0">
-              <a:buNone/>
-            </a:pPr>
-            <a:r>
-              <a:rPr/>
-              <a:t>🟦 Slide 18 – Challenges &amp; Solutions</a:t>
-            </a:r>
-          </a:p>
-        </p:txBody>
-      </p:sp>
-      <p:sp>
-        <p:nvSpPr>
-          <p:cNvPr id="3" name="Content Placeholder 2"/>
-          <p:cNvSpPr>
-            <a:spLocks noGrp="1"/>
-          </p:cNvSpPr>
-          <p:nvPr>
-            <p:ph idx="1"/>
-          </p:nvPr>
-        </p:nvSpPr>
-        <p:spPr/>
-        <p:txBody>
-          <a:bodyPr/>
-          <a:lstStyle/>
-          <a:p>
-            <a:pPr lvl="0" indent="0" marL="0">
-              <a:buNone/>
-            </a:pPr>
-            <a:r>
-              <a:rPr b="1"/>
-              <a:t>Anticipating obstacles</a:t>
-            </a:r>
-          </a:p>
-          <a:p>
-            <a:pPr lvl="0" indent="0" marL="0">
-              <a:buNone/>
-            </a:pPr>
-            <a:r>
-              <a:rPr b="1"/>
-              <a:t>Challenge: Runner safety</a:t>
-            </a:r>
-            <a:r>
-              <a:rPr/>
-              <a:t> → Safety alerts, “cautious race” mode</a:t>
-            </a:r>
-          </a:p>
-          <a:p>
-            <a:pPr lvl="0" indent="0" marL="0">
-              <a:buNone/>
-            </a:pPr>
-            <a:r>
-              <a:rPr b="1"/>
-              <a:t>Challenge: Rural areas (few users)</a:t>
-            </a:r>
-            <a:r>
-              <a:rPr/>
-              <a:t> → Asynchronous mode against “ghost runners”</a:t>
-            </a:r>
-          </a:p>
-          <a:p>
-            <a:pPr lvl="0" indent="0" marL="0">
-              <a:buNone/>
-            </a:pPr>
-            <a:r>
-              <a:rPr b="1"/>
-              <a:t>Challenge: Cheating (bike, car)</a:t>
-            </a:r>
-            <a:r>
-              <a:rPr/>
-              <a:t> → Abnormal speed detection + community validation</a:t>
-            </a:r>
-          </a:p>
-          <a:p>
-            <a:pPr lvl="0" indent="0" marL="0">
-              <a:buNone/>
-            </a:pPr>
-            <a:r>
-              <a:rPr b="1"/>
-              <a:t>Challenge: Privacy</a:t>
-            </a:r>
-            <a:r>
-              <a:rPr/>
-              <a:t> → Position visible only during duel, user blocking</a:t>
+              <a:t>GeoRace</a:t>
+            </a:r>
+          </a:p>
+          <a:p>
+            <a:pPr lvl="0" indent="0" marL="1270000">
+              <a:buNone/>
+            </a:pPr>
+            <a:r>
+              <a:rPr sz="2000"/>
+              <a:t>Chaque course est un duel. Chaque duel est une opportunité. Transformez votre motivation.</a:t>
+            </a:r>
+          </a:p>
+          <a:p>
+            <a:pPr lvl="0" indent="0" marL="0">
+              <a:buNone/>
+            </a:pPr>
+            <a:r>
+              <a:rPr b="1"/>
+              <a:t>Prêt à relever le défi ?</a:t>
             </a:r>
           </a:p>
         </p:txBody>
@@ -4447,7 +4142,7 @@
             </a:pPr>
             <a:r>
               <a:rPr/>
-              <a:t>🟦 Slide 1 – Title</a:t>
+              <a:t>🟦 Slide 1 – Titre</a:t>
             </a:r>
           </a:p>
         </p:txBody>
@@ -4481,203 +4176,20 @@
             </a:pPr>
             <a:r>
               <a:rPr sz="2000"/>
-              <a:t>The real-time competitive running app</a:t>
-            </a:r>
-          </a:p>
-          <a:p>
-            <a:pPr lvl="0" indent="0" marL="0">
-              <a:buNone/>
-            </a:pPr>
-            <a:r>
-              <a:rPr b="1"/>
-              <a:t>Subtitle:</a:t>
-            </a:r>
-            <a:r>
-              <a:rPr/>
-              <a:t> Turn every run into an exciting duel.</a:t>
-            </a:r>
-          </a:p>
-        </p:txBody>
-      </p:sp>
-    </p:spTree>
-  </p:cSld>
-</p:sld>
-</file>
-
-<file path=ppt/slides/slide20.xml><?xml version="1.0" encoding="utf-8"?>
-<p:sld xmlns:a="http://schemas.openxmlformats.org/drawingml/2006/main" xmlns:r="http://schemas.openxmlformats.org/officeDocument/2006/relationships" xmlns:p="http://schemas.openxmlformats.org/presentationml/2006/main">
-  <p:cSld>
-    <p:spTree>
-      <p:nvGrpSpPr>
-        <p:cNvPr id="1" name=""/>
-        <p:cNvGrpSpPr/>
-        <p:nvPr/>
-      </p:nvGrpSpPr>
-      <p:grpSpPr>
-        <a:xfrm>
-          <a:off x="0" y="0"/>
-          <a:ext cx="0" cy="0"/>
-          <a:chOff x="0" y="0"/>
-          <a:chExt cx="0" cy="0"/>
-        </a:xfrm>
-      </p:grpSpPr>
-      <p:sp>
-        <p:nvSpPr>
-          <p:cNvPr id="2" name="Title 1"/>
-          <p:cNvSpPr>
-            <a:spLocks noGrp="1"/>
-          </p:cNvSpPr>
-          <p:nvPr>
-            <p:ph type="title"/>
-          </p:nvPr>
-        </p:nvSpPr>
-        <p:spPr/>
-        <p:txBody>
-          <a:bodyPr/>
-          <a:lstStyle/>
-          <a:p>
-            <a:pPr lvl="0" indent="0" marL="0">
-              <a:buNone/>
-            </a:pPr>
-            <a:r>
-              <a:rPr/>
-              <a:t>🟦 Slide 19 – Vision</a:t>
-            </a:r>
-          </a:p>
-        </p:txBody>
-      </p:sp>
-      <p:sp>
-        <p:nvSpPr>
-          <p:cNvPr id="3" name="Content Placeholder 2"/>
-          <p:cNvSpPr>
-            <a:spLocks noGrp="1"/>
-          </p:cNvSpPr>
-          <p:nvPr>
-            <p:ph idx="1"/>
-          </p:nvPr>
-        </p:nvSpPr>
-        <p:spPr/>
-        <p:txBody>
-          <a:bodyPr/>
-          <a:lstStyle/>
-          <a:p>
-            <a:pPr lvl="0" indent="0" marL="1270000">
-              <a:buNone/>
-            </a:pPr>
-            <a:r>
-              <a:rPr sz="2000"/>
-              <a:t>GeoRace doesn’t just track your runs. We transform running into a </a:t>
-            </a:r>
-            <a:r>
-              <a:rPr sz="2000" b="1"/>
-              <a:t>social, competitive, and motivating experience</a:t>
-            </a:r>
-            <a:r>
-              <a:rPr sz="2000"/>
-              <a:t> accessible to everyone, everywhere, anytime.</a:t>
-            </a:r>
-          </a:p>
-          <a:p>
-            <a:pPr lvl="0" indent="0" marL="0">
-              <a:buNone/>
-            </a:pPr>
-            <a:r>
-              <a:rPr b="1"/>
-              <a:t>Our ambition:</a:t>
-            </a:r>
-            <a:r>
-              <a:rPr/>
-              <a:t> Become the reference for real-time competitive running and create a global community of runners passionate about challenges.</a:t>
-            </a:r>
-          </a:p>
-        </p:txBody>
-      </p:sp>
-    </p:spTree>
-  </p:cSld>
-</p:sld>
-</file>
-
-<file path=ppt/slides/slide21.xml><?xml version="1.0" encoding="utf-8"?>
-<p:sld xmlns:a="http://schemas.openxmlformats.org/drawingml/2006/main" xmlns:r="http://schemas.openxmlformats.org/officeDocument/2006/relationships" xmlns:p="http://schemas.openxmlformats.org/presentationml/2006/main">
-  <p:cSld>
-    <p:spTree>
-      <p:nvGrpSpPr>
-        <p:cNvPr id="1" name=""/>
-        <p:cNvGrpSpPr/>
-        <p:nvPr/>
-      </p:nvGrpSpPr>
-      <p:grpSpPr>
-        <a:xfrm>
-          <a:off x="0" y="0"/>
-          <a:ext cx="0" cy="0"/>
-          <a:chOff x="0" y="0"/>
-          <a:chExt cx="0" cy="0"/>
-        </a:xfrm>
-      </p:grpSpPr>
-      <p:sp>
-        <p:nvSpPr>
-          <p:cNvPr id="2" name="Title 1"/>
-          <p:cNvSpPr>
-            <a:spLocks noGrp="1"/>
-          </p:cNvSpPr>
-          <p:nvPr>
-            <p:ph type="title"/>
-          </p:nvPr>
-        </p:nvSpPr>
-        <p:spPr/>
-        <p:txBody>
-          <a:bodyPr/>
-          <a:lstStyle/>
-          <a:p>
-            <a:pPr lvl="0" indent="0" marL="0">
-              <a:buNone/>
-            </a:pPr>
-            <a:r>
-              <a:rPr/>
-              <a:t>🟦 Slide 20 – Final message</a:t>
-            </a:r>
-          </a:p>
-        </p:txBody>
-      </p:sp>
-      <p:sp>
-        <p:nvSpPr>
-          <p:cNvPr id="3" name="Content Placeholder 2"/>
-          <p:cNvSpPr>
-            <a:spLocks noGrp="1"/>
-          </p:cNvSpPr>
-          <p:nvPr>
-            <p:ph idx="1"/>
-          </p:nvPr>
-        </p:nvSpPr>
-        <p:spPr/>
-        <p:txBody>
-          <a:bodyPr/>
-          <a:lstStyle/>
-          <a:p>
-            <a:pPr lvl="0" indent="0" marL="0">
-              <a:buNone/>
-            </a:pPr>
-            <a:r>
-              <a:rPr b="1"/>
-              <a:t>GeoRace</a:t>
-            </a:r>
-          </a:p>
-          <a:p>
-            <a:pPr lvl="0" indent="0" marL="1270000">
-              <a:buNone/>
-            </a:pPr>
-            <a:r>
-              <a:rPr sz="2000"/>
-              <a:t>Every run is a duel. Every duel is an opportunity. Transform your motivation.</a:t>
-            </a:r>
-          </a:p>
-          <a:p>
-            <a:pPr lvl="0" indent="0" marL="0">
-              <a:buNone/>
-            </a:pPr>
-            <a:r>
-              <a:rPr b="1"/>
-              <a:t>Ready to take on the challenge?</a:t>
+              <a:t>L’application de course compétitive en temps réel</a:t>
+            </a:r>
+          </a:p>
+          <a:p>
+            <a:pPr lvl="0" indent="0" marL="0">
+              <a:buNone/>
+            </a:pPr>
+            <a:r>
+              <a:rPr b="1"/>
+              <a:t>Sous‑titre :</a:t>
+            </a:r>
+            <a:r>
+              <a:rPr/>
+              <a:t> Transformez chaque sortie running en duel excitant.</a:t>
             </a:r>
           </a:p>
         </p:txBody>
@@ -4724,7 +4236,7 @@
             </a:pPr>
             <a:r>
               <a:rPr/>
-              <a:t>🟦 Slide 2 – Problem</a:t>
+              <a:t>🟦 Slide 2 – Problème</a:t>
             </a:r>
           </a:p>
         </p:txBody>
@@ -4749,44 +4261,44 @@
             </a:pPr>
             <a:r>
               <a:rPr b="1"/>
-              <a:t>Running alone, declining motivation</a:t>
+              <a:t>Courir seul, une motivation en berne</a:t>
             </a:r>
           </a:p>
           <a:p>
             <a:pPr lvl="0"/>
             <a:r>
               <a:rPr/>
-              <a:t>Many runners feel demotivated when running alone</a:t>
+              <a:t>De nombreux coureurs se sentent démotivés seuls</a:t>
             </a:r>
           </a:p>
           <a:p>
             <a:pPr lvl="0"/>
             <a:r>
               <a:rPr/>
-              <a:t>Lack of challenge and interaction</a:t>
+              <a:t>Manque de défi et d’interaction</a:t>
             </a:r>
           </a:p>
           <a:p>
             <a:pPr lvl="0"/>
             <a:r>
               <a:rPr/>
-              <a:t>Difficulty measuring progress against others</a:t>
+              <a:t>Difficulté à mesurer ses progrès face à d’autres</a:t>
             </a:r>
           </a:p>
           <a:p>
             <a:pPr lvl="0"/>
             <a:r>
               <a:rPr/>
-              <a:t>Risk of abandoning fitness goals</a:t>
-            </a:r>
-          </a:p>
-          <a:p>
-            <a:pPr lvl="0" indent="0" marL="0">
-              <a:buNone/>
-            </a:pPr>
-            <a:r>
-              <a:rPr/>
-              <a:t>➡ Result: monotony, loss of motivation, practice abandonment</a:t>
+              <a:t>Risque d’abandon des objectifs sportifs</a:t>
+            </a:r>
+          </a:p>
+          <a:p>
+            <a:pPr lvl="0" indent="0" marL="0">
+              <a:buNone/>
+            </a:pPr>
+            <a:r>
+              <a:rPr/>
+              <a:t>➡ Résultat : monotonie, perte de motivation, arrêt de la pratique</a:t>
             </a:r>
           </a:p>
         </p:txBody>
@@ -4833,7 +4345,7 @@
             </a:pPr>
             <a:r>
               <a:rPr/>
-              <a:t>🟦 Slide 3 – Our differentiators</a:t>
+              <a:t>🟦 Slide 3 – Concept innovant</a:t>
             </a:r>
           </a:p>
         </p:txBody>
@@ -4858,73 +4370,58 @@
             </a:pPr>
             <a:r>
               <a:rPr b="1"/>
-              <a:t>What makes GeoRace unique</a:t>
-            </a:r>
-          </a:p>
-          <a:p>
-            <a:pPr lvl="0"/>
-            <a:r>
-              <a:rPr b="1"/>
-              <a:t>Real-time duel to an equidistant finish point</a:t>
-            </a:r>
-            <a:r>
-              <a:rPr/>
-              <a:t> → guaranteed fairness between runners</a:t>
-            </a:r>
-          </a:p>
-          <a:p>
-            <a:pPr lvl="0"/>
-            <a:r>
-              <a:rPr b="1"/>
-              <a:t>ELO Matchmaking</a:t>
-            </a:r>
-            <a:r>
-              <a:rPr/>
-              <a:t> → opponents of comparable level, visible progression</a:t>
-            </a:r>
-          </a:p>
-          <a:p>
-            <a:pPr lvl="0"/>
-            <a:r>
-              <a:rPr b="1"/>
-              <a:t>Live GPS &amp; synchronized tracking</a:t>
-            </a:r>
-            <a:r>
-              <a:rPr/>
-              <a:t> → immediate competitive experience</a:t>
-            </a:r>
-          </a:p>
-          <a:p>
-            <a:pPr lvl="0"/>
-            <a:r>
-              <a:rPr b="1"/>
-              <a:t>Privacy and security</a:t>
-            </a:r>
-            <a:r>
-              <a:rPr/>
-              <a:t> → position sharing limited to active duels</a:t>
-            </a:r>
-          </a:p>
-          <a:p>
-            <a:pPr lvl="0"/>
-            <a:r>
-              <a:rPr b="1"/>
-              <a:t>Integrated anti-cheat</a:t>
-            </a:r>
-            <a:r>
-              <a:rPr/>
-              <a:t> (GPS anomaly detection, route verification)</a:t>
-            </a:r>
-          </a:p>
-          <a:p>
-            <a:pPr lvl="0"/>
-            <a:r>
-              <a:rPr b="1"/>
-              <a:t>Social features</a:t>
-            </a:r>
-            <a:r>
-              <a:rPr/>
-              <a:t> → profiles, chat, badges, local leaderboards</a:t>
+              <a:t>Duels en temps réel pour tous</a:t>
+            </a:r>
+          </a:p>
+          <a:p>
+            <a:pPr lvl="0" indent="0" marL="0">
+              <a:buNone/>
+            </a:pPr>
+            <a:r>
+              <a:rPr/>
+              <a:t>🏃 </a:t>
+            </a:r>
+            <a:r>
+              <a:rPr b="1"/>
+              <a:t>DUELS EN TEMPS RÉEL</a:t>
+            </a:r>
+            <a:r>
+              <a:rPr/>
+              <a:t> Affrontez d’autres coureurs à proximité dans des courses spontanées</a:t>
+            </a:r>
+          </a:p>
+          <a:p>
+            <a:pPr lvl="0" indent="0" marL="0">
+              <a:buNone/>
+            </a:pPr>
+            <a:r>
+              <a:rPr/>
+              <a:t>📍 </a:t>
+            </a:r>
+            <a:r>
+              <a:rPr b="1"/>
+              <a:t>POINT D’ARRIVÉE ÉQUITABLE</a:t>
+            </a:r>
+            <a:r>
+              <a:rPr/>
+              <a:t> Chaque duel se termine à un point équidistant pour tous les participants</a:t>
+            </a:r>
+          </a:p>
+          <a:p>
+            <a:pPr lvl="0" indent="0" marL="0">
+              <a:buNone/>
+            </a:pPr>
+            <a:r>
+              <a:rPr/>
+              <a:t>⚖️ </a:t>
+            </a:r>
+            <a:r>
+              <a:rPr b="1"/>
+              <a:t>COMPÉTITION JUSTE</a:t>
+            </a:r>
+            <a:r>
+              <a:rPr/>
+              <a:t> Système ELO garantit des matchs équilibrés quel que soit votre niveau</a:t>
             </a:r>
           </a:p>
         </p:txBody>
@@ -4971,7 +4468,7 @@
             </a:pPr>
             <a:r>
               <a:rPr/>
-              <a:t>🟦 Slide 4 – Why users will join us</a:t>
+              <a:t>🟦 Slide 4 – Fonctionnement d’un duel</a:t>
             </a:r>
           </a:p>
         </p:txBody>
@@ -4996,51 +4493,46 @@
             </a:pPr>
             <a:r>
               <a:rPr b="1"/>
-              <a:t>Reasons to switch to GeoRace</a:t>
-            </a:r>
-          </a:p>
-          <a:p>
-            <a:pPr lvl="0"/>
-            <a:r>
-              <a:rPr b="1"/>
-              <a:t>Unique and fair duel experience</a:t>
-            </a:r>
-            <a:r>
-              <a:rPr/>
-              <a:t> = more fun and challenge</a:t>
-            </a:r>
-          </a:p>
-          <a:p>
-            <a:pPr lvl="0"/>
-            <a:r>
-              <a:rPr b="1"/>
-              <a:t>Visible progression (ELO)</a:t>
-            </a:r>
-            <a:r>
-              <a:rPr/>
-              <a:t> = motivation to return</a:t>
-            </a:r>
-          </a:p>
-          <a:p>
-            <a:pPr lvl="0"/>
-            <a:r>
-              <a:rPr b="1"/>
-              <a:t>Local events &amp; tournaments</a:t>
-            </a:r>
-            <a:r>
-              <a:rPr/>
-              <a:t> = social opportunities and rewards</a:t>
-            </a:r>
-          </a:p>
-          <a:p>
-            <a:pPr lvl="0"/>
-            <a:r>
-              <a:rPr b="1"/>
-              <a:t>Easy friend transfer</a:t>
-            </a:r>
-            <a:r>
-              <a:rPr/>
-              <a:t> via invitations and immediate duels</a:t>
+              <a:t>3 étapes simples</a:t>
+            </a:r>
+          </a:p>
+          <a:p>
+            <a:pPr lvl="0" indent="0" marL="0">
+              <a:buNone/>
+            </a:pPr>
+            <a:r>
+              <a:rPr b="1"/>
+              <a:t>01 - DÉTECTION DES COUREURS</a:t>
+            </a:r>
+            <a:r>
+              <a:rPr/>
+              <a:t> Identification automatique des coureurs actifs à proximité</a:t>
+            </a:r>
+          </a:p>
+          <a:p>
+            <a:pPr lvl="0" indent="0" marL="0">
+              <a:buNone/>
+            </a:pPr>
+            <a:r>
+              <a:rPr b="1"/>
+              <a:t>02 - POINT D’ARRIVÉE ÉQUITABLE</a:t>
+            </a:r>
+            <a:r>
+              <a:rPr/>
+              <a:t> Calcul algorithmique d’un point accessible à distance ��gale pour tous</a:t>
+            </a:r>
+          </a:p>
+          <a:p>
+            <a:pPr lvl="0" indent="0" marL="0">
+              <a:buNone/>
+            </a:pPr>
+            <a:r>
+              <a:rPr b="1"/>
+              <a:t>03 - DÉPART SIMULTANÉ</a:t>
+            </a:r>
+            <a:r>
+              <a:rPr/>
+              <a:t> Compte à rebours synchronisé après acceptation mutuelle</a:t>
             </a:r>
           </a:p>
         </p:txBody>
@@ -5087,7 +4579,7 @@
             </a:pPr>
             <a:r>
               <a:rPr/>
-              <a:t>🟦 Slide 5 – Acquisition strategy (how to steal users from competitors)</a:t>
+              <a:t>🟦 Slide 5 – Un duel GeoRace</a:t>
             </a:r>
           </a:p>
         </p:txBody>
@@ -5112,73 +4604,85 @@
             </a:pPr>
             <a:r>
               <a:rPr b="1"/>
-              <a:t>Concrete tactics to attract users</a:t>
-            </a:r>
-          </a:p>
-          <a:p>
-            <a:pPr lvl="0"/>
-            <a:r>
-              <a:rPr b="1"/>
-              <a:t>Local targeting</a:t>
-            </a:r>
-            <a:r>
-              <a:rPr/>
-              <a:t>: organize micro-events and challenges in parks and campuses</a:t>
-            </a:r>
-          </a:p>
-          <a:p>
-            <a:pPr lvl="0"/>
-            <a:r>
-              <a:rPr b="1"/>
-              <a:t>Partnerships</a:t>
-            </a:r>
-            <a:r>
-              <a:rPr/>
-              <a:t> with running clubs, coaches, local influencers</a:t>
-            </a:r>
-          </a:p>
-          <a:p>
-            <a:pPr lvl="0"/>
-            <a:r>
-              <a:rPr b="1"/>
-              <a:t>Integrations &amp; entry point</a:t>
-            </a:r>
-            <a:r>
-              <a:rPr/>
-              <a:t>: simplified import from Strava/Runkeeper + friend import</a:t>
-            </a:r>
-          </a:p>
-          <a:p>
-            <a:pPr lvl="0"/>
-            <a:r>
-              <a:rPr b="1"/>
-              <a:t>Incentive programs</a:t>
-            </a:r>
-            <a:r>
-              <a:rPr/>
-              <a:t>: free duels/initial ELO bonus, rewards, exclusive badges</a:t>
-            </a:r>
-          </a:p>
-          <a:p>
-            <a:pPr lvl="0"/>
-            <a:r>
-              <a:rPr b="1"/>
-              <a:t>Social media campaigns</a:t>
-            </a:r>
-            <a:r>
-              <a:rPr/>
-              <a:t> showing live duels + user stories</a:t>
-            </a:r>
-          </a:p>
-          <a:p>
-            <a:pPr lvl="0"/>
-            <a:r>
-              <a:rPr b="1"/>
-              <a:t>Differentiating features in onboarding</a:t>
-            </a:r>
-            <a:r>
-              <a:rPr/>
-              <a:t> (30s duel demonstration)</a:t>
+              <a:t>Scénario typique :</a:t>
+            </a:r>
+          </a:p>
+          <a:p>
+            <a:pPr lvl="0" indent="-342900" marL="342900">
+              <a:buAutoNum type="arabicPeriod"/>
+            </a:pPr>
+            <a:r>
+              <a:rPr b="1"/>
+              <a:t>Vous commencez votre course</a:t>
+            </a:r>
+            <a:r>
+              <a:rPr/>
+              <a:t> → l’app détecte 3 coureurs dans un rayon de 800m</a:t>
+            </a:r>
+          </a:p>
+          <a:p>
+            <a:pPr lvl="0" indent="-342900" marL="342900">
+              <a:buAutoNum type="arabicPeriod"/>
+            </a:pPr>
+            <a:r>
+              <a:rPr b="1"/>
+              <a:t>Proposition de duel</a:t>
+            </a:r>
+            <a:r>
+              <a:rPr/>
+              <a:t> → notification “Paul (ELO 1420) vous défie”</a:t>
+            </a:r>
+          </a:p>
+          <a:p>
+            <a:pPr lvl="0" indent="-342900" marL="342900">
+              <a:buAutoNum type="arabicPeriod"/>
+            </a:pPr>
+            <a:r>
+              <a:rPr b="1"/>
+              <a:t>Vous acceptez</a:t>
+            </a:r>
+            <a:r>
+              <a:rPr/>
+              <a:t> → le système calcule un point d’arrivée à 1,2km pour chacun</a:t>
+            </a:r>
+          </a:p>
+          <a:p>
+            <a:pPr lvl="0" indent="-342900" marL="342900">
+              <a:buAutoNum type="arabicPeriod"/>
+            </a:pPr>
+            <a:r>
+              <a:rPr b="1"/>
+              <a:t>Départ dans 10 secondes</a:t>
+            </a:r>
+            <a:r>
+              <a:rPr/>
+              <a:t> → compte à rebours</a:t>
+            </a:r>
+          </a:p>
+          <a:p>
+            <a:pPr lvl="0" indent="-342900" marL="342900">
+              <a:buAutoNum type="arabicPeriod"/>
+            </a:pPr>
+            <a:r>
+              <a:rPr b="1"/>
+              <a:t>Course en direct</a:t>
+            </a:r>
+            <a:r>
+              <a:rPr/>
+              <a:t> → GPS vous guide, position de l’adversaire visible</a:t>
+            </a:r>
+          </a:p>
+          <a:p>
+            <a:pPr lvl="0" indent="-342900" marL="342900">
+              <a:buAutoNum type="arabicPeriod"/>
+            </a:pPr>
+            <a:r>
+              <a:rPr b="1"/>
+              <a:t>Arrivée</a:t>
+            </a:r>
+            <a:r>
+              <a:rPr/>
+              <a:t> → +25 ELO, badge “5 victoires consécutives” débloqué</a:t>
             </a:r>
           </a:p>
         </p:txBody>
@@ -5225,7 +4729,7 @@
             </a:pPr>
             <a:r>
               <a:rPr/>
-              <a:t>🟦 Slide 6 – Innovative concept: Duel mode</a:t>
+              <a:t>🟦 Slide 6 – Aspect social</a:t>
             </a:r>
           </a:p>
         </p:txBody>
@@ -5250,58 +4754,46 @@
             </a:pPr>
             <a:r>
               <a:rPr b="1"/>
-              <a:t>Real-time duels for everyone</a:t>
-            </a:r>
-          </a:p>
-          <a:p>
-            <a:pPr lvl="0" indent="0" marL="0">
-              <a:buNone/>
-            </a:pPr>
-            <a:r>
-              <a:rPr/>
-              <a:t>🏃 </a:t>
-            </a:r>
-            <a:r>
-              <a:rPr b="1"/>
-              <a:t>REAL-TIME DUELS</a:t>
-            </a:r>
-            <a:r>
-              <a:rPr/>
-              <a:t> Face other nearby runners in spontaneous races</a:t>
-            </a:r>
-          </a:p>
-          <a:p>
-            <a:pPr lvl="0" indent="0" marL="0">
-              <a:buNone/>
-            </a:pPr>
-            <a:r>
-              <a:rPr/>
-              <a:t>📍 </a:t>
-            </a:r>
-            <a:r>
-              <a:rPr b="1"/>
-              <a:t>FAIR FINISH POINT</a:t>
-            </a:r>
-            <a:r>
-              <a:rPr/>
-              <a:t> Each duel ends at an equidistant point for all participants</a:t>
-            </a:r>
-          </a:p>
-          <a:p>
-            <a:pPr lvl="0" indent="0" marL="0">
-              <a:buNone/>
-            </a:pPr>
-            <a:r>
-              <a:rPr/>
-              <a:t>⚖️ </a:t>
-            </a:r>
-            <a:r>
-              <a:rPr b="1"/>
-              <a:t>FAIR COMPETITION</a:t>
-            </a:r>
-            <a:r>
-              <a:rPr/>
-              <a:t> ELO system ensures balanced matches regardless of your level</a:t>
+              <a:t>Construisez une communauté de coureurs</a:t>
+            </a:r>
+          </a:p>
+          <a:p>
+            <a:pPr lvl="0" indent="0" marL="0">
+              <a:buNone/>
+            </a:pPr>
+            <a:r>
+              <a:rPr b="1"/>
+              <a:t>01 - MATCHMAKING ÉQUILIBRÉ</a:t>
+            </a:r>
+            <a:r>
+              <a:rPr/>
+              <a:t> Connexion automatique entre coureurs de niveaux similaires grâce à l’ELO</a:t>
+            </a:r>
+          </a:p>
+          <a:p>
+            <a:pPr lvl="0" indent="0" marL="0">
+              <a:buNone/>
+            </a:pPr>
+            <a:r>
+              <a:rPr b="1"/>
+              <a:t>02 - DISCUSSION ET PARTAGE</a:t>
+            </a:r>
+            <a:r>
+              <a:rPr/>
+              <a:t> Chat en direct, ajout d’amis, profils détaillés avec statistiques</a:t>
+            </a:r>
+          </a:p>
+          <a:p>
+            <a:pPr lvl="0" indent="0" marL="0">
+              <a:buNone/>
+            </a:pPr>
+            <a:r>
+              <a:rPr b="1"/>
+              <a:t>03 - ÉVÉNEMENTS COMMUNAUTAIRES</a:t>
+            </a:r>
+            <a:r>
+              <a:rPr/>
+              <a:t> Courses organisées, défis collectifs, ligues locales par ville/quartier</a:t>
             </a:r>
           </a:p>
         </p:txBody>
@@ -5348,7 +4840,7 @@
             </a:pPr>
             <a:r>
               <a:rPr/>
-              <a:t>🟦 Slide 7 – How a duel works</a:t>
+              <a:t>🟦 Slide 7 – Système de classement ELO</a:t>
             </a:r>
           </a:p>
         </p:txBody>
@@ -5373,46 +4865,46 @@
             </a:pPr>
             <a:r>
               <a:rPr b="1"/>
-              <a:t>3 simple steps</a:t>
-            </a:r>
-          </a:p>
-          <a:p>
-            <a:pPr lvl="0" indent="0" marL="0">
-              <a:buNone/>
-            </a:pPr>
-            <a:r>
-              <a:rPr b="1"/>
-              <a:t>01 - RUNNER DETECTION</a:t>
-            </a:r>
-            <a:r>
-              <a:rPr/>
-              <a:t> Automatic identification of active runners nearby</a:t>
-            </a:r>
-          </a:p>
-          <a:p>
-            <a:pPr lvl="0" indent="0" marL="0">
-              <a:buNone/>
-            </a:pPr>
-            <a:r>
-              <a:rPr b="1"/>
-              <a:t>02 - FAIR FINISH POINT</a:t>
-            </a:r>
-            <a:r>
-              <a:rPr/>
-              <a:t> Algorithmic calculation of a point accessible at equal distance for all</a:t>
-            </a:r>
-          </a:p>
-          <a:p>
-            <a:pPr lvl="0" indent="0" marL="0">
-              <a:buNone/>
-            </a:pPr>
-            <a:r>
-              <a:rPr b="1"/>
-              <a:t>03 - SIMULTANEOUS START</a:t>
-            </a:r>
-            <a:r>
-              <a:rPr/>
-              <a:t> Synchronized countdown after mutual acceptance</a:t>
+              <a:t>Compétition équitable et progression motivante</a:t>
+            </a:r>
+          </a:p>
+          <a:p>
+            <a:pPr lvl="0" indent="0" marL="0">
+              <a:buNone/>
+            </a:pPr>
+            <a:r>
+              <a:rPr b="1"/>
+              <a:t>01 - MATCHS ÉQUILIBRÉS</a:t>
+            </a:r>
+            <a:r>
+              <a:rPr/>
+              <a:t> Algorithme ELO vous oppose à des coureurs de niveau proche</a:t>
+            </a:r>
+          </a:p>
+          <a:p>
+            <a:pPr lvl="0" indent="0" marL="0">
+              <a:buNone/>
+            </a:pPr>
+            <a:r>
+              <a:rPr b="1"/>
+              <a:t>02 - PROGRESSION VISIBLE</a:t>
+            </a:r>
+            <a:r>
+              <a:rPr/>
+              <a:t> Suivez votre montée dans les classements (Bronze → Argent → Or → Platine)</a:t>
+            </a:r>
+          </a:p>
+          <a:p>
+            <a:pPr lvl="0" indent="0" marL="0">
+              <a:buNone/>
+            </a:pPr>
+            <a:r>
+              <a:rPr b="1"/>
+              <a:t>03 - RÉCOMPENSES ET BADGES</a:t>
+            </a:r>
+            <a:r>
+              <a:rPr/>
+              <a:t> Débloquez des achievements à chaque niveau atteint</a:t>
             </a:r>
           </a:p>
         </p:txBody>
@@ -5459,7 +4951,7 @@
             </a:pPr>
             <a:r>
               <a:rPr/>
-              <a:t>🟦 Slide 8 – A GeoRace duel</a:t>
+              <a:t>🟦 Slide 8 – Bénéfices de GeoRace</a:t>
             </a:r>
           </a:p>
         </p:txBody>
@@ -5484,85 +4976,46 @@
             </a:pPr>
             <a:r>
               <a:rPr b="1"/>
-              <a:t>Typical scenario:</a:t>
-            </a:r>
-          </a:p>
-          <a:p>
-            <a:pPr lvl="0" indent="-342900" marL="342900">
-              <a:buAutoNum type="arabicPeriod"/>
-            </a:pPr>
-            <a:r>
-              <a:rPr b="1"/>
-              <a:t>You start your run</a:t>
-            </a:r>
-            <a:r>
-              <a:rPr/>
-              <a:t> → the app detects 3 runners within 800m</a:t>
-            </a:r>
-          </a:p>
-          <a:p>
-            <a:pPr lvl="0" indent="-342900" marL="342900">
-              <a:buAutoNum type="arabicPeriod"/>
-            </a:pPr>
-            <a:r>
-              <a:rPr b="1"/>
-              <a:t>Duel proposal</a:t>
-            </a:r>
-            <a:r>
-              <a:rPr/>
-              <a:t> → notification “Paul (ELO 1420) challenges you”</a:t>
-            </a:r>
-          </a:p>
-          <a:p>
-            <a:pPr lvl="0" indent="-342900" marL="342900">
-              <a:buAutoNum type="arabicPeriod"/>
-            </a:pPr>
-            <a:r>
-              <a:rPr b="1"/>
-              <a:t>You accept</a:t>
-            </a:r>
-            <a:r>
-              <a:rPr/>
-              <a:t> → the system calculates a finish point at 1.2km for each</a:t>
-            </a:r>
-          </a:p>
-          <a:p>
-            <a:pPr lvl="0" indent="-342900" marL="342900">
-              <a:buAutoNum type="arabicPeriod"/>
-            </a:pPr>
-            <a:r>
-              <a:rPr b="1"/>
-              <a:t>Start in 10 seconds</a:t>
-            </a:r>
-            <a:r>
-              <a:rPr/>
-              <a:t> → countdown</a:t>
-            </a:r>
-          </a:p>
-          <a:p>
-            <a:pPr lvl="0" indent="-342900" marL="342900">
-              <a:buAutoNum type="arabicPeriod"/>
-            </a:pPr>
-            <a:r>
-              <a:rPr b="1"/>
-              <a:t>Live race</a:t>
-            </a:r>
-            <a:r>
-              <a:rPr/>
-              <a:t> → GPS guides you, opponent’s position visible</a:t>
-            </a:r>
-          </a:p>
-          <a:p>
-            <a:pPr lvl="0" indent="-342900" marL="342900">
-              <a:buAutoNum type="arabicPeriod"/>
-            </a:pPr>
-            <a:r>
-              <a:rPr b="1"/>
-              <a:t>Finish</a:t>
-            </a:r>
-            <a:r>
-              <a:rPr/>
-              <a:t> → +25 ELO, badge “5 consecutive victories” unlocked</a:t>
+              <a:t>Plus qu’une app de running</a:t>
+            </a:r>
+          </a:p>
+          <a:p>
+            <a:pPr lvl="0" indent="0" marL="0">
+              <a:buNone/>
+            </a:pPr>
+            <a:r>
+              <a:rPr b="1"/>
+              <a:t>01 - MOTIVATION ACCRUE</a:t>
+            </a:r>
+            <a:r>
+              <a:rPr/>
+              <a:t> Chaque sortie devient un défi concret et excitant</a:t>
+            </a:r>
+          </a:p>
+          <a:p>
+            <a:pPr lvl="0" indent="0" marL="0">
+              <a:buNone/>
+            </a:pPr>
+            <a:r>
+              <a:rPr b="1"/>
+              <a:t>02 - AMÉLIORATION DES PERFORMANCES</a:t>
+            </a:r>
+            <a:r>
+              <a:rPr/>
+              <a:t> La compétition pousse naturellement au dépassement de soi</a:t>
+            </a:r>
+          </a:p>
+          <a:p>
+            <a:pPr lvl="0" indent="0" marL="0">
+              <a:buNone/>
+            </a:pPr>
+            <a:r>
+              <a:rPr b="1"/>
+              <a:t>03 - BIEN-ÊTRE SOCIAL</a:t>
+            </a:r>
+            <a:r>
+              <a:rPr/>
+              <a:t> Rencontrez et interagissez avec d’autres coureurs passionnés</a:t>
             </a:r>
           </a:p>
         </p:txBody>

--- a/GeoRace_presentation.pptx
+++ b/GeoRace_presentation.pptx
@@ -22,6 +22,13 @@
     <p:sldId id="270" r:id="rId16"/>
     <p:sldId id="271" r:id="rId17"/>
     <p:sldId id="272" r:id="rId18"/>
+    <p:sldId id="273" r:id="rId19"/>
+    <p:sldId id="274" r:id="rId20"/>
+    <p:sldId id="275" r:id="rId21"/>
+    <p:sldId id="276" r:id="rId22"/>
+    <p:sldId id="277" r:id="rId23"/>
+    <p:sldId id="278" r:id="rId24"/>
+    <p:sldId id="279" r:id="rId25"/>
   </p:sldIdLst>
   <p:sldSz cx="9144000" cy="5143500" type="screen16x9"/>
   <p:notesSz cx="6858000" cy="9144000"/>
@@ -3210,91 +3217,663 @@
             </a:pPr>
             <a:r>
               <a:rPr/>
-              <a:t>🟦 Slide 9 – Fonctionnalités clés</a:t>
-            </a:r>
-          </a:p>
-        </p:txBody>
-      </p:sp>
-      <p:sp>
-        <p:nvSpPr>
-          <p:cNvPr id="3" name="Content Placeholder 2"/>
-          <p:cNvSpPr>
-            <a:spLocks noGrp="1"/>
-          </p:cNvSpPr>
+              <a:t>🟦 Slide 9 - Tableau comparatif : GeoRace vs Concurrents</a:t>
+            </a:r>
+          </a:p>
+        </p:txBody>
+      </p:sp>
+      <p:graphicFrame>
+        <p:nvGraphicFramePr>
+          <p:cNvPr id="6" name="Content Placeholder 5"/>
+          <p:cNvGraphicFramePr>
+            <a:graphicFrameLocks noGrp="1"/>
+          </p:cNvGraphicFramePr>
           <p:nvPr>
             <p:ph idx="1"/>
           </p:nvPr>
-        </p:nvSpPr>
-        <p:spPr/>
-        <p:txBody>
-          <a:bodyPr/>
-          <a:lstStyle/>
-          <a:p>
-            <a:pPr lvl="0" indent="0" marL="0">
-              <a:buNone/>
-            </a:pPr>
-            <a:r>
-              <a:rPr b="1"/>
-              <a:t>Technologie au service de la performance</a:t>
-            </a:r>
-          </a:p>
-          <a:p>
-            <a:pPr lvl="0"/>
-            <a:r>
-              <a:rPr b="1"/>
-              <a:t>GPS haute précision</a:t>
-            </a:r>
-            <a:r>
-              <a:rPr/>
-              <a:t> : tracking en temps réel pendant les duels</a:t>
-            </a:r>
-          </a:p>
-          <a:p>
-            <a:pPr lvl="0"/>
-            <a:r>
-              <a:rPr b="1"/>
-              <a:t>Algorithme intelligent</a:t>
-            </a:r>
-            <a:r>
-              <a:rPr/>
-              <a:t> : calcul de points équidistants accessibles</a:t>
-            </a:r>
-          </a:p>
-          <a:p>
-            <a:pPr lvl="0"/>
-            <a:r>
-              <a:rPr b="1"/>
-              <a:t>Sécurité</a:t>
-            </a:r>
-            <a:r>
-              <a:rPr/>
-              <a:t> : position visible uniquement en duel actif</a:t>
-            </a:r>
-          </a:p>
-          <a:p>
-            <a:pPr lvl="0"/>
-            <a:r>
-              <a:rPr b="1"/>
-              <a:t>Anti-triche</a:t>
-            </a:r>
-            <a:r>
-              <a:rPr/>
-              <a:t> : détection de vitesse anormale et validation communautaire</a:t>
-            </a:r>
-          </a:p>
-          <a:p>
-            <a:pPr lvl="0"/>
-            <a:r>
-              <a:rPr b="1"/>
-              <a:t>Optimisation batterie</a:t>
-            </a:r>
-            <a:r>
-              <a:rPr/>
-              <a:t> : mode économie d’énergie</a:t>
-            </a:r>
-          </a:p>
-        </p:txBody>
-      </p:sp>
+        </p:nvGraphicFramePr>
+        <p:xfrm>
+          <a:off x="457200" y="1193800"/>
+          <a:ext cx="8229600" cy="3390900"/>
+        </p:xfrm>
+        <a:graphic>
+          <a:graphicData uri="http://schemas.openxmlformats.org/drawingml/2006/table">
+            <a:tbl>
+              <a:tblPr firstRow="1" bandRow="1">
+                <a:tableStyleId>{5C22544A-7EE6-4342-B048-85BDC9FD1C3A}</a:tableStyleId>
+              </a:tblPr>
+              <a:tblGrid>
+                <a:gridCol w="1638300"/>
+                <a:gridCol w="1638300"/>
+                <a:gridCol w="1638300"/>
+                <a:gridCol w="1638300"/>
+                <a:gridCol w="1638300"/>
+              </a:tblGrid>
+              <a:tr h="0">
+                <a:tc>
+                  <a:txBody>
+                    <a:bodyPr/>
+                    <a:lstStyle/>
+                    <a:p>
+                      <a:pPr lvl="0" indent="0" marL="0">
+                        <a:buNone/>
+                      </a:pPr>
+                      <a:r>
+                        <a:rPr/>
+                        <a:t>Fonctionnalité</a:t>
+                      </a:r>
+                    </a:p>
+                  </a:txBody>
+                  <a:tcPr/>
+                </a:tc>
+                <a:tc>
+                  <a:txBody>
+                    <a:bodyPr/>
+                    <a:lstStyle/>
+                    <a:p>
+                      <a:pPr lvl="0" indent="0" marL="0" algn="ctr">
+                        <a:buNone/>
+                      </a:pPr>
+                      <a:r>
+                        <a:rPr/>
+                        <a:t>Strava</a:t>
+                      </a:r>
+                    </a:p>
+                  </a:txBody>
+                  <a:tcPr/>
+                </a:tc>
+                <a:tc>
+                  <a:txBody>
+                    <a:bodyPr/>
+                    <a:lstStyle/>
+                    <a:p>
+                      <a:pPr lvl="0" indent="0" marL="0" algn="ctr">
+                        <a:buNone/>
+                      </a:pPr>
+                      <a:r>
+                        <a:rPr/>
+                        <a:t>Nike Run Club</a:t>
+                      </a:r>
+                    </a:p>
+                  </a:txBody>
+                  <a:tcPr/>
+                </a:tc>
+                <a:tc>
+                  <a:txBody>
+                    <a:bodyPr/>
+                    <a:lstStyle/>
+                    <a:p>
+                      <a:pPr lvl="0" indent="0" marL="0" algn="ctr">
+                        <a:buNone/>
+                      </a:pPr>
+                      <a:r>
+                        <a:rPr/>
+                        <a:t>Runkeeper</a:t>
+                      </a:r>
+                    </a:p>
+                  </a:txBody>
+                  <a:tcPr/>
+                </a:tc>
+                <a:tc>
+                  <a:txBody>
+                    <a:bodyPr/>
+                    <a:lstStyle/>
+                    <a:p>
+                      <a:pPr lvl="0" indent="0" marL="0" algn="ctr">
+                        <a:buNone/>
+                      </a:pPr>
+                      <a:r>
+                        <a:rPr b="1"/>
+                        <a:t>GeoRace</a:t>
+                      </a:r>
+                    </a:p>
+                  </a:txBody>
+                  <a:tcPr/>
+                </a:tc>
+              </a:tr>
+              <a:tr h="0">
+                <a:tc>
+                  <a:txBody>
+                    <a:bodyPr/>
+                    <a:lstStyle/>
+                    <a:p>
+                      <a:pPr lvl="0" indent="0" marL="0">
+                        <a:buNone/>
+                      </a:pPr>
+                      <a:r>
+                        <a:rPr/>
+                        <a:t>Duels en temps réel</a:t>
+                      </a:r>
+                    </a:p>
+                  </a:txBody>
+                </a:tc>
+                <a:tc>
+                  <a:txBody>
+                    <a:bodyPr/>
+                    <a:lstStyle/>
+                    <a:p>
+                      <a:pPr lvl="0" indent="0" marL="0" algn="ctr">
+                        <a:buNone/>
+                      </a:pPr>
+                      <a:r>
+                        <a:rPr/>
+                        <a:t>❌</a:t>
+                      </a:r>
+                    </a:p>
+                  </a:txBody>
+                </a:tc>
+                <a:tc>
+                  <a:txBody>
+                    <a:bodyPr/>
+                    <a:lstStyle/>
+                    <a:p>
+                      <a:pPr lvl="0" indent="0" marL="0" algn="ctr">
+                        <a:buNone/>
+                      </a:pPr>
+                      <a:r>
+                        <a:rPr/>
+                        <a:t>❌</a:t>
+                      </a:r>
+                    </a:p>
+                  </a:txBody>
+                </a:tc>
+                <a:tc>
+                  <a:txBody>
+                    <a:bodyPr/>
+                    <a:lstStyle/>
+                    <a:p>
+                      <a:pPr lvl="0" indent="0" marL="0" algn="ctr">
+                        <a:buNone/>
+                      </a:pPr>
+                      <a:r>
+                        <a:rPr/>
+                        <a:t>❌</a:t>
+                      </a:r>
+                    </a:p>
+                  </a:txBody>
+                </a:tc>
+                <a:tc>
+                  <a:txBody>
+                    <a:bodyPr/>
+                    <a:lstStyle/>
+                    <a:p>
+                      <a:pPr lvl="0" indent="0" marL="0" algn="ctr">
+                        <a:buNone/>
+                      </a:pPr>
+                      <a:r>
+                        <a:rPr/>
+                        <a:t>✅</a:t>
+                      </a:r>
+                    </a:p>
+                  </a:txBody>
+                </a:tc>
+              </a:tr>
+              <a:tr h="0">
+                <a:tc>
+                  <a:txBody>
+                    <a:bodyPr/>
+                    <a:lstStyle/>
+                    <a:p>
+                      <a:pPr lvl="0" indent="0" marL="0">
+                        <a:buNone/>
+                      </a:pPr>
+                      <a:r>
+                        <a:rPr/>
+                        <a:t>Point d’arrivée équidistant</a:t>
+                      </a:r>
+                    </a:p>
+                  </a:txBody>
+                </a:tc>
+                <a:tc>
+                  <a:txBody>
+                    <a:bodyPr/>
+                    <a:lstStyle/>
+                    <a:p>
+                      <a:pPr lvl="0" indent="0" marL="0" algn="ctr">
+                        <a:buNone/>
+                      </a:pPr>
+                      <a:r>
+                        <a:rPr/>
+                        <a:t>❌</a:t>
+                      </a:r>
+                    </a:p>
+                  </a:txBody>
+                </a:tc>
+                <a:tc>
+                  <a:txBody>
+                    <a:bodyPr/>
+                    <a:lstStyle/>
+                    <a:p>
+                      <a:pPr lvl="0" indent="0" marL="0" algn="ctr">
+                        <a:buNone/>
+                      </a:pPr>
+                      <a:r>
+                        <a:rPr/>
+                        <a:t>❌</a:t>
+                      </a:r>
+                    </a:p>
+                  </a:txBody>
+                </a:tc>
+                <a:tc>
+                  <a:txBody>
+                    <a:bodyPr/>
+                    <a:lstStyle/>
+                    <a:p>
+                      <a:pPr lvl="0" indent="0" marL="0" algn="ctr">
+                        <a:buNone/>
+                      </a:pPr>
+                      <a:r>
+                        <a:rPr/>
+                        <a:t>❌</a:t>
+                      </a:r>
+                    </a:p>
+                  </a:txBody>
+                </a:tc>
+                <a:tc>
+                  <a:txBody>
+                    <a:bodyPr/>
+                    <a:lstStyle/>
+                    <a:p>
+                      <a:pPr lvl="0" indent="0" marL="0" algn="ctr">
+                        <a:buNone/>
+                      </a:pPr>
+                      <a:r>
+                        <a:rPr/>
+                        <a:t>✅</a:t>
+                      </a:r>
+                    </a:p>
+                  </a:txBody>
+                </a:tc>
+              </a:tr>
+              <a:tr h="0">
+                <a:tc>
+                  <a:txBody>
+                    <a:bodyPr/>
+                    <a:lstStyle/>
+                    <a:p>
+                      <a:pPr lvl="0" indent="0" marL="0">
+                        <a:buNone/>
+                      </a:pPr>
+                      <a:r>
+                        <a:rPr/>
+                        <a:t>Matchmaking ELO</a:t>
+                      </a:r>
+                    </a:p>
+                  </a:txBody>
+                </a:tc>
+                <a:tc>
+                  <a:txBody>
+                    <a:bodyPr/>
+                    <a:lstStyle/>
+                    <a:p>
+                      <a:pPr lvl="0" indent="0" marL="0" algn="ctr">
+                        <a:buNone/>
+                      </a:pPr>
+                      <a:r>
+                        <a:rPr/>
+                        <a:t>❌</a:t>
+                      </a:r>
+                    </a:p>
+                  </a:txBody>
+                </a:tc>
+                <a:tc>
+                  <a:txBody>
+                    <a:bodyPr/>
+                    <a:lstStyle/>
+                    <a:p>
+                      <a:pPr lvl="0" indent="0" marL="0" algn="ctr">
+                        <a:buNone/>
+                      </a:pPr>
+                      <a:r>
+                        <a:rPr/>
+                        <a:t>❌</a:t>
+                      </a:r>
+                    </a:p>
+                  </a:txBody>
+                </a:tc>
+                <a:tc>
+                  <a:txBody>
+                    <a:bodyPr/>
+                    <a:lstStyle/>
+                    <a:p>
+                      <a:pPr lvl="0" indent="0" marL="0" algn="ctr">
+                        <a:buNone/>
+                      </a:pPr>
+                      <a:r>
+                        <a:rPr/>
+                        <a:t>❌</a:t>
+                      </a:r>
+                    </a:p>
+                  </a:txBody>
+                </a:tc>
+                <a:tc>
+                  <a:txBody>
+                    <a:bodyPr/>
+                    <a:lstStyle/>
+                    <a:p>
+                      <a:pPr lvl="0" indent="0" marL="0" algn="ctr">
+                        <a:buNone/>
+                      </a:pPr>
+                      <a:r>
+                        <a:rPr/>
+                        <a:t>✅</a:t>
+                      </a:r>
+                    </a:p>
+                  </a:txBody>
+                </a:tc>
+              </a:tr>
+              <a:tr h="0">
+                <a:tc>
+                  <a:txBody>
+                    <a:bodyPr/>
+                    <a:lstStyle/>
+                    <a:p>
+                      <a:pPr lvl="0" indent="0" marL="0">
+                        <a:buNone/>
+                      </a:pPr>
+                      <a:r>
+                        <a:rPr/>
+                        <a:t>Compétition synchrone</a:t>
+                      </a:r>
+                    </a:p>
+                  </a:txBody>
+                </a:tc>
+                <a:tc>
+                  <a:txBody>
+                    <a:bodyPr/>
+                    <a:lstStyle/>
+                    <a:p>
+                      <a:pPr lvl="0" indent="0" marL="0" algn="ctr">
+                        <a:buNone/>
+                      </a:pPr>
+                      <a:r>
+                        <a:rPr/>
+                        <a:t>❌</a:t>
+                      </a:r>
+                    </a:p>
+                  </a:txBody>
+                </a:tc>
+                <a:tc>
+                  <a:txBody>
+                    <a:bodyPr/>
+                    <a:lstStyle/>
+                    <a:p>
+                      <a:pPr lvl="0" indent="0" marL="0" algn="ctr">
+                        <a:buNone/>
+                      </a:pPr>
+                      <a:r>
+                        <a:rPr/>
+                        <a:t>❌</a:t>
+                      </a:r>
+                    </a:p>
+                  </a:txBody>
+                </a:tc>
+                <a:tc>
+                  <a:txBody>
+                    <a:bodyPr/>
+                    <a:lstStyle/>
+                    <a:p>
+                      <a:pPr lvl="0" indent="0" marL="0" algn="ctr">
+                        <a:buNone/>
+                      </a:pPr>
+                      <a:r>
+                        <a:rPr/>
+                        <a:t>❌</a:t>
+                      </a:r>
+                    </a:p>
+                  </a:txBody>
+                </a:tc>
+                <a:tc>
+                  <a:txBody>
+                    <a:bodyPr/>
+                    <a:lstStyle/>
+                    <a:p>
+                      <a:pPr lvl="0" indent="0" marL="0" algn="ctr">
+                        <a:buNone/>
+                      </a:pPr>
+                      <a:r>
+                        <a:rPr/>
+                        <a:t>✅</a:t>
+                      </a:r>
+                    </a:p>
+                  </a:txBody>
+                </a:tc>
+              </a:tr>
+              <a:tr h="0">
+                <a:tc>
+                  <a:txBody>
+                    <a:bodyPr/>
+                    <a:lstStyle/>
+                    <a:p>
+                      <a:pPr lvl="0" indent="0" marL="0">
+                        <a:buNone/>
+                      </a:pPr>
+                      <a:r>
+                        <a:rPr/>
+                        <a:t>Tracking GPS</a:t>
+                      </a:r>
+                    </a:p>
+                  </a:txBody>
+                </a:tc>
+                <a:tc>
+                  <a:txBody>
+                    <a:bodyPr/>
+                    <a:lstStyle/>
+                    <a:p>
+                      <a:pPr lvl="0" indent="0" marL="0" algn="ctr">
+                        <a:buNone/>
+                      </a:pPr>
+                      <a:r>
+                        <a:rPr/>
+                        <a:t>✅</a:t>
+                      </a:r>
+                    </a:p>
+                  </a:txBody>
+                </a:tc>
+                <a:tc>
+                  <a:txBody>
+                    <a:bodyPr/>
+                    <a:lstStyle/>
+                    <a:p>
+                      <a:pPr lvl="0" indent="0" marL="0" algn="ctr">
+                        <a:buNone/>
+                      </a:pPr>
+                      <a:r>
+                        <a:rPr/>
+                        <a:t>✅</a:t>
+                      </a:r>
+                    </a:p>
+                  </a:txBody>
+                </a:tc>
+                <a:tc>
+                  <a:txBody>
+                    <a:bodyPr/>
+                    <a:lstStyle/>
+                    <a:p>
+                      <a:pPr lvl="0" indent="0" marL="0" algn="ctr">
+                        <a:buNone/>
+                      </a:pPr>
+                      <a:r>
+                        <a:rPr/>
+                        <a:t>✅</a:t>
+                      </a:r>
+                    </a:p>
+                  </a:txBody>
+                </a:tc>
+                <a:tc>
+                  <a:txBody>
+                    <a:bodyPr/>
+                    <a:lstStyle/>
+                    <a:p>
+                      <a:pPr lvl="0" indent="0" marL="0" algn="ctr">
+                        <a:buNone/>
+                      </a:pPr>
+                      <a:r>
+                        <a:rPr/>
+                        <a:t>✅</a:t>
+                      </a:r>
+                    </a:p>
+                  </a:txBody>
+                </a:tc>
+              </a:tr>
+              <a:tr h="0">
+                <a:tc>
+                  <a:txBody>
+                    <a:bodyPr/>
+                    <a:lstStyle/>
+                    <a:p>
+                      <a:pPr lvl="0" indent="0" marL="0">
+                        <a:buNone/>
+                      </a:pPr>
+                      <a:r>
+                        <a:rPr/>
+                        <a:t>Segments fixes</a:t>
+                      </a:r>
+                    </a:p>
+                  </a:txBody>
+                </a:tc>
+                <a:tc>
+                  <a:txBody>
+                    <a:bodyPr/>
+                    <a:lstStyle/>
+                    <a:p>
+                      <a:pPr lvl="0" indent="0" marL="0" algn="ctr">
+                        <a:buNone/>
+                      </a:pPr>
+                      <a:r>
+                        <a:rPr/>
+                        <a:t>✅</a:t>
+                      </a:r>
+                    </a:p>
+                  </a:txBody>
+                </a:tc>
+                <a:tc>
+                  <a:txBody>
+                    <a:bodyPr/>
+                    <a:lstStyle/>
+                    <a:p>
+                      <a:pPr lvl="0" indent="0" marL="0" algn="ctr">
+                        <a:buNone/>
+                      </a:pPr>
+                      <a:r>
+                        <a:rPr/>
+                        <a:t>❌</a:t>
+                      </a:r>
+                    </a:p>
+                  </a:txBody>
+                </a:tc>
+                <a:tc>
+                  <a:txBody>
+                    <a:bodyPr/>
+                    <a:lstStyle/>
+                    <a:p>
+                      <a:pPr lvl="0" indent="0" marL="0" algn="ctr">
+                        <a:buNone/>
+                      </a:pPr>
+                      <a:r>
+                        <a:rPr/>
+                        <a:t>❌</a:t>
+                      </a:r>
+                    </a:p>
+                  </a:txBody>
+                </a:tc>
+                <a:tc>
+                  <a:txBody>
+                    <a:bodyPr/>
+                    <a:lstStyle/>
+                    <a:p>
+                      <a:pPr lvl="0" indent="0" marL="0" algn="ctr">
+                        <a:buNone/>
+                      </a:pPr>
+                      <a:r>
+                        <a:rPr/>
+                        <a:t>❌</a:t>
+                      </a:r>
+                    </a:p>
+                  </a:txBody>
+                </a:tc>
+              </a:tr>
+              <a:tr h="0">
+                <a:tc>
+                  <a:txBody>
+                    <a:bodyPr/>
+                    <a:lstStyle/>
+                    <a:p>
+                      <a:pPr lvl="0" indent="0" marL="0">
+                        <a:buNone/>
+                      </a:pPr>
+                      <a:r>
+                        <a:rPr/>
+                        <a:t>Défis asynchrones</a:t>
+                      </a:r>
+                    </a:p>
+                  </a:txBody>
+                </a:tc>
+                <a:tc>
+                  <a:txBody>
+                    <a:bodyPr/>
+                    <a:lstStyle/>
+                    <a:p>
+                      <a:pPr lvl="0" indent="0" marL="0" algn="ctr">
+                        <a:buNone/>
+                      </a:pPr>
+                      <a:r>
+                        <a:rPr/>
+                        <a:t>✅</a:t>
+                      </a:r>
+                    </a:p>
+                  </a:txBody>
+                </a:tc>
+                <a:tc>
+                  <a:txBody>
+                    <a:bodyPr/>
+                    <a:lstStyle/>
+                    <a:p>
+                      <a:pPr lvl="0" indent="0" marL="0" algn="ctr">
+                        <a:buNone/>
+                      </a:pPr>
+                      <a:r>
+                        <a:rPr/>
+                        <a:t>✅</a:t>
+                      </a:r>
+                    </a:p>
+                  </a:txBody>
+                </a:tc>
+                <a:tc>
+                  <a:txBody>
+                    <a:bodyPr/>
+                    <a:lstStyle/>
+                    <a:p>
+                      <a:pPr lvl="0" indent="0" marL="0" algn="ctr">
+                        <a:buNone/>
+                      </a:pPr>
+                      <a:r>
+                        <a:rPr/>
+                        <a:t>❌</a:t>
+                      </a:r>
+                    </a:p>
+                  </a:txBody>
+                </a:tc>
+                <a:tc>
+                  <a:txBody>
+                    <a:bodyPr/>
+                    <a:lstStyle/>
+                    <a:p>
+                      <a:pPr lvl="0" indent="0" marL="0" algn="ctr">
+                        <a:buNone/>
+                      </a:pPr>
+                      <a:r>
+                        <a:rPr/>
+                        <a:t>✅</a:t>
+                      </a:r>
+                    </a:p>
+                  </a:txBody>
+                </a:tc>
+              </a:tr>
+            </a:tbl>
+          </a:graphicData>
+        </a:graphic>
+      </p:graphicFrame>
     </p:spTree>
   </p:cSld>
 </p:sld>
@@ -3319,31 +3898,6 @@
       </p:grpSpPr>
       <p:sp>
         <p:nvSpPr>
-          <p:cNvPr id="2" name="Title 1"/>
-          <p:cNvSpPr>
-            <a:spLocks noGrp="1"/>
-          </p:cNvSpPr>
-          <p:nvPr>
-            <p:ph type="title"/>
-          </p:nvPr>
-        </p:nvSpPr>
-        <p:spPr/>
-        <p:txBody>
-          <a:bodyPr/>
-          <a:lstStyle/>
-          <a:p>
-            <a:pPr lvl="0" indent="0" marL="0">
-              <a:buNone/>
-            </a:pPr>
-            <a:r>
-              <a:rPr/>
-              <a:t>🟦 Slide 10 – Cible</a:t>
-            </a:r>
-          </a:p>
-        </p:txBody>
-      </p:sp>
-      <p:sp>
-        <p:nvSpPr>
           <p:cNvPr id="3" name="Content Placeholder 2"/>
           <p:cNvSpPr>
             <a:spLocks noGrp="1"/>
@@ -3362,67 +3916,7 @@
             </a:pPr>
             <a:r>
               <a:rPr b="1"/>
-              <a:t>Qui utilise GeoRace ?</a:t>
-            </a:r>
-          </a:p>
-          <a:p>
-            <a:pPr lvl="0"/>
-            <a:r>
-              <a:rPr/>
-              <a:t>🏃‍♂️ </a:t>
-            </a:r>
-            <a:r>
-              <a:rPr b="1"/>
-              <a:t>Coureurs réguliers</a:t>
-            </a:r>
-            <a:r>
-              <a:rPr/>
-              <a:t> : cherchent à améliorer leurs performances</a:t>
-            </a:r>
-          </a:p>
-          <a:p>
-            <a:pPr lvl="0"/>
-            <a:r>
-              <a:rPr/>
-              <a:t>👟 </a:t>
-            </a:r>
-            <a:r>
-              <a:rPr b="1"/>
-              <a:t>Coureurs occasionnels</a:t>
-            </a:r>
-            <a:r>
-              <a:rPr/>
-              <a:t> : ont besoin de motivation pour rester réguliers</a:t>
-            </a:r>
-          </a:p>
-          <a:p>
-            <a:pPr lvl="0"/>
-            <a:r>
-              <a:rPr/>
-              <a:t>🏅 </a:t>
-            </a:r>
-            <a:r>
-              <a:rPr b="1"/>
-              <a:t>Coureurs compétitifs</a:t>
-            </a:r>
-            <a:r>
-              <a:rPr/>
-              <a:t> : veulent tester leur niveau entre les courses officielles</a:t>
-            </a:r>
-          </a:p>
-          <a:p>
-            <a:pPr lvl="0"/>
-            <a:r>
-              <a:rPr/>
-              <a:t>👥 </a:t>
-            </a:r>
-            <a:r>
-              <a:rPr b="1"/>
-              <a:t>Nouveaux coureurs</a:t>
-            </a:r>
-            <a:r>
-              <a:rPr/>
-              <a:t> : cherchent une communauté motivante</a:t>
+              <a:t>GeoRace = Seule app de duel instantané et équitable</a:t>
             </a:r>
           </a:p>
         </p:txBody>
@@ -3469,7 +3963,7 @@
             </a:pPr>
             <a:r>
               <a:rPr/>
-              <a:t>🟦 Slide 11 – Différenciation</a:t>
+              <a:t>🟦 Slide 10 - Pourquoi nous nous démarquons</a:t>
             </a:r>
           </a:p>
         </p:txBody>
@@ -3494,67 +3988,100 @@
             </a:pPr>
             <a:r>
               <a:rPr b="1"/>
-              <a:t>Ce que les autres apps ne font pas :</a:t>
-            </a:r>
-          </a:p>
-          <a:p>
-            <a:pPr lvl="0"/>
-            <a:r>
-              <a:rPr b="1"/>
-              <a:t>Strava</a:t>
-            </a:r>
-            <a:r>
-              <a:rPr/>
-              <a:t> → réseau social, pas de compétition temps réel</a:t>
-            </a:r>
-          </a:p>
-          <a:p>
-            <a:pPr lvl="0"/>
-            <a:r>
-              <a:rPr b="1"/>
-              <a:t>Nike Run Club</a:t>
-            </a:r>
-            <a:r>
-              <a:rPr/>
-              <a:t> → tracking + défis asynchrones</a:t>
-            </a:r>
-          </a:p>
-          <a:p>
-            <a:pPr lvl="0"/>
-            <a:r>
-              <a:rPr b="1"/>
-              <a:t>Runkeeper</a:t>
-            </a:r>
-            <a:r>
-              <a:rPr/>
-              <a:t> → GPS basique sans interaction</a:t>
-            </a:r>
-          </a:p>
-          <a:p>
-            <a:pPr lvl="0" indent="0" marL="0">
-              <a:buNone/>
-            </a:pPr>
-            <a:r>
-              <a:rPr b="1"/>
-              <a:t>GeoRace combine :</a:t>
-            </a:r>
-          </a:p>
-          <a:p>
-            <a:pPr lvl="0" indent="0" marL="1270000">
-              <a:buNone/>
-            </a:pPr>
-            <a:r>
-              <a:rPr sz="2000"/>
-              <a:t>Duels spontanés en temps réel + Point d’arrivée équitable + Matchmaking ELO</a:t>
-            </a:r>
-          </a:p>
-          <a:p>
-            <a:pPr lvl="0" indent="0" marL="0">
-              <a:buNone/>
-            </a:pPr>
-            <a:r>
-              <a:rPr b="1"/>
-              <a:t>= Concept unique sur le marché</a:t>
+              <a:t>Nos barrières à l’entrée : ce que Strava ne peut PAS copier</a:t>
+            </a:r>
+          </a:p>
+          <a:p>
+            <a:pPr lvl="0" indent="0" marL="0">
+              <a:buNone/>
+            </a:pPr>
+            <a:r>
+              <a:rPr b="1"/>
+              <a:t>1. ALGORITHME DE POINT ÉQUIDISTANT</a:t>
+            </a:r>
+            <a:r>
+              <a:rPr/>
+              <a:t> - Complexité technique : calcul géospatial en temps réel - </a:t>
+            </a:r>
+            <a:r>
+              <a:rPr b="1"/>
+              <a:t>Brevet déposable</a:t>
+            </a:r>
+            <a:r>
+              <a:rPr/>
+              <a:t> : méthode unique de matching géographique équitable - Années de R&amp;D pour atteindre notre niveau de précision</a:t>
+            </a:r>
+          </a:p>
+          <a:p>
+            <a:pPr lvl="0" indent="0" marL="0">
+              <a:buNone/>
+            </a:pPr>
+            <a:r>
+              <a:rPr b="1"/>
+              <a:t>2. INFRASTRUCTURE TEMPS RÉEL</a:t>
+            </a:r>
+            <a:r>
+              <a:rPr/>
+              <a:t> - WebSocket à faible latence pour positions live (&lt;500ms) - Architecture distribuée optimisée pour la synchronisation GPS - </a:t>
+            </a:r>
+            <a:r>
+              <a:rPr b="1"/>
+              <a:t>Expertise technique rare</a:t>
+            </a:r>
+            <a:r>
+              <a:rPr/>
+              <a:t> : peu d’équipes maîtrisent le temps réel géolocalisé</a:t>
+            </a:r>
+          </a:p>
+          <a:p>
+            <a:pPr lvl="0" indent="0" marL="0">
+              <a:buNone/>
+            </a:pPr>
+            <a:r>
+              <a:rPr b="1"/>
+              <a:t>3. COMMUNAUTÉ DE COMPÉTITEURS</a:t>
+            </a:r>
+            <a:r>
+              <a:rPr/>
+              <a:t> - </a:t>
+            </a:r>
+            <a:r>
+              <a:rPr b="1"/>
+              <a:t>Effet réseau puissant</a:t>
+            </a:r>
+            <a:r>
+              <a:rPr/>
+              <a:t> : plus il y a de coureurs, plus de duels disponibles - Base ELO impossible à transférer vers un concurrent - Culture de compétition loyale vs culture de tracking passif</a:t>
+            </a:r>
+          </a:p>
+          <a:p>
+            <a:pPr lvl="0" indent="0" marL="0">
+              <a:buNone/>
+            </a:pPr>
+            <a:r>
+              <a:rPr b="1"/>
+              <a:t>4. POSITIONNEMENT UNIQUE</a:t>
+            </a:r>
+            <a:r>
+              <a:rPr/>
+              <a:t> - Nous sommes LA plateforme de compétition, pas de tracking - Strava excelle dans le tracking passif, nous excellons dans la compétition active - </a:t>
+            </a:r>
+            <a:r>
+              <a:rPr b="1"/>
+              <a:t>Impossible pour eux de pivoter</a:t>
+            </a:r>
+            <a:r>
+              <a:rPr/>
+              <a:t> sans cannibaliser leur base existante</a:t>
+            </a:r>
+          </a:p>
+          <a:p>
+            <a:pPr lvl="0" indent="0" marL="0">
+              <a:buNone/>
+            </a:pPr>
+            <a:r>
+              <a:rPr b="1"/>
+              <a:t>Notre moat : technologie + communauté + positionnement clair</a:t>
             </a:r>
           </a:p>
         </p:txBody>
@@ -3601,7 +4128,7 @@
             </a:pPr>
             <a:r>
               <a:rPr/>
-              <a:t>🟦 Slide 12 – Modèle économique</a:t>
+              <a:t>🟦 Slide 11 - Stratégie d’acquisition : convertir les utilisateurs de Strava</a:t>
             </a:r>
           </a:p>
         </p:txBody>
@@ -3626,46 +4153,59 @@
             </a:pPr>
             <a:r>
               <a:rPr b="1"/>
-              <a:t>Freemium avec valeur ajoutée</a:t>
-            </a:r>
-          </a:p>
-          <a:p>
-            <a:pPr lvl="0" indent="0" marL="0">
-              <a:buNone/>
-            </a:pPr>
-            <a:r>
-              <a:rPr b="1"/>
-              <a:t>Gratuit :</a:t>
-            </a:r>
-            <a:r>
-              <a:rPr/>
-              <a:t> * 3 duels par jour * Classement ELO * Statistiques de base * Événements communautaires</a:t>
-            </a:r>
-          </a:p>
-          <a:p>
-            <a:pPr lvl="0" indent="0" marL="0">
-              <a:buNone/>
-            </a:pPr>
-            <a:r>
-              <a:rPr b="1"/>
-              <a:t>Premium (4,99€/mois) :</a:t>
-            </a:r>
-            <a:r>
-              <a:rPr/>
-              <a:t> * Duels illimités * Statistiques avancées * Personnalisation profil * Mode entraînement contre vos records * Pas de publicités</a:t>
-            </a:r>
-          </a:p>
-          <a:p>
-            <a:pPr lvl="0" indent="0" marL="0">
-              <a:buNone/>
-            </a:pPr>
-            <a:r>
-              <a:rPr b="1"/>
-              <a:t>Revenus additionnels :</a:t>
-            </a:r>
-            <a:r>
-              <a:rPr/>
-              <a:t> * Partenariats marques (Nike, Adidas) * Événements premium avec prix</a:t>
+              <a:t>Comment faire venir 10 000 utilisateurs Strava en 6 mois</a:t>
+            </a:r>
+          </a:p>
+          <a:p>
+            <a:pPr lvl="0" indent="0" marL="0">
+              <a:buNone/>
+            </a:pPr>
+            <a:r>
+              <a:rPr b="1"/>
+              <a:t>Phase 1 : Ciblage hyper-local (Mois 1-3)</a:t>
+            </a:r>
+            <a:r>
+              <a:rPr/>
+              <a:t> - Lancement dans 2-3 villes (Paris, Lyon, Marseille) - Partenariats avec running clubs locaux - Événements “GeoRace Challenge” dans les parcs populaires</a:t>
+            </a:r>
+          </a:p>
+          <a:p>
+            <a:pPr lvl="0" indent="0" marL="0">
+              <a:buNone/>
+            </a:pPr>
+            <a:r>
+              <a:rPr b="1"/>
+              <a:t>Phase 2 : Viralité par le défi (Mois 4-6)</a:t>
+            </a:r>
+            <a:r>
+              <a:rPr/>
+              <a:t> - Feature “Inviter un ami Strava à un duel” - Bonus ELO si vous faites venir un nouveau coureur - Classements par ville → compétition entre communautés</a:t>
+            </a:r>
+          </a:p>
+          <a:p>
+            <a:pPr lvl="0" indent="0" marL="0">
+              <a:buNone/>
+            </a:pPr>
+            <a:r>
+              <a:rPr b="1"/>
+              <a:t>Phase 3 : Proof of concept (Mois 6)</a:t>
+            </a:r>
+            <a:r>
+              <a:rPr/>
+              <a:t> - 500 utilisateurs actifs - Taux de rétention J7 &gt;40% - Moyenne 6 duels/semaine par utilisateur</a:t>
+            </a:r>
+          </a:p>
+          <a:p>
+            <a:pPr lvl="0" indent="0" marL="0">
+              <a:buNone/>
+            </a:pPr>
+            <a:r>
+              <a:rPr b="1"/>
+              <a:t>Objectif final :</a:t>
+            </a:r>
+            <a:r>
+              <a:rPr/>
+              <a:t> Devenir l’app #1 pour la compétition, Strava reste pour le tracking</a:t>
             </a:r>
           </a:p>
         </p:txBody>
@@ -3712,7 +4252,7 @@
             </a:pPr>
             <a:r>
               <a:rPr/>
-              <a:t>🟦 Slide 13 – Roadmap</a:t>
+              <a:t>🟦 Slide 12 - Comment convertir les utilisateurs existants (Strava/NRC)</a:t>
             </a:r>
           </a:p>
         </p:txBody>
@@ -3737,58 +4277,81 @@
             </a:pPr>
             <a:r>
               <a:rPr b="1"/>
-              <a:t>Déploiement progressif</a:t>
-            </a:r>
-          </a:p>
-          <a:p>
-            <a:pPr lvl="0" indent="0" marL="0">
-              <a:buNone/>
-            </a:pPr>
-            <a:r>
-              <a:rPr b="1"/>
-              <a:t>Phase 1 (6 mois) - MVP</a:t>
-            </a:r>
-            <a:r>
-              <a:rPr/>
-              <a:t> * Duels 1v1 en temps réel * Système ELO * Test dans 2-3 villes pilotes * </a:t>
-            </a:r>
-            <a:r>
-              <a:rPr b="1"/>
-              <a:t>Objectif : 500 utilisateurs actifs</a:t>
-            </a:r>
-          </a:p>
-          <a:p>
-            <a:pPr lvl="0" indent="0" marL="0">
-              <a:buNone/>
-            </a:pPr>
-            <a:r>
-              <a:rPr b="1"/>
-              <a:t>Phase 2 (12 mois) - Gamification</a:t>
-            </a:r>
-            <a:r>
-              <a:rPr/>
-              <a:t> * Badges, statistiques, profils * Événements communautaires * </a:t>
-            </a:r>
-            <a:r>
-              <a:rPr b="1"/>
-              <a:t>Objectif : 5 000 utilisateurs</a:t>
-            </a:r>
-          </a:p>
-          <a:p>
-            <a:pPr lvl="0" indent="0" marL="0">
-              <a:buNone/>
-            </a:pPr>
-            <a:r>
-              <a:rPr b="1"/>
-              <a:t>Phase 3 (24 mois) - Scale</a:t>
-            </a:r>
-            <a:r>
-              <a:rPr/>
-              <a:t> * Version Premium * Duels multi-joueurs * Expansion nationale * </a:t>
-            </a:r>
-            <a:r>
-              <a:rPr b="1"/>
-              <a:t>Objectif : 50 000 utilisateurs</a:t>
+              <a:t>Tactiques concrètes pour faire switcher les coureurs des apps concurrentes</a:t>
+            </a:r>
+          </a:p>
+          <a:p>
+            <a:pPr lvl="0" indent="0" marL="0">
+              <a:buNone/>
+            </a:pPr>
+            <a:r>
+              <a:rPr b="1"/>
+              <a:t>1️⃣ ONBOARDING CIBLÉ</a:t>
+            </a:r>
+            <a:r>
+              <a:rPr/>
+              <a:t> - Détection automatique de l’utilisation de Strava/NRC (permissions) - Message personnalisé : “Vous utilisez Strava ? Continuez à tracker vos courses là-bas, mais venez COMPÉTITIONNER ici !” - Import optionnel de l’historique pour calculer ELO initial</a:t>
+            </a:r>
+          </a:p>
+          <a:p>
+            <a:pPr lvl="0" indent="0" marL="0">
+              <a:buNone/>
+            </a:pPr>
+            <a:r>
+              <a:rPr b="1"/>
+              <a:t>2️⃣ INVITATIONS IN-APP</a:t>
+            </a:r>
+            <a:r>
+              <a:rPr/>
+              <a:t> - Feature “Défier un coureur Strava” : envoi de lien d’invitation personnalisé - Bonus ELO pour parrainage : +50 points si votre filleul gagne son 1er duel - Partage automatique des victoires sur Strava/réseaux sociaux avec CTA “Défie-moi sur GeoRace”</a:t>
+            </a:r>
+          </a:p>
+          <a:p>
+            <a:pPr lvl="0" indent="0" marL="0">
+              <a:buNone/>
+            </a:pPr>
+            <a:r>
+              <a:rPr b="1"/>
+              <a:t>3️⃣ PARTENARIATS RUNNING CLUBS</a:t>
+            </a:r>
+            <a:r>
+              <a:rPr/>
+              <a:t> - Sponsoring de clubs locaux : app gratuite Premium pour tous les membres - Organisation d’événements GeoRace Challenge (tournois locaux) - Ambassadeurs communautaires : coureurs influents dans chaque ville</a:t>
+            </a:r>
+          </a:p>
+          <a:p>
+            <a:pPr lvl="0" indent="0" marL="0">
+              <a:buNone/>
+            </a:pPr>
+            <a:r>
+              <a:rPr b="1"/>
+              <a:t>4️⃣ ÉVÉNEMENTS LOCAUX</a:t>
+            </a:r>
+            <a:r>
+              <a:rPr/>
+              <a:t> - “GeoRace Challenge” hebdomadaires dans les zones de running populaires - Prix pour les podiums (équipement sportif, abonnements Premium) - Médiatisation locale (presse, réseaux sociaux)</a:t>
+            </a:r>
+          </a:p>
+          <a:p>
+            <a:pPr lvl="0" indent="0" marL="0">
+              <a:buNone/>
+            </a:pPr>
+            <a:r>
+              <a:rPr b="1"/>
+              <a:t>5️⃣ CTA VERS LE DUEL</a:t>
+            </a:r>
+            <a:r>
+              <a:rPr/>
+              <a:t> - Push notifications intelligentes : “3 coureurs actifs à 500m, lancez un défi !” - Gamification de l’onboarding : “Gagnez votre 1er duel pour débloquer le classement”</a:t>
+            </a:r>
+          </a:p>
+          <a:p>
+            <a:pPr lvl="0" indent="0" marL="0">
+              <a:buNone/>
+            </a:pPr>
+            <a:r>
+              <a:rPr b="1"/>
+              <a:t>L’objectif : faire coexister les deux apps (Strava = tracking, GeoRace = compétition) puis prendre la place</a:t>
             </a:r>
           </a:p>
         </p:txBody>
@@ -3835,7 +4398,7 @@
             </a:pPr>
             <a:r>
               <a:rPr/>
-              <a:t>🟦 Slide 14 – Défis &amp; Solutions</a:t>
+              <a:t>🟦 Slide 13 - Le système ELO : matchmaking intelligent</a:t>
             </a:r>
           </a:p>
         </p:txBody>
@@ -3860,59 +4423,68 @@
             </a:pPr>
             <a:r>
               <a:rPr b="1"/>
-              <a:t>Anticiper les obstacles</a:t>
-            </a:r>
-          </a:p>
-          <a:p>
-            <a:pPr lvl="0" indent="0" marL="0">
-              <a:buNone/>
-            </a:pPr>
-            <a:r>
-              <a:rPr b="1"/>
-              <a:t>Défi : Sécurité des coureurs</a:t>
-            </a:r>
-            <a:r>
-              <a:rPr/>
-              <a:t> → Alertes de sécurité, mode “course prudente”</a:t>
-            </a:r>
-          </a:p>
-          <a:p>
-            <a:pPr lvl="0" indent="0" marL="0">
-              <a:buNone/>
-            </a:pPr>
-            <a:r>
-              <a:rPr b="1"/>
-              <a:t>Défi : Zones rurales (peu d’utilisateurs)</a:t>
-            </a:r>
-            <a:r>
-              <a:rPr/>
-              <a:t> → Mode asynchrone contre “ghost runners”</a:t>
-            </a:r>
-          </a:p>
-          <a:p>
-            <a:pPr lvl="0" indent="0" marL="0">
-              <a:buNone/>
-            </a:pPr>
-            <a:r>
-              <a:rPr b="1"/>
-              <a:t>Défi : Triche (vélo, voiture)</a:t>
-            </a:r>
-            <a:r>
-              <a:rPr/>
-              <a:t> → Détection vitesse anormale + validation communautaire</a:t>
-            </a:r>
-          </a:p>
-          <a:p>
-            <a:pPr lvl="0" indent="0" marL="0">
-              <a:buNone/>
-            </a:pPr>
-            <a:r>
-              <a:rPr b="1"/>
-              <a:t>Défi : Vie privée</a:t>
-            </a:r>
-            <a:r>
-              <a:rPr/>
-              <a:t> → Position visible uniquement en duel, blocage d’utilisateurs</a:t>
+              <a:t>Pourquoi le duel reste motivant même après 100 courses</a:t>
+            </a:r>
+          </a:p>
+          <a:p>
+            <a:pPr lvl="0" indent="0" marL="0">
+              <a:buNone/>
+            </a:pPr>
+            <a:r>
+              <a:rPr b="1"/>
+              <a:t>Problème :</a:t>
+            </a:r>
+            <a:r>
+              <a:rPr/>
+              <a:t> Si on oppose débutants vs experts → frustration des deux côtés</a:t>
+            </a:r>
+          </a:p>
+          <a:p>
+            <a:pPr lvl="0" indent="0" marL="0">
+              <a:buNone/>
+            </a:pPr>
+            <a:r>
+              <a:rPr b="1"/>
+              <a:t>Solution ELO :</a:t>
+            </a:r>
+            <a:r>
+              <a:rPr/>
+              <a:t> - Chaque victoire/défaite ajuste votre score - Algorithme vous oppose à des coureurs de ±100 ELO - Progression visible : Bronze (0-1000) → Platine (2000+)</a:t>
+            </a:r>
+          </a:p>
+          <a:p>
+            <a:pPr lvl="0" indent="0" marL="0">
+              <a:buNone/>
+            </a:pPr>
+            <a:r>
+              <a:rPr b="1"/>
+              <a:t>Exemple concret :</a:t>
+            </a:r>
+            <a:r>
+              <a:rPr/>
+              <a:t> - Emma (ELO 1420) bat Lucas (ELO 1450) → +28 points (victoire difficile) - Emma bat Sophie (ELO 1200) → +8 points (victoire facile)</a:t>
+            </a:r>
+          </a:p>
+          <a:p>
+            <a:pPr lvl="0" indent="0" marL="0">
+              <a:buNone/>
+            </a:pPr>
+            <a:r>
+              <a:rPr b="1"/>
+              <a:t>Résultat :</a:t>
+            </a:r>
+            <a:r>
+              <a:rPr/>
+              <a:t> Chaque duel est challengeant mais faisable → motivation maximale</a:t>
+            </a:r>
+          </a:p>
+          <a:p>
+            <a:pPr lvl="0" indent="0" marL="0">
+              <a:buNone/>
+            </a:pPr>
+            <a:r>
+              <a:rPr b="1"/>
+              <a:t>Strava ne propose rien de tel.</a:t>
             </a:r>
           </a:p>
         </p:txBody>
@@ -3959,7 +4531,7 @@
             </a:pPr>
             <a:r>
               <a:rPr/>
-              <a:t>🟦 Slide 15 – Vision</a:t>
+              <a:t>🟦 Slide 14 - Aspect social : plus fort que Nike Run Club</a:t>
             </a:r>
           </a:p>
         </p:txBody>
@@ -3979,33 +4551,74 @@
           <a:bodyPr/>
           <a:lstStyle/>
           <a:p>
-            <a:pPr lvl="0" indent="0" marL="1270000">
-              <a:buNone/>
-            </a:pPr>
-            <a:r>
-              <a:rPr sz="2000"/>
-              <a:t>GeoRace ne se contente pas de tracker vos courses. Nous transformons la course à pied en une </a:t>
-            </a:r>
-            <a:r>
-              <a:rPr sz="2000" b="1"/>
-              <a:t>expérience sociale, compétitive et motivante</a:t>
-            </a:r>
-            <a:r>
-              <a:rPr sz="2000"/>
-              <a:t> accessible à tous, partout, à tout moment.</a:t>
-            </a:r>
-          </a:p>
-          <a:p>
-            <a:pPr lvl="0" indent="0" marL="0">
-              <a:buNone/>
-            </a:pPr>
-            <a:r>
-              <a:rPr b="1"/>
-              <a:t>Notre ambition :</a:t>
-            </a:r>
-            <a:r>
-              <a:rPr/>
-              <a:t> Devenir la référence de la course compétitive en temps réel et créer une communauté mondiale de coureurs passionnés par le défi.</a:t>
+            <a:pPr lvl="0" indent="0" marL="0">
+              <a:buNone/>
+            </a:pPr>
+            <a:r>
+              <a:rPr b="1"/>
+              <a:t>Créer une vraie communauté de compétiteurs</a:t>
+            </a:r>
+          </a:p>
+          <a:p>
+            <a:pPr lvl="0" indent="0" marL="0">
+              <a:buNone/>
+            </a:pPr>
+            <a:r>
+              <a:rPr b="1"/>
+              <a:t>FONCTIONNALITÉS SOCIALES :</a:t>
+            </a:r>
+          </a:p>
+          <a:p>
+            <a:pPr lvl="0" indent="0" marL="0">
+              <a:buNone/>
+            </a:pPr>
+            <a:r>
+              <a:rPr b="1"/>
+              <a:t>01 - PROFILS DE COMPÉTITEURS</a:t>
+            </a:r>
+            <a:r>
+              <a:rPr/>
+              <a:t> - Statistiques détaillées : ratio victoires/défaites, progression ELO, parcours favoris - Historique des duels : “Vous avez battu Paul 3 fois, il vous a battu 2 fois”</a:t>
+            </a:r>
+          </a:p>
+          <a:p>
+            <a:pPr lvl="0" indent="0" marL="0">
+              <a:buNone/>
+            </a:pPr>
+            <a:r>
+              <a:rPr b="1"/>
+              <a:t>02 - LIGUES LOCALES</a:t>
+            </a:r>
+            <a:r>
+              <a:rPr/>
+              <a:t> - Classement par ville/quartier : “Top 10 de Paris 15e” - Tournois hebdomadaires : “Gagnez 3 duels ce week-end pour le badge”</a:t>
+            </a:r>
+          </a:p>
+          <a:p>
+            <a:pPr lvl="0" indent="0" marL="0">
+              <a:buNone/>
+            </a:pPr>
+            <a:r>
+              <a:rPr b="1"/>
+              <a:t>03 - DÉFIS ENTRE AMIS</a:t>
+            </a:r>
+            <a:r>
+              <a:rPr/>
+              <a:t> - “Emma défie Paul : course de 2km, RDV Parc Montsouris dans 20min” - Smack talk via chat intégré avant/après la course</a:t>
+            </a:r>
+          </a:p>
+          <a:p>
+            <a:pPr lvl="0" indent="0" marL="0">
+              <a:buNone/>
+            </a:pPr>
+            <a:r>
+              <a:rPr b="1"/>
+              <a:t>Nike Run Club = réseau passif</a:t>
+            </a:r>
+            <a:br/>
+            <a:r>
+              <a:rPr b="1"/>
+              <a:t>GeoRace = compétition active</a:t>
             </a:r>
           </a:p>
         </p:txBody>
@@ -4052,7 +4665,7 @@
             </a:pPr>
             <a:r>
               <a:rPr/>
-              <a:t>🟦 Slide 16 – Phrase finale</a:t>
+              <a:t>🟦 Slide 15 - Sécurité et anti-triche</a:t>
             </a:r>
           </a:p>
         </p:txBody>
@@ -4077,25 +4690,289 @@
             </a:pPr>
             <a:r>
               <a:rPr b="1"/>
-              <a:t>GeoRace</a:t>
-            </a:r>
-          </a:p>
-          <a:p>
-            <a:pPr lvl="0" indent="0" marL="1270000">
-              <a:buNone/>
-            </a:pPr>
-            <a:r>
-              <a:rPr sz="2000"/>
-              <a:t>Chaque course est un duel. Chaque duel est une opportunité. Transformez votre motivation.</a:t>
-            </a:r>
-          </a:p>
-          <a:p>
-            <a:pPr lvl="0" indent="0" marL="0">
-              <a:buNone/>
-            </a:pPr>
-            <a:r>
-              <a:rPr b="1"/>
-              <a:t>Prêt à relever le défi ?</a:t>
+              <a:t>Réponses aux objections principales</a:t>
+            </a:r>
+          </a:p>
+          <a:p>
+            <a:pPr lvl="0" indent="0" marL="0">
+              <a:buNone/>
+            </a:pPr>
+            <a:r>
+              <a:rPr b="1"/>
+              <a:t>OBJECTION 1 : “On peut tricher en vélo/voiture”</a:t>
+            </a:r>
+            <a:r>
+              <a:rPr/>
+              <a:t> ✅ Détection de vitesse anormale (&gt;18 km/h sur longue durée) ✅ Analyse des patterns GPS (accélération impossible) ✅ Signalement communautaire + vérification manuelle ✅ Bannissement permanent des tricheurs</a:t>
+            </a:r>
+          </a:p>
+          <a:p>
+            <a:pPr lvl="0" indent="0" marL="0">
+              <a:buNone/>
+            </a:pPr>
+            <a:r>
+              <a:rPr b="1"/>
+              <a:t>OBJECTION 2 : “Risque de stalking via GPS”</a:t>
+            </a:r>
+            <a:r>
+              <a:rPr/>
+              <a:t> ✅ Position visible UNIQUEMENT pendant les duels actifs ✅ Mode anonyme : pseudonyme, pas de vraie identité ✅ Blocage d’utilisateurs ✅ Zone de confort : accepter duels uniquement dans un périmètre défini</a:t>
+            </a:r>
+          </a:p>
+          <a:p>
+            <a:pPr lvl="0" indent="0" marL="0">
+              <a:buNone/>
+            </a:pPr>
+            <a:r>
+              <a:rPr b="1"/>
+              <a:t>OBJECTION 3 : “Sur-effort dangereux”</a:t>
+            </a:r>
+            <a:r>
+              <a:rPr/>
+              <a:t> ✅ Alertes de sécurité si rythme cardiaque trop élevé (intégration montres) ✅ Mode “course prudente” qui limite la vitesse</a:t>
+            </a:r>
+          </a:p>
+        </p:txBody>
+      </p:sp>
+    </p:spTree>
+  </p:cSld>
+</p:sld>
+</file>
+
+<file path=ppt/slides/slide18.xml><?xml version="1.0" encoding="utf-8"?>
+<p:sld xmlns:a="http://schemas.openxmlformats.org/drawingml/2006/main" xmlns:r="http://schemas.openxmlformats.org/officeDocument/2006/relationships" xmlns:p="http://schemas.openxmlformats.org/presentationml/2006/main">
+  <p:cSld>
+    <p:spTree>
+      <p:nvGrpSpPr>
+        <p:cNvPr id="1" name=""/>
+        <p:cNvGrpSpPr/>
+        <p:nvPr/>
+      </p:nvGrpSpPr>
+      <p:grpSpPr>
+        <a:xfrm>
+          <a:off x="0" y="0"/>
+          <a:ext cx="0" cy="0"/>
+          <a:chOff x="0" y="0"/>
+          <a:chExt cx="0" cy="0"/>
+        </a:xfrm>
+      </p:grpSpPr>
+      <p:sp>
+        <p:nvSpPr>
+          <p:cNvPr id="2" name="Title 1"/>
+          <p:cNvSpPr>
+            <a:spLocks noGrp="1"/>
+          </p:cNvSpPr>
+          <p:nvPr>
+            <p:ph type="title"/>
+          </p:nvPr>
+        </p:nvSpPr>
+        <p:spPr/>
+        <p:txBody>
+          <a:bodyPr/>
+          <a:lstStyle/>
+          <a:p>
+            <a:pPr lvl="0" indent="0" marL="0">
+              <a:buNone/>
+            </a:pPr>
+            <a:r>
+              <a:rPr/>
+              <a:t>🟦 Slide 16 - Modèle économique : freemium optimisé</a:t>
+            </a:r>
+          </a:p>
+        </p:txBody>
+      </p:sp>
+      <p:sp>
+        <p:nvSpPr>
+          <p:cNvPr id="3" name="Content Placeholder 2"/>
+          <p:cNvSpPr>
+            <a:spLocks noGrp="1"/>
+          </p:cNvSpPr>
+          <p:nvPr>
+            <p:ph idx="1"/>
+          </p:nvPr>
+        </p:nvSpPr>
+        <p:spPr/>
+        <p:txBody>
+          <a:bodyPr/>
+          <a:lstStyle/>
+          <a:p>
+            <a:pPr lvl="0" indent="0" marL="0">
+              <a:buNone/>
+            </a:pPr>
+            <a:r>
+              <a:rPr b="1"/>
+              <a:t>Convertir la motivation en revenus</a:t>
+            </a:r>
+          </a:p>
+          <a:p>
+            <a:pPr lvl="0" indent="0" marL="0">
+              <a:buNone/>
+            </a:pPr>
+            <a:r>
+              <a:rPr b="1"/>
+              <a:t>GRATUIT (acquisition) :</a:t>
+            </a:r>
+            <a:r>
+              <a:rPr/>
+              <a:t> - 3 duels/jour - ELO et classements - Statistiques de base - Événements communautaires</a:t>
+            </a:r>
+          </a:p>
+          <a:p>
+            <a:pPr lvl="0" indent="0" marL="0">
+              <a:buNone/>
+            </a:pPr>
+            <a:r>
+              <a:rPr b="1"/>
+              <a:t>PREMIUM 4,99€/mois (conversion 10-15%) :</a:t>
+            </a:r>
+            <a:r>
+              <a:rPr/>
+              <a:t> - </a:t>
+            </a:r>
+            <a:r>
+              <a:rPr b="1"/>
+              <a:t>Duels illimités</a:t>
+            </a:r>
+            <a:r>
+              <a:rPr/>
+              <a:t> ← valeur principale - Statistiques avancées (zones de vitesse, analyse progression ELO) - Mode entraînement vs vos records passés - Personnalisation (avatars, badges exclusifs) - 0 publicité</a:t>
+            </a:r>
+          </a:p>
+          <a:p>
+            <a:pPr lvl="0" indent="0" marL="0">
+              <a:buNone/>
+            </a:pPr>
+            <a:r>
+              <a:rPr b="1"/>
+              <a:t>REVENUS ADDITIONNELS :</a:t>
+            </a:r>
+            <a:r>
+              <a:rPr/>
+              <a:t> - Partenariats Nike/Adidas (sponsoring tournois) - Événements premium 5-10€ (courses organisées avec prix)</a:t>
+            </a:r>
+          </a:p>
+          <a:p>
+            <a:pPr lvl="0" indent="0" marL="0">
+              <a:buNone/>
+            </a:pPr>
+            <a:r>
+              <a:rPr b="1"/>
+              <a:t>LTV estimée :</a:t>
+            </a:r>
+            <a:r>
+              <a:rPr/>
+              <a:t> 60€/utilisateur sur 12 mois (vs 12€ pour Strava)</a:t>
+            </a:r>
+          </a:p>
+        </p:txBody>
+      </p:sp>
+    </p:spTree>
+  </p:cSld>
+</p:sld>
+</file>
+
+<file path=ppt/slides/slide19.xml><?xml version="1.0" encoding="utf-8"?>
+<p:sld xmlns:a="http://schemas.openxmlformats.org/drawingml/2006/main" xmlns:r="http://schemas.openxmlformats.org/officeDocument/2006/relationships" xmlns:p="http://schemas.openxmlformats.org/presentationml/2006/main">
+  <p:cSld>
+    <p:spTree>
+      <p:nvGrpSpPr>
+        <p:cNvPr id="1" name=""/>
+        <p:cNvGrpSpPr/>
+        <p:nvPr/>
+      </p:nvGrpSpPr>
+      <p:grpSpPr>
+        <a:xfrm>
+          <a:off x="0" y="0"/>
+          <a:ext cx="0" cy="0"/>
+          <a:chOff x="0" y="0"/>
+          <a:chExt cx="0" cy="0"/>
+        </a:xfrm>
+      </p:grpSpPr>
+      <p:sp>
+        <p:nvSpPr>
+          <p:cNvPr id="2" name="Title 1"/>
+          <p:cNvSpPr>
+            <a:spLocks noGrp="1"/>
+          </p:cNvSpPr>
+          <p:nvPr>
+            <p:ph type="title"/>
+          </p:nvPr>
+        </p:nvSpPr>
+        <p:spPr/>
+        <p:txBody>
+          <a:bodyPr/>
+          <a:lstStyle/>
+          <a:p>
+            <a:pPr lvl="0" indent="0" marL="0">
+              <a:buNone/>
+            </a:pPr>
+            <a:r>
+              <a:rPr/>
+              <a:t>🟦 Slide 17 - Métriques de succès (objectifs 6 mois)</a:t>
+            </a:r>
+          </a:p>
+        </p:txBody>
+      </p:sp>
+      <p:sp>
+        <p:nvSpPr>
+          <p:cNvPr id="3" name="Content Placeholder 2"/>
+          <p:cNvSpPr>
+            <a:spLocks noGrp="1"/>
+          </p:cNvSpPr>
+          <p:nvPr>
+            <p:ph idx="1"/>
+          </p:nvPr>
+        </p:nvSpPr>
+        <p:spPr/>
+        <p:txBody>
+          <a:bodyPr/>
+          <a:lstStyle/>
+          <a:p>
+            <a:pPr lvl="0" indent="0" marL="0">
+              <a:buNone/>
+            </a:pPr>
+            <a:r>
+              <a:rPr b="1"/>
+              <a:t>Comment mesurer la traction</a:t>
+            </a:r>
+          </a:p>
+          <a:p>
+            <a:pPr lvl="0" indent="0" marL="0">
+              <a:buNone/>
+            </a:pPr>
+            <a:r>
+              <a:rPr b="1"/>
+              <a:t>ENGAGEMENT (prouve que le concept marche) :</a:t>
+            </a:r>
+            <a:r>
+              <a:rPr/>
+              <a:t> - ✅ Taux de rétention J7 : &gt;40% (vs 25% apps fitness standard) - ✅ Duels/semaine/utilisateur : 6-8 (preuve d’addiction) - ✅ Taux d’acceptation duels : &gt;60% (les gens veulent compétitionner)</a:t>
+            </a:r>
+          </a:p>
+          <a:p>
+            <a:pPr lvl="0" indent="0" marL="0">
+              <a:buNone/>
+            </a:pPr>
+            <a:r>
+              <a:rPr b="1"/>
+              <a:t>CROISSANCE (viralité naturelle) :</a:t>
+            </a:r>
+            <a:r>
+              <a:rPr/>
+              <a:t> - ✅ Coefficient K : &gt;1,2 (chaque utilisateur amène 1,2 nouveau) - ✅ Croissance mensuelle : +20% nouveaux utilisateurs - ✅ 500 utilisateurs actifs dans 3 villes pilotes</a:t>
+            </a:r>
+          </a:p>
+          <a:p>
+            <a:pPr lvl="0" indent="0" marL="0">
+              <a:buNone/>
+            </a:pPr>
+            <a:r>
+              <a:rPr b="1"/>
+              <a:t>MONÉTISATION :</a:t>
+            </a:r>
+            <a:r>
+              <a:rPr/>
+              <a:t> - ✅ Conversion Premium : 10-12% (vs 5% moyenne marché) - ✅ LTV/CAC : &gt;3 (rentabilité prouvée)</a:t>
             </a:r>
           </a:p>
         </p:txBody>
@@ -4142,7 +5019,7 @@
             </a:pPr>
             <a:r>
               <a:rPr/>
-              <a:t>🟦 Slide 1 – Titre</a:t>
+              <a:t>🟦 Slide 1 - Titre</a:t>
             </a:r>
           </a:p>
         </p:txBody>
@@ -4189,7 +5066,644 @@
             </a:r>
             <a:r>
               <a:rPr/>
-              <a:t> Transformez chaque sortie running en duel excitant.</a:t>
+              <a:t> Le premier vrai duel de course instantané et équitable.</a:t>
+            </a:r>
+          </a:p>
+        </p:txBody>
+      </p:sp>
+    </p:spTree>
+  </p:cSld>
+</p:sld>
+</file>
+
+<file path=ppt/slides/slide20.xml><?xml version="1.0" encoding="utf-8"?>
+<p:sld xmlns:a="http://schemas.openxmlformats.org/drawingml/2006/main" xmlns:r="http://schemas.openxmlformats.org/officeDocument/2006/relationships" xmlns:p="http://schemas.openxmlformats.org/presentationml/2006/main">
+  <p:cSld>
+    <p:spTree>
+      <p:nvGrpSpPr>
+        <p:cNvPr id="1" name=""/>
+        <p:cNvGrpSpPr/>
+        <p:nvPr/>
+      </p:nvGrpSpPr>
+      <p:grpSpPr>
+        <a:xfrm>
+          <a:off x="0" y="0"/>
+          <a:ext cx="0" cy="0"/>
+          <a:chOff x="0" y="0"/>
+          <a:chExt cx="0" cy="0"/>
+        </a:xfrm>
+      </p:grpSpPr>
+      <p:sp>
+        <p:nvSpPr>
+          <p:cNvPr id="2" name="Title 1"/>
+          <p:cNvSpPr>
+            <a:spLocks noGrp="1"/>
+          </p:cNvSpPr>
+          <p:nvPr>
+            <p:ph type="title"/>
+          </p:nvPr>
+        </p:nvSpPr>
+        <p:spPr/>
+        <p:txBody>
+          <a:bodyPr/>
+          <a:lstStyle/>
+          <a:p>
+            <a:pPr lvl="0" indent="0" marL="0">
+              <a:buNone/>
+            </a:pPr>
+            <a:r>
+              <a:rPr/>
+              <a:t>🟦 Slide 18 - Roadmap : lancement en 3 phases</a:t>
+            </a:r>
+          </a:p>
+        </p:txBody>
+      </p:sp>
+      <p:sp>
+        <p:nvSpPr>
+          <p:cNvPr id="3" name="Content Placeholder 2"/>
+          <p:cNvSpPr>
+            <a:spLocks noGrp="1"/>
+          </p:cNvSpPr>
+          <p:nvPr>
+            <p:ph idx="1"/>
+          </p:nvPr>
+        </p:nvSpPr>
+        <p:spPr/>
+        <p:txBody>
+          <a:bodyPr/>
+          <a:lstStyle/>
+          <a:p>
+            <a:pPr lvl="0" indent="0" marL="0">
+              <a:buNone/>
+            </a:pPr>
+            <a:r>
+              <a:rPr b="1"/>
+              <a:t>Phase 1 (Mois 1-6) : MVP + Proof of Concept</a:t>
+            </a:r>
+            <a:r>
+              <a:rPr/>
+              <a:t> - App iOS/Android (React Native) - Duels 1v1, ELO, point équidistant - Lancement Paris + Lyon - </a:t>
+            </a:r>
+            <a:r>
+              <a:rPr b="1"/>
+              <a:t>500 utilisateurs actifs, 40% rétention J7</a:t>
+            </a:r>
+          </a:p>
+          <a:p>
+            <a:pPr lvl="0" indent="0" marL="0">
+              <a:buNone/>
+            </a:pPr>
+            <a:r>
+              <a:rPr b="1"/>
+              <a:t>Phase 2 (Mois 7-12) : Gamification et viralité</a:t>
+            </a:r>
+            <a:r>
+              <a:rPr/>
+              <a:t> - Badges, profils, ligues locales - Événements hebdomadaires - Feature “Défier un ami” - </a:t>
+            </a:r>
+            <a:r>
+              <a:rPr b="1"/>
+              <a:t>5 000 utilisateurs, expansion 5 villes</a:t>
+            </a:r>
+          </a:p>
+          <a:p>
+            <a:pPr lvl="0" indent="0" marL="0">
+              <a:buNone/>
+            </a:pPr>
+            <a:r>
+              <a:rPr b="1"/>
+              <a:t>Phase 3 (An 2) : Scale national</a:t>
+            </a:r>
+            <a:r>
+              <a:rPr/>
+              <a:t> - Version Premium - Duels multi-joueurs (3-5 coureurs) - Partenariats marques - </a:t>
+            </a:r>
+            <a:r>
+              <a:rPr b="1"/>
+              <a:t>50 000 utilisateurs, 10+ villes</a:t>
+            </a:r>
+          </a:p>
+        </p:txBody>
+      </p:sp>
+    </p:spTree>
+  </p:cSld>
+</p:sld>
+</file>
+
+<file path=ppt/slides/slide21.xml><?xml version="1.0" encoding="utf-8"?>
+<p:sld xmlns:a="http://schemas.openxmlformats.org/drawingml/2006/main" xmlns:r="http://schemas.openxmlformats.org/officeDocument/2006/relationships" xmlns:p="http://schemas.openxmlformats.org/presentationml/2006/main">
+  <p:cSld>
+    <p:spTree>
+      <p:nvGrpSpPr>
+        <p:cNvPr id="1" name=""/>
+        <p:cNvGrpSpPr/>
+        <p:nvPr/>
+      </p:nvGrpSpPr>
+      <p:grpSpPr>
+        <a:xfrm>
+          <a:off x="0" y="0"/>
+          <a:ext cx="0" cy="0"/>
+          <a:chOff x="0" y="0"/>
+          <a:chExt cx="0" cy="0"/>
+        </a:xfrm>
+      </p:grpSpPr>
+      <p:sp>
+        <p:nvSpPr>
+          <p:cNvPr id="2" name="Title 1"/>
+          <p:cNvSpPr>
+            <a:spLocks noGrp="1"/>
+          </p:cNvSpPr>
+          <p:nvPr>
+            <p:ph type="title"/>
+          </p:nvPr>
+        </p:nvSpPr>
+        <p:spPr/>
+        <p:txBody>
+          <a:bodyPr/>
+          <a:lstStyle/>
+          <a:p>
+            <a:pPr lvl="0" indent="0" marL="0">
+              <a:buNone/>
+            </a:pPr>
+            <a:r>
+              <a:rPr/>
+              <a:t>🟦 Slide 19 - Pourquoi maintenant ?</a:t>
+            </a:r>
+          </a:p>
+        </p:txBody>
+      </p:sp>
+      <p:sp>
+        <p:nvSpPr>
+          <p:cNvPr id="3" name="Content Placeholder 2"/>
+          <p:cNvSpPr>
+            <a:spLocks noGrp="1"/>
+          </p:cNvSpPr>
+          <p:nvPr>
+            <p:ph idx="1"/>
+          </p:nvPr>
+        </p:nvSpPr>
+        <p:spPr/>
+        <p:txBody>
+          <a:bodyPr/>
+          <a:lstStyle/>
+          <a:p>
+            <a:pPr lvl="0" indent="0" marL="0">
+              <a:buNone/>
+            </a:pPr>
+            <a:r>
+              <a:rPr b="1"/>
+              <a:t>Le timing parfait pour GeoRace</a:t>
+            </a:r>
+          </a:p>
+          <a:p>
+            <a:pPr lvl="0" indent="0" marL="0">
+              <a:buNone/>
+            </a:pPr>
+            <a:r>
+              <a:rPr b="1"/>
+              <a:t>1. MARCHÉ MATURE MAIS STAGNANT</a:t>
+            </a:r>
+            <a:r>
+              <a:rPr/>
+              <a:t> - Strava : 100M users, mais taux engagement en baisse - Utilisateurs cherchent nouveauté et excitation</a:t>
+            </a:r>
+          </a:p>
+          <a:p>
+            <a:pPr lvl="0" indent="0" marL="0">
+              <a:buNone/>
+            </a:pPr>
+            <a:r>
+              <a:rPr b="1"/>
+              <a:t>2. TECHNOLOGIE DISPONIBLE</a:t>
+            </a:r>
+            <a:r>
+              <a:rPr/>
+              <a:t> - GPS précis sur tous les smartphones - WebSocket et infra cloud à faible coût - Algorithmes géospatiaux open-source (PostGIS)</a:t>
+            </a:r>
+          </a:p>
+          <a:p>
+            <a:pPr lvl="0" indent="0" marL="0">
+              <a:buNone/>
+            </a:pPr>
+            <a:r>
+              <a:rPr b="1"/>
+              <a:t>3. TENDANCE SOCIALE</a:t>
+            </a:r>
+            <a:r>
+              <a:rPr/>
+              <a:t> - Génération Z/Millennials : veulent compétition et instant gratification - Esport et gamification mainstream - Communautés locales en recherche de connexion IRL</a:t>
+            </a:r>
+          </a:p>
+          <a:p>
+            <a:pPr lvl="0" indent="0" marL="0">
+              <a:buNone/>
+            </a:pPr>
+            <a:r>
+              <a:rPr b="1"/>
+              <a:t>4. COVID A BOOSTÉ LE RUNNING</a:t>
+            </a:r>
+            <a:r>
+              <a:rPr/>
+              <a:t> - +40% de coureurs réguliers depuis 2020 - Besoin d’interaction sociale post-confinement</a:t>
+            </a:r>
+          </a:p>
+        </p:txBody>
+      </p:sp>
+    </p:spTree>
+  </p:cSld>
+</p:sld>
+</file>
+
+<file path=ppt/slides/slide22.xml><?xml version="1.0" encoding="utf-8"?>
+<p:sld xmlns:a="http://schemas.openxmlformats.org/drawingml/2006/main" xmlns:r="http://schemas.openxmlformats.org/officeDocument/2006/relationships" xmlns:p="http://schemas.openxmlformats.org/presentationml/2006/main">
+  <p:cSld>
+    <p:spTree>
+      <p:nvGrpSpPr>
+        <p:cNvPr id="1" name=""/>
+        <p:cNvGrpSpPr/>
+        <p:nvPr/>
+      </p:nvGrpSpPr>
+      <p:grpSpPr>
+        <a:xfrm>
+          <a:off x="0" y="0"/>
+          <a:ext cx="0" cy="0"/>
+          <a:chOff x="0" y="0"/>
+          <a:chExt cx="0" cy="0"/>
+        </a:xfrm>
+      </p:grpSpPr>
+      <p:sp>
+        <p:nvSpPr>
+          <p:cNvPr id="2" name="Title 1"/>
+          <p:cNvSpPr>
+            <a:spLocks noGrp="1"/>
+          </p:cNvSpPr>
+          <p:nvPr>
+            <p:ph type="title"/>
+          </p:nvPr>
+        </p:nvSpPr>
+        <p:spPr/>
+        <p:txBody>
+          <a:bodyPr/>
+          <a:lstStyle/>
+          <a:p>
+            <a:pPr lvl="0" indent="0" marL="0">
+              <a:buNone/>
+            </a:pPr>
+            <a:r>
+              <a:rPr/>
+              <a:t>🟦 Slide 20 - Vision finale</a:t>
+            </a:r>
+          </a:p>
+        </p:txBody>
+      </p:sp>
+      <p:sp>
+        <p:nvSpPr>
+          <p:cNvPr id="3" name="Content Placeholder 2"/>
+          <p:cNvSpPr>
+            <a:spLocks noGrp="1"/>
+          </p:cNvSpPr>
+          <p:nvPr>
+            <p:ph idx="1"/>
+          </p:nvPr>
+        </p:nvSpPr>
+        <p:spPr/>
+        <p:txBody>
+          <a:bodyPr/>
+          <a:lstStyle/>
+          <a:p>
+            <a:pPr lvl="0" indent="0" marL="1270000">
+              <a:buNone/>
+            </a:pPr>
+            <a:r>
+              <a:rPr sz="2000" b="1"/>
+              <a:t>GeoRace ne remplace pas Strava.</a:t>
+            </a:r>
+            <a:br/>
+            <a:r>
+              <a:rPr sz="2000" b="1"/>
+              <a:t>GeoRace transforme la course en sport compétitif accessible.</a:t>
+            </a:r>
+          </a:p>
+          <a:p>
+            <a:pPr lvl="0" indent="0" marL="0">
+              <a:buNone/>
+            </a:pPr>
+            <a:r>
+              <a:rPr b="1"/>
+              <a:t>Notre ambition :</a:t>
+            </a:r>
+          </a:p>
+          <a:p>
+            <a:pPr lvl="0" indent="0" marL="0">
+              <a:buNone/>
+            </a:pPr>
+            <a:r>
+              <a:rPr/>
+              <a:t>🎯 Devenir la plateforme #1 de compétition running temps réel</a:t>
+            </a:r>
+            <a:br/>
+            <a:r>
+              <a:rPr/>
+              <a:t>🌍 Créer une communauté mondiale de 1M+ coureurs compétitifs</a:t>
+            </a:r>
+            <a:br/>
+            <a:r>
+              <a:rPr/>
+              <a:t>🏆 Organiser des ligues professionnelles GeoRace (comme l’esport)</a:t>
+            </a:r>
+          </a:p>
+          <a:p>
+            <a:pPr lvl="0" indent="0" marL="0">
+              <a:buNone/>
+            </a:pPr>
+            <a:r>
+              <a:rPr b="1"/>
+              <a:t>Dans 5 ans :</a:t>
+            </a:r>
+            <a:r>
+              <a:rPr/>
+              <a:t> - “Tu es sur GeoRace ?” = nouvelle norme chez les coureurs - Événements physiques GeoRace dans 50 villes - Partenariats JO Paris 2028 (course urbaine compétitive)</a:t>
+            </a:r>
+          </a:p>
+        </p:txBody>
+      </p:sp>
+    </p:spTree>
+  </p:cSld>
+</p:sld>
+</file>
+
+<file path=ppt/slides/slide23.xml><?xml version="1.0" encoding="utf-8"?>
+<p:sld xmlns:a="http://schemas.openxmlformats.org/drawingml/2006/main" xmlns:r="http://schemas.openxmlformats.org/officeDocument/2006/relationships" xmlns:p="http://schemas.openxmlformats.org/presentationml/2006/main">
+  <p:cSld>
+    <p:spTree>
+      <p:nvGrpSpPr>
+        <p:cNvPr id="1" name=""/>
+        <p:cNvGrpSpPr/>
+        <p:nvPr/>
+      </p:nvGrpSpPr>
+      <p:grpSpPr>
+        <a:xfrm>
+          <a:off x="0" y="0"/>
+          <a:ext cx="0" cy="0"/>
+          <a:chOff x="0" y="0"/>
+          <a:chExt cx="0" cy="0"/>
+        </a:xfrm>
+      </p:grpSpPr>
+      <p:sp>
+        <p:nvSpPr>
+          <p:cNvPr id="2" name="Title 1"/>
+          <p:cNvSpPr>
+            <a:spLocks noGrp="1"/>
+          </p:cNvSpPr>
+          <p:nvPr>
+            <p:ph type="title"/>
+          </p:nvPr>
+        </p:nvSpPr>
+        <p:spPr/>
+        <p:txBody>
+          <a:bodyPr/>
+          <a:lstStyle/>
+          <a:p>
+            <a:pPr lvl="0" indent="0" marL="0">
+              <a:buNone/>
+            </a:pPr>
+            <a:r>
+              <a:rPr/>
+              <a:t>🟦 Slide 21 - Appel à l’action</a:t>
+            </a:r>
+          </a:p>
+        </p:txBody>
+      </p:sp>
+      <p:sp>
+        <p:nvSpPr>
+          <p:cNvPr id="3" name="Content Placeholder 2"/>
+          <p:cNvSpPr>
+            <a:spLocks noGrp="1"/>
+          </p:cNvSpPr>
+          <p:nvPr>
+            <p:ph idx="1"/>
+          </p:nvPr>
+        </p:nvSpPr>
+        <p:spPr/>
+        <p:txBody>
+          <a:bodyPr/>
+          <a:lstStyle/>
+          <a:p>
+            <a:pPr lvl="0" indent="0" marL="0">
+              <a:buNone/>
+            </a:pPr>
+            <a:r>
+              <a:rPr b="1"/>
+              <a:t>Pourquoi investir/soutenir GeoRace ?</a:t>
+            </a:r>
+          </a:p>
+          <a:p>
+            <a:pPr lvl="0" indent="0" marL="0">
+              <a:buNone/>
+            </a:pPr>
+            <a:r>
+              <a:rPr/>
+              <a:t>✅ </a:t>
+            </a:r>
+            <a:r>
+              <a:rPr b="1"/>
+              <a:t>Concept unique</a:t>
+            </a:r>
+            <a:r>
+              <a:rPr/>
+              <a:t> : aucun concurrent direct sur le duel temps réel équitable</a:t>
+            </a:r>
+            <a:br/>
+            <a:r>
+              <a:rPr/>
+              <a:t>✅ </a:t>
+            </a:r>
+            <a:r>
+              <a:rPr b="1"/>
+              <a:t>Marché prouvé</a:t>
+            </a:r>
+            <a:r>
+              <a:rPr/>
+              <a:t> : 100M+ utilisateurs apps running cherchent motivation</a:t>
+            </a:r>
+            <a:br/>
+            <a:r>
+              <a:rPr/>
+              <a:t>✅ </a:t>
+            </a:r>
+            <a:r>
+              <a:rPr b="1"/>
+              <a:t>Différenciation forte</a:t>
+            </a:r>
+            <a:r>
+              <a:rPr/>
+              <a:t> : impossible pour Strava de pivoter vers notre modèle</a:t>
+            </a:r>
+            <a:br/>
+            <a:r>
+              <a:rPr/>
+              <a:t>✅ </a:t>
+            </a:r>
+            <a:r>
+              <a:rPr b="1"/>
+              <a:t>Équipe motivée</a:t>
+            </a:r>
+            <a:r>
+              <a:rPr/>
+              <a:t> : passion pour le running + compétences tech</a:t>
+            </a:r>
+            <a:br/>
+            <a:r>
+              <a:rPr/>
+              <a:t>✅ </a:t>
+            </a:r>
+            <a:r>
+              <a:rPr b="1"/>
+              <a:t>Roadmap claire</a:t>
+            </a:r>
+            <a:r>
+              <a:rPr/>
+              <a:t> : MVP en 6 mois, traction mesurable</a:t>
+            </a:r>
+          </a:p>
+          <a:p>
+            <a:pPr lvl="0" indent="0" marL="0">
+              <a:buNone/>
+            </a:pPr>
+            <a:r>
+              <a:rPr b="1"/>
+              <a:t>Prochaines étapes :</a:t>
+            </a:r>
+            <a:r>
+              <a:rPr/>
+              <a:t> 1. Finaliser MVP (dev en cours) 2. Tester avec 50 beta-testeurs (running clubs Paris) 3. Lancement public dans 3 mois</a:t>
+            </a:r>
+          </a:p>
+          <a:p>
+            <a:pPr lvl="0" indent="0" marL="0">
+              <a:buNone/>
+            </a:pPr>
+            <a:r>
+              <a:rPr b="1"/>
+              <a:t>Rejoignez-nous pour transformer le running en vraie compétition.</a:t>
+            </a:r>
+          </a:p>
+        </p:txBody>
+      </p:sp>
+    </p:spTree>
+  </p:cSld>
+</p:sld>
+</file>
+
+<file path=ppt/slides/slide24.xml><?xml version="1.0" encoding="utf-8"?>
+<p:sld xmlns:a="http://schemas.openxmlformats.org/drawingml/2006/main" xmlns:r="http://schemas.openxmlformats.org/officeDocument/2006/relationships" xmlns:p="http://schemas.openxmlformats.org/presentationml/2006/main">
+  <p:cSld>
+    <p:spTree>
+      <p:nvGrpSpPr>
+        <p:cNvPr id="1" name=""/>
+        <p:cNvGrpSpPr/>
+        <p:nvPr/>
+      </p:nvGrpSpPr>
+      <p:grpSpPr>
+        <a:xfrm>
+          <a:off x="0" y="0"/>
+          <a:ext cx="0" cy="0"/>
+          <a:chOff x="0" y="0"/>
+          <a:chExt cx="0" cy="0"/>
+        </a:xfrm>
+      </p:grpSpPr>
+      <p:sp>
+        <p:nvSpPr>
+          <p:cNvPr id="2" name="Title 1"/>
+          <p:cNvSpPr>
+            <a:spLocks noGrp="1"/>
+          </p:cNvSpPr>
+          <p:nvPr>
+            <p:ph type="title"/>
+          </p:nvPr>
+        </p:nvSpPr>
+        <p:spPr/>
+        <p:txBody>
+          <a:bodyPr/>
+          <a:lstStyle/>
+          <a:p>
+            <a:pPr lvl="0" indent="0" marL="0">
+              <a:buNone/>
+            </a:pPr>
+            <a:r>
+              <a:rPr/>
+              <a:t>🟦 Slide 22 - Phrase finale</a:t>
+            </a:r>
+          </a:p>
+        </p:txBody>
+      </p:sp>
+      <p:sp>
+        <p:nvSpPr>
+          <p:cNvPr id="3" name="Content Placeholder 2"/>
+          <p:cNvSpPr>
+            <a:spLocks noGrp="1"/>
+          </p:cNvSpPr>
+          <p:nvPr>
+            <p:ph idx="1"/>
+          </p:nvPr>
+        </p:nvSpPr>
+        <p:spPr/>
+        <p:txBody>
+          <a:bodyPr/>
+          <a:lstStyle/>
+          <a:p>
+            <a:pPr lvl="0" indent="0" marL="0">
+              <a:buNone/>
+            </a:pPr>
+            <a:r>
+              <a:rPr b="1"/>
+              <a:t>GeoRace</a:t>
+            </a:r>
+          </a:p>
+          <a:p>
+            <a:pPr lvl="0" indent="0" marL="1270000">
+              <a:buNone/>
+            </a:pPr>
+            <a:r>
+              <a:rPr sz="2000"/>
+              <a:t>Chaque course est un duel.</a:t>
+            </a:r>
+            <a:br/>
+            <a:r>
+              <a:rPr sz="2000"/>
+              <a:t>Chaque duel est une victoire ou une leçon.</a:t>
+            </a:r>
+            <a:br/>
+            <a:r>
+              <a:rPr sz="2000"/>
+              <a:t>La motivation ne vient pas du tracking.</a:t>
+            </a:r>
+            <a:br/>
+            <a:r>
+              <a:rPr sz="2000"/>
+              <a:t>Elle vient de la COMPÉTITION.</a:t>
+            </a:r>
+          </a:p>
+          <a:p>
+            <a:pPr lvl="0" indent="0" marL="0">
+              <a:buNone/>
+            </a:pPr>
+            <a:r>
+              <a:rPr b="1"/>
+              <a:t>Êtes-vous prêt à courir pour GAGNER ?</a:t>
+            </a:r>
+          </a:p>
+          <a:p>
+            <a:pPr lvl="0" indent="0" marL="0">
+              <a:buNone/>
+            </a:pPr>
+            <a:r>
+              <a:rPr/>
+              <a:t>🏁 </a:t>
+            </a:r>
+            <a:r>
+              <a:rPr b="1"/>
+              <a:t>GeoRace - Run. Race. Win.</a:t>
             </a:r>
           </a:p>
         </p:txBody>
@@ -4236,7 +5750,7 @@
             </a:pPr>
             <a:r>
               <a:rPr/>
-              <a:t>🟦 Slide 2 – Problème</a:t>
+              <a:t>🟦 Slide 2 - Pitch 30-45s pour mercredi</a:t>
             </a:r>
           </a:p>
         </p:txBody>
@@ -4261,44 +5775,43 @@
             </a:pPr>
             <a:r>
               <a:rPr b="1"/>
-              <a:t>Courir seul, une motivation en berne</a:t>
-            </a:r>
-          </a:p>
-          <a:p>
-            <a:pPr lvl="0"/>
-            <a:r>
-              <a:rPr/>
-              <a:t>De nombreux coureurs se sentent démotivés seuls</a:t>
-            </a:r>
-          </a:p>
-          <a:p>
-            <a:pPr lvl="0"/>
-            <a:r>
-              <a:rPr/>
-              <a:t>Manque de défi et d’interaction</a:t>
-            </a:r>
-          </a:p>
-          <a:p>
-            <a:pPr lvl="0"/>
-            <a:r>
-              <a:rPr/>
-              <a:t>Difficulté à mesurer ses progrès face à d’autres</a:t>
-            </a:r>
-          </a:p>
-          <a:p>
-            <a:pPr lvl="0"/>
-            <a:r>
-              <a:rPr/>
-              <a:t>Risque d’abandon des objectifs sportifs</a:t>
-            </a:r>
-          </a:p>
-          <a:p>
-            <a:pPr lvl="0" indent="0" marL="0">
-              <a:buNone/>
-            </a:pPr>
-            <a:r>
-              <a:rPr/>
-              <a:t>➡ Résultat : monotonie, perte de motivation, arrêt de la pratique</a:t>
+              <a:t>Notre pitch en 30-45 secondes</a:t>
+            </a:r>
+          </a:p>
+          <a:p>
+            <a:pPr lvl="0" indent="0" marL="1270000">
+              <a:buNone/>
+            </a:pPr>
+            <a:r>
+              <a:rPr sz="2000" i="1"/>
+              <a:t>« Les applications de running comme Strava se contentent de tracker vos courses. Vous courez seul, vous comparez vos stats à celles des autres, et au bout de 3 mois, vous abandonnez par manque de motivation.</a:t>
+            </a:r>
+          </a:p>
+          <a:p>
+            <a:pPr lvl="0" indent="0" marL="1270000">
+              <a:buNone/>
+            </a:pPr>
+            <a:r>
+              <a:rPr sz="2000" i="1"/>
+              <a:t>GeoRace transforme chaque sortie en véritable compétition en temps réel. Notre application détecte les coureurs actifs près de vous et propose un duel instantané vers un point d’arrivée calculé à distance égale pour tous. Plus besoin d’attendre : vous acceptez, le compte à rebours démarre, et vous courez en direct contre un vrai adversaire.</a:t>
+            </a:r>
+          </a:p>
+          <a:p>
+            <a:pPr lvl="0" indent="0" marL="1270000">
+              <a:buNone/>
+            </a:pPr>
+            <a:r>
+              <a:rPr sz="2000" i="1"/>
+              <a:t>Avec notre système ELO, chaque victoire compte, chaque duel vous fait progresser, et la communauté grandit naturellement. Ce n’est plus du tracking passif : c’est de la compétition active.</a:t>
+            </a:r>
+          </a:p>
+          <a:p>
+            <a:pPr lvl="0" indent="0" marL="1270000">
+              <a:buNone/>
+            </a:pPr>
+            <a:r>
+              <a:rPr sz="2000" i="1"/>
+              <a:t>GeoRace, c’est le seul moyen de transformer le running en sport compétitif accessible à tous. Êtes-vous prêt à courir pour gagner ? »</a:t>
             </a:r>
           </a:p>
         </p:txBody>
@@ -4345,7 +5858,7 @@
             </a:pPr>
             <a:r>
               <a:rPr/>
-              <a:t>🟦 Slide 3 – Concept innovant</a:t>
+              <a:t>🟦 Slide 3 - Le problème des apps actuelles</a:t>
             </a:r>
           </a:p>
         </p:txBody>
@@ -4370,58 +5883,61 @@
             </a:pPr>
             <a:r>
               <a:rPr b="1"/>
-              <a:t>Duels en temps réel pour tous</a:t>
-            </a:r>
-          </a:p>
-          <a:p>
-            <a:pPr lvl="0" indent="0" marL="0">
-              <a:buNone/>
-            </a:pPr>
-            <a:r>
-              <a:rPr/>
-              <a:t>🏃 </a:t>
-            </a:r>
-            <a:r>
-              <a:rPr b="1"/>
-              <a:t>DUELS EN TEMPS RÉEL</a:t>
-            </a:r>
-            <a:r>
-              <a:rPr/>
-              <a:t> Affrontez d’autres coureurs à proximité dans des courses spontanées</a:t>
-            </a:r>
-          </a:p>
-          <a:p>
-            <a:pPr lvl="0" indent="0" marL="0">
-              <a:buNone/>
-            </a:pPr>
-            <a:r>
-              <a:rPr/>
-              <a:t>📍 </a:t>
-            </a:r>
-            <a:r>
-              <a:rPr b="1"/>
-              <a:t>POINT D’ARRIVÉE ÉQUITABLE</a:t>
-            </a:r>
-            <a:r>
-              <a:rPr/>
-              <a:t> Chaque duel se termine à un point équidistant pour tous les participants</a:t>
-            </a:r>
-          </a:p>
-          <a:p>
-            <a:pPr lvl="0" indent="0" marL="0">
-              <a:buNone/>
-            </a:pPr>
-            <a:r>
-              <a:rPr/>
-              <a:t>⚖️ </a:t>
-            </a:r>
-            <a:r>
-              <a:rPr b="1"/>
-              <a:t>COMPÉTITION JUSTE</a:t>
-            </a:r>
-            <a:r>
-              <a:rPr/>
-              <a:t> Système ELO garantit des matchs équilibrés quel que soit votre niveau</a:t>
+              <a:t>Pourquoi les coureurs s’ennuient sur Strava, Nike Run Club et Runkeeper</a:t>
+            </a:r>
+          </a:p>
+          <a:p>
+            <a:pPr lvl="0" indent="0" marL="0">
+              <a:buNone/>
+            </a:pPr>
+            <a:r>
+              <a:rPr/>
+              <a:t>❌ </a:t>
+            </a:r>
+            <a:r>
+              <a:rPr b="1"/>
+              <a:t>Compétition asynchrone</a:t>
+            </a:r>
+            <a:r>
+              <a:rPr/>
+              <a:t> : vous comparez vos temps à des performances passées ❌ </a:t>
+            </a:r>
+            <a:r>
+              <a:rPr b="1"/>
+              <a:t>Pas d’interaction réelle</a:t>
+            </a:r>
+            <a:r>
+              <a:rPr/>
+              <a:t> : vous êtes seul face à votre écran ❌ </a:t>
+            </a:r>
+            <a:r>
+              <a:rPr b="1"/>
+              <a:t>Segments fixes</a:t>
+            </a:r>
+            <a:r>
+              <a:rPr/>
+              <a:t> : toujours les mêmes parcours, aucune surprise ❌ </a:t>
+            </a:r>
+            <a:r>
+              <a:rPr b="1"/>
+              <a:t>Motivation en déclin</a:t>
+            </a:r>
+            <a:r>
+              <a:rPr/>
+              <a:t> : partager des stats ne crée pas d’excitation</a:t>
+            </a:r>
+          </a:p>
+          <a:p>
+            <a:pPr lvl="0" indent="0" marL="0">
+              <a:buNone/>
+            </a:pPr>
+            <a:r>
+              <a:rPr b="1"/>
+              <a:t>Résultat :</a:t>
+            </a:r>
+            <a:r>
+              <a:rPr/>
+              <a:t> 60% des utilisateurs abandonnent après 3 mois</a:t>
             </a:r>
           </a:p>
         </p:txBody>
@@ -4468,7 +5984,7 @@
             </a:pPr>
             <a:r>
               <a:rPr/>
-              <a:t>🟦 Slide 4 – Fonctionnement d’un duel</a:t>
+              <a:t>🟦 Slide 4 - Notre réponse : LE DUEL EN TEMPS RÉEL</a:t>
             </a:r>
           </a:p>
         </p:txBody>
@@ -4493,46 +6009,89 @@
             </a:pPr>
             <a:r>
               <a:rPr b="1"/>
-              <a:t>3 étapes simples</a:t>
-            </a:r>
-          </a:p>
-          <a:p>
-            <a:pPr lvl="0" indent="0" marL="0">
-              <a:buNone/>
-            </a:pPr>
-            <a:r>
-              <a:rPr b="1"/>
-              <a:t>01 - DÉTECTION DES COUREURS</a:t>
-            </a:r>
-            <a:r>
-              <a:rPr/>
-              <a:t> Identification automatique des coureurs actifs à proximité</a:t>
-            </a:r>
-          </a:p>
-          <a:p>
-            <a:pPr lvl="0" indent="0" marL="0">
-              <a:buNone/>
-            </a:pPr>
-            <a:r>
-              <a:rPr b="1"/>
-              <a:t>02 - POINT D’ARRIVÉE ÉQUITABLE</a:t>
-            </a:r>
-            <a:r>
-              <a:rPr/>
-              <a:t> Calcul algorithmique d’un point accessible à distance ��gale pour tous</a:t>
-            </a:r>
-          </a:p>
-          <a:p>
-            <a:pPr lvl="0" indent="0" marL="0">
-              <a:buNone/>
-            </a:pPr>
-            <a:r>
-              <a:rPr b="1"/>
-              <a:t>03 - DÉPART SIMULTANÉ</a:t>
-            </a:r>
-            <a:r>
-              <a:rPr/>
-              <a:t> Compte à rebours synchronisé après acceptation mutuelle</a:t>
+              <a:t>GeoRace = La seule app qui crée de vraies courses spontanées</a:t>
+            </a:r>
+          </a:p>
+          <a:p>
+            <a:pPr lvl="0" indent="0" marL="0">
+              <a:buNone/>
+            </a:pPr>
+            <a:r>
+              <a:rPr/>
+              <a:t>🎯 </a:t>
+            </a:r>
+            <a:r>
+              <a:rPr b="1"/>
+              <a:t>Détection instantanée</a:t>
+            </a:r>
+            <a:r>
+              <a:rPr/>
+              <a:t> : l’app repère les coureurs actifs près de vous</a:t>
+            </a:r>
+            <a:br/>
+            <a:r>
+              <a:rPr/>
+              <a:t>⚡ </a:t>
+            </a:r>
+            <a:r>
+              <a:rPr b="1"/>
+              <a:t>Défi immédiat</a:t>
+            </a:r>
+            <a:r>
+              <a:rPr/>
+              <a:t> : “Paul (ELO 1420) vous défie - Accepter?”</a:t>
+            </a:r>
+            <a:br/>
+            <a:r>
+              <a:rPr/>
+              <a:t>📍 </a:t>
+            </a:r>
+            <a:r>
+              <a:rPr b="1"/>
+              <a:t>Point équidistant</a:t>
+            </a:r>
+            <a:r>
+              <a:rPr/>
+              <a:t> : algorithme calcule un finish accessible à la même distance pour tous</a:t>
+            </a:r>
+            <a:br/>
+            <a:r>
+              <a:rPr/>
+              <a:t>🏁 </a:t>
+            </a:r>
+            <a:r>
+              <a:rPr b="1"/>
+              <a:t>Course en direct</a:t>
+            </a:r>
+            <a:r>
+              <a:rPr/>
+              <a:t> : départ synchronisé, positions live, arrivée simultanée</a:t>
+            </a:r>
+          </a:p>
+          <a:p>
+            <a:pPr lvl="0" indent="0" marL="0">
+              <a:buNone/>
+            </a:pPr>
+            <a:r>
+              <a:rPr b="1"/>
+              <a:t>LA DIFFÉRENCE :</a:t>
+            </a:r>
+            <a:r>
+              <a:rPr/>
+              <a:t> Ce n’est plus du tracking, c’est une vraie compétition !</a:t>
+            </a:r>
+          </a:p>
+          <a:p>
+            <a:pPr lvl="0" indent="0" marL="0">
+              <a:buNone/>
+            </a:pPr>
+            <a:r>
+              <a:rPr b="1"/>
+              <a:t>LE MODE DUEL = NOTRE ADN</a:t>
+            </a:r>
+            <a:r>
+              <a:rPr/>
+              <a:t> - Chaque course devient un événement unique et excitant - L’adrénaline de la compétition remplace la solitude du jogging - Gratification immédiate : vous savez si vous avez GAGNÉ ou PERDU</a:t>
             </a:r>
           </a:p>
         </p:txBody>
@@ -4579,7 +6138,7 @@
             </a:pPr>
             <a:r>
               <a:rPr/>
-              <a:t>🟦 Slide 5 – Un duel GeoRace</a:t>
+              <a:t>🟦 Slide 5 - Pourquoi le duel change tout</a:t>
             </a:r>
           </a:p>
         </p:txBody>
@@ -4604,7 +6163,16 @@
             </a:pPr>
             <a:r>
               <a:rPr b="1"/>
-              <a:t>Scénario typique :</a:t>
+              <a:t>L’adrénaline d’une vraie course, à chaque sortie</a:t>
+            </a:r>
+          </a:p>
+          <a:p>
+            <a:pPr lvl="0" indent="0" marL="0">
+              <a:buNone/>
+            </a:pPr>
+            <a:r>
+              <a:rPr b="1"/>
+              <a:t>Ce que ressent l’utilisateur dans un DUEL :</a:t>
             </a:r>
           </a:p>
           <a:p>
@@ -4613,11 +6181,20 @@
             </a:pPr>
             <a:r>
               <a:rPr b="1"/>
-              <a:t>Vous commencez votre course</a:t>
-            </a:r>
-            <a:r>
-              <a:rPr/>
-              <a:t> → l’app détecte 3 coureurs dans un rayon de 800m</a:t>
+              <a:t>AVANT</a:t>
+            </a:r>
+            <a:r>
+              <a:rPr/>
+              <a:t> : “Je vais courir 30 minutes…”</a:t>
+            </a:r>
+            <a:br/>
+            <a:r>
+              <a:rPr b="1"/>
+              <a:t>AVEC GEORACE</a:t>
+            </a:r>
+            <a:r>
+              <a:rPr/>
+              <a:t> : “Je vais AFFRONTER ce coureur que je vois au parc !”</a:t>
             </a:r>
           </a:p>
           <a:p>
@@ -4626,11 +6203,29 @@
             </a:pPr>
             <a:r>
               <a:rPr b="1"/>
-              <a:t>Proposition de duel</a:t>
-            </a:r>
-            <a:r>
-              <a:rPr/>
-              <a:t> → notification “Paul (ELO 1420) vous défie”</a:t>
+              <a:t>PENDANT</a:t>
+            </a:r>
+            <a:r>
+              <a:rPr/>
+              <a:t> : “Je suis à 500m du but, je le dépasse ou pas ?”</a:t>
+            </a:r>
+            <a:br/>
+            <a:r>
+              <a:rPr/>
+              <a:t>→ GPS live, distance restante, position de l’adversaire en temps réel</a:t>
+            </a:r>
+            <a:br/>
+            <a:r>
+              <a:rPr/>
+              <a:t>→ </a:t>
+            </a:r>
+            <a:r>
+              <a:rPr b="1"/>
+              <a:t>Tension maximale</a:t>
+            </a:r>
+            <a:r>
+              <a:rPr/>
+              <a:t> : chaque seconde compte, chaque mètre compte</a:t>
             </a:r>
           </a:p>
           <a:p>
@@ -4639,50 +6234,56 @@
             </a:pPr>
             <a:r>
               <a:rPr b="1"/>
-              <a:t>Vous acceptez</a:t>
-            </a:r>
-            <a:r>
-              <a:rPr/>
-              <a:t> → le système calcule un point d’arrivée à 1,2km pour chacun</a:t>
-            </a:r>
-          </a:p>
-          <a:p>
-            <a:pPr lvl="0" indent="-342900" marL="342900">
-              <a:buAutoNum type="arabicPeriod"/>
-            </a:pPr>
-            <a:r>
-              <a:rPr b="1"/>
-              <a:t>Départ dans 10 secondes</a:t>
-            </a:r>
-            <a:r>
-              <a:rPr/>
-              <a:t> → compte à rebours</a:t>
-            </a:r>
-          </a:p>
-          <a:p>
-            <a:pPr lvl="0" indent="-342900" marL="342900">
-              <a:buAutoNum type="arabicPeriod"/>
-            </a:pPr>
-            <a:r>
-              <a:rPr b="1"/>
-              <a:t>Course en direct</a:t>
-            </a:r>
-            <a:r>
-              <a:rPr/>
-              <a:t> → GPS vous guide, position de l’adversaire visible</a:t>
-            </a:r>
-          </a:p>
-          <a:p>
-            <a:pPr lvl="0" indent="-342900" marL="342900">
-              <a:buAutoNum type="arabicPeriod"/>
-            </a:pPr>
-            <a:r>
-              <a:rPr b="1"/>
-              <a:t>Arrivée</a:t>
-            </a:r>
-            <a:r>
-              <a:rPr/>
-              <a:t> → +25 ELO, badge “5 victoires consécutives” débloqué</a:t>
+              <a:t>APRÈS</a:t>
+            </a:r>
+            <a:r>
+              <a:rPr/>
+              <a:t> : “+25 ELO, 1er sur 3 dans ma ville cette semaine !”</a:t>
+            </a:r>
+            <a:br/>
+            <a:r>
+              <a:rPr/>
+              <a:t>→ Gratification immédiate, envie de recommencer</a:t>
+            </a:r>
+            <a:br/>
+            <a:r>
+              <a:rPr/>
+              <a:t>→ </a:t>
+            </a:r>
+            <a:r>
+              <a:rPr b="1"/>
+              <a:t>Sentiment de victoire</a:t>
+            </a:r>
+            <a:r>
+              <a:rPr/>
+              <a:t> ou leçon pour s’améliorer</a:t>
+            </a:r>
+          </a:p>
+          <a:p>
+            <a:pPr lvl="0" indent="0" marL="0">
+              <a:buNone/>
+            </a:pPr>
+            <a:r>
+              <a:rPr b="1"/>
+              <a:t>PSYCHOLOGIE DU DUEL :</a:t>
+            </a:r>
+            <a:r>
+              <a:rPr/>
+              <a:t> - Engagement émotionnel 10x supérieur au tracking solo - Libération de dopamine à chaque victoire - Création d’une habitude addictive (le “encore un duel”)</a:t>
+            </a:r>
+          </a:p>
+          <a:p>
+            <a:pPr lvl="0" indent="0" marL="0">
+              <a:buNone/>
+            </a:pPr>
+            <a:r>
+              <a:rPr b="1"/>
+              <a:t>Strava vous dit combien vous avez couru.</a:t>
+            </a:r>
+            <a:br/>
+            <a:r>
+              <a:rPr b="1"/>
+              <a:t>GeoRace vous dit si vous avez GAGNÉ.</a:t>
             </a:r>
           </a:p>
         </p:txBody>
@@ -4729,7 +6330,7 @@
             </a:pPr>
             <a:r>
               <a:rPr/>
-              <a:t>🟦 Slide 6 – Aspect social</a:t>
+              <a:t>🟦 Slide 6 - Le point équidistant : notre innovation technique</a:t>
             </a:r>
           </a:p>
         </p:txBody>
@@ -4754,46 +6355,90 @@
             </a:pPr>
             <a:r>
               <a:rPr b="1"/>
-              <a:t>Construisez une communauté de coureurs</a:t>
-            </a:r>
-          </a:p>
-          <a:p>
-            <a:pPr lvl="0" indent="0" marL="0">
-              <a:buNone/>
-            </a:pPr>
-            <a:r>
-              <a:rPr b="1"/>
-              <a:t>01 - MATCHMAKING ÉQUILIBRÉ</a:t>
-            </a:r>
-            <a:r>
-              <a:rPr/>
-              <a:t> Connexion automatique entre coureurs de niveaux similaires grâce à l’ELO</a:t>
-            </a:r>
-          </a:p>
-          <a:p>
-            <a:pPr lvl="0" indent="0" marL="0">
-              <a:buNone/>
-            </a:pPr>
-            <a:r>
-              <a:rPr b="1"/>
-              <a:t>02 - DISCUSSION ET PARTAGE</a:t>
-            </a:r>
-            <a:r>
-              <a:rPr/>
-              <a:t> Chat en direct, ajout d’amis, profils détaillés avec statistiques</a:t>
-            </a:r>
-          </a:p>
-          <a:p>
-            <a:pPr lvl="0" indent="0" marL="0">
-              <a:buNone/>
-            </a:pPr>
-            <a:r>
-              <a:rPr b="1"/>
-              <a:t>03 - ÉVÉNEMENTS COMMUNAUTAIRES</a:t>
-            </a:r>
-            <a:r>
-              <a:rPr/>
-              <a:t> Courses organisées, défis collectifs, ligues locales par ville/quartier</a:t>
+              <a:t>Pourquoi personne d’autre ne le fait</a:t>
+            </a:r>
+          </a:p>
+          <a:p>
+            <a:pPr lvl="0" indent="0" marL="0">
+              <a:buNone/>
+            </a:pPr>
+            <a:r>
+              <a:rPr b="1"/>
+              <a:t>Le problème des courses spontanées :</a:t>
+            </a:r>
+            <a:r>
+              <a:rPr/>
+              <a:t> - Si on court vers le même point → celui qui est plus proche gagne toujours - Si on court chacun son parcours → impossible de comparer équitablement</a:t>
+            </a:r>
+          </a:p>
+          <a:p>
+            <a:pPr lvl="0" indent="0" marL="0">
+              <a:buNone/>
+            </a:pPr>
+            <a:r>
+              <a:rPr b="1"/>
+              <a:t>Notre solution brevetable :</a:t>
+            </a:r>
+          </a:p>
+          <a:p>
+            <a:pPr lvl="0" indent="-342900" marL="342900">
+              <a:buAutoNum type="arabicPeriod"/>
+            </a:pPr>
+            <a:r>
+              <a:rPr b="1"/>
+              <a:t>Algorithme de géolocalisation</a:t>
+            </a:r>
+            <a:r>
+              <a:rPr/>
+              <a:t> : calcule un point accessible à distance ÉGALE pour tous</a:t>
+            </a:r>
+          </a:p>
+          <a:p>
+            <a:pPr lvl="0" indent="-342900" marL="342900">
+              <a:buAutoNum type="arabicPeriod"/>
+            </a:pPr>
+            <a:r>
+              <a:rPr b="1"/>
+              <a:t>Prise en compte du terrain</a:t>
+            </a:r>
+            <a:r>
+              <a:rPr/>
+              <a:t> : routes, chemins, zones interdites</a:t>
+            </a:r>
+          </a:p>
+          <a:p>
+            <a:pPr lvl="0" indent="-342900" marL="342900">
+              <a:buAutoNum type="arabicPeriod"/>
+            </a:pPr>
+            <a:r>
+              <a:rPr b="1"/>
+              <a:t>Validation en temps réel</a:t>
+            </a:r>
+            <a:r>
+              <a:rPr/>
+              <a:t> : les coureurs voient le parcours avant d’accepter</a:t>
+            </a:r>
+          </a:p>
+          <a:p>
+            <a:pPr lvl="0" indent="0" marL="0">
+              <a:buNone/>
+            </a:pPr>
+            <a:r>
+              <a:rPr b="1"/>
+              <a:t>Résultat :</a:t>
+            </a:r>
+            <a:r>
+              <a:rPr/>
+              <a:t> Compétition 100% équitable, quelle que soit votre position de départ</a:t>
+            </a:r>
+          </a:p>
+          <a:p>
+            <a:pPr lvl="0" indent="0" marL="0">
+              <a:buNone/>
+            </a:pPr>
+            <a:r>
+              <a:rPr b="1"/>
+              <a:t>Aucun concurrent ne propose cela.</a:t>
             </a:r>
           </a:p>
         </p:txBody>
@@ -4840,7 +6485,7 @@
             </a:pPr>
             <a:r>
               <a:rPr/>
-              <a:t>🟦 Slide 7 – Système de classement ELO</a:t>
+              <a:t>🟦 Slide 7 - Scénario utilisateur : Emma vs Strava</a:t>
             </a:r>
           </a:p>
         </p:txBody>
@@ -4865,46 +6510,54 @@
             </a:pPr>
             <a:r>
               <a:rPr b="1"/>
-              <a:t>Compétition équitable et progression motivante</a:t>
-            </a:r>
-          </a:p>
-          <a:p>
-            <a:pPr lvl="0" indent="0" marL="0">
-              <a:buNone/>
-            </a:pPr>
-            <a:r>
-              <a:rPr b="1"/>
-              <a:t>01 - MATCHS ÉQUILIBRÉS</a:t>
-            </a:r>
-            <a:r>
-              <a:rPr/>
-              <a:t> Algorithme ELO vous oppose à des coureurs de niveau proche</a:t>
-            </a:r>
-          </a:p>
-          <a:p>
-            <a:pPr lvl="0" indent="0" marL="0">
-              <a:buNone/>
-            </a:pPr>
-            <a:r>
-              <a:rPr b="1"/>
-              <a:t>02 - PROGRESSION VISIBLE</a:t>
-            </a:r>
-            <a:r>
-              <a:rPr/>
-              <a:t> Suivez votre montée dans les classements (Bronze → Argent → Or → Platine)</a:t>
-            </a:r>
-          </a:p>
-          <a:p>
-            <a:pPr lvl="0" indent="0" marL="0">
-              <a:buNone/>
-            </a:pPr>
-            <a:r>
-              <a:rPr b="1"/>
-              <a:t>03 - RÉCOMPENSES ET BADGES</a:t>
-            </a:r>
-            <a:r>
-              <a:rPr/>
-              <a:t> Débloquez des achievements à chaque niveau atteint</a:t>
+              <a:t>Pourquoi Emma (29 ans, 4 courses/semaine) quitte Strava pour GeoRace</a:t>
+            </a:r>
+          </a:p>
+          <a:p>
+            <a:pPr lvl="0" indent="0" marL="0">
+              <a:buNone/>
+            </a:pPr>
+            <a:r>
+              <a:rPr b="1"/>
+              <a:t>SUR STRAVA (avant) :</a:t>
+            </a:r>
+            <a:r>
+              <a:rPr/>
+              <a:t> - Lance l’app → court seule → partage son temps → 12 likes - “Mon meilleur temps sur ce segment : 8min23” - Motivation : ★★☆☆☆</a:t>
+            </a:r>
+          </a:p>
+          <a:p>
+            <a:pPr lvl="0" indent="0" marL="0">
+              <a:buNone/>
+            </a:pPr>
+            <a:r>
+              <a:rPr b="1"/>
+              <a:t>SUR GEORACE (maintenant) :</a:t>
+            </a:r>
+            <a:r>
+              <a:rPr/>
+              <a:t> - Lance l’app → “3 coureurs détectés à 600m” - Accepte le défi de Lucas (ELO 1395, proche de son niveau 1420) - Course de 1,8km vers un point au bord de la rivière - </a:t>
+            </a:r>
+            <a:r>
+              <a:rPr b="1"/>
+              <a:t>ELLE GAGNE de 12 secondes</a:t>
+            </a:r>
+            <a:r>
+              <a:rPr/>
+              <a:t> → +28 ELO, badge “5 victoires” - Motivation : ★★★★★</a:t>
+            </a:r>
+          </a:p>
+          <a:p>
+            <a:pPr lvl="0" indent="0" marL="0">
+              <a:buNone/>
+            </a:pPr>
+            <a:r>
+              <a:rPr b="1"/>
+              <a:t>CE QUI CHANGE :</a:t>
+            </a:r>
+            <a:r>
+              <a:rPr/>
+              <a:t> L’excitation d’une vraie compétition vs comparaison de chiffres</a:t>
             </a:r>
           </a:p>
         </p:txBody>
@@ -4951,7 +6604,7 @@
             </a:pPr>
             <a:r>
               <a:rPr/>
-              <a:t>🟦 Slide 8 – Bénéfices de GeoRace</a:t>
+              <a:t>🟦 Slide 8 - Pourquoi les utilisateurs vont switcher</a:t>
             </a:r>
           </a:p>
         </p:txBody>
@@ -4976,46 +6629,60 @@
             </a:pPr>
             <a:r>
               <a:rPr b="1"/>
-              <a:t>Plus qu’une app de running</a:t>
-            </a:r>
-          </a:p>
-          <a:p>
-            <a:pPr lvl="0" indent="0" marL="0">
-              <a:buNone/>
-            </a:pPr>
-            <a:r>
-              <a:rPr b="1"/>
-              <a:t>01 - MOTIVATION ACCRUE</a:t>
-            </a:r>
-            <a:r>
-              <a:rPr/>
-              <a:t> Chaque sortie devient un défi concret et excitant</a:t>
-            </a:r>
-          </a:p>
-          <a:p>
-            <a:pPr lvl="0" indent="0" marL="0">
-              <a:buNone/>
-            </a:pPr>
-            <a:r>
-              <a:rPr b="1"/>
-              <a:t>02 - AMÉLIORATION DES PERFORMANCES</a:t>
-            </a:r>
-            <a:r>
-              <a:rPr/>
-              <a:t> La compétition pousse naturellement au dépassement de soi</a:t>
-            </a:r>
-          </a:p>
-          <a:p>
-            <a:pPr lvl="0" indent="0" marL="0">
-              <a:buNone/>
-            </a:pPr>
-            <a:r>
-              <a:rPr b="1"/>
-              <a:t>03 - BIEN-ÊTRE SOCIAL</a:t>
-            </a:r>
-            <a:r>
-              <a:rPr/>
-              <a:t> Rencontrez et interagissez avec d’autres coureurs passionnés</a:t>
+              <a:t>3 raisons concrètes de quitter Strava/Nike Run Club</a:t>
+            </a:r>
+          </a:p>
+          <a:p>
+            <a:pPr lvl="0" indent="0" marL="0">
+              <a:buNone/>
+            </a:pPr>
+            <a:r>
+              <a:rPr b="1"/>
+              <a:t>1️⃣ LA COMPÉTITION RÉELLE</a:t>
+            </a:r>
+            <a:r>
+              <a:rPr/>
+              <a:t> - Strava : “J’ai fait 5km en 28min” → 0 émotion - GeoRace : “J’ai BATTU ce coureur qui me narguait !” → adrénaline ++</a:t>
+            </a:r>
+          </a:p>
+          <a:p>
+            <a:pPr lvl="0" indent="0" marL="0">
+              <a:buNone/>
+            </a:pPr>
+            <a:r>
+              <a:rPr b="1"/>
+              <a:t>2️⃣ L’INTERACTION SOCIALE ACTIVE</a:t>
+            </a:r>
+            <a:r>
+              <a:rPr/>
+              <a:t> - Nike Run Club : partage de stats passives - GeoRace : duels live, chat en direct, défis entre amis</a:t>
+            </a:r>
+          </a:p>
+          <a:p>
+            <a:pPr lvl="0" indent="0" marL="0">
+              <a:buNone/>
+            </a:pPr>
+            <a:r>
+              <a:rPr b="1"/>
+              <a:t>3️⃣ LA PROGRESSION VISIBLE</a:t>
+            </a:r>
+            <a:r>
+              <a:rPr/>
+              <a:t> - Runkeeper : graphiques de distance et temps - GeoRace : classement ELO qui monte, badges débloqués, statut (Bronze → Or)</a:t>
+            </a:r>
+          </a:p>
+          <a:p>
+            <a:pPr lvl="0" indent="0" marL="0">
+              <a:buNone/>
+            </a:pPr>
+            <a:r>
+              <a:rPr b="1"/>
+              <a:t>Les utilisateurs ne veulent plus juste “tracker” leurs courses.</a:t>
+            </a:r>
+            <a:br/>
+            <a:r>
+              <a:rPr b="1"/>
+              <a:t>Ils veulent GAGNER.</a:t>
             </a:r>
           </a:p>
         </p:txBody>

--- a/GeoRace_presentation.pptx
+++ b/GeoRace_presentation.pptx
@@ -29,6 +29,10 @@
     <p:sldId id="277" r:id="rId23"/>
     <p:sldId id="278" r:id="rId24"/>
     <p:sldId id="279" r:id="rId25"/>
+    <p:sldId id="280" r:id="rId30"/>
+    <p:sldId id="281" r:id="rId31"/>
+    <p:sldId id="282" r:id="rId32"/>
+    <p:sldId id="283" r:id="rId33"/>
   </p:sldIdLst>
   <p:sldSz cx="9144000" cy="5143500" type="screen16x9"/>
   <p:notesSz cx="6858000" cy="9144000"/>
@@ -5713,6 +5717,330 @@
 </p:sld>
 </file>
 
+<file path=ppt/slides/slide25.xml><?xml version="1.0" encoding="utf-8"?>
+<p:sld xmlns:a="http://schemas.openxmlformats.org/drawingml/2006/main" xmlns:p="http://schemas.openxmlformats.org/presentationml/2006/main" xmlns:r="http://schemas.openxmlformats.org/officeDocument/2006/relationships">
+  <p:cSld>
+    <p:spTree>
+      <p:nvGrpSpPr>
+        <p:cNvPr id="1" name=""/>
+        <p:cNvGrpSpPr/>
+        <p:nvPr/>
+      </p:nvGrpSpPr>
+      <p:grpSpPr/>
+      <p:sp>
+        <p:nvSpPr>
+          <p:cNvPr id="2" name="Title 1"/>
+          <p:cNvSpPr>
+            <a:spLocks noGrp="1"/>
+          </p:cNvSpPr>
+          <p:nvPr>
+            <p:ph type="title"/>
+          </p:nvPr>
+        </p:nvSpPr>
+        <p:spPr/>
+        <p:txBody>
+          <a:bodyPr/>
+          <a:lstStyle/>
+          <a:p>
+            <a:r>
+              <a:t>Différenciateurs clés</a:t>
+            </a:r>
+          </a:p>
+        </p:txBody>
+      </p:sp>
+      <p:sp>
+        <p:nvSpPr>
+          <p:cNvPr id="3" name="Content Placeholder 2"/>
+          <p:cNvSpPr>
+            <a:spLocks noGrp="1"/>
+          </p:cNvSpPr>
+          <p:nvPr>
+            <p:ph idx="1"/>
+          </p:nvPr>
+        </p:nvSpPr>
+        <p:spPr/>
+        <p:txBody>
+          <a:bodyPr/>
+          <a:lstStyle/>
+          <a:p/>
+          <a:p>
+            <a:pPr/>
+            <a:r>
+              <a:t>Mode Duel en temps réel: appariement local instantané vers une arrivée équidistante pour garantir l'équité</a:t>
+            </a:r>
+          </a:p>
+          <a:p>
+            <a:pPr/>
+            <a:r>
+              <a:t>Matchmaking ELO: adversaires de niveau comparable et progression visible</a:t>
+            </a:r>
+          </a:p>
+          <a:p>
+            <a:pPr/>
+            <a:r>
+              <a:t>Confidentialité &amp; sécurité: position partagée uniquement pendant le duel, anti‑triche GPS</a:t>
+            </a:r>
+          </a:p>
+          <a:p>
+            <a:pPr/>
+            <a:r>
+              <a:t>Expérience sociale: profils, chat, badges, et défis locaux</a:t>
+            </a:r>
+          </a:p>
+        </p:txBody>
+      </p:sp>
+    </p:spTree>
+  </p:cSld>
+  <p:clrMapOvr>
+    <a:masterClrMapping/>
+  </p:clrMapOvr>
+</p:sld>
+</file>
+
+<file path=ppt/slides/slide26.xml><?xml version="1.0" encoding="utf-8"?>
+<p:sld xmlns:a="http://schemas.openxmlformats.org/drawingml/2006/main" xmlns:p="http://schemas.openxmlformats.org/presentationml/2006/main" xmlns:r="http://schemas.openxmlformats.org/officeDocument/2006/relationships">
+  <p:cSld>
+    <p:spTree>
+      <p:nvGrpSpPr>
+        <p:cNvPr id="1" name=""/>
+        <p:cNvGrpSpPr/>
+        <p:nvPr/>
+      </p:nvGrpSpPr>
+      <p:grpSpPr/>
+      <p:sp>
+        <p:nvSpPr>
+          <p:cNvPr id="2" name="Title 1"/>
+          <p:cNvSpPr>
+            <a:spLocks noGrp="1"/>
+          </p:cNvSpPr>
+          <p:nvPr>
+            <p:ph type="title"/>
+          </p:nvPr>
+        </p:nvSpPr>
+        <p:spPr/>
+        <p:txBody>
+          <a:bodyPr/>
+          <a:lstStyle/>
+          <a:p>
+            <a:r>
+              <a:t>Pourquoi les utilisateurs vont basculer</a:t>
+            </a:r>
+          </a:p>
+        </p:txBody>
+      </p:sp>
+      <p:sp>
+        <p:nvSpPr>
+          <p:cNvPr id="3" name="Content Placeholder 2"/>
+          <p:cNvSpPr>
+            <a:spLocks noGrp="1"/>
+          </p:cNvSpPr>
+          <p:nvPr>
+            <p:ph idx="1"/>
+          </p:nvPr>
+        </p:nvSpPr>
+        <p:spPr/>
+        <p:txBody>
+          <a:bodyPr/>
+          <a:lstStyle/>
+          <a:p/>
+          <a:p>
+            <a:pPr/>
+            <a:r>
+              <a:t>Concurrence immédiate et sociale, pas seulement des classements passifs</a:t>
+            </a:r>
+          </a:p>
+          <a:p>
+            <a:pPr/>
+            <a:r>
+              <a:t>Démarrage sans friction: duels instantanés avec coureurs proches</a:t>
+            </a:r>
+          </a:p>
+          <a:p>
+            <a:pPr/>
+            <a:r>
+              <a:t>Sentiment d'équité et progression mesurable (ELO)</a:t>
+            </a:r>
+          </a:p>
+        </p:txBody>
+      </p:sp>
+    </p:spTree>
+  </p:cSld>
+  <p:clrMapOvr>
+    <a:masterClrMapping/>
+  </p:clrMapOvr>
+</p:sld>
+</file>
+
+<file path=ppt/slides/slide27.xml><?xml version="1.0" encoding="utf-8"?>
+<p:sld xmlns:a="http://schemas.openxmlformats.org/drawingml/2006/main" xmlns:p="http://schemas.openxmlformats.org/presentationml/2006/main" xmlns:r="http://schemas.openxmlformats.org/officeDocument/2006/relationships">
+  <p:cSld>
+    <p:spTree>
+      <p:nvGrpSpPr>
+        <p:cNvPr id="1" name=""/>
+        <p:cNvGrpSpPr/>
+        <p:nvPr/>
+      </p:nvGrpSpPr>
+      <p:grpSpPr/>
+      <p:sp>
+        <p:nvSpPr>
+          <p:cNvPr id="2" name="Title 1"/>
+          <p:cNvSpPr>
+            <a:spLocks noGrp="1"/>
+          </p:cNvSpPr>
+          <p:nvPr>
+            <p:ph type="title"/>
+          </p:nvPr>
+        </p:nvSpPr>
+        <p:spPr/>
+        <p:txBody>
+          <a:bodyPr/>
+          <a:lstStyle/>
+          <a:p>
+            <a:r>
+              <a:t>Stratégies d'acquisition</a:t>
+            </a:r>
+          </a:p>
+        </p:txBody>
+      </p:sp>
+      <p:sp>
+        <p:nvSpPr>
+          <p:cNvPr id="3" name="Content Placeholder 2"/>
+          <p:cNvSpPr>
+            <a:spLocks noGrp="1"/>
+          </p:cNvSpPr>
+          <p:nvPr>
+            <p:ph idx="1"/>
+          </p:nvPr>
+        </p:nvSpPr>
+        <p:spPr/>
+        <p:txBody>
+          <a:bodyPr/>
+          <a:lstStyle/>
+          <a:p/>
+          <a:p>
+            <a:pPr>
+              <a:defRPr b="1"/>
+            </a:pPr>
+            <a:r>
+              <a:t>Reprendre des utilisateurs d'apps concurrentes:</a:t>
+            </a:r>
+          </a:p>
+          <a:p>
+            <a:pPr lvl="1"/>
+            <a:r>
+              <a:t>Partenariats locaux (clubs de running, parkrun) et événements "Duel GeoRace"</a:t>
+            </a:r>
+          </a:p>
+          <a:p>
+            <a:pPr lvl="1"/>
+            <a:r>
+              <a:t>Campagnes influenceurs: défis en direct et contenu partageable</a:t>
+            </a:r>
+          </a:p>
+          <a:p>
+            <a:pPr lvl="1"/>
+            <a:r>
+              <a:t>Offres de parrainage pour duels: crédits ou badges pour inviter</a:t>
+            </a:r>
+          </a:p>
+          <a:p>
+            <a:pPr lvl="1"/>
+            <a:r>
+              <a:t>Notifications géolocalisées: proposer un duel quand des coureurs compatibles sont proches</a:t>
+            </a:r>
+          </a:p>
+        </p:txBody>
+      </p:sp>
+    </p:spTree>
+  </p:cSld>
+  <p:clrMapOvr>
+    <a:masterClrMapping/>
+  </p:clrMapOvr>
+</p:sld>
+</file>
+
+<file path=ppt/slides/slide28.xml><?xml version="1.0" encoding="utf-8"?>
+<p:sld xmlns:a="http://schemas.openxmlformats.org/drawingml/2006/main" xmlns:p="http://schemas.openxmlformats.org/presentationml/2006/main" xmlns:r="http://schemas.openxmlformats.org/officeDocument/2006/relationships">
+  <p:cSld>
+    <p:spTree>
+      <p:nvGrpSpPr>
+        <p:cNvPr id="1" name=""/>
+        <p:cNvGrpSpPr/>
+        <p:nvPr/>
+      </p:nvGrpSpPr>
+      <p:grpSpPr/>
+      <p:sp>
+        <p:nvSpPr>
+          <p:cNvPr id="2" name="Title 1"/>
+          <p:cNvSpPr>
+            <a:spLocks noGrp="1"/>
+          </p:cNvSpPr>
+          <p:nvPr>
+            <p:ph type="title"/>
+          </p:nvPr>
+        </p:nvSpPr>
+        <p:spPr/>
+        <p:txBody>
+          <a:bodyPr/>
+          <a:lstStyle/>
+          <a:p>
+            <a:r>
+              <a:t>Convaincre les utilisateurs d'essayer GeoRace</a:t>
+            </a:r>
+          </a:p>
+        </p:txBody>
+      </p:sp>
+      <p:sp>
+        <p:nvSpPr>
+          <p:cNvPr id="3" name="Content Placeholder 2"/>
+          <p:cNvSpPr>
+            <a:spLocks noGrp="1"/>
+          </p:cNvSpPr>
+          <p:nvPr>
+            <p:ph idx="1"/>
+          </p:nvPr>
+        </p:nvSpPr>
+        <p:spPr/>
+        <p:txBody>
+          <a:bodyPr/>
+          <a:lstStyle/>
+          <a:p/>
+          <a:p>
+            <a:pPr>
+              <a:defRPr b="1" sz="1600"/>
+            </a:pPr>
+            <a:r>
+              <a:t>Message principal: "Transformez chaque course en compétition instantanée"</a:t>
+            </a:r>
+          </a:p>
+          <a:p>
+            <a:pPr lvl="1"/>
+            <a:r>
+              <a:t>Défiez des coureurs près de chez vous en temps réel</a:t>
+            </a:r>
+          </a:p>
+          <a:p>
+            <a:pPr lvl="1"/>
+            <a:r>
+              <a:t>Courses équitables avec arrivée équidistante garantie</a:t>
+            </a:r>
+          </a:p>
+          <a:p>
+            <a:pPr lvl="1"/>
+            <a:r>
+              <a:t>Progressez avec le système ELO et montez dans les classements</a:t>
+            </a:r>
+          </a:p>
+        </p:txBody>
+      </p:sp>
+    </p:spTree>
+  </p:cSld>
+  <p:clrMapOvr>
+    <a:masterClrMapping/>
+  </p:clrMapOvr>
+</p:sld>
+</file>
+
 <file path=ppt/slides/slide3.xml><?xml version="1.0" encoding="utf-8"?>
 <p:sld xmlns:a="http://schemas.openxmlformats.org/drawingml/2006/main" xmlns:r="http://schemas.openxmlformats.org/officeDocument/2006/relationships" xmlns:p="http://schemas.openxmlformats.org/presentationml/2006/main">
   <p:cSld>
@@ -7010,265 +7338,4 @@
   </a:objectDefaults>
   <a:extraClrSchemeLst/>
 </a:theme>
-</file>
-
-<file path=ppt/theme/theme2.xml><?xml version="1.0" encoding="utf-8"?>
-<a:theme xmlns:a="http://schemas.openxmlformats.org/drawingml/2006/main" name="Office Theme">
-  <a:themeElements>
-    <a:clrScheme name="Office">
-      <a:dk1>
-        <a:sysClr val="windowText" lastClr="000000"/>
-      </a:dk1>
-      <a:lt1>
-        <a:sysClr val="window" lastClr="FFFFFF"/>
-      </a:lt1>
-      <a:dk2>
-        <a:srgbClr val="44546A"/>
-      </a:dk2>
-      <a:lt2>
-        <a:srgbClr val="E7E6E6"/>
-      </a:lt2>
-      <a:accent1>
-        <a:srgbClr val="5B9BD5"/>
-      </a:accent1>
-      <a:accent2>
-        <a:srgbClr val="ED7D31"/>
-      </a:accent2>
-      <a:accent3>
-        <a:srgbClr val="A5A5A5"/>
-      </a:accent3>
-      <a:accent4>
-        <a:srgbClr val="FFC000"/>
-      </a:accent4>
-      <a:accent5>
-        <a:srgbClr val="4472C4"/>
-      </a:accent5>
-      <a:accent6>
-        <a:srgbClr val="70AD47"/>
-      </a:accent6>
-      <a:hlink>
-        <a:srgbClr val="0563C1"/>
-      </a:hlink>
-      <a:folHlink>
-        <a:srgbClr val="954F72"/>
-      </a:folHlink>
-    </a:clrScheme>
-    <a:fontScheme name="Office">
-      <a:majorFont>
-        <a:latin typeface="Calibri Light" panose="020F0302020204030204"/>
-        <a:ea typeface=""/>
-        <a:cs typeface=""/>
-        <a:font script="Jpan" typeface="ＭＳ Ｐゴシック"/>
-        <a:font script="Hang" typeface="맑은 고딕"/>
-        <a:font script="Hans" typeface="宋体"/>
-        <a:font script="Hant" typeface="新細明體"/>
-        <a:font script="Arab" typeface="Times New Roman"/>
-        <a:font script="Hebr" typeface="Times New Roman"/>
-        <a:font script="Thai" typeface="Angsana New"/>
-        <a:font script="Ethi" typeface="Nyala"/>
-        <a:font script="Beng" typeface="Vrinda"/>
-        <a:font script="Gujr" typeface="Shruti"/>
-        <a:font script="Khmr" typeface="MoolBoran"/>
-        <a:font script="Knda" typeface="Tunga"/>
-        <a:font script="Guru" typeface="Raavi"/>
-        <a:font script="Cans" typeface="Euphemia"/>
-        <a:font script="Cher" typeface="Plantagenet Cherokee"/>
-        <a:font script="Yiii" typeface="Microsoft Yi Baiti"/>
-        <a:font script="Tibt" typeface="Microsoft Himalaya"/>
-        <a:font script="Thaa" typeface="MV Boli"/>
-        <a:font script="Deva" typeface="Mangal"/>
-        <a:font script="Telu" typeface="Gautami"/>
-        <a:font script="Taml" typeface="Latha"/>
-        <a:font script="Syrc" typeface="Estrangelo Edessa"/>
-        <a:font script="Orya" typeface="Kalinga"/>
-        <a:font script="Mlym" typeface="Kartika"/>
-        <a:font script="Laoo" typeface="DokChampa"/>
-        <a:font script="Sinh" typeface="Iskoola Pota"/>
-        <a:font script="Mong" typeface="Mongolian Baiti"/>
-        <a:font script="Viet" typeface="Times New Roman"/>
-        <a:font script="Uigh" typeface="Microsoft Uighur"/>
-        <a:font script="Geor" typeface="Sylfaen"/>
-      </a:majorFont>
-      <a:minorFont>
-        <a:latin typeface="Calibri" panose="020F0502020204030204"/>
-        <a:ea typeface=""/>
-        <a:cs typeface=""/>
-        <a:font script="Jpan" typeface="ＭＳ Ｐゴシック"/>
-        <a:font script="Hang" typeface="맑은 고딕"/>
-        <a:font script="Hans" typeface="宋体"/>
-        <a:font script="Hant" typeface="新細明體"/>
-        <a:font script="Arab" typeface="Arial"/>
-        <a:font script="Hebr" typeface="Arial"/>
-        <a:font script="Thai" typeface="Cordia New"/>
-        <a:font script="Ethi" typeface="Nyala"/>
-        <a:font script="Beng" typeface="Vrinda"/>
-        <a:font script="Gujr" typeface="Shruti"/>
-        <a:font script="Khmr" typeface="DaunPenh"/>
-        <a:font script="Knda" typeface="Tunga"/>
-        <a:font script="Guru" typeface="Raavi"/>
-        <a:font script="Cans" typeface="Euphemia"/>
-        <a:font script="Cher" typeface="Plantagenet Cherokee"/>
-        <a:font script="Yiii" typeface="Microsoft Yi Baiti"/>
-        <a:font script="Tibt" typeface="Microsoft Himalaya"/>
-        <a:font script="Thaa" typeface="MV Boli"/>
-        <a:font script="Deva" typeface="Mangal"/>
-        <a:font script="Telu" typeface="Gautami"/>
-        <a:font script="Taml" typeface="Latha"/>
-        <a:font script="Syrc" typeface="Estrangelo Edessa"/>
-        <a:font script="Orya" typeface="Kalinga"/>
-        <a:font script="Mlym" typeface="Kartika"/>
-        <a:font script="Laoo" typeface="DokChampa"/>
-        <a:font script="Sinh" typeface="Iskoola Pota"/>
-        <a:font script="Mong" typeface="Mongolian Baiti"/>
-        <a:font script="Viet" typeface="Arial"/>
-        <a:font script="Uigh" typeface="Microsoft Uighur"/>
-        <a:font script="Geor" typeface="Sylfaen"/>
-      </a:minorFont>
-    </a:fontScheme>
-    <a:fmtScheme name="Office">
-      <a:fillStyleLst>
-        <a:solidFill>
-          <a:schemeClr val="phClr"/>
-        </a:solidFill>
-        <a:gradFill rotWithShape="1">
-          <a:gsLst>
-            <a:gs pos="0">
-              <a:schemeClr val="phClr">
-                <a:lumMod val="110000"/>
-                <a:satMod val="105000"/>
-                <a:tint val="67000"/>
-              </a:schemeClr>
-            </a:gs>
-            <a:gs pos="50000">
-              <a:schemeClr val="phClr">
-                <a:lumMod val="105000"/>
-                <a:satMod val="103000"/>
-                <a:tint val="73000"/>
-              </a:schemeClr>
-            </a:gs>
-            <a:gs pos="100000">
-              <a:schemeClr val="phClr">
-                <a:lumMod val="105000"/>
-                <a:satMod val="109000"/>
-                <a:tint val="81000"/>
-              </a:schemeClr>
-            </a:gs>
-          </a:gsLst>
-          <a:lin ang="5400000" scaled="0"/>
-        </a:gradFill>
-        <a:gradFill rotWithShape="1">
-          <a:gsLst>
-            <a:gs pos="0">
-              <a:schemeClr val="phClr">
-                <a:satMod val="103000"/>
-                <a:lumMod val="102000"/>
-                <a:tint val="94000"/>
-              </a:schemeClr>
-            </a:gs>
-            <a:gs pos="50000">
-              <a:schemeClr val="phClr">
-                <a:satMod val="110000"/>
-                <a:lumMod val="100000"/>
-                <a:shade val="100000"/>
-              </a:schemeClr>
-            </a:gs>
-            <a:gs pos="100000">
-              <a:schemeClr val="phClr">
-                <a:lumMod val="99000"/>
-                <a:satMod val="120000"/>
-                <a:shade val="78000"/>
-              </a:schemeClr>
-            </a:gs>
-          </a:gsLst>
-          <a:lin ang="5400000" scaled="0"/>
-        </a:gradFill>
-      </a:fillStyleLst>
-      <a:lnStyleLst>
-        <a:ln w="6350" cap="flat" cmpd="sng" algn="ctr">
-          <a:solidFill>
-            <a:schemeClr val="phClr"/>
-          </a:solidFill>
-          <a:prstDash val="solid"/>
-          <a:miter lim="800000"/>
-        </a:ln>
-        <a:ln w="12700" cap="flat" cmpd="sng" algn="ctr">
-          <a:solidFill>
-            <a:schemeClr val="phClr"/>
-          </a:solidFill>
-          <a:prstDash val="solid"/>
-          <a:miter lim="800000"/>
-        </a:ln>
-        <a:ln w="19050" cap="flat" cmpd="sng" algn="ctr">
-          <a:solidFill>
-            <a:schemeClr val="phClr"/>
-          </a:solidFill>
-          <a:prstDash val="solid"/>
-          <a:miter lim="800000"/>
-        </a:ln>
-      </a:lnStyleLst>
-      <a:effectStyleLst>
-        <a:effectStyle>
-          <a:effectLst/>
-        </a:effectStyle>
-        <a:effectStyle>
-          <a:effectLst/>
-        </a:effectStyle>
-        <a:effectStyle>
-          <a:effectLst>
-            <a:outerShdw blurRad="57150" dist="19050" dir="5400000" algn="ctr" rotWithShape="0">
-              <a:srgbClr val="000000">
-                <a:alpha val="63000"/>
-              </a:srgbClr>
-            </a:outerShdw>
-          </a:effectLst>
-        </a:effectStyle>
-      </a:effectStyleLst>
-      <a:bgFillStyleLst>
-        <a:solidFill>
-          <a:schemeClr val="phClr"/>
-        </a:solidFill>
-        <a:solidFill>
-          <a:schemeClr val="phClr">
-            <a:tint val="95000"/>
-            <a:satMod val="170000"/>
-          </a:schemeClr>
-        </a:solidFill>
-        <a:gradFill rotWithShape="1">
-          <a:gsLst>
-            <a:gs pos="0">
-              <a:schemeClr val="phClr">
-                <a:tint val="93000"/>
-                <a:satMod val="150000"/>
-                <a:shade val="98000"/>
-                <a:lumMod val="102000"/>
-              </a:schemeClr>
-            </a:gs>
-            <a:gs pos="50000">
-              <a:schemeClr val="phClr">
-                <a:tint val="98000"/>
-                <a:satMod val="130000"/>
-                <a:shade val="90000"/>
-                <a:lumMod val="103000"/>
-              </a:schemeClr>
-            </a:gs>
-            <a:gs pos="100000">
-              <a:schemeClr val="phClr">
-                <a:shade val="63000"/>
-                <a:satMod val="120000"/>
-              </a:schemeClr>
-            </a:gs>
-          </a:gsLst>
-          <a:lin ang="5400000" scaled="0"/>
-        </a:gradFill>
-      </a:bgFillStyleLst>
-    </a:fmtScheme>
-  </a:themeElements>
-  <a:objectDefaults/>
-  <a:extraClrSchemeLst/>
-  <a:extLst>
-    <a:ext uri="{05A4C25C-085E-4340-85A3-A5531E510DB2}">
-      <thm15:themeFamily xmlns:thm15="http://schemas.microsoft.com/office/thememl/2012/main" name="Office Theme" id="{62F939B6-93AF-4DB8-9C6B-D6C7DFDC589F}" vid="{4A3C46E8-61CC-4603-A589-7422A47A8E4A}"/>
-    </a:ext>
-  </a:extLst>
-</a:theme>
 </file>
--- a/GeoRace_presentation.pptx
+++ b/GeoRace_presentation.pptx
@@ -22,6 +22,10 @@
     <p:sldId id="270" r:id="rId16"/>
     <p:sldId id="271" r:id="rId17"/>
     <p:sldId id="272" r:id="rId18"/>
+    <p:sldId id="273" r:id="rId19"/>
+    <p:sldId id="274" r:id="rId20"/>
+    <p:sldId id="275" r:id="rId21"/>
+    <p:sldId id="276" r:id="rId22"/>
   </p:sldIdLst>
   <p:sldSz cx="9144000" cy="5143500" type="screen16x9"/>
   <p:notesSz cx="6858000" cy="9144000"/>
@@ -3210,7 +3214,7 @@
             </a:pPr>
             <a:r>
               <a:rPr/>
-              <a:t>🟦 Slide 9 – Fonctionnalités clés</a:t>
+              <a:t>🟦 Slide 9 - Ce que Strava ne peut PAS copier</a:t>
             </a:r>
           </a:p>
         </p:txBody>
@@ -3235,62 +3239,60 @@
             </a:pPr>
             <a:r>
               <a:rPr b="1"/>
-              <a:t>Technologie au service de la performance</a:t>
-            </a:r>
-          </a:p>
-          <a:p>
-            <a:pPr lvl="0"/>
-            <a:r>
-              <a:rPr b="1"/>
-              <a:t>GPS haute précision</a:t>
-            </a:r>
-            <a:r>
-              <a:rPr/>
-              <a:t> : tracking en temps réel pendant les duels</a:t>
-            </a:r>
-          </a:p>
-          <a:p>
-            <a:pPr lvl="0"/>
-            <a:r>
-              <a:rPr b="1"/>
-              <a:t>Algorithme intelligent</a:t>
-            </a:r>
-            <a:r>
-              <a:rPr/>
-              <a:t> : calcul de points équidistants accessibles</a:t>
-            </a:r>
-          </a:p>
-          <a:p>
-            <a:pPr lvl="0"/>
-            <a:r>
-              <a:rPr b="1"/>
-              <a:t>Sécurité</a:t>
-            </a:r>
-            <a:r>
-              <a:rPr/>
-              <a:t> : position visible uniquement en duel actif</a:t>
-            </a:r>
-          </a:p>
-          <a:p>
-            <a:pPr lvl="0"/>
-            <a:r>
-              <a:rPr b="1"/>
-              <a:t>Anti-triche</a:t>
-            </a:r>
-            <a:r>
-              <a:rPr/>
-              <a:t> : détection de vitesse anormale et validation communautaire</a:t>
-            </a:r>
-          </a:p>
-          <a:p>
-            <a:pPr lvl="0"/>
-            <a:r>
-              <a:rPr b="1"/>
-              <a:t>Optimisation batterie</a:t>
-            </a:r>
-            <a:r>
-              <a:rPr/>
-              <a:t> : mode économie d’énergie</a:t>
+              <a:t>Nos barrières à l’entrée</a:t>
+            </a:r>
+          </a:p>
+          <a:p>
+            <a:pPr lvl="0" indent="0" marL="0">
+              <a:buNone/>
+            </a:pPr>
+            <a:r>
+              <a:rPr b="1"/>
+              <a:t>1. ALGORITHME DE POINT ÉQUIDISTANT</a:t>
+            </a:r>
+            <a:r>
+              <a:rPr/>
+              <a:t> - Complexité technique : calcul géospatial en temps réel - Brevet déposable : méthode unique de matching géographique équitable</a:t>
+            </a:r>
+          </a:p>
+          <a:p>
+            <a:pPr lvl="0" indent="0" marL="0">
+              <a:buNone/>
+            </a:pPr>
+            <a:r>
+              <a:rPr b="1"/>
+              <a:t>2. INFRASTRUCTURE TEMPS RÉEL</a:t>
+            </a:r>
+            <a:r>
+              <a:rPr/>
+              <a:t> - WebSocket à faible latence pour positions live - Serveurs optimisés pour synchronisation GPS (&lt;500ms)</a:t>
+            </a:r>
+          </a:p>
+          <a:p>
+            <a:pPr lvl="0" indent="0" marL="0">
+              <a:buNone/>
+            </a:pPr>
+            <a:r>
+              <a:rPr b="1"/>
+              <a:t>3. COMMUNAUTÉ DE COMPÉTITEURS</a:t>
+            </a:r>
+            <a:r>
+              <a:rPr/>
+              <a:t> - Effet réseau : plus il y a de coureurs, plus de duels disponibles - Base ELO : impossible à transférer vers un concurrent</a:t>
+            </a:r>
+          </a:p>
+          <a:p>
+            <a:pPr lvl="0" indent="0" marL="0">
+              <a:buNone/>
+            </a:pPr>
+            <a:r>
+              <a:rPr b="1"/>
+              <a:t>Strava excelle dans le tracking passif.</a:t>
+            </a:r>
+            <a:br/>
+            <a:r>
+              <a:rPr b="1"/>
+              <a:t>Nous excellons dans la compétition active.</a:t>
             </a:r>
           </a:p>
         </p:txBody>
@@ -3337,7 +3339,7 @@
             </a:pPr>
             <a:r>
               <a:rPr/>
-              <a:t>🟦 Slide 10 – Cible</a:t>
+              <a:t>🟦 Slide 10 - Stratégie d’acquisition : Convertir les utilisateurs actifs sur d’autres apps</a:t>
             </a:r>
           </a:p>
         </p:txBody>
@@ -3362,67 +3364,111 @@
             </a:pPr>
             <a:r>
               <a:rPr b="1"/>
-              <a:t>Qui utilise GeoRace ?</a:t>
-            </a:r>
-          </a:p>
-          <a:p>
-            <a:pPr lvl="0"/>
-            <a:r>
-              <a:rPr/>
-              <a:t>🏃‍♂️ </a:t>
-            </a:r>
-            <a:r>
-              <a:rPr b="1"/>
-              <a:t>Coureurs réguliers</a:t>
-            </a:r>
-            <a:r>
-              <a:rPr/>
-              <a:t> : cherchent à améliorer leurs performances</a:t>
-            </a:r>
-          </a:p>
-          <a:p>
-            <a:pPr lvl="0"/>
-            <a:r>
-              <a:rPr/>
-              <a:t>👟 </a:t>
-            </a:r>
-            <a:r>
-              <a:rPr b="1"/>
-              <a:t>Coureurs occasionnels</a:t>
-            </a:r>
-            <a:r>
-              <a:rPr/>
-              <a:t> : ont besoin de motivation pour rester réguliers</a:t>
-            </a:r>
-          </a:p>
-          <a:p>
-            <a:pPr lvl="0"/>
-            <a:r>
-              <a:rPr/>
-              <a:t>🏅 </a:t>
-            </a:r>
-            <a:r>
-              <a:rPr b="1"/>
-              <a:t>Coureurs compétitifs</a:t>
-            </a:r>
-            <a:r>
-              <a:rPr/>
-              <a:t> : veulent tester leur niveau entre les courses officielles</a:t>
-            </a:r>
-          </a:p>
-          <a:p>
-            <a:pPr lvl="0"/>
-            <a:r>
-              <a:rPr/>
-              <a:t>👥 </a:t>
-            </a:r>
-            <a:r>
-              <a:rPr b="1"/>
-              <a:t>Nouveaux coureurs</a:t>
-            </a:r>
-            <a:r>
-              <a:rPr/>
-              <a:t> : cherchent une communauté motivante</a:t>
+              <a:t>TACTIQUES CONCRÈTES POUR ATTIRER LES UTILISATEURS DE STRAVA/NIKE RUN CLUB</a:t>
+            </a:r>
+          </a:p>
+          <a:p>
+            <a:pPr lvl="0" indent="0" marL="0">
+              <a:buNone/>
+            </a:pPr>
+            <a:r>
+              <a:rPr b="1"/>
+              <a:t>1️⃣ CAMPAGNES DE MIGRATION PAR DUEL CHALLENGES LOCAUX</a:t>
+            </a:r>
+            <a:r>
+              <a:rPr/>
+              <a:t> - Événements “Duel Challenge” dans les parcs populaires (Bois de Boulogne, Parc de la Tête d’Or) - Invitations ciblées aux membres de clubs de running via partenariats - Premier duel gratuit et récompensé : bonus +100 ELO de démarrage</a:t>
+            </a:r>
+          </a:p>
+          <a:p>
+            <a:pPr lvl="0" indent="0" marL="0">
+              <a:buNone/>
+            </a:pPr>
+            <a:r>
+              <a:rPr b="1"/>
+              <a:t>2️⃣ INVITATIONS POUSSÉES PAR NOTIFICATIONS/IN-APP</a:t>
+            </a:r>
+            <a:r>
+              <a:rPr/>
+              <a:t> - Feature “Défier un ami Strava” : invitation directe depuis GeoRace - Notifications push personnalisées : “3 coureurs Strava près de chez vous attendent un duel” - Bonus de parrainage : invitez 3 amis → accès Premium gratuit 1 mois</a:t>
+            </a:r>
+          </a:p>
+          <a:p>
+            <a:pPr lvl="0" indent="0" marL="0">
+              <a:buNone/>
+            </a:pPr>
+            <a:r>
+              <a:rPr b="1"/>
+              <a:t>3️⃣ CAMPAGNE D’INFLUENCE (GROUP RUNS)</a:t>
+            </a:r>
+            <a:r>
+              <a:rPr/>
+              <a:t> - Partenariats avec influenceurs running (YouTube, Instagram, TikTok) - Organisation de “GeoRace Group Runs” avec streamers locaux - Challenges viraux : “Défiez votre running crew et filmez le résultat”</a:t>
+            </a:r>
+          </a:p>
+          <a:p>
+            <a:pPr lvl="0" indent="0" marL="0">
+              <a:buNone/>
+            </a:pPr>
+            <a:r>
+              <a:rPr b="1"/>
+              <a:t>4️⃣ PARTENARIATS LOCAUX (CLUBS, MAGASINS RUNNING)</a:t>
+            </a:r>
+            <a:r>
+              <a:rPr/>
+              <a:t> - Accords avec magasins spécialisés (Décathlon, Running Conseil) - Sponsoring de clubs de running : essai gratuit Premium pour tous les membres - Bornes QR Code dans les lieux de passage des coureurs</a:t>
+            </a:r>
+          </a:p>
+          <a:p>
+            <a:pPr lvl="0" indent="0" marL="0">
+              <a:buNone/>
+            </a:pPr>
+            <a:r>
+              <a:rPr b="1"/>
+              <a:t>5️⃣ FONCTIONNALITÉS D’ONBOARDING SOCIAL</a:t>
+            </a:r>
+            <a:r>
+              <a:rPr/>
+              <a:t> - Import facile des résultats Strava/Nike Run Club (API) - Transfert de vos records personnels pour comparaison - “Retrouvez vos amis Strava déjà sur GeoRace” (graph social)</a:t>
+            </a:r>
+          </a:p>
+          <a:p>
+            <a:pPr lvl="0" indent="0" marL="0">
+              <a:buNone/>
+            </a:pPr>
+            <a:r>
+              <a:rPr b="1"/>
+              <a:t>6️⃣ OFFRES DE PARRAINAGE ET RÉCOMPENSES</a:t>
+            </a:r>
+            <a:r>
+              <a:rPr/>
+              <a:t> - Programme ambassadeur : gagnez du Premium en recrutant - Challenges mensuels : “Amenez le plus de nouveaux coureurs = prix Nike” - Badges exclusifs pour les early adopters</a:t>
+            </a:r>
+          </a:p>
+          <a:p>
+            <a:pPr lvl="0" indent="0" marL="0">
+              <a:buNone/>
+            </a:pPr>
+            <a:r>
+              <a:rPr b="1"/>
+              <a:t>7️⃣ VISIBILITÉ SUR STORES ET ASO (APP STORE OPTIMIZATION)</a:t>
+            </a:r>
+            <a:r>
+              <a:rPr/>
+              <a:t> - Mots-clés ciblés : “duel running”, “compétition course”, “course en temps réel” - Screenshots montrant la différence avec Strava - Témoignages : “J’ai quitté Strava pour GeoRace et je ne regrette rien”</a:t>
+            </a:r>
+          </a:p>
+          <a:p>
+            <a:pPr lvl="0" indent="0" marL="0">
+              <a:buNone/>
+            </a:pPr>
+            <a:r>
+              <a:rPr b="1"/>
+              <a:t>OBJECTIF 6 MOIS :</a:t>
+            </a:r>
+            <a:r>
+              <a:rPr/>
+              <a:t> 10 000 utilisateurs actifs, 60% provenant de Strava/Nike Run Club</a:t>
             </a:r>
           </a:p>
         </p:txBody>
@@ -3469,7 +3515,7 @@
             </a:pPr>
             <a:r>
               <a:rPr/>
-              <a:t>🟦 Slide 11 – Différenciation</a:t>
+              <a:t>🟦 Slide 11 - Le système ELO : matchmaking intelligent</a:t>
             </a:r>
           </a:p>
         </p:txBody>
@@ -3494,67 +3540,68 @@
             </a:pPr>
             <a:r>
               <a:rPr b="1"/>
-              <a:t>Ce que les autres apps ne font pas :</a:t>
-            </a:r>
-          </a:p>
-          <a:p>
-            <a:pPr lvl="0"/>
-            <a:r>
-              <a:rPr b="1"/>
-              <a:t>Strava</a:t>
-            </a:r>
-            <a:r>
-              <a:rPr/>
-              <a:t> → réseau social, pas de compétition temps réel</a:t>
-            </a:r>
-          </a:p>
-          <a:p>
-            <a:pPr lvl="0"/>
-            <a:r>
-              <a:rPr b="1"/>
-              <a:t>Nike Run Club</a:t>
-            </a:r>
-            <a:r>
-              <a:rPr/>
-              <a:t> → tracking + défis asynchrones</a:t>
-            </a:r>
-          </a:p>
-          <a:p>
-            <a:pPr lvl="0"/>
-            <a:r>
-              <a:rPr b="1"/>
-              <a:t>Runkeeper</a:t>
-            </a:r>
-            <a:r>
-              <a:rPr/>
-              <a:t> → GPS basique sans interaction</a:t>
-            </a:r>
-          </a:p>
-          <a:p>
-            <a:pPr lvl="0" indent="0" marL="0">
-              <a:buNone/>
-            </a:pPr>
-            <a:r>
-              <a:rPr b="1"/>
-              <a:t>GeoRace combine :</a:t>
-            </a:r>
-          </a:p>
-          <a:p>
-            <a:pPr lvl="0" indent="0" marL="1270000">
-              <a:buNone/>
-            </a:pPr>
-            <a:r>
-              <a:rPr sz="2000"/>
-              <a:t>Duels spontanés en temps réel + Point d’arrivée équitable + Matchmaking ELO</a:t>
-            </a:r>
-          </a:p>
-          <a:p>
-            <a:pPr lvl="0" indent="0" marL="0">
-              <a:buNone/>
-            </a:pPr>
-            <a:r>
-              <a:rPr b="1"/>
-              <a:t>= Concept unique sur le marché</a:t>
+              <a:t>Pourquoi le duel reste motivant même après 100 courses</a:t>
+            </a:r>
+          </a:p>
+          <a:p>
+            <a:pPr lvl="0" indent="0" marL="0">
+              <a:buNone/>
+            </a:pPr>
+            <a:r>
+              <a:rPr b="1"/>
+              <a:t>Problème :</a:t>
+            </a:r>
+            <a:r>
+              <a:rPr/>
+              <a:t> Si on oppose débutants vs experts → frustration des deux côtés</a:t>
+            </a:r>
+          </a:p>
+          <a:p>
+            <a:pPr lvl="0" indent="0" marL="0">
+              <a:buNone/>
+            </a:pPr>
+            <a:r>
+              <a:rPr b="1"/>
+              <a:t>Solution ELO :</a:t>
+            </a:r>
+            <a:r>
+              <a:rPr/>
+              <a:t> - Chaque victoire/défaite ajuste votre score - Algorithme vous oppose à des coureurs de ±100 ELO - Progression visible : Bronze (0-1000) → Platine (2000+)</a:t>
+            </a:r>
+          </a:p>
+          <a:p>
+            <a:pPr lvl="0" indent="0" marL="0">
+              <a:buNone/>
+            </a:pPr>
+            <a:r>
+              <a:rPr b="1"/>
+              <a:t>Exemple concret :</a:t>
+            </a:r>
+            <a:r>
+              <a:rPr/>
+              <a:t> - Emma (ELO 1420) bat Lucas (ELO 1450) → +28 points (victoire difficile) - Emma bat Sophie (ELO 1200) → +8 points (victoire facile)</a:t>
+            </a:r>
+          </a:p>
+          <a:p>
+            <a:pPr lvl="0" indent="0" marL="0">
+              <a:buNone/>
+            </a:pPr>
+            <a:r>
+              <a:rPr b="1"/>
+              <a:t>Résultat :</a:t>
+            </a:r>
+            <a:r>
+              <a:rPr/>
+              <a:t> Chaque duel est challengeant mais faisable → motivation maximale</a:t>
+            </a:r>
+          </a:p>
+          <a:p>
+            <a:pPr lvl="0" indent="0" marL="0">
+              <a:buNone/>
+            </a:pPr>
+            <a:r>
+              <a:rPr b="1"/>
+              <a:t>Strava ne propose rien de tel.</a:t>
             </a:r>
           </a:p>
         </p:txBody>
@@ -3601,7 +3648,7 @@
             </a:pPr>
             <a:r>
               <a:rPr/>
-              <a:t>🟦 Slide 12 – Modèle économique</a:t>
+              <a:t>🟦 Slide 12 - Aspect social : plus fort que Nike Run Club</a:t>
             </a:r>
           </a:p>
         </p:txBody>
@@ -3626,46 +3673,69 @@
             </a:pPr>
             <a:r>
               <a:rPr b="1"/>
-              <a:t>Freemium avec valeur ajoutée</a:t>
-            </a:r>
-          </a:p>
-          <a:p>
-            <a:pPr lvl="0" indent="0" marL="0">
-              <a:buNone/>
-            </a:pPr>
-            <a:r>
-              <a:rPr b="1"/>
-              <a:t>Gratuit :</a:t>
-            </a:r>
-            <a:r>
-              <a:rPr/>
-              <a:t> * 3 duels par jour * Classement ELO * Statistiques de base * Événements communautaires</a:t>
-            </a:r>
-          </a:p>
-          <a:p>
-            <a:pPr lvl="0" indent="0" marL="0">
-              <a:buNone/>
-            </a:pPr>
-            <a:r>
-              <a:rPr b="1"/>
-              <a:t>Premium (4,99€/mois) :</a:t>
-            </a:r>
-            <a:r>
-              <a:rPr/>
-              <a:t> * Duels illimités * Statistiques avancées * Personnalisation profil * Mode entraînement contre vos records * Pas de publicités</a:t>
-            </a:r>
-          </a:p>
-          <a:p>
-            <a:pPr lvl="0" indent="0" marL="0">
-              <a:buNone/>
-            </a:pPr>
-            <a:r>
-              <a:rPr b="1"/>
-              <a:t>Revenus additionnels :</a:t>
-            </a:r>
-            <a:r>
-              <a:rPr/>
-              <a:t> * Partenariats marques (Nike, Adidas) * Événements premium avec prix</a:t>
+              <a:t>Créer une vraie communauté de compétiteurs</a:t>
+            </a:r>
+          </a:p>
+          <a:p>
+            <a:pPr lvl="0" indent="0" marL="0">
+              <a:buNone/>
+            </a:pPr>
+            <a:r>
+              <a:rPr b="1"/>
+              <a:t>FONCTIONNALITÉS SOCIALES :</a:t>
+            </a:r>
+          </a:p>
+          <a:p>
+            <a:pPr lvl="0" indent="0" marL="0">
+              <a:buNone/>
+            </a:pPr>
+            <a:r>
+              <a:rPr b="1"/>
+              <a:t>01 - PROFILS DE COMPÉTITEURS</a:t>
+            </a:r>
+            <a:r>
+              <a:rPr/>
+              <a:t> - Statistiques détaillées : ratio victoires/défaites, progression ELO, parcours favoris - Historique des duels : “Vous avez battu Paul 3 fois, il vous a battu 2 fois”</a:t>
+            </a:r>
+          </a:p>
+          <a:p>
+            <a:pPr lvl="0" indent="0" marL="0">
+              <a:buNone/>
+            </a:pPr>
+            <a:r>
+              <a:rPr b="1"/>
+              <a:t>02 - LIGUES LOCALES</a:t>
+            </a:r>
+            <a:r>
+              <a:rPr/>
+              <a:t> - Classement par ville/quartier : “Top 10 de Paris 15e” - Tournois hebdomadaires : “Gagnez 3 duels ce week-end pour le badge”</a:t>
+            </a:r>
+          </a:p>
+          <a:p>
+            <a:pPr lvl="0" indent="0" marL="0">
+              <a:buNone/>
+            </a:pPr>
+            <a:r>
+              <a:rPr b="1"/>
+              <a:t>03 - DÉFIS ENTRE AMIS</a:t>
+            </a:r>
+            <a:r>
+              <a:rPr/>
+              <a:t> - “Emma défie Paul : course de 2km, RDV Parc Montsouris dans 20min” - Smack talk via chat intégré avant/après la course</a:t>
+            </a:r>
+          </a:p>
+          <a:p>
+            <a:pPr lvl="0" indent="0" marL="0">
+              <a:buNone/>
+            </a:pPr>
+            <a:r>
+              <a:rPr b="1"/>
+              <a:t>Nike Run Club = réseau passif</a:t>
+            </a:r>
+            <a:br/>
+            <a:r>
+              <a:rPr b="1"/>
+              <a:t>GeoRace = compétition active</a:t>
             </a:r>
           </a:p>
         </p:txBody>
@@ -3712,7 +3782,7 @@
             </a:pPr>
             <a:r>
               <a:rPr/>
-              <a:t>🟦 Slide 13 – Roadmap</a:t>
+              <a:t>🟦 Slide 13 - Sécurité et anti-triche</a:t>
             </a:r>
           </a:p>
         </p:txBody>
@@ -3737,58 +3807,46 @@
             </a:pPr>
             <a:r>
               <a:rPr b="1"/>
-              <a:t>Déploiement progressif</a:t>
-            </a:r>
-          </a:p>
-          <a:p>
-            <a:pPr lvl="0" indent="0" marL="0">
-              <a:buNone/>
-            </a:pPr>
-            <a:r>
-              <a:rPr b="1"/>
-              <a:t>Phase 1 (6 mois) - MVP</a:t>
-            </a:r>
-            <a:r>
-              <a:rPr/>
-              <a:t> * Duels 1v1 en temps réel * Système ELO * Test dans 2-3 villes pilotes * </a:t>
-            </a:r>
-            <a:r>
-              <a:rPr b="1"/>
-              <a:t>Objectif : 500 utilisateurs actifs</a:t>
-            </a:r>
-          </a:p>
-          <a:p>
-            <a:pPr lvl="0" indent="0" marL="0">
-              <a:buNone/>
-            </a:pPr>
-            <a:r>
-              <a:rPr b="1"/>
-              <a:t>Phase 2 (12 mois) - Gamification</a:t>
-            </a:r>
-            <a:r>
-              <a:rPr/>
-              <a:t> * Badges, statistiques, profils * Événements communautaires * </a:t>
-            </a:r>
-            <a:r>
-              <a:rPr b="1"/>
-              <a:t>Objectif : 5 000 utilisateurs</a:t>
-            </a:r>
-          </a:p>
-          <a:p>
-            <a:pPr lvl="0" indent="0" marL="0">
-              <a:buNone/>
-            </a:pPr>
-            <a:r>
-              <a:rPr b="1"/>
-              <a:t>Phase 3 (24 mois) - Scale</a:t>
-            </a:r>
-            <a:r>
-              <a:rPr/>
-              <a:t> * Version Premium * Duels multi-joueurs * Expansion nationale * </a:t>
-            </a:r>
-            <a:r>
-              <a:rPr b="1"/>
-              <a:t>Objectif : 50 000 utilisateurs</a:t>
+              <a:t>Réponses aux objections principales</a:t>
+            </a:r>
+          </a:p>
+          <a:p>
+            <a:pPr lvl="0" indent="0" marL="0">
+              <a:buNone/>
+            </a:pPr>
+            <a:r>
+              <a:rPr b="1"/>
+              <a:t>OBJECTION 1 : “On peut tricher en vélo/voiture”</a:t>
+            </a:r>
+            <a:r>
+              <a:rPr/>
+              <a:t> ✅ Détection de vitesse anormale (&gt;18 km/h sur longue durée) ✅ Analyse des patterns GPS (accélération impossible) ✅ Signalement communautaire + vérification manuelle ✅ Bannissement permanent des tricheurs</a:t>
+            </a:r>
+          </a:p>
+          <a:p>
+            <a:pPr lvl="0" indent="0" marL="0">
+              <a:buNone/>
+            </a:pPr>
+            <a:r>
+              <a:rPr b="1"/>
+              <a:t>OBJECTION 2 : “Risque de stalking via GPS”</a:t>
+            </a:r>
+            <a:r>
+              <a:rPr/>
+              <a:t> ✅ Position visible UNIQUEMENT pendant les duels actifs ✅ Mode anonyme : pseudonyme, pas de vraie identité ✅ Blocage d’utilisateurs ✅ Zone de confort : accepter duels uniquement dans un périmètre défini</a:t>
+            </a:r>
+          </a:p>
+          <a:p>
+            <a:pPr lvl="0" indent="0" marL="0">
+              <a:buNone/>
+            </a:pPr>
+            <a:r>
+              <a:rPr b="1"/>
+              <a:t>OBJECTION 3 : “Sur-effort dangereux”</a:t>
+            </a:r>
+            <a:r>
+              <a:rPr/>
+              <a:t> ✅ Alertes de sécurité si rythme cardiaque trop élevé (intégration montres) ✅ Mode “course prudente” qui limite la vitesse</a:t>
             </a:r>
           </a:p>
         </p:txBody>
@@ -3835,7 +3893,7 @@
             </a:pPr>
             <a:r>
               <a:rPr/>
-              <a:t>🟦 Slide 14 – Défis &amp; Solutions</a:t>
+              <a:t>🟦 Slide 14 - Modèle économique : freemium optimisé</a:t>
             </a:r>
           </a:p>
         </p:txBody>
@@ -3860,59 +3918,67 @@
             </a:pPr>
             <a:r>
               <a:rPr b="1"/>
-              <a:t>Anticiper les obstacles</a:t>
-            </a:r>
-          </a:p>
-          <a:p>
-            <a:pPr lvl="0" indent="0" marL="0">
-              <a:buNone/>
-            </a:pPr>
-            <a:r>
-              <a:rPr b="1"/>
-              <a:t>Défi : Sécurité des coureurs</a:t>
-            </a:r>
-            <a:r>
-              <a:rPr/>
-              <a:t> → Alertes de sécurité, mode “course prudente”</a:t>
-            </a:r>
-          </a:p>
-          <a:p>
-            <a:pPr lvl="0" indent="0" marL="0">
-              <a:buNone/>
-            </a:pPr>
-            <a:r>
-              <a:rPr b="1"/>
-              <a:t>Défi : Zones rurales (peu d’utilisateurs)</a:t>
-            </a:r>
-            <a:r>
-              <a:rPr/>
-              <a:t> → Mode asynchrone contre “ghost runners”</a:t>
-            </a:r>
-          </a:p>
-          <a:p>
-            <a:pPr lvl="0" indent="0" marL="0">
-              <a:buNone/>
-            </a:pPr>
-            <a:r>
-              <a:rPr b="1"/>
-              <a:t>Défi : Triche (vélo, voiture)</a:t>
-            </a:r>
-            <a:r>
-              <a:rPr/>
-              <a:t> → Détection vitesse anormale + validation communautaire</a:t>
-            </a:r>
-          </a:p>
-          <a:p>
-            <a:pPr lvl="0" indent="0" marL="0">
-              <a:buNone/>
-            </a:pPr>
-            <a:r>
-              <a:rPr b="1"/>
-              <a:t>Défi : Vie privée</a:t>
-            </a:r>
-            <a:r>
-              <a:rPr/>
-              <a:t> → Position visible uniquement en duel, blocage d’utilisateurs</a:t>
+              <a:t>Convertir la motivation en revenus</a:t>
+            </a:r>
+          </a:p>
+          <a:p>
+            <a:pPr lvl="0" indent="0" marL="0">
+              <a:buNone/>
+            </a:pPr>
+            <a:r>
+              <a:rPr b="1"/>
+              <a:t>GRATUIT (acquisition) :</a:t>
+            </a:r>
+            <a:r>
+              <a:rPr/>
+              <a:t> - 3 duels/jour - ELO et classements - Statistiques de base - Événements communautaires</a:t>
+            </a:r>
+          </a:p>
+          <a:p>
+            <a:pPr lvl="0" indent="0" marL="0">
+              <a:buNone/>
+            </a:pPr>
+            <a:r>
+              <a:rPr b="1"/>
+              <a:t>PREMIUM 4,99€/mois (conversion 10-15%) :</a:t>
+            </a:r>
+            <a:r>
+              <a:rPr/>
+              <a:t> - </a:t>
+            </a:r>
+            <a:r>
+              <a:rPr b="1"/>
+              <a:t>Duels illimités</a:t>
+            </a:r>
+            <a:r>
+              <a:rPr/>
+              <a:t> ← valeur principale - Statistiques avancées (zones de vitesse, analyse progression ELO) - Mode entraînement vs vos records passés - Personnalisation (avatars, badges exclusifs) - 0 publicité</a:t>
+            </a:r>
+          </a:p>
+          <a:p>
+            <a:pPr lvl="0" indent="0" marL="0">
+              <a:buNone/>
+            </a:pPr>
+            <a:r>
+              <a:rPr b="1"/>
+              <a:t>REVENUS ADDITIONNELS :</a:t>
+            </a:r>
+            <a:r>
+              <a:rPr/>
+              <a:t> - Partenariats Nike/Adidas (sponsoring tournois) - Événements premium 5-10€ (courses organisées avec prix)</a:t>
+            </a:r>
+          </a:p>
+          <a:p>
+            <a:pPr lvl="0" indent="0" marL="0">
+              <a:buNone/>
+            </a:pPr>
+            <a:r>
+              <a:rPr b="1"/>
+              <a:t>LTV estimée :</a:t>
+            </a:r>
+            <a:r>
+              <a:rPr/>
+              <a:t> 60€/utilisateur sur 12 mois (vs 12€ pour Strava)</a:t>
             </a:r>
           </a:p>
         </p:txBody>
@@ -3959,7 +4025,7 @@
             </a:pPr>
             <a:r>
               <a:rPr/>
-              <a:t>🟦 Slide 15 – Vision</a:t>
+              <a:t>🟦 Slide 15 - Métriques de succès (objectifs 6 mois)</a:t>
             </a:r>
           </a:p>
         </p:txBody>
@@ -3979,33 +4045,51 @@
           <a:bodyPr/>
           <a:lstStyle/>
           <a:p>
-            <a:pPr lvl="0" indent="0" marL="1270000">
-              <a:buNone/>
-            </a:pPr>
-            <a:r>
-              <a:rPr sz="2000"/>
-              <a:t>GeoRace ne se contente pas de tracker vos courses. Nous transformons la course à pied en une </a:t>
-            </a:r>
-            <a:r>
-              <a:rPr sz="2000" b="1"/>
-              <a:t>expérience sociale, compétitive et motivante</a:t>
-            </a:r>
-            <a:r>
-              <a:rPr sz="2000"/>
-              <a:t> accessible à tous, partout, à tout moment.</a:t>
-            </a:r>
-          </a:p>
-          <a:p>
-            <a:pPr lvl="0" indent="0" marL="0">
-              <a:buNone/>
-            </a:pPr>
-            <a:r>
-              <a:rPr b="1"/>
-              <a:t>Notre ambition :</a:t>
-            </a:r>
-            <a:r>
-              <a:rPr/>
-              <a:t> Devenir la référence de la course compétitive en temps réel et créer une communauté mondiale de coureurs passionnés par le défi.</a:t>
+            <a:pPr lvl="0" indent="0" marL="0">
+              <a:buNone/>
+            </a:pPr>
+            <a:r>
+              <a:rPr b="1"/>
+              <a:t>Comment mesurer la traction</a:t>
+            </a:r>
+          </a:p>
+          <a:p>
+            <a:pPr lvl="0" indent="0" marL="0">
+              <a:buNone/>
+            </a:pPr>
+            <a:r>
+              <a:rPr b="1"/>
+              <a:t>ENGAGEMENT (prouve que le concept marche) :</a:t>
+            </a:r>
+            <a:r>
+              <a:rPr/>
+              <a:t> - ✅ Taux de rétention J7 : &gt;40% (vs 25% apps fitness standard) - ✅ Duels/semaine/utilisateur : 6-8 (preuve d’addiction) - ✅ Taux d’acceptation duels : &gt;60% (les gens veulent compétitionner)</a:t>
+            </a:r>
+          </a:p>
+          <a:p>
+            <a:pPr lvl="0" indent="0" marL="0">
+              <a:buNone/>
+            </a:pPr>
+            <a:r>
+              <a:rPr b="1"/>
+              <a:t>CROISSANCE (viralité naturelle) :</a:t>
+            </a:r>
+            <a:r>
+              <a:rPr/>
+              <a:t> - ✅ Coefficient K : &gt;1,2 (chaque utilisateur amène 1,2 nouveau) - ✅ Croissance mensuelle : +20% nouveaux utilisateurs - ✅ 500 utilisateurs actifs dans 3 villes pilotes</a:t>
+            </a:r>
+          </a:p>
+          <a:p>
+            <a:pPr lvl="0" indent="0" marL="0">
+              <a:buNone/>
+            </a:pPr>
+            <a:r>
+              <a:rPr b="1"/>
+              <a:t>MONÉTISATION :</a:t>
+            </a:r>
+            <a:r>
+              <a:rPr/>
+              <a:t> - ✅ Conversion Premium : 10-12% (vs 5% moyenne marché) - ✅ LTV/CAC : &gt;3 (rentabilité prouvée)</a:t>
             </a:r>
           </a:p>
         </p:txBody>
@@ -4052,7 +4136,7 @@
             </a:pPr>
             <a:r>
               <a:rPr/>
-              <a:t>🟦 Slide 16 – Phrase finale</a:t>
+              <a:t>🟦 Slide 16 - Roadmap : lancement en 3 phases</a:t>
             </a:r>
           </a:p>
         </p:txBody>
@@ -4077,25 +4161,291 @@
             </a:pPr>
             <a:r>
               <a:rPr b="1"/>
-              <a:t>GeoRace</a:t>
-            </a:r>
-          </a:p>
+              <a:t>Phase 1 (Mois 1-6) : MVP + Proof of Concept</a:t>
+            </a:r>
+            <a:r>
+              <a:rPr/>
+              <a:t> - App iOS/Android (React Native) - Duels 1v1, ELO, point équidistant - Lancement Paris + Lyon - </a:t>
+            </a:r>
+            <a:r>
+              <a:rPr b="1"/>
+              <a:t>500 utilisateurs actifs, 40% rétention J7</a:t>
+            </a:r>
+          </a:p>
+          <a:p>
+            <a:pPr lvl="0" indent="0" marL="0">
+              <a:buNone/>
+            </a:pPr>
+            <a:r>
+              <a:rPr b="1"/>
+              <a:t>Phase 2 (Mois 7-12) : Gamification et viralité</a:t>
+            </a:r>
+            <a:r>
+              <a:rPr/>
+              <a:t> - Badges, profils, ligues locales - Événements hebdomadaires - Feature “Défier un ami” - </a:t>
+            </a:r>
+            <a:r>
+              <a:rPr b="1"/>
+              <a:t>5 000 utilisateurs, expansion 5 villes</a:t>
+            </a:r>
+          </a:p>
+          <a:p>
+            <a:pPr lvl="0" indent="0" marL="0">
+              <a:buNone/>
+            </a:pPr>
+            <a:r>
+              <a:rPr b="1"/>
+              <a:t>Phase 3 (An 2) : Scale national</a:t>
+            </a:r>
+            <a:r>
+              <a:rPr/>
+              <a:t> - Version Premium - Duels multi-joueurs (3-5 coureurs) - Partenariats marques - </a:t>
+            </a:r>
+            <a:r>
+              <a:rPr b="1"/>
+              <a:t>50 000 utilisateurs, 10+ villes</a:t>
+            </a:r>
+          </a:p>
+        </p:txBody>
+      </p:sp>
+    </p:spTree>
+  </p:cSld>
+</p:sld>
+</file>
+
+<file path=ppt/slides/slide18.xml><?xml version="1.0" encoding="utf-8"?>
+<p:sld xmlns:a="http://schemas.openxmlformats.org/drawingml/2006/main" xmlns:r="http://schemas.openxmlformats.org/officeDocument/2006/relationships" xmlns:p="http://schemas.openxmlformats.org/presentationml/2006/main">
+  <p:cSld>
+    <p:spTree>
+      <p:nvGrpSpPr>
+        <p:cNvPr id="1" name=""/>
+        <p:cNvGrpSpPr/>
+        <p:nvPr/>
+      </p:nvGrpSpPr>
+      <p:grpSpPr>
+        <a:xfrm>
+          <a:off x="0" y="0"/>
+          <a:ext cx="0" cy="0"/>
+          <a:chOff x="0" y="0"/>
+          <a:chExt cx="0" cy="0"/>
+        </a:xfrm>
+      </p:grpSpPr>
+      <p:sp>
+        <p:nvSpPr>
+          <p:cNvPr id="2" name="Title 1"/>
+          <p:cNvSpPr>
+            <a:spLocks noGrp="1"/>
+          </p:cNvSpPr>
+          <p:nvPr>
+            <p:ph type="title"/>
+          </p:nvPr>
+        </p:nvSpPr>
+        <p:spPr/>
+        <p:txBody>
+          <a:bodyPr/>
+          <a:lstStyle/>
+          <a:p>
+            <a:pPr lvl="0" indent="0" marL="0">
+              <a:buNone/>
+            </a:pPr>
+            <a:r>
+              <a:rPr/>
+              <a:t>🟦 Slide 17 - Pourquoi maintenant ?</a:t>
+            </a:r>
+          </a:p>
+        </p:txBody>
+      </p:sp>
+      <p:sp>
+        <p:nvSpPr>
+          <p:cNvPr id="3" name="Content Placeholder 2"/>
+          <p:cNvSpPr>
+            <a:spLocks noGrp="1"/>
+          </p:cNvSpPr>
+          <p:nvPr>
+            <p:ph idx="1"/>
+          </p:nvPr>
+        </p:nvSpPr>
+        <p:spPr/>
+        <p:txBody>
+          <a:bodyPr/>
+          <a:lstStyle/>
+          <a:p>
+            <a:pPr lvl="0" indent="0" marL="0">
+              <a:buNone/>
+            </a:pPr>
+            <a:r>
+              <a:rPr b="1"/>
+              <a:t>Le timing parfait pour GeoRace</a:t>
+            </a:r>
+          </a:p>
+          <a:p>
+            <a:pPr lvl="0" indent="0" marL="0">
+              <a:buNone/>
+            </a:pPr>
+            <a:r>
+              <a:rPr b="1"/>
+              <a:t>1. MARCHÉ MATURE MAIS STAGNANT</a:t>
+            </a:r>
+            <a:r>
+              <a:rPr/>
+              <a:t> - Strava : 100M users, mais taux engagement en baisse - Utilisateurs cherchent nouveauté et excitation</a:t>
+            </a:r>
+          </a:p>
+          <a:p>
+            <a:pPr lvl="0" indent="0" marL="0">
+              <a:buNone/>
+            </a:pPr>
+            <a:r>
+              <a:rPr b="1"/>
+              <a:t>2. TECHNOLOGIE DISPONIBLE</a:t>
+            </a:r>
+            <a:r>
+              <a:rPr/>
+              <a:t> - GPS précis sur tous les smartphones - WebSocket et infra cloud à faible coût - Algorithmes géospatiaux open-source (PostGIS)</a:t>
+            </a:r>
+          </a:p>
+          <a:p>
+            <a:pPr lvl="0" indent="0" marL="0">
+              <a:buNone/>
+            </a:pPr>
+            <a:r>
+              <a:rPr b="1"/>
+              <a:t>3. TENDANCE SOCIALE</a:t>
+            </a:r>
+            <a:r>
+              <a:rPr/>
+              <a:t> - Génération Z/Millennials : veulent compétition et instant gratification - Esport et gamification mainstream - Communautés locales en recherche de connexion IRL</a:t>
+            </a:r>
+          </a:p>
+          <a:p>
+            <a:pPr lvl="0" indent="0" marL="0">
+              <a:buNone/>
+            </a:pPr>
+            <a:r>
+              <a:rPr b="1"/>
+              <a:t>4. COVID A BOOSTÉ LE RUNNING</a:t>
+            </a:r>
+            <a:r>
+              <a:rPr/>
+              <a:t> - +40% de coureurs réguliers depuis 2020 - Besoin d’interaction sociale post-confinement</a:t>
+            </a:r>
+          </a:p>
+        </p:txBody>
+      </p:sp>
+    </p:spTree>
+  </p:cSld>
+</p:sld>
+</file>
+
+<file path=ppt/slides/slide19.xml><?xml version="1.0" encoding="utf-8"?>
+<p:sld xmlns:a="http://schemas.openxmlformats.org/drawingml/2006/main" xmlns:r="http://schemas.openxmlformats.org/officeDocument/2006/relationships" xmlns:p="http://schemas.openxmlformats.org/presentationml/2006/main">
+  <p:cSld>
+    <p:spTree>
+      <p:nvGrpSpPr>
+        <p:cNvPr id="1" name=""/>
+        <p:cNvGrpSpPr/>
+        <p:nvPr/>
+      </p:nvGrpSpPr>
+      <p:grpSpPr>
+        <a:xfrm>
+          <a:off x="0" y="0"/>
+          <a:ext cx="0" cy="0"/>
+          <a:chOff x="0" y="0"/>
+          <a:chExt cx="0" cy="0"/>
+        </a:xfrm>
+      </p:grpSpPr>
+      <p:sp>
+        <p:nvSpPr>
+          <p:cNvPr id="2" name="Title 1"/>
+          <p:cNvSpPr>
+            <a:spLocks noGrp="1"/>
+          </p:cNvSpPr>
+          <p:nvPr>
+            <p:ph type="title"/>
+          </p:nvPr>
+        </p:nvSpPr>
+        <p:spPr/>
+        <p:txBody>
+          <a:bodyPr/>
+          <a:lstStyle/>
+          <a:p>
+            <a:pPr lvl="0" indent="0" marL="0">
+              <a:buNone/>
+            </a:pPr>
+            <a:r>
+              <a:rPr/>
+              <a:t>🟦 Slide 18 - Vision finale</a:t>
+            </a:r>
+          </a:p>
+        </p:txBody>
+      </p:sp>
+      <p:sp>
+        <p:nvSpPr>
+          <p:cNvPr id="3" name="Content Placeholder 2"/>
+          <p:cNvSpPr>
+            <a:spLocks noGrp="1"/>
+          </p:cNvSpPr>
+          <p:nvPr>
+            <p:ph idx="1"/>
+          </p:nvPr>
+        </p:nvSpPr>
+        <p:spPr/>
+        <p:txBody>
+          <a:bodyPr/>
+          <a:lstStyle/>
           <a:p>
             <a:pPr lvl="0" indent="0" marL="1270000">
               <a:buNone/>
             </a:pPr>
             <a:r>
-              <a:rPr sz="2000"/>
-              <a:t>Chaque course est un duel. Chaque duel est une opportunité. Transformez votre motivation.</a:t>
-            </a:r>
-          </a:p>
-          <a:p>
-            <a:pPr lvl="0" indent="0" marL="0">
-              <a:buNone/>
-            </a:pPr>
-            <a:r>
-              <a:rPr b="1"/>
-              <a:t>Prêt à relever le défi ?</a:t>
+              <a:rPr sz="2000" b="1"/>
+              <a:t>GeoRace ne remplace pas Strava.</a:t>
+            </a:r>
+            <a:br/>
+            <a:r>
+              <a:rPr sz="2000" b="1"/>
+              <a:t>GeoRace transforme la course en sport compétitif accessible.</a:t>
+            </a:r>
+          </a:p>
+          <a:p>
+            <a:pPr lvl="0" indent="0" marL="0">
+              <a:buNone/>
+            </a:pPr>
+            <a:r>
+              <a:rPr b="1"/>
+              <a:t>Notre ambition :</a:t>
+            </a:r>
+          </a:p>
+          <a:p>
+            <a:pPr lvl="0" indent="0" marL="0">
+              <a:buNone/>
+            </a:pPr>
+            <a:r>
+              <a:rPr/>
+              <a:t>🎯 Devenir la plateforme #1 de compétition running temps réel</a:t>
+            </a:r>
+            <a:br/>
+            <a:r>
+              <a:rPr/>
+              <a:t>🌍 Créer une communauté mondiale de 1M+ coureurs compétitifs</a:t>
+            </a:r>
+            <a:br/>
+            <a:r>
+              <a:rPr/>
+              <a:t>🏆 Organiser des ligues professionnelles GeoRace (comme l’esport)</a:t>
+            </a:r>
+          </a:p>
+          <a:p>
+            <a:pPr lvl="0" indent="0" marL="0">
+              <a:buNone/>
+            </a:pPr>
+            <a:r>
+              <a:rPr b="1"/>
+              <a:t>Dans 5 ans :</a:t>
+            </a:r>
+            <a:r>
+              <a:rPr/>
+              <a:t> - “Tu es sur GeoRace ?” = nouvelle norme chez les coureurs - Événements physiques GeoRace dans 50 villes - Partenariats JO Paris 2028 (course urbaine compétitive)</a:t>
             </a:r>
           </a:p>
         </p:txBody>
@@ -4142,7 +4492,7 @@
             </a:pPr>
             <a:r>
               <a:rPr/>
-              <a:t>🟦 Slide 1 – Titre</a:t>
+              <a:t>🟦 Slide 1 - Titre</a:t>
             </a:r>
           </a:p>
         </p:txBody>
@@ -4189,7 +4539,288 @@
             </a:r>
             <a:r>
               <a:rPr/>
-              <a:t> Transformez chaque sortie running en duel excitant.</a:t>
+              <a:t> Le premier vrai duel de course instantané et équitable.</a:t>
+            </a:r>
+          </a:p>
+        </p:txBody>
+      </p:sp>
+    </p:spTree>
+  </p:cSld>
+</p:sld>
+</file>
+
+<file path=ppt/slides/slide20.xml><?xml version="1.0" encoding="utf-8"?>
+<p:sld xmlns:a="http://schemas.openxmlformats.org/drawingml/2006/main" xmlns:r="http://schemas.openxmlformats.org/officeDocument/2006/relationships" xmlns:p="http://schemas.openxmlformats.org/presentationml/2006/main">
+  <p:cSld>
+    <p:spTree>
+      <p:nvGrpSpPr>
+        <p:cNvPr id="1" name=""/>
+        <p:cNvGrpSpPr/>
+        <p:nvPr/>
+      </p:nvGrpSpPr>
+      <p:grpSpPr>
+        <a:xfrm>
+          <a:off x="0" y="0"/>
+          <a:ext cx="0" cy="0"/>
+          <a:chOff x="0" y="0"/>
+          <a:chExt cx="0" cy="0"/>
+        </a:xfrm>
+      </p:grpSpPr>
+      <p:sp>
+        <p:nvSpPr>
+          <p:cNvPr id="2" name="Title 1"/>
+          <p:cNvSpPr>
+            <a:spLocks noGrp="1"/>
+          </p:cNvSpPr>
+          <p:nvPr>
+            <p:ph type="title"/>
+          </p:nvPr>
+        </p:nvSpPr>
+        <p:spPr/>
+        <p:txBody>
+          <a:bodyPr/>
+          <a:lstStyle/>
+          <a:p>
+            <a:pPr lvl="0" indent="0" marL="0">
+              <a:buNone/>
+            </a:pPr>
+            <a:r>
+              <a:rPr/>
+              <a:t>🟦 Slide 19 - Appel à l’action</a:t>
+            </a:r>
+          </a:p>
+        </p:txBody>
+      </p:sp>
+      <p:sp>
+        <p:nvSpPr>
+          <p:cNvPr id="3" name="Content Placeholder 2"/>
+          <p:cNvSpPr>
+            <a:spLocks noGrp="1"/>
+          </p:cNvSpPr>
+          <p:nvPr>
+            <p:ph idx="1"/>
+          </p:nvPr>
+        </p:nvSpPr>
+        <p:spPr/>
+        <p:txBody>
+          <a:bodyPr/>
+          <a:lstStyle/>
+          <a:p>
+            <a:pPr lvl="0" indent="0" marL="0">
+              <a:buNone/>
+            </a:pPr>
+            <a:r>
+              <a:rPr b="1"/>
+              <a:t>Pourquoi investir/soutenir GeoRace ?</a:t>
+            </a:r>
+          </a:p>
+          <a:p>
+            <a:pPr lvl="0" indent="0" marL="0">
+              <a:buNone/>
+            </a:pPr>
+            <a:r>
+              <a:rPr/>
+              <a:t>✅ </a:t>
+            </a:r>
+            <a:r>
+              <a:rPr b="1"/>
+              <a:t>Concept unique</a:t>
+            </a:r>
+            <a:r>
+              <a:rPr/>
+              <a:t> : aucun concurrent direct sur le duel temps réel équitable</a:t>
+            </a:r>
+            <a:br/>
+            <a:r>
+              <a:rPr/>
+              <a:t>✅ </a:t>
+            </a:r>
+            <a:r>
+              <a:rPr b="1"/>
+              <a:t>Marché prouvé</a:t>
+            </a:r>
+            <a:r>
+              <a:rPr/>
+              <a:t> : 100M+ utilisateurs apps running cherchent motivation</a:t>
+            </a:r>
+            <a:br/>
+            <a:r>
+              <a:rPr/>
+              <a:t>✅ </a:t>
+            </a:r>
+            <a:r>
+              <a:rPr b="1"/>
+              <a:t>Différenciation forte</a:t>
+            </a:r>
+            <a:r>
+              <a:rPr/>
+              <a:t> : impossible pour Strava de pivoter vers notre modèle</a:t>
+            </a:r>
+            <a:br/>
+            <a:r>
+              <a:rPr/>
+              <a:t>✅ </a:t>
+            </a:r>
+            <a:r>
+              <a:rPr b="1"/>
+              <a:t>Équipe motivée</a:t>
+            </a:r>
+            <a:r>
+              <a:rPr/>
+              <a:t> : passion pour le running + compétences tech</a:t>
+            </a:r>
+            <a:br/>
+            <a:r>
+              <a:rPr/>
+              <a:t>✅ </a:t>
+            </a:r>
+            <a:r>
+              <a:rPr b="1"/>
+              <a:t>Roadmap claire</a:t>
+            </a:r>
+            <a:r>
+              <a:rPr/>
+              <a:t> : MVP en 6 mois, traction mesurable</a:t>
+            </a:r>
+          </a:p>
+          <a:p>
+            <a:pPr lvl="0" indent="0" marL="0">
+              <a:buNone/>
+            </a:pPr>
+            <a:r>
+              <a:rPr b="1"/>
+              <a:t>Prochaines étapes :</a:t>
+            </a:r>
+            <a:r>
+              <a:rPr/>
+              <a:t> 1. Finaliser MVP (dev en cours) 2. Tester avec 50 beta-testeurs (running clubs Paris) 3. Lancement public dans 3 mois</a:t>
+            </a:r>
+          </a:p>
+          <a:p>
+            <a:pPr lvl="0" indent="0" marL="0">
+              <a:buNone/>
+            </a:pPr>
+            <a:r>
+              <a:rPr b="1"/>
+              <a:t>Rejoignez-nous pour transformer le running en vraie compétition.</a:t>
+            </a:r>
+          </a:p>
+        </p:txBody>
+      </p:sp>
+    </p:spTree>
+  </p:cSld>
+</p:sld>
+</file>
+
+<file path=ppt/slides/slide21.xml><?xml version="1.0" encoding="utf-8"?>
+<p:sld xmlns:a="http://schemas.openxmlformats.org/drawingml/2006/main" xmlns:r="http://schemas.openxmlformats.org/officeDocument/2006/relationships" xmlns:p="http://schemas.openxmlformats.org/presentationml/2006/main">
+  <p:cSld>
+    <p:spTree>
+      <p:nvGrpSpPr>
+        <p:cNvPr id="1" name=""/>
+        <p:cNvGrpSpPr/>
+        <p:nvPr/>
+      </p:nvGrpSpPr>
+      <p:grpSpPr>
+        <a:xfrm>
+          <a:off x="0" y="0"/>
+          <a:ext cx="0" cy="0"/>
+          <a:chOff x="0" y="0"/>
+          <a:chExt cx="0" cy="0"/>
+        </a:xfrm>
+      </p:grpSpPr>
+      <p:sp>
+        <p:nvSpPr>
+          <p:cNvPr id="2" name="Title 1"/>
+          <p:cNvSpPr>
+            <a:spLocks noGrp="1"/>
+          </p:cNvSpPr>
+          <p:nvPr>
+            <p:ph type="title"/>
+          </p:nvPr>
+        </p:nvSpPr>
+        <p:spPr/>
+        <p:txBody>
+          <a:bodyPr/>
+          <a:lstStyle/>
+          <a:p>
+            <a:pPr lvl="0" indent="0" marL="0">
+              <a:buNone/>
+            </a:pPr>
+            <a:r>
+              <a:rPr/>
+              <a:t>🟦 Slide 20 - Phrase finale</a:t>
+            </a:r>
+          </a:p>
+        </p:txBody>
+      </p:sp>
+      <p:sp>
+        <p:nvSpPr>
+          <p:cNvPr id="3" name="Content Placeholder 2"/>
+          <p:cNvSpPr>
+            <a:spLocks noGrp="1"/>
+          </p:cNvSpPr>
+          <p:nvPr>
+            <p:ph idx="1"/>
+          </p:nvPr>
+        </p:nvSpPr>
+        <p:spPr/>
+        <p:txBody>
+          <a:bodyPr/>
+          <a:lstStyle/>
+          <a:p>
+            <a:pPr lvl="0" indent="0" marL="0">
+              <a:buNone/>
+            </a:pPr>
+            <a:r>
+              <a:rPr b="1"/>
+              <a:t>GeoRace</a:t>
+            </a:r>
+          </a:p>
+          <a:p>
+            <a:pPr lvl="0" indent="0" marL="1270000">
+              <a:buNone/>
+            </a:pPr>
+            <a:r>
+              <a:rPr sz="2000"/>
+              <a:t>Chaque course est un duel.</a:t>
+            </a:r>
+            <a:br/>
+            <a:r>
+              <a:rPr sz="2000"/>
+              <a:t>Chaque duel est une victoire ou une leçon.</a:t>
+            </a:r>
+            <a:br/>
+            <a:r>
+              <a:rPr sz="2000"/>
+              <a:t>La motivation ne vient pas du tracking.</a:t>
+            </a:r>
+            <a:br/>
+            <a:r>
+              <a:rPr sz="2000"/>
+              <a:t>Elle vient de la COMPÉTITION.</a:t>
+            </a:r>
+          </a:p>
+          <a:p>
+            <a:pPr lvl="0" indent="0" marL="0">
+              <a:buNone/>
+            </a:pPr>
+            <a:r>
+              <a:rPr b="1"/>
+              <a:t>Êtes-vous prêt à courir pour GAGNER ?</a:t>
+            </a:r>
+          </a:p>
+          <a:p>
+            <a:pPr lvl="0" indent="0" marL="0">
+              <a:buNone/>
+            </a:pPr>
+            <a:r>
+              <a:rPr/>
+              <a:t>🏁 </a:t>
+            </a:r>
+            <a:r>
+              <a:rPr b="1"/>
+              <a:t>GeoRace - Run. Race. Win.</a:t>
             </a:r>
           </a:p>
         </p:txBody>
@@ -4236,7 +4867,7 @@
             </a:pPr>
             <a:r>
               <a:rPr/>
-              <a:t>🟦 Slide 2 – Problème</a:t>
+              <a:t>🟦 Slide 2 - Le problème des apps actuelles</a:t>
             </a:r>
           </a:p>
         </p:txBody>
@@ -4261,44 +4892,61 @@
             </a:pPr>
             <a:r>
               <a:rPr b="1"/>
-              <a:t>Courir seul, une motivation en berne</a:t>
-            </a:r>
-          </a:p>
-          <a:p>
-            <a:pPr lvl="0"/>
-            <a:r>
-              <a:rPr/>
-              <a:t>De nombreux coureurs se sentent démotivés seuls</a:t>
-            </a:r>
-          </a:p>
-          <a:p>
-            <a:pPr lvl="0"/>
-            <a:r>
-              <a:rPr/>
-              <a:t>Manque de défi et d’interaction</a:t>
-            </a:r>
-          </a:p>
-          <a:p>
-            <a:pPr lvl="0"/>
-            <a:r>
-              <a:rPr/>
-              <a:t>Difficulté à mesurer ses progrès face à d’autres</a:t>
-            </a:r>
-          </a:p>
-          <a:p>
-            <a:pPr lvl="0"/>
-            <a:r>
-              <a:rPr/>
-              <a:t>Risque d’abandon des objectifs sportifs</a:t>
-            </a:r>
-          </a:p>
-          <a:p>
-            <a:pPr lvl="0" indent="0" marL="0">
-              <a:buNone/>
-            </a:pPr>
-            <a:r>
-              <a:rPr/>
-              <a:t>➡ Résultat : monotonie, perte de motivation, arrêt de la pratique</a:t>
+              <a:t>Pourquoi les coureurs s’ennuient sur Strava, Nike Run Club et Runkeeper</a:t>
+            </a:r>
+          </a:p>
+          <a:p>
+            <a:pPr lvl="0" indent="0" marL="0">
+              <a:buNone/>
+            </a:pPr>
+            <a:r>
+              <a:rPr/>
+              <a:t>❌ </a:t>
+            </a:r>
+            <a:r>
+              <a:rPr b="1"/>
+              <a:t>Compétition asynchrone</a:t>
+            </a:r>
+            <a:r>
+              <a:rPr/>
+              <a:t> : vous comparez vos temps à des performances passées ❌ </a:t>
+            </a:r>
+            <a:r>
+              <a:rPr b="1"/>
+              <a:t>Pas d’interaction réelle</a:t>
+            </a:r>
+            <a:r>
+              <a:rPr/>
+              <a:t> : vous êtes seul face à votre écran ❌ </a:t>
+            </a:r>
+            <a:r>
+              <a:rPr b="1"/>
+              <a:t>Segments fixes</a:t>
+            </a:r>
+            <a:r>
+              <a:rPr/>
+              <a:t> : toujours les mêmes parcours, aucune surprise ❌ </a:t>
+            </a:r>
+            <a:r>
+              <a:rPr b="1"/>
+              <a:t>Motivation en déclin</a:t>
+            </a:r>
+            <a:r>
+              <a:rPr/>
+              <a:t> : partager des stats ne crée pas d’excitation</a:t>
+            </a:r>
+          </a:p>
+          <a:p>
+            <a:pPr lvl="0" indent="0" marL="0">
+              <a:buNone/>
+            </a:pPr>
+            <a:r>
+              <a:rPr b="1"/>
+              <a:t>Résultat :</a:t>
+            </a:r>
+            <a:r>
+              <a:rPr/>
+              <a:t> 60% des utilisateurs abandonnent après 3 mois</a:t>
             </a:r>
           </a:p>
         </p:txBody>
@@ -4345,7 +4993,7 @@
             </a:pPr>
             <a:r>
               <a:rPr/>
-              <a:t>🟦 Slide 3 – Concept innovant</a:t>
+              <a:t>🟦 Slide 3 - Notre réponse : LE DUEL EN TEMPS RÉEL</a:t>
             </a:r>
           </a:p>
         </p:txBody>
@@ -4370,58 +5018,61 @@
             </a:pPr>
             <a:r>
               <a:rPr b="1"/>
-              <a:t>Duels en temps réel pour tous</a:t>
-            </a:r>
-          </a:p>
-          <a:p>
-            <a:pPr lvl="0" indent="0" marL="0">
-              <a:buNone/>
-            </a:pPr>
-            <a:r>
-              <a:rPr/>
-              <a:t>🏃 </a:t>
-            </a:r>
-            <a:r>
-              <a:rPr b="1"/>
-              <a:t>DUELS EN TEMPS RÉEL</a:t>
-            </a:r>
-            <a:r>
-              <a:rPr/>
-              <a:t> Affrontez d’autres coureurs à proximité dans des courses spontanées</a:t>
-            </a:r>
-          </a:p>
-          <a:p>
-            <a:pPr lvl="0" indent="0" marL="0">
-              <a:buNone/>
-            </a:pPr>
-            <a:r>
-              <a:rPr/>
-              <a:t>📍 </a:t>
-            </a:r>
-            <a:r>
-              <a:rPr b="1"/>
-              <a:t>POINT D’ARRIVÉE ÉQUITABLE</a:t>
-            </a:r>
-            <a:r>
-              <a:rPr/>
-              <a:t> Chaque duel se termine à un point équidistant pour tous les participants</a:t>
-            </a:r>
-          </a:p>
-          <a:p>
-            <a:pPr lvl="0" indent="0" marL="0">
-              <a:buNone/>
-            </a:pPr>
-            <a:r>
-              <a:rPr/>
-              <a:t>⚖️ </a:t>
-            </a:r>
-            <a:r>
-              <a:rPr b="1"/>
-              <a:t>COMPÉTITION JUSTE</a:t>
-            </a:r>
-            <a:r>
-              <a:rPr/>
-              <a:t> Système ELO garantit des matchs équilibrés quel que soit votre niveau</a:t>
+              <a:t>GeoRace = La seule app qui crée de vraies courses spontanées</a:t>
+            </a:r>
+          </a:p>
+          <a:p>
+            <a:pPr lvl="0" indent="0" marL="0">
+              <a:buNone/>
+            </a:pPr>
+            <a:r>
+              <a:rPr/>
+              <a:t>🎯 </a:t>
+            </a:r>
+            <a:r>
+              <a:rPr b="1"/>
+              <a:t>Détection instantanée</a:t>
+            </a:r>
+            <a:r>
+              <a:rPr/>
+              <a:t> : l’app repère les coureurs actifs près de vous ⚡ </a:t>
+            </a:r>
+            <a:r>
+              <a:rPr b="1"/>
+              <a:t>Défi immédiat</a:t>
+            </a:r>
+            <a:r>
+              <a:rPr/>
+              <a:t> : “Paul (ELO 1420) vous défie - Accepter?” 📍 </a:t>
+            </a:r>
+            <a:r>
+              <a:rPr b="1"/>
+              <a:t>Point équidistant</a:t>
+            </a:r>
+            <a:r>
+              <a:rPr/>
+              <a:t> : algorithme calcule un finish accessible à la même distance pour tous 🏁 </a:t>
+            </a:r>
+            <a:r>
+              <a:rPr b="1"/>
+              <a:t>Course en direct</a:t>
+            </a:r>
+            <a:r>
+              <a:rPr/>
+              <a:t> : départ synchronisé, positions live, arrivée simultanée</a:t>
+            </a:r>
+          </a:p>
+          <a:p>
+            <a:pPr lvl="0" indent="0" marL="0">
+              <a:buNone/>
+            </a:pPr>
+            <a:r>
+              <a:rPr b="1"/>
+              <a:t>LA DIFFÉRENCE :</a:t>
+            </a:r>
+            <a:r>
+              <a:rPr/>
+              <a:t> Ce n’est plus du tracking, c’est une vraie compétition !</a:t>
             </a:r>
           </a:p>
         </p:txBody>
@@ -4468,7 +5119,7 @@
             </a:pPr>
             <a:r>
               <a:rPr/>
-              <a:t>🟦 Slide 4 – Fonctionnement d’un duel</a:t>
+              <a:t>🟦 Slide 4 - Pourquoi le duel change tout</a:t>
             </a:r>
           </a:p>
         </p:txBody>
@@ -4493,46 +5144,77 @@
             </a:pPr>
             <a:r>
               <a:rPr b="1"/>
-              <a:t>3 étapes simples</a:t>
-            </a:r>
-          </a:p>
-          <a:p>
-            <a:pPr lvl="0" indent="0" marL="0">
-              <a:buNone/>
-            </a:pPr>
-            <a:r>
-              <a:rPr b="1"/>
-              <a:t>01 - DÉTECTION DES COUREURS</a:t>
-            </a:r>
-            <a:r>
-              <a:rPr/>
-              <a:t> Identification automatique des coureurs actifs à proximité</a:t>
-            </a:r>
-          </a:p>
-          <a:p>
-            <a:pPr lvl="0" indent="0" marL="0">
-              <a:buNone/>
-            </a:pPr>
-            <a:r>
-              <a:rPr b="1"/>
-              <a:t>02 - POINT D’ARRIVÉE ÉQUITABLE</a:t>
-            </a:r>
-            <a:r>
-              <a:rPr/>
-              <a:t> Calcul algorithmique d’un point accessible à distance ��gale pour tous</a:t>
-            </a:r>
-          </a:p>
-          <a:p>
-            <a:pPr lvl="0" indent="0" marL="0">
-              <a:buNone/>
-            </a:pPr>
-            <a:r>
-              <a:rPr b="1"/>
-              <a:t>03 - DÉPART SIMULTANÉ</a:t>
-            </a:r>
-            <a:r>
-              <a:rPr/>
-              <a:t> Compte à rebours synchronisé après acceptation mutuelle</a:t>
+              <a:t>L’adrénaline d’une vraie course, à chaque sortie</a:t>
+            </a:r>
+          </a:p>
+          <a:p>
+            <a:pPr lvl="0" indent="0" marL="0">
+              <a:buNone/>
+            </a:pPr>
+            <a:r>
+              <a:rPr b="1"/>
+              <a:t>Ce que ressent l’utilisateur :</a:t>
+            </a:r>
+          </a:p>
+          <a:p>
+            <a:pPr lvl="0" indent="-342900" marL="342900">
+              <a:buAutoNum type="arabicPeriod"/>
+            </a:pPr>
+            <a:r>
+              <a:rPr b="1"/>
+              <a:t>AVANT</a:t>
+            </a:r>
+            <a:r>
+              <a:rPr/>
+              <a:t> : “Je vais courir 30 minutes…” </a:t>
+            </a:r>
+            <a:r>
+              <a:rPr b="1"/>
+              <a:t>AVEC GEORACE</a:t>
+            </a:r>
+            <a:r>
+              <a:rPr/>
+              <a:t> : “Je vais AFFRONTER ce coureur que je vois au parc !”</a:t>
+            </a:r>
+          </a:p>
+          <a:p>
+            <a:pPr lvl="0" indent="-342900" marL="342900">
+              <a:buAutoNum type="arabicPeriod"/>
+            </a:pPr>
+            <a:r>
+              <a:rPr b="1"/>
+              <a:t>PENDANT</a:t>
+            </a:r>
+            <a:r>
+              <a:rPr/>
+              <a:t> : “Je suis à 500m du but, je le dépasse ou pas ?” → GPS live, distance restante, position de l’adversaire</a:t>
+            </a:r>
+          </a:p>
+          <a:p>
+            <a:pPr lvl="0" indent="-342900" marL="342900">
+              <a:buAutoNum type="arabicPeriod"/>
+            </a:pPr>
+            <a:r>
+              <a:rPr b="1"/>
+              <a:t>APRÈS</a:t>
+            </a:r>
+            <a:r>
+              <a:rPr/>
+              <a:t> : “+25 ELO, 1er sur 3 dans ma ville cette semaine !” → Gratification immédiate, envie de recommencer</a:t>
+            </a:r>
+          </a:p>
+          <a:p>
+            <a:pPr lvl="0" indent="0" marL="0">
+              <a:buNone/>
+            </a:pPr>
+            <a:r>
+              <a:rPr b="1"/>
+              <a:t>Strava vous dit combien vous avez couru.</a:t>
+            </a:r>
+            <a:br/>
+            <a:r>
+              <a:rPr b="1"/>
+              <a:t>GeoRace vous dit si vous avez GAGNÉ.</a:t>
             </a:r>
           </a:p>
         </p:txBody>
@@ -4579,7 +5261,7 @@
             </a:pPr>
             <a:r>
               <a:rPr/>
-              <a:t>🟦 Slide 5 – Un duel GeoRace</a:t>
+              <a:t>🟦 Slide 5 - Le point équidistant : notre innovation technique</a:t>
             </a:r>
           </a:p>
         </p:txBody>
@@ -4604,7 +5286,29 @@
             </a:pPr>
             <a:r>
               <a:rPr b="1"/>
-              <a:t>Scénario typique :</a:t>
+              <a:t>Pourquoi personne d’autre ne le fait</a:t>
+            </a:r>
+          </a:p>
+          <a:p>
+            <a:pPr lvl="0" indent="0" marL="0">
+              <a:buNone/>
+            </a:pPr>
+            <a:r>
+              <a:rPr b="1"/>
+              <a:t>Le problème des courses spontanées :</a:t>
+            </a:r>
+            <a:r>
+              <a:rPr/>
+              <a:t> - Si on court vers le même point → celui qui est plus proche gagne toujours - Si on court chacun son parcours → impossible de comparer équitablement</a:t>
+            </a:r>
+          </a:p>
+          <a:p>
+            <a:pPr lvl="0" indent="0" marL="0">
+              <a:buNone/>
+            </a:pPr>
+            <a:r>
+              <a:rPr b="1"/>
+              <a:t>Notre solution brevetable :</a:t>
             </a:r>
           </a:p>
           <a:p>
@@ -4613,11 +5317,11 @@
             </a:pPr>
             <a:r>
               <a:rPr b="1"/>
-              <a:t>Vous commencez votre course</a:t>
-            </a:r>
-            <a:r>
-              <a:rPr/>
-              <a:t> → l’app détecte 3 coureurs dans un rayon de 800m</a:t>
+              <a:t>Algorithme de géolocalisation</a:t>
+            </a:r>
+            <a:r>
+              <a:rPr/>
+              <a:t> : calcule un point accessible à distance ÉGALE pour tous</a:t>
             </a:r>
           </a:p>
           <a:p>
@@ -4626,11 +5330,11 @@
             </a:pPr>
             <a:r>
               <a:rPr b="1"/>
-              <a:t>Proposition de duel</a:t>
-            </a:r>
-            <a:r>
-              <a:rPr/>
-              <a:t> → notification “Paul (ELO 1420) vous défie”</a:t>
+              <a:t>Prise en compte du terrain</a:t>
+            </a:r>
+            <a:r>
+              <a:rPr/>
+              <a:t> : routes, chemins, zones interdites</a:t>
             </a:r>
           </a:p>
           <a:p>
@@ -4639,50 +5343,33 @@
             </a:pPr>
             <a:r>
               <a:rPr b="1"/>
-              <a:t>Vous acceptez</a:t>
-            </a:r>
-            <a:r>
-              <a:rPr/>
-              <a:t> → le système calcule un point d’arrivée à 1,2km pour chacun</a:t>
-            </a:r>
-          </a:p>
-          <a:p>
-            <a:pPr lvl="0" indent="-342900" marL="342900">
-              <a:buAutoNum type="arabicPeriod"/>
-            </a:pPr>
-            <a:r>
-              <a:rPr b="1"/>
-              <a:t>Départ dans 10 secondes</a:t>
-            </a:r>
-            <a:r>
-              <a:rPr/>
-              <a:t> → compte à rebours</a:t>
-            </a:r>
-          </a:p>
-          <a:p>
-            <a:pPr lvl="0" indent="-342900" marL="342900">
-              <a:buAutoNum type="arabicPeriod"/>
-            </a:pPr>
-            <a:r>
-              <a:rPr b="1"/>
-              <a:t>Course en direct</a:t>
-            </a:r>
-            <a:r>
-              <a:rPr/>
-              <a:t> → GPS vous guide, position de l’adversaire visible</a:t>
-            </a:r>
-          </a:p>
-          <a:p>
-            <a:pPr lvl="0" indent="-342900" marL="342900">
-              <a:buAutoNum type="arabicPeriod"/>
-            </a:pPr>
-            <a:r>
-              <a:rPr b="1"/>
-              <a:t>Arrivée</a:t>
-            </a:r>
-            <a:r>
-              <a:rPr/>
-              <a:t> → +25 ELO, badge “5 victoires consécutives” débloqué</a:t>
+              <a:t>Validation en temps réel</a:t>
+            </a:r>
+            <a:r>
+              <a:rPr/>
+              <a:t> : les coureurs voient le parcours avant d’accepter</a:t>
+            </a:r>
+          </a:p>
+          <a:p>
+            <a:pPr lvl="0" indent="0" marL="0">
+              <a:buNone/>
+            </a:pPr>
+            <a:r>
+              <a:rPr b="1"/>
+              <a:t>Résultat :</a:t>
+            </a:r>
+            <a:r>
+              <a:rPr/>
+              <a:t> Compétition 100% équitable, quelle que soit votre position de départ</a:t>
+            </a:r>
+          </a:p>
+          <a:p>
+            <a:pPr lvl="0" indent="0" marL="0">
+              <a:buNone/>
+            </a:pPr>
+            <a:r>
+              <a:rPr b="1"/>
+              <a:t>Aucun concurrent ne propose cela.</a:t>
             </a:r>
           </a:p>
         </p:txBody>
@@ -4729,7 +5416,7 @@
             </a:pPr>
             <a:r>
               <a:rPr/>
-              <a:t>🟦 Slide 6 – Aspect social</a:t>
+              <a:t>🟦 Slide 6 - Scénario utilisateur : Emma vs Strava</a:t>
             </a:r>
           </a:p>
         </p:txBody>
@@ -4754,46 +5441,54 @@
             </a:pPr>
             <a:r>
               <a:rPr b="1"/>
-              <a:t>Construisez une communauté de coureurs</a:t>
-            </a:r>
-          </a:p>
-          <a:p>
-            <a:pPr lvl="0" indent="0" marL="0">
-              <a:buNone/>
-            </a:pPr>
-            <a:r>
-              <a:rPr b="1"/>
-              <a:t>01 - MATCHMAKING ÉQUILIBRÉ</a:t>
-            </a:r>
-            <a:r>
-              <a:rPr/>
-              <a:t> Connexion automatique entre coureurs de niveaux similaires grâce à l’ELO</a:t>
-            </a:r>
-          </a:p>
-          <a:p>
-            <a:pPr lvl="0" indent="0" marL="0">
-              <a:buNone/>
-            </a:pPr>
-            <a:r>
-              <a:rPr b="1"/>
-              <a:t>02 - DISCUSSION ET PARTAGE</a:t>
-            </a:r>
-            <a:r>
-              <a:rPr/>
-              <a:t> Chat en direct, ajout d’amis, profils détaillés avec statistiques</a:t>
-            </a:r>
-          </a:p>
-          <a:p>
-            <a:pPr lvl="0" indent="0" marL="0">
-              <a:buNone/>
-            </a:pPr>
-            <a:r>
-              <a:rPr b="1"/>
-              <a:t>03 - ÉVÉNEMENTS COMMUNAUTAIRES</a:t>
-            </a:r>
-            <a:r>
-              <a:rPr/>
-              <a:t> Courses organisées, défis collectifs, ligues locales par ville/quartier</a:t>
+              <a:t>Pourquoi Emma (29 ans, 4 courses/semaine) quitte Strava pour GeoRace</a:t>
+            </a:r>
+          </a:p>
+          <a:p>
+            <a:pPr lvl="0" indent="0" marL="0">
+              <a:buNone/>
+            </a:pPr>
+            <a:r>
+              <a:rPr b="1"/>
+              <a:t>SUR STRAVA (avant) :</a:t>
+            </a:r>
+            <a:r>
+              <a:rPr/>
+              <a:t> - Lance l’app → court seule → partage son temps → 12 likes - “Mon meilleur temps sur ce segment : 8min23” - Motivation : ★★☆☆☆</a:t>
+            </a:r>
+          </a:p>
+          <a:p>
+            <a:pPr lvl="0" indent="0" marL="0">
+              <a:buNone/>
+            </a:pPr>
+            <a:r>
+              <a:rPr b="1"/>
+              <a:t>SUR GEORACE (maintenant) :</a:t>
+            </a:r>
+            <a:r>
+              <a:rPr/>
+              <a:t> - Lance l’app → “3 coureurs détectés à 600m” - Accepte le défi de Lucas (ELO 1395, proche de son niveau 1420) - Course de 1,8km vers un point au bord de la rivière - </a:t>
+            </a:r>
+            <a:r>
+              <a:rPr b="1"/>
+              <a:t>ELLE GAGNE de 12 secondes</a:t>
+            </a:r>
+            <a:r>
+              <a:rPr/>
+              <a:t> → +28 ELO, badge “5 victoires” - Motivation : ★★★★★</a:t>
+            </a:r>
+          </a:p>
+          <a:p>
+            <a:pPr lvl="0" indent="0" marL="0">
+              <a:buNone/>
+            </a:pPr>
+            <a:r>
+              <a:rPr b="1"/>
+              <a:t>CE QUI CHANGE :</a:t>
+            </a:r>
+            <a:r>
+              <a:rPr/>
+              <a:t> L’excitation d’une vraie compétition vs comparaison de chiffres</a:t>
             </a:r>
           </a:p>
         </p:txBody>
@@ -4840,7 +5535,7 @@
             </a:pPr>
             <a:r>
               <a:rPr/>
-              <a:t>🟦 Slide 7 – Système de classement ELO</a:t>
+              <a:t>🟦 Slide 7 - Pourquoi les utilisateurs nous rejoindront</a:t>
             </a:r>
           </a:p>
         </p:txBody>
@@ -4865,46 +5560,108 @@
             </a:pPr>
             <a:r>
               <a:rPr b="1"/>
-              <a:t>Compétition équitable et progression motivante</a:t>
-            </a:r>
-          </a:p>
-          <a:p>
-            <a:pPr lvl="0" indent="0" marL="0">
-              <a:buNone/>
-            </a:pPr>
-            <a:r>
-              <a:rPr b="1"/>
-              <a:t>01 - MATCHS ÉQUILIBRÉS</a:t>
-            </a:r>
-            <a:r>
-              <a:rPr/>
-              <a:t> Algorithme ELO vous oppose à des coureurs de niveau proche</a:t>
-            </a:r>
-          </a:p>
-          <a:p>
-            <a:pPr lvl="0" indent="0" marL="0">
-              <a:buNone/>
-            </a:pPr>
-            <a:r>
-              <a:rPr b="1"/>
-              <a:t>02 - PROGRESSION VISIBLE</a:t>
-            </a:r>
-            <a:r>
-              <a:rPr/>
-              <a:t> Suivez votre montée dans les classements (Bronze → Argent → Or → Platine)</a:t>
-            </a:r>
-          </a:p>
-          <a:p>
-            <a:pPr lvl="0" indent="0" marL="0">
-              <a:buNone/>
-            </a:pPr>
-            <a:r>
-              <a:rPr b="1"/>
-              <a:t>03 - RÉCOMPENSES ET BADGES</a:t>
-            </a:r>
-            <a:r>
-              <a:rPr/>
-              <a:t> Débloquez des achievements à chaque niveau atteint</a:t>
+              <a:t>ARGUMENTS CONCRETS POUR CONVAINCRE LES UTILISATEURS ACTIFS SUR D’AUTRES APPS</a:t>
+            </a:r>
+          </a:p>
+          <a:p>
+            <a:pPr lvl="0" indent="0" marL="0">
+              <a:buNone/>
+            </a:pPr>
+            <a:r>
+              <a:rPr b="1"/>
+              <a:t>1️⃣ DUEL INSTANTANÉ : L’ADRÉNALINE D’UNE VRAIE COURSE</a:t>
+            </a:r>
+            <a:r>
+              <a:rPr/>
+              <a:t> - Fini l’ennui de courir seul en comparant des chiffres - Compétition réelle, en temps réel, avec des adversaires proches - Gratification immédiate : “J’ai gagné !” au lieu de “J’ai fait 5km en 28min”</a:t>
+            </a:r>
+          </a:p>
+          <a:p>
+            <a:pPr lvl="0" indent="0" marL="0">
+              <a:buNone/>
+            </a:pPr>
+            <a:r>
+              <a:rPr b="1"/>
+              <a:t>2️⃣ PROGRESSION VISIBLE VIA ELO</a:t>
+            </a:r>
+            <a:r>
+              <a:rPr/>
+              <a:t> - Système de classement clair et motivant (comme les échecs) - Chaque victoire vous fait monter : Bronze → Argent → Or → Platine - Objectif tangible : “Je veux atteindre 1500 ELO ce mois-ci” - Contrairement à Strava : pas besoin de courir plus vite, juste de battre des adversaires de votre niveau</a:t>
+            </a:r>
+          </a:p>
+          <a:p>
+            <a:pPr lvl="0" indent="0" marL="0">
+              <a:buNone/>
+            </a:pPr>
+            <a:r>
+              <a:rPr b="1"/>
+              <a:t>3️⃣ FAIR PLAY GARANTI</a:t>
+            </a:r>
+            <a:r>
+              <a:rPr/>
+              <a:t> - Point d’arrivée équidistant : tout le monde parcourt la même distance - Matchmaking intelligent : oppositions équilibrées (pas de débutant vs expert) - Anti-triche robuste : détection automatique des tricheurs et bannissement - Justice sportive : vous gagnez si vous courez mieux, pas si vous trichez</a:t>
+            </a:r>
+          </a:p>
+          <a:p>
+            <a:pPr lvl="0" indent="0" marL="0">
+              <a:buNone/>
+            </a:pPr>
+            <a:r>
+              <a:rPr b="1"/>
+              <a:t>4️⃣ PRIVACY-FIRST : VIE PRIVÉE RESPECTÉE</a:t>
+            </a:r>
+            <a:r>
+              <a:rPr/>
+              <a:t> - Position GPS partagée UNIQUEMENT pendant les duels actifs - Pas de tracking permanent comme sur Strava (qui sait où vous habitez) - Mode anonyme : pas besoin de donner votre vraie identité - Contrôle total : bloquez des utilisateurs, limitez votre zone de confort</a:t>
+            </a:r>
+          </a:p>
+          <a:p>
+            <a:pPr lvl="0" indent="0" marL="0">
+              <a:buNone/>
+            </a:pPr>
+            <a:r>
+              <a:rPr b="1"/>
+              <a:t>5️⃣ MICRO-COMPÉTITIONS LOCALES</a:t>
+            </a:r>
+            <a:r>
+              <a:rPr/>
+              <a:t> - Affrontez vos voisins et collègues : “Top 10 de Paris 15e” - Tournois hebdomadaires dans votre quartier - Effet communauté : vous courez avec des gens de votre ville, pas des inconnus lointains</a:t>
+            </a:r>
+          </a:p>
+          <a:p>
+            <a:pPr lvl="0" indent="0" marL="0">
+              <a:buNone/>
+            </a:pPr>
+            <a:r>
+              <a:rPr b="1"/>
+              <a:t>6️⃣ GAIN DE STATUT SOCIAL GRÂCE AUX BADGES</a:t>
+            </a:r>
+            <a:r>
+              <a:rPr/>
+              <a:t> - Badges débloquables : “5 victoires d’affilée”, “Champion local”, “Tueur de géants” - Profil de compétiteur : montrez vos exploits, pas juste vos kilomètres - Chat et smack talk : créez des rivalités amicales</a:t>
+            </a:r>
+          </a:p>
+          <a:p>
+            <a:pPr lvl="0" indent="0" marL="0">
+              <a:buNone/>
+            </a:pPr>
+            <a:r>
+              <a:rPr b="1"/>
+              <a:t>➜ STRAVA VOUS DIT COMBIEN VOUS AVEZ COURU.</a:t>
+            </a:r>
+            <a:br/>
+            <a:r>
+              <a:rPr b="1"/>
+              <a:t>➜ GEORACE VOUS DIT SI VOUS AVEZ GAGNÉ.</a:t>
+            </a:r>
+          </a:p>
+          <a:p>
+            <a:pPr lvl="0" indent="0" marL="0">
+              <a:buNone/>
+            </a:pPr>
+            <a:r>
+              <a:rPr b="1"/>
+              <a:t>La motivation ne vient pas du tracking. Elle vient de la COMPÉTITION.</a:t>
             </a:r>
           </a:p>
         </p:txBody>
@@ -4951,7 +5708,7 @@
             </a:pPr>
             <a:r>
               <a:rPr/>
-              <a:t>🟦 Slide 8 – Bénéfices de GeoRace</a:t>
+              <a:t>🟦 Slide 8 - Fonctionnalités différenciantes : Ce qui nous distingue</a:t>
             </a:r>
           </a:p>
         </p:txBody>
@@ -4976,46 +5733,118 @@
             </a:pPr>
             <a:r>
               <a:rPr b="1"/>
-              <a:t>Plus qu’une app de running</a:t>
-            </a:r>
-          </a:p>
-          <a:p>
-            <a:pPr lvl="0" indent="0" marL="0">
-              <a:buNone/>
-            </a:pPr>
-            <a:r>
-              <a:rPr b="1"/>
-              <a:t>01 - MOTIVATION ACCRUE</a:t>
-            </a:r>
-            <a:r>
-              <a:rPr/>
-              <a:t> Chaque sortie devient un défi concret et excitant</a:t>
-            </a:r>
-          </a:p>
-          <a:p>
-            <a:pPr lvl="0" indent="0" marL="0">
-              <a:buNone/>
-            </a:pPr>
-            <a:r>
-              <a:rPr b="1"/>
-              <a:t>02 - AMÉLIORATION DES PERFORMANCES</a:t>
-            </a:r>
-            <a:r>
-              <a:rPr/>
-              <a:t> La compétition pousse naturellement au dépassement de soi</a:t>
-            </a:r>
-          </a:p>
-          <a:p>
-            <a:pPr lvl="0" indent="0" marL="0">
-              <a:buNone/>
-            </a:pPr>
-            <a:r>
-              <a:rPr b="1"/>
-              <a:t>03 - BIEN-ÊTRE SOCIAL</a:t>
-            </a:r>
-            <a:r>
-              <a:rPr/>
-              <a:t> Rencontrez et interagissez avec d’autres coureurs passionnés</a:t>
+              <a:t>NOS AVANTAGES UNIQUES</a:t>
+            </a:r>
+          </a:p>
+          <a:p>
+            <a:pPr lvl="0" indent="0" marL="0">
+              <a:buNone/>
+            </a:pPr>
+            <a:r>
+              <a:rPr/>
+              <a:t>🏁 </a:t>
+            </a:r>
+            <a:r>
+              <a:rPr b="1"/>
+              <a:t>DUEL EN TEMPS RÉEL AVEC FINISH ÉQUIDISTANT</a:t>
+            </a:r>
+            <a:r>
+              <a:rPr/>
+              <a:t> - Algorithme propriétaire : calcul d’un point d’arrivée équidistant pour tous - Garantie d’équité : chaque participant parcourt exactement la même distance - Aucun concurrent ne propose cette technologie</a:t>
+            </a:r>
+          </a:p>
+          <a:p>
+            <a:pPr lvl="0" indent="0" marL="0">
+              <a:buNone/>
+            </a:pPr>
+            <a:r>
+              <a:rPr/>
+              <a:t>🎯 </a:t>
+            </a:r>
+            <a:r>
+              <a:rPr b="1"/>
+              <a:t>MATCHMAKING ELO INTELLIGENT</a:t>
+            </a:r>
+            <a:r>
+              <a:rPr/>
+              <a:t> - Système de classement comme aux échecs - Oppositions équilibrées : adversaires de niveau similaire (±100 ELO) - Progression motivante : chaque victoire compte, chaque défaite enseigne</a:t>
+            </a:r>
+          </a:p>
+          <a:p>
+            <a:pPr lvl="0" indent="0" marL="0">
+              <a:buNone/>
+            </a:pPr>
+            <a:r>
+              <a:rPr/>
+              <a:t>🔒 </a:t>
+            </a:r>
+            <a:r>
+              <a:rPr b="1"/>
+              <a:t>RESPECT DE LA VIE PRIVÉE</a:t>
+            </a:r>
+            <a:r>
+              <a:rPr/>
+              <a:t> - Position GPS partagée UNIQUEMENT pendant les duels actifs - Pas de tracking permanent contrairement à Strava - Mode anonyme disponible : pseudonyme, pas d’identité réelle</a:t>
+            </a:r>
+          </a:p>
+          <a:p>
+            <a:pPr lvl="0" indent="0" marL="0">
+              <a:buNone/>
+            </a:pPr>
+            <a:r>
+              <a:rPr/>
+              <a:t>🛡️ </a:t>
+            </a:r>
+            <a:r>
+              <a:rPr b="1"/>
+              <a:t>SYSTÈME ANTI-TRICHE ROBUSTE</a:t>
+            </a:r>
+            <a:r>
+              <a:rPr/>
+              <a:t> - Détection automatique de vitesses anormales (&gt;18 km/h prolongé) - Analyse des patterns GPS : accélération impossible détectée - Signalement communautaire + vérification manuelle - Bannissement permanent des tricheurs</a:t>
+            </a:r>
+          </a:p>
+          <a:p>
+            <a:pPr lvl="0" indent="0" marL="0">
+              <a:buNone/>
+            </a:pPr>
+            <a:r>
+              <a:rPr/>
+              <a:t>🔐 </a:t>
+            </a:r>
+            <a:r>
+              <a:rPr b="1"/>
+              <a:t>SÉCURITÉ ET PROTECTION</a:t>
+            </a:r>
+            <a:r>
+              <a:rPr/>
+              <a:t> - Blocage d’utilisateurs indésirables - Zone de confort paramétrable : accepter duels uniquement dans votre périmètre - Alertes de sécurité si rythme cardiaque trop élevé (intégration montres connectées)</a:t>
+            </a:r>
+          </a:p>
+          <a:p>
+            <a:pPr lvl="0" indent="0" marL="0">
+              <a:buNone/>
+            </a:pPr>
+            <a:r>
+              <a:rPr/>
+              <a:t>👥 </a:t>
+            </a:r>
+            <a:r>
+              <a:rPr b="1"/>
+              <a:t>SOCIAL &amp; ENGAGEMENT</a:t>
+            </a:r>
+            <a:r>
+              <a:rPr/>
+              <a:t> - Profils de compétiteurs avec historique des duels - Chat en direct avant/après les courses - Badges et récompenses débloquables - Ligues locales et tournois hebdomadaires</a:t>
+            </a:r>
+          </a:p>
+          <a:p>
+            <a:pPr lvl="0" indent="0" marL="0">
+              <a:buNone/>
+            </a:pPr>
+            <a:r>
+              <a:rPr b="1"/>
+              <a:t>➜ Ces 6 piliers créent une expérience que nos concurrents ne peuvent pas copier</a:t>
             </a:r>
           </a:p>
         </p:txBody>

--- a/GeoRace_presentation.pptx
+++ b/GeoRace_presentation.pptx
@@ -22,6 +22,11 @@
     <p:sldId id="270" r:id="rId16"/>
     <p:sldId id="271" r:id="rId17"/>
     <p:sldId id="272" r:id="rId18"/>
+    <p:sldId id="273" r:id="rId19"/>
+    <p:sldId id="274" r:id="rId20"/>
+    <p:sldId id="275" r:id="rId21"/>
+    <p:sldId id="276" r:id="rId22"/>
+    <p:sldId id="277" r:id="rId23"/>
   </p:sldIdLst>
   <p:sldSz cx="9144000" cy="5143500" type="screen16x9"/>
   <p:notesSz cx="6858000" cy="9144000"/>
@@ -3192,31 +3197,6 @@
       </p:grpSpPr>
       <p:sp>
         <p:nvSpPr>
-          <p:cNvPr id="2" name="Title 1"/>
-          <p:cNvSpPr>
-            <a:spLocks noGrp="1"/>
-          </p:cNvSpPr>
-          <p:nvPr>
-            <p:ph type="title"/>
-          </p:nvPr>
-        </p:nvSpPr>
-        <p:spPr/>
-        <p:txBody>
-          <a:bodyPr/>
-          <a:lstStyle/>
-          <a:p>
-            <a:pPr lvl="0" indent="0" marL="0">
-              <a:buNone/>
-            </a:pPr>
-            <a:r>
-              <a:rPr/>
-              <a:t>🟦 Slide 9 – Fonctionnalités clés</a:t>
-            </a:r>
-          </a:p>
-        </p:txBody>
-      </p:sp>
-      <p:sp>
-        <p:nvSpPr>
           <p:cNvPr id="3" name="Content Placeholder 2"/>
           <p:cNvSpPr>
             <a:spLocks noGrp="1"/>
@@ -3235,62 +3215,7 @@
             </a:pPr>
             <a:r>
               <a:rPr b="1"/>
-              <a:t>Technologie au service de la performance</a:t>
-            </a:r>
-          </a:p>
-          <a:p>
-            <a:pPr lvl="0"/>
-            <a:r>
-              <a:rPr b="1"/>
-              <a:t>GPS haute précision</a:t>
-            </a:r>
-            <a:r>
-              <a:rPr/>
-              <a:t> : tracking en temps réel pendant les duels</a:t>
-            </a:r>
-          </a:p>
-          <a:p>
-            <a:pPr lvl="0"/>
-            <a:r>
-              <a:rPr b="1"/>
-              <a:t>Algorithme intelligent</a:t>
-            </a:r>
-            <a:r>
-              <a:rPr/>
-              <a:t> : calcul de points équidistants accessibles</a:t>
-            </a:r>
-          </a:p>
-          <a:p>
-            <a:pPr lvl="0"/>
-            <a:r>
-              <a:rPr b="1"/>
-              <a:t>Sécurité</a:t>
-            </a:r>
-            <a:r>
-              <a:rPr/>
-              <a:t> : position visible uniquement en duel actif</a:t>
-            </a:r>
-          </a:p>
-          <a:p>
-            <a:pPr lvl="0"/>
-            <a:r>
-              <a:rPr b="1"/>
-              <a:t>Anti-triche</a:t>
-            </a:r>
-            <a:r>
-              <a:rPr/>
-              <a:t> : détection de vitesse anormale et validation communautaire</a:t>
-            </a:r>
-          </a:p>
-          <a:p>
-            <a:pPr lvl="0"/>
-            <a:r>
-              <a:rPr b="1"/>
-              <a:t>Optimisation batterie</a:t>
-            </a:r>
-            <a:r>
-              <a:rPr/>
-              <a:t> : mode économie d’énergie</a:t>
+              <a:t>GeoRace = Seule app de duel instantané et équitable</a:t>
             </a:r>
           </a:p>
         </p:txBody>
@@ -3337,7 +3262,7 @@
             </a:pPr>
             <a:r>
               <a:rPr/>
-              <a:t>🟦 Slide 10 – Cible</a:t>
+              <a:t>🟦 Slide 9 - Nos différenciateurs</a:t>
             </a:r>
           </a:p>
         </p:txBody>
@@ -3362,67 +3287,139 @@
             </a:pPr>
             <a:r>
               <a:rPr b="1"/>
-              <a:t>Qui utilise GeoRace ?</a:t>
-            </a:r>
-          </a:p>
-          <a:p>
-            <a:pPr lvl="0"/>
-            <a:r>
-              <a:rPr/>
-              <a:t>🏃‍♂️ </a:t>
-            </a:r>
-            <a:r>
-              <a:rPr b="1"/>
-              <a:t>Coureurs réguliers</a:t>
-            </a:r>
-            <a:r>
-              <a:rPr/>
-              <a:t> : cherchent à améliorer leurs performances</a:t>
-            </a:r>
-          </a:p>
-          <a:p>
-            <a:pPr lvl="0"/>
-            <a:r>
-              <a:rPr/>
-              <a:t>👟 </a:t>
-            </a:r>
-            <a:r>
-              <a:rPr b="1"/>
-              <a:t>Coureurs occasionnels</a:t>
-            </a:r>
-            <a:r>
-              <a:rPr/>
-              <a:t> : ont besoin de motivation pour rester réguliers</a:t>
-            </a:r>
-          </a:p>
-          <a:p>
-            <a:pPr lvl="0"/>
-            <a:r>
-              <a:rPr/>
-              <a:t>🏅 </a:t>
-            </a:r>
-            <a:r>
-              <a:rPr b="1"/>
-              <a:t>Coureurs compétitifs</a:t>
-            </a:r>
-            <a:r>
-              <a:rPr/>
-              <a:t> : veulent tester leur niveau entre les courses officielles</a:t>
-            </a:r>
-          </a:p>
-          <a:p>
-            <a:pPr lvl="0"/>
-            <a:r>
-              <a:rPr/>
-              <a:t>👥 </a:t>
-            </a:r>
-            <a:r>
-              <a:rPr b="1"/>
-              <a:t>Nouveaux coureurs</a:t>
-            </a:r>
-            <a:r>
-              <a:rPr/>
-              <a:t> : cherchent une communauté motivante</a:t>
+              <a:t>Fonctionnalités qui nous distinguent des concurrents</a:t>
+            </a:r>
+          </a:p>
+          <a:p>
+            <a:pPr lvl="0" indent="0" marL="0">
+              <a:buNone/>
+            </a:pPr>
+            <a:r>
+              <a:rPr/>
+              <a:t>✅ </a:t>
+            </a:r>
+            <a:r>
+              <a:rPr b="1"/>
+              <a:t>Duels équidistants en temps réel</a:t>
+            </a:r>
+            <a:r>
+              <a:rPr/>
+              <a:t> Point d’arrivée calculé à distance égale pour tous → équité parfaite garantie</a:t>
+            </a:r>
+          </a:p>
+          <a:p>
+            <a:pPr lvl="0" indent="0" marL="0">
+              <a:buNone/>
+            </a:pPr>
+            <a:r>
+              <a:rPr/>
+              <a:t>✅ </a:t>
+            </a:r>
+            <a:r>
+              <a:rPr b="1"/>
+              <a:t>Matchmaking ELO intelligent</a:t>
+            </a:r>
+            <a:r>
+              <a:rPr/>
+              <a:t> Vous affrontez des coureurs de votre niveau → compétition équilibrée et motivante</a:t>
+            </a:r>
+          </a:p>
+          <a:p>
+            <a:pPr lvl="0" indent="0" marL="0">
+              <a:buNone/>
+            </a:pPr>
+            <a:r>
+              <a:rPr/>
+              <a:t>✅ </a:t>
+            </a:r>
+            <a:r>
+              <a:rPr b="1"/>
+              <a:t>Anti-triche GPS avancé</a:t>
+            </a:r>
+            <a:r>
+              <a:rPr/>
+              <a:t> Détection de vitesse anormale + validation communautaire → intégrité des courses</a:t>
+            </a:r>
+          </a:p>
+          <a:p>
+            <a:pPr lvl="0" indent="0" marL="0">
+              <a:buNone/>
+            </a:pPr>
+            <a:r>
+              <a:rPr/>
+              <a:t>✅ </a:t>
+            </a:r>
+            <a:r>
+              <a:rPr b="1"/>
+              <a:t>Confidentialité position limitée</a:t>
+            </a:r>
+            <a:r>
+              <a:rPr/>
+              <a:t> Position visible uniquement pendant les duels actifs → sécurité et vie privée</a:t>
+            </a:r>
+          </a:p>
+          <a:p>
+            <a:pPr lvl="0" indent="0" marL="0">
+              <a:buNone/>
+            </a:pPr>
+            <a:r>
+              <a:rPr/>
+              <a:t>✅ </a:t>
+            </a:r>
+            <a:r>
+              <a:rPr b="1"/>
+              <a:t>Progression visible &amp; badges</a:t>
+            </a:r>
+            <a:r>
+              <a:rPr/>
+              <a:t> Système de classement (Bronze → Platine) + achievements → motivation continue</a:t>
+            </a:r>
+          </a:p>
+          <a:p>
+            <a:pPr lvl="0" indent="0" marL="0">
+              <a:buNone/>
+            </a:pPr>
+            <a:r>
+              <a:rPr/>
+              <a:t>✅ </a:t>
+            </a:r>
+            <a:r>
+              <a:rPr b="1"/>
+              <a:t>Communauté locale active</a:t>
+            </a:r>
+            <a:r>
+              <a:rPr/>
+              <a:t> Événements de quartier, ligues locales, défis hebdomadaires → engagement social</a:t>
+            </a:r>
+          </a:p>
+          <a:p>
+            <a:pPr lvl="0" indent="0" marL="0">
+              <a:buNone/>
+            </a:pPr>
+            <a:r>
+              <a:rPr b="1"/>
+              <a:t>CE QUE STRAVA NE PEUT PAS COPIER :</a:t>
+            </a:r>
+            <a:r>
+              <a:rPr/>
+              <a:t> - Algorithme de point équidistant (brevet déposable) - Infrastructure temps réel WebSocket (&lt;500ms de latence) - Communauté de compétiteurs avec historique ELO</a:t>
+            </a:r>
+          </a:p>
+          <a:p>
+            <a:pPr lvl="0" indent="0" marL="0">
+              <a:buNone/>
+            </a:pPr>
+            <a:r>
+              <a:rPr b="1"/>
+              <a:t>Notes présentateur :</a:t>
+            </a:r>
+            <a:r>
+              <a:rPr/>
+              <a:t> </a:t>
+            </a:r>
+            <a:r>
+              <a:rPr i="1"/>
+              <a:t>Insister sur l’équité des duels (point équidistant) qui est notre innovation clé appréciée par le jury. Les concurrents n’offrent que du tracking ou des défis asynchrones. Notre combinaison matchmaking ELO + duels temps réel = unique sur le marché. La sécurité (anti-triche + confidentialité) répond aux préoccupations principales.</a:t>
             </a:r>
           </a:p>
         </p:txBody>
@@ -3469,7 +3466,7 @@
             </a:pPr>
             <a:r>
               <a:rPr/>
-              <a:t>🟦 Slide 11 – Différenciation</a:t>
+              <a:t>🟦 Slide 10 - Pitch : Pourquoi les utilisateurs viendront chez GeoRace</a:t>
             </a:r>
           </a:p>
         </p:txBody>
@@ -3494,67 +3491,177 @@
             </a:pPr>
             <a:r>
               <a:rPr b="1"/>
-              <a:t>Ce que les autres apps ne font pas :</a:t>
-            </a:r>
-          </a:p>
-          <a:p>
-            <a:pPr lvl="0"/>
-            <a:r>
-              <a:rPr b="1"/>
-              <a:t>Strava</a:t>
-            </a:r>
-            <a:r>
-              <a:rPr/>
-              <a:t> → réseau social, pas de compétition temps réel</a:t>
-            </a:r>
-          </a:p>
-          <a:p>
-            <a:pPr lvl="0"/>
-            <a:r>
-              <a:rPr b="1"/>
-              <a:t>Nike Run Club</a:t>
-            </a:r>
-            <a:r>
-              <a:rPr/>
-              <a:t> → tracking + défis asynchrones</a:t>
-            </a:r>
-          </a:p>
-          <a:p>
-            <a:pPr lvl="0"/>
-            <a:r>
-              <a:rPr b="1"/>
-              <a:t>Runkeeper</a:t>
-            </a:r>
-            <a:r>
-              <a:rPr/>
-              <a:t> → GPS basique sans interaction</a:t>
-            </a:r>
-          </a:p>
-          <a:p>
-            <a:pPr lvl="0" indent="0" marL="0">
-              <a:buNone/>
-            </a:pPr>
-            <a:r>
-              <a:rPr b="1"/>
-              <a:t>GeoRace combine :</a:t>
-            </a:r>
-          </a:p>
-          <a:p>
-            <a:pPr lvl="0" indent="0" marL="1270000">
-              <a:buNone/>
-            </a:pPr>
-            <a:r>
-              <a:rPr sz="2000"/>
-              <a:t>Duels spontanés en temps réel + Point d’arrivée équitable + Matchmaking ELO</a:t>
-            </a:r>
-          </a:p>
-          <a:p>
-            <a:pPr lvl="0" indent="0" marL="0">
-              <a:buNone/>
-            </a:pPr>
-            <a:r>
-              <a:rPr b="1"/>
-              <a:t>= Concept unique sur le marché</a:t>
+              <a:t>Stratégie d’acquisition des utilisateurs déjà sur d’autres apps</a:t>
+            </a:r>
+          </a:p>
+          <a:p>
+            <a:pPr lvl="0" indent="0" marL="0">
+              <a:buNone/>
+            </a:pPr>
+            <a:r>
+              <a:rPr/>
+              <a:t>🎯 </a:t>
+            </a:r>
+            <a:r>
+              <a:rPr b="1"/>
+              <a:t>Ciblage coureurs locaux via duels</a:t>
+            </a:r>
+            <a:r>
+              <a:rPr/>
+              <a:t> Notifications “3 coureurs près de vous → défiez-les” → expérience immédiate</a:t>
+            </a:r>
+          </a:p>
+          <a:p>
+            <a:pPr lvl="0" indent="0" marL="0">
+              <a:buNone/>
+            </a:pPr>
+            <a:r>
+              <a:rPr/>
+              <a:t>🤝 </a:t>
+            </a:r>
+            <a:r>
+              <a:rPr b="1"/>
+              <a:t>Partenariats locaux</a:t>
+            </a:r>
+            <a:r>
+              <a:rPr/>
+              <a:t> Clubs de running + événements sportifs → visibilité communautaire ciblée</a:t>
+            </a:r>
+          </a:p>
+          <a:p>
+            <a:pPr lvl="0" indent="0" marL="0">
+              <a:buNone/>
+            </a:pPr>
+            <a:r>
+              <a:rPr/>
+              <a:t>🏆 </a:t>
+            </a:r>
+            <a:r>
+              <a:rPr b="1"/>
+              <a:t>Challenges hebdomadaires locaux</a:t>
+            </a:r>
+            <a:r>
+              <a:rPr/>
+              <a:t> “Top 10 de votre quartier cette semaine” → compétition de proximité</a:t>
+            </a:r>
+          </a:p>
+          <a:p>
+            <a:pPr lvl="0" indent="0" marL="0">
+              <a:buNone/>
+            </a:pPr>
+            <a:r>
+              <a:rPr/>
+              <a:t>👥 </a:t>
+            </a:r>
+            <a:r>
+              <a:rPr b="1"/>
+              <a:t>Parrainage via duels</a:t>
+            </a:r>
+            <a:r>
+              <a:rPr/>
+              <a:t> “Invitez un ami → débloquez 10 duels bonus” → croissance virale naturelle</a:t>
+            </a:r>
+          </a:p>
+          <a:p>
+            <a:pPr lvl="0" indent="0" marL="0">
+              <a:buNone/>
+            </a:pPr>
+            <a:r>
+              <a:rPr/>
+              <a:t>📱 </a:t>
+            </a:r>
+            <a:r>
+              <a:rPr b="1"/>
+              <a:t>Intégration réseaux sociaux</a:t>
+            </a:r>
+            <a:r>
+              <a:rPr/>
+              <a:t> Partage automatique résultats (Instagram, Facebook) → preuve sociale</a:t>
+            </a:r>
+          </a:p>
+          <a:p>
+            <a:pPr lvl="0" indent="0" marL="0">
+              <a:buNone/>
+            </a:pPr>
+            <a:r>
+              <a:rPr/>
+              <a:t>⏰ </a:t>
+            </a:r>
+            <a:r>
+              <a:rPr b="1"/>
+              <a:t>Notifications contextuelles</a:t>
+            </a:r>
+            <a:r>
+              <a:rPr/>
+              <a:t> “Vous venez de courir 5km → proposer un duel proche ?” → timing parfait</a:t>
+            </a:r>
+          </a:p>
+          <a:p>
+            <a:pPr lvl="0" indent="0" marL="0">
+              <a:buNone/>
+            </a:pPr>
+            <a:r>
+              <a:rPr/>
+              <a:t>🎮 </a:t>
+            </a:r>
+            <a:r>
+              <a:rPr b="1"/>
+              <a:t>Mise en avant duel dès l’onboarding</a:t>
+            </a:r>
+            <a:r>
+              <a:rPr/>
+              <a:t> Premier duel guidé gratuit dans les 5 premières minutes → hook immédiat</a:t>
+            </a:r>
+          </a:p>
+          <a:p>
+            <a:pPr lvl="0" indent="0" marL="0">
+              <a:buNone/>
+            </a:pPr>
+            <a:r>
+              <a:rPr/>
+              <a:t>📊 </a:t>
+            </a:r>
+            <a:r>
+              <a:rPr b="1"/>
+              <a:t>Preuve sociale locale</a:t>
+            </a:r>
+            <a:r>
+              <a:rPr/>
+              <a:t> Classements par quartier + badges visibles → effet FOMO</a:t>
+            </a:r>
+          </a:p>
+          <a:p>
+            <a:pPr lvl="0" indent="0" marL="0">
+              <a:buNone/>
+            </a:pPr>
+            <a:r>
+              <a:rPr/>
+              <a:t>🎯 </a:t>
+            </a:r>
+            <a:r>
+              <a:rPr b="1"/>
+              <a:t>Campagnes segments compétitifs</a:t>
+            </a:r>
+            <a:r>
+              <a:rPr/>
+              <a:t> Ciblage sprinters, joggers réguliers, groupes d’amis → messages personnalisés</a:t>
+            </a:r>
+          </a:p>
+          <a:p>
+            <a:pPr lvl="0" indent="0" marL="0">
+              <a:buNone/>
+            </a:pPr>
+            <a:r>
+              <a:rPr b="1"/>
+              <a:t>Notes présentateur :</a:t>
+            </a:r>
+            <a:r>
+              <a:rPr/>
+              <a:t> </a:t>
+            </a:r>
+            <a:r>
+              <a:rPr i="1"/>
+              <a:t>Notre avantage : les utilisateurs de Strava/Nike Run Club cherchent déjà la compétition mais n’ont que des défis asynchrones. Nous offrons l’excitation du temps réel. Tactique clé : notification post-course pour transformer l’habitude existante en duel GeoRace. Les partenariats clubs donnent crédibilité locale. Le parrainage via duels crée une boucle virale (inviter = jouer ensemble).</a:t>
             </a:r>
           </a:p>
         </p:txBody>
@@ -3601,7 +3708,7 @@
             </a:pPr>
             <a:r>
               <a:rPr/>
-              <a:t>🟦 Slide 12 – Modèle économique</a:t>
+              <a:t>🟦 Slide 11 - Le système ELO : matchmaking intelligent</a:t>
             </a:r>
           </a:p>
         </p:txBody>
@@ -3626,46 +3733,68 @@
             </a:pPr>
             <a:r>
               <a:rPr b="1"/>
-              <a:t>Freemium avec valeur ajoutée</a:t>
-            </a:r>
-          </a:p>
-          <a:p>
-            <a:pPr lvl="0" indent="0" marL="0">
-              <a:buNone/>
-            </a:pPr>
-            <a:r>
-              <a:rPr b="1"/>
-              <a:t>Gratuit :</a:t>
-            </a:r>
-            <a:r>
-              <a:rPr/>
-              <a:t> * 3 duels par jour * Classement ELO * Statistiques de base * Événements communautaires</a:t>
-            </a:r>
-          </a:p>
-          <a:p>
-            <a:pPr lvl="0" indent="0" marL="0">
-              <a:buNone/>
-            </a:pPr>
-            <a:r>
-              <a:rPr b="1"/>
-              <a:t>Premium (4,99€/mois) :</a:t>
-            </a:r>
-            <a:r>
-              <a:rPr/>
-              <a:t> * Duels illimités * Statistiques avancées * Personnalisation profil * Mode entraînement contre vos records * Pas de publicités</a:t>
-            </a:r>
-          </a:p>
-          <a:p>
-            <a:pPr lvl="0" indent="0" marL="0">
-              <a:buNone/>
-            </a:pPr>
-            <a:r>
-              <a:rPr b="1"/>
-              <a:t>Revenus additionnels :</a:t>
-            </a:r>
-            <a:r>
-              <a:rPr/>
-              <a:t> * Partenariats marques (Nike, Adidas) * Événements premium avec prix</a:t>
+              <a:t>Pourquoi le duel reste motivant même après 100 courses</a:t>
+            </a:r>
+          </a:p>
+          <a:p>
+            <a:pPr lvl="0" indent="0" marL="0">
+              <a:buNone/>
+            </a:pPr>
+            <a:r>
+              <a:rPr b="1"/>
+              <a:t>Problème :</a:t>
+            </a:r>
+            <a:r>
+              <a:rPr/>
+              <a:t> Si on oppose débutants vs experts → frustration des deux côtés</a:t>
+            </a:r>
+          </a:p>
+          <a:p>
+            <a:pPr lvl="0" indent="0" marL="0">
+              <a:buNone/>
+            </a:pPr>
+            <a:r>
+              <a:rPr b="1"/>
+              <a:t>Solution ELO :</a:t>
+            </a:r>
+            <a:r>
+              <a:rPr/>
+              <a:t> - Chaque victoire/défaite ajuste votre score - Algorithme vous oppose à des coureurs de ±100 ELO - Progression visible : Bronze (0-1000) → Platine (2000+)</a:t>
+            </a:r>
+          </a:p>
+          <a:p>
+            <a:pPr lvl="0" indent="0" marL="0">
+              <a:buNone/>
+            </a:pPr>
+            <a:r>
+              <a:rPr b="1"/>
+              <a:t>Exemple concret :</a:t>
+            </a:r>
+            <a:r>
+              <a:rPr/>
+              <a:t> - Emma (ELO 1420) bat Lucas (ELO 1450) → +28 points (victoire difficile) - Emma bat Sophie (ELO 1200) → +8 points (victoire facile)</a:t>
+            </a:r>
+          </a:p>
+          <a:p>
+            <a:pPr lvl="0" indent="0" marL="0">
+              <a:buNone/>
+            </a:pPr>
+            <a:r>
+              <a:rPr b="1"/>
+              <a:t>Résultat :</a:t>
+            </a:r>
+            <a:r>
+              <a:rPr/>
+              <a:t> Chaque duel est challengeant mais faisable → motivation maximale</a:t>
+            </a:r>
+          </a:p>
+          <a:p>
+            <a:pPr lvl="0" indent="0" marL="0">
+              <a:buNone/>
+            </a:pPr>
+            <a:r>
+              <a:rPr b="1"/>
+              <a:t>Strava ne propose rien de tel.</a:t>
             </a:r>
           </a:p>
         </p:txBody>
@@ -3712,7 +3841,7 @@
             </a:pPr>
             <a:r>
               <a:rPr/>
-              <a:t>🟦 Slide 13 – Roadmap</a:t>
+              <a:t>🟦 Slide 12 - Aspect social : plus fort que Nike Run Club</a:t>
             </a:r>
           </a:p>
         </p:txBody>
@@ -3737,58 +3866,69 @@
             </a:pPr>
             <a:r>
               <a:rPr b="1"/>
-              <a:t>Déploiement progressif</a:t>
-            </a:r>
-          </a:p>
-          <a:p>
-            <a:pPr lvl="0" indent="0" marL="0">
-              <a:buNone/>
-            </a:pPr>
-            <a:r>
-              <a:rPr b="1"/>
-              <a:t>Phase 1 (6 mois) - MVP</a:t>
-            </a:r>
-            <a:r>
-              <a:rPr/>
-              <a:t> * Duels 1v1 en temps réel * Système ELO * Test dans 2-3 villes pilotes * </a:t>
-            </a:r>
-            <a:r>
-              <a:rPr b="1"/>
-              <a:t>Objectif : 500 utilisateurs actifs</a:t>
-            </a:r>
-          </a:p>
-          <a:p>
-            <a:pPr lvl="0" indent="0" marL="0">
-              <a:buNone/>
-            </a:pPr>
-            <a:r>
-              <a:rPr b="1"/>
-              <a:t>Phase 2 (12 mois) - Gamification</a:t>
-            </a:r>
-            <a:r>
-              <a:rPr/>
-              <a:t> * Badges, statistiques, profils * Événements communautaires * </a:t>
-            </a:r>
-            <a:r>
-              <a:rPr b="1"/>
-              <a:t>Objectif : 5 000 utilisateurs</a:t>
-            </a:r>
-          </a:p>
-          <a:p>
-            <a:pPr lvl="0" indent="0" marL="0">
-              <a:buNone/>
-            </a:pPr>
-            <a:r>
-              <a:rPr b="1"/>
-              <a:t>Phase 3 (24 mois) - Scale</a:t>
-            </a:r>
-            <a:r>
-              <a:rPr/>
-              <a:t> * Version Premium * Duels multi-joueurs * Expansion nationale * </a:t>
-            </a:r>
-            <a:r>
-              <a:rPr b="1"/>
-              <a:t>Objectif : 50 000 utilisateurs</a:t>
+              <a:t>Créer une vraie communauté de compétiteurs</a:t>
+            </a:r>
+          </a:p>
+          <a:p>
+            <a:pPr lvl="0" indent="0" marL="0">
+              <a:buNone/>
+            </a:pPr>
+            <a:r>
+              <a:rPr b="1"/>
+              <a:t>FONCTIONNALITÉS SOCIALES :</a:t>
+            </a:r>
+          </a:p>
+          <a:p>
+            <a:pPr lvl="0" indent="0" marL="0">
+              <a:buNone/>
+            </a:pPr>
+            <a:r>
+              <a:rPr b="1"/>
+              <a:t>01 - PROFILS DE COMPÉTITEURS</a:t>
+            </a:r>
+            <a:r>
+              <a:rPr/>
+              <a:t> - Statistiques détaillées : ratio victoires/défaites, progression ELO, parcours favoris - Historique des duels : “Vous avez battu Paul 3 fois, il vous a battu 2 fois”</a:t>
+            </a:r>
+          </a:p>
+          <a:p>
+            <a:pPr lvl="0" indent="0" marL="0">
+              <a:buNone/>
+            </a:pPr>
+            <a:r>
+              <a:rPr b="1"/>
+              <a:t>02 - LIGUES LOCALES</a:t>
+            </a:r>
+            <a:r>
+              <a:rPr/>
+              <a:t> - Classement par ville/quartier : “Top 10 de Paris 15e” - Tournois hebdomadaires : “Gagnez 3 duels ce week-end pour le badge”</a:t>
+            </a:r>
+          </a:p>
+          <a:p>
+            <a:pPr lvl="0" indent="0" marL="0">
+              <a:buNone/>
+            </a:pPr>
+            <a:r>
+              <a:rPr b="1"/>
+              <a:t>03 - DÉFIS ENTRE AMIS</a:t>
+            </a:r>
+            <a:r>
+              <a:rPr/>
+              <a:t> - “Emma défie Paul : course de 2km, RDV Parc Montsouris dans 20min” - Smack talk via chat intégré avant/après la course</a:t>
+            </a:r>
+          </a:p>
+          <a:p>
+            <a:pPr lvl="0" indent="0" marL="0">
+              <a:buNone/>
+            </a:pPr>
+            <a:r>
+              <a:rPr b="1"/>
+              <a:t>Nike Run Club = réseau passif</a:t>
+            </a:r>
+            <a:br/>
+            <a:r>
+              <a:rPr b="1"/>
+              <a:t>GeoRace = compétition active</a:t>
             </a:r>
           </a:p>
         </p:txBody>
@@ -3835,7 +3975,7 @@
             </a:pPr>
             <a:r>
               <a:rPr/>
-              <a:t>🟦 Slide 14 – Défis &amp; Solutions</a:t>
+              <a:t>🟦 Slide 13 - Sécurité et anti-triche</a:t>
             </a:r>
           </a:p>
         </p:txBody>
@@ -3860,59 +4000,46 @@
             </a:pPr>
             <a:r>
               <a:rPr b="1"/>
-              <a:t>Anticiper les obstacles</a:t>
-            </a:r>
-          </a:p>
-          <a:p>
-            <a:pPr lvl="0" indent="0" marL="0">
-              <a:buNone/>
-            </a:pPr>
-            <a:r>
-              <a:rPr b="1"/>
-              <a:t>Défi : Sécurité des coureurs</a:t>
-            </a:r>
-            <a:r>
-              <a:rPr/>
-              <a:t> → Alertes de sécurité, mode “course prudente”</a:t>
-            </a:r>
-          </a:p>
-          <a:p>
-            <a:pPr lvl="0" indent="0" marL="0">
-              <a:buNone/>
-            </a:pPr>
-            <a:r>
-              <a:rPr b="1"/>
-              <a:t>Défi : Zones rurales (peu d’utilisateurs)</a:t>
-            </a:r>
-            <a:r>
-              <a:rPr/>
-              <a:t> → Mode asynchrone contre “ghost runners”</a:t>
-            </a:r>
-          </a:p>
-          <a:p>
-            <a:pPr lvl="0" indent="0" marL="0">
-              <a:buNone/>
-            </a:pPr>
-            <a:r>
-              <a:rPr b="1"/>
-              <a:t>Défi : Triche (vélo, voiture)</a:t>
-            </a:r>
-            <a:r>
-              <a:rPr/>
-              <a:t> → Détection vitesse anormale + validation communautaire</a:t>
-            </a:r>
-          </a:p>
-          <a:p>
-            <a:pPr lvl="0" indent="0" marL="0">
-              <a:buNone/>
-            </a:pPr>
-            <a:r>
-              <a:rPr b="1"/>
-              <a:t>Défi : Vie privée</a:t>
-            </a:r>
-            <a:r>
-              <a:rPr/>
-              <a:t> → Position visible uniquement en duel, blocage d’utilisateurs</a:t>
+              <a:t>Réponses aux objections principales</a:t>
+            </a:r>
+          </a:p>
+          <a:p>
+            <a:pPr lvl="0" indent="0" marL="0">
+              <a:buNone/>
+            </a:pPr>
+            <a:r>
+              <a:rPr b="1"/>
+              <a:t>OBJECTION 1 : “On peut tricher en vélo/voiture”</a:t>
+            </a:r>
+            <a:r>
+              <a:rPr/>
+              <a:t> ✅ Détection de vitesse anormale (&gt;18 km/h sur longue durée) ✅ Analyse des patterns GPS (accélération impossible) ✅ Signalement communautaire + vérification manuelle ✅ Bannissement permanent des tricheurs</a:t>
+            </a:r>
+          </a:p>
+          <a:p>
+            <a:pPr lvl="0" indent="0" marL="0">
+              <a:buNone/>
+            </a:pPr>
+            <a:r>
+              <a:rPr b="1"/>
+              <a:t>OBJECTION 2 : “Risque de stalking via GPS”</a:t>
+            </a:r>
+            <a:r>
+              <a:rPr/>
+              <a:t> ✅ Position visible UNIQUEMENT pendant les duels actifs ✅ Mode anonyme : pseudonyme, pas de vraie identité ✅ Blocage d’utilisateurs ✅ Zone de confort : accepter duels uniquement dans un périmètre défini</a:t>
+            </a:r>
+          </a:p>
+          <a:p>
+            <a:pPr lvl="0" indent="0" marL="0">
+              <a:buNone/>
+            </a:pPr>
+            <a:r>
+              <a:rPr b="1"/>
+              <a:t>OBJECTION 3 : “Sur-effort dangereux”</a:t>
+            </a:r>
+            <a:r>
+              <a:rPr/>
+              <a:t> ✅ Alertes de sécurité si rythme cardiaque trop élevé (intégration montres) ✅ Mode “course prudente” qui limite la vitesse</a:t>
             </a:r>
           </a:p>
         </p:txBody>
@@ -3959,7 +4086,7 @@
             </a:pPr>
             <a:r>
               <a:rPr/>
-              <a:t>🟦 Slide 15 – Vision</a:t>
+              <a:t>🟦 Slide 14 - Modèle économique : freemium optimisé</a:t>
             </a:r>
           </a:p>
         </p:txBody>
@@ -3979,33 +4106,72 @@
           <a:bodyPr/>
           <a:lstStyle/>
           <a:p>
-            <a:pPr lvl="0" indent="0" marL="1270000">
-              <a:buNone/>
-            </a:pPr>
-            <a:r>
-              <a:rPr sz="2000"/>
-              <a:t>GeoRace ne se contente pas de tracker vos courses. Nous transformons la course à pied en une </a:t>
-            </a:r>
-            <a:r>
-              <a:rPr sz="2000" b="1"/>
-              <a:t>expérience sociale, compétitive et motivante</a:t>
-            </a:r>
-            <a:r>
-              <a:rPr sz="2000"/>
-              <a:t> accessible à tous, partout, à tout moment.</a:t>
-            </a:r>
-          </a:p>
-          <a:p>
-            <a:pPr lvl="0" indent="0" marL="0">
-              <a:buNone/>
-            </a:pPr>
-            <a:r>
-              <a:rPr b="1"/>
-              <a:t>Notre ambition :</a:t>
-            </a:r>
-            <a:r>
-              <a:rPr/>
-              <a:t> Devenir la référence de la course compétitive en temps réel et créer une communauté mondiale de coureurs passionnés par le défi.</a:t>
+            <a:pPr lvl="0" indent="0" marL="0">
+              <a:buNone/>
+            </a:pPr>
+            <a:r>
+              <a:rPr b="1"/>
+              <a:t>Convertir la motivation en revenus</a:t>
+            </a:r>
+          </a:p>
+          <a:p>
+            <a:pPr lvl="0" indent="0" marL="0">
+              <a:buNone/>
+            </a:pPr>
+            <a:r>
+              <a:rPr b="1"/>
+              <a:t>GRATUIT (acquisition) :</a:t>
+            </a:r>
+            <a:r>
+              <a:rPr/>
+              <a:t> - 3 duels/jour - ELO et classements - Statistiques de base - Événements communautaires</a:t>
+            </a:r>
+          </a:p>
+          <a:p>
+            <a:pPr lvl="0" indent="0" marL="0">
+              <a:buNone/>
+            </a:pPr>
+            <a:r>
+              <a:rPr b="1"/>
+              <a:t>PREMIUM 4,99€/mois (conversion 10-15%) :</a:t>
+            </a:r>
+            <a:r>
+              <a:rPr/>
+              <a:t> - </a:t>
+            </a:r>
+            <a:r>
+              <a:rPr b="1"/>
+              <a:t>Duels illimités</a:t>
+            </a:r>
+            <a:r>
+              <a:rPr/>
+              <a:t> ← valeur principale - Statistiques avancées (zones de vitesse, analyse progression ELO) - Mode entraînement vs vos records passés - Personnalisation (avatars, badges exclusifs) - 0 publicité</a:t>
+            </a:r>
+          </a:p>
+          <a:p>
+            <a:pPr lvl="0" indent="0" marL="0">
+              <a:buNone/>
+            </a:pPr>
+            <a:r>
+              <a:rPr b="1"/>
+              <a:t>REVENUS ADDITIONNELS :</a:t>
+            </a:r>
+            <a:r>
+              <a:rPr/>
+              <a:t> - Partenariats Nike/Adidas (sponsoring tournois) - Événements premium 5-10€ (courses organisées avec prix)</a:t>
+            </a:r>
+          </a:p>
+          <a:p>
+            <a:pPr lvl="0" indent="0" marL="0">
+              <a:buNone/>
+            </a:pPr>
+            <a:r>
+              <a:rPr b="1"/>
+              <a:t>LTV estimée :</a:t>
+            </a:r>
+            <a:r>
+              <a:rPr/>
+              <a:t> 60€/utilisateur sur 12 mois (vs 12€ pour Strava)</a:t>
             </a:r>
           </a:p>
         </p:txBody>
@@ -4052,7 +4218,7 @@
             </a:pPr>
             <a:r>
               <a:rPr/>
-              <a:t>🟦 Slide 16 – Phrase finale</a:t>
+              <a:t>🟦 Slide 15 - Métriques de succès (objectifs 6 mois)</a:t>
             </a:r>
           </a:p>
         </p:txBody>
@@ -4077,25 +4243,284 @@
             </a:pPr>
             <a:r>
               <a:rPr b="1"/>
-              <a:t>GeoRace</a:t>
-            </a:r>
-          </a:p>
-          <a:p>
-            <a:pPr lvl="0" indent="0" marL="1270000">
-              <a:buNone/>
-            </a:pPr>
-            <a:r>
-              <a:rPr sz="2000"/>
-              <a:t>Chaque course est un duel. Chaque duel est une opportunité. Transformez votre motivation.</a:t>
-            </a:r>
-          </a:p>
-          <a:p>
-            <a:pPr lvl="0" indent="0" marL="0">
-              <a:buNone/>
-            </a:pPr>
-            <a:r>
-              <a:rPr b="1"/>
-              <a:t>Prêt à relever le défi ?</a:t>
+              <a:t>Comment mesurer la traction</a:t>
+            </a:r>
+          </a:p>
+          <a:p>
+            <a:pPr lvl="0" indent="0" marL="0">
+              <a:buNone/>
+            </a:pPr>
+            <a:r>
+              <a:rPr b="1"/>
+              <a:t>ENGAGEMENT (prouve que le concept marche) :</a:t>
+            </a:r>
+            <a:r>
+              <a:rPr/>
+              <a:t> - ✅ Taux de rétention J7 : &gt;40% (vs 25% apps fitness standard) - ✅ Duels/semaine/utilisateur : 6-8 (preuve d’addiction) - ✅ Taux d’acceptation duels : &gt;60% (les gens veulent compétitionner)</a:t>
+            </a:r>
+          </a:p>
+          <a:p>
+            <a:pPr lvl="0" indent="0" marL="0">
+              <a:buNone/>
+            </a:pPr>
+            <a:r>
+              <a:rPr b="1"/>
+              <a:t>CROISSANCE (viralité naturelle) :</a:t>
+            </a:r>
+            <a:r>
+              <a:rPr/>
+              <a:t> - ✅ Coefficient K : &gt;1,2 (chaque utilisateur amène 1,2 nouveau) - ✅ Croissance mensuelle : +20% nouveaux utilisateurs - ✅ 500 utilisateurs actifs dans 3 villes pilotes</a:t>
+            </a:r>
+          </a:p>
+          <a:p>
+            <a:pPr lvl="0" indent="0" marL="0">
+              <a:buNone/>
+            </a:pPr>
+            <a:r>
+              <a:rPr b="1"/>
+              <a:t>MONÉTISATION :</a:t>
+            </a:r>
+            <a:r>
+              <a:rPr/>
+              <a:t> - ✅ Conversion Premium : 10-12% (vs 5% moyenne marché) - ✅ LTV/CAC : &gt;3 (rentabilité prouvée)</a:t>
+            </a:r>
+          </a:p>
+        </p:txBody>
+      </p:sp>
+    </p:spTree>
+  </p:cSld>
+</p:sld>
+</file>
+
+<file path=ppt/slides/slide18.xml><?xml version="1.0" encoding="utf-8"?>
+<p:sld xmlns:a="http://schemas.openxmlformats.org/drawingml/2006/main" xmlns:r="http://schemas.openxmlformats.org/officeDocument/2006/relationships" xmlns:p="http://schemas.openxmlformats.org/presentationml/2006/main">
+  <p:cSld>
+    <p:spTree>
+      <p:nvGrpSpPr>
+        <p:cNvPr id="1" name=""/>
+        <p:cNvGrpSpPr/>
+        <p:nvPr/>
+      </p:nvGrpSpPr>
+      <p:grpSpPr>
+        <a:xfrm>
+          <a:off x="0" y="0"/>
+          <a:ext cx="0" cy="0"/>
+          <a:chOff x="0" y="0"/>
+          <a:chExt cx="0" cy="0"/>
+        </a:xfrm>
+      </p:grpSpPr>
+      <p:sp>
+        <p:nvSpPr>
+          <p:cNvPr id="2" name="Title 1"/>
+          <p:cNvSpPr>
+            <a:spLocks noGrp="1"/>
+          </p:cNvSpPr>
+          <p:nvPr>
+            <p:ph type="title"/>
+          </p:nvPr>
+        </p:nvSpPr>
+        <p:spPr/>
+        <p:txBody>
+          <a:bodyPr/>
+          <a:lstStyle/>
+          <a:p>
+            <a:pPr lvl="0" indent="0" marL="0">
+              <a:buNone/>
+            </a:pPr>
+            <a:r>
+              <a:rPr/>
+              <a:t>🟦 Slide 16 - Roadmap : lancement en 3 phases</a:t>
+            </a:r>
+          </a:p>
+        </p:txBody>
+      </p:sp>
+      <p:sp>
+        <p:nvSpPr>
+          <p:cNvPr id="3" name="Content Placeholder 2"/>
+          <p:cNvSpPr>
+            <a:spLocks noGrp="1"/>
+          </p:cNvSpPr>
+          <p:nvPr>
+            <p:ph idx="1"/>
+          </p:nvPr>
+        </p:nvSpPr>
+        <p:spPr/>
+        <p:txBody>
+          <a:bodyPr/>
+          <a:lstStyle/>
+          <a:p>
+            <a:pPr lvl="0" indent="0" marL="0">
+              <a:buNone/>
+            </a:pPr>
+            <a:r>
+              <a:rPr b="1"/>
+              <a:t>Phase 1 (Mois 1-6) : MVP + Proof of Concept</a:t>
+            </a:r>
+            <a:r>
+              <a:rPr/>
+              <a:t> - App iOS/Android (React Native) - Duels 1v1, ELO, point équidistant - Lancement Paris + Lyon - </a:t>
+            </a:r>
+            <a:r>
+              <a:rPr b="1"/>
+              <a:t>500 utilisateurs actifs, 40% rétention J7</a:t>
+            </a:r>
+          </a:p>
+          <a:p>
+            <a:pPr lvl="0" indent="0" marL="0">
+              <a:buNone/>
+            </a:pPr>
+            <a:r>
+              <a:rPr b="1"/>
+              <a:t>Phase 2 (Mois 7-12) : Gamification et viralité</a:t>
+            </a:r>
+            <a:r>
+              <a:rPr/>
+              <a:t> - Badges, profils, ligues locales - Événements hebdomadaires - Feature “Défier un ami” - </a:t>
+            </a:r>
+            <a:r>
+              <a:rPr b="1"/>
+              <a:t>5 000 utilisateurs, expansion 5 villes</a:t>
+            </a:r>
+          </a:p>
+          <a:p>
+            <a:pPr lvl="0" indent="0" marL="0">
+              <a:buNone/>
+            </a:pPr>
+            <a:r>
+              <a:rPr b="1"/>
+              <a:t>Phase 3 (An 2) : Scale national</a:t>
+            </a:r>
+            <a:r>
+              <a:rPr/>
+              <a:t> - Version Premium - Duels multi-joueurs (3-5 coureurs) - Partenariats marques - </a:t>
+            </a:r>
+            <a:r>
+              <a:rPr b="1"/>
+              <a:t>50 000 utilisateurs, 10+ villes</a:t>
+            </a:r>
+          </a:p>
+        </p:txBody>
+      </p:sp>
+    </p:spTree>
+  </p:cSld>
+</p:sld>
+</file>
+
+<file path=ppt/slides/slide19.xml><?xml version="1.0" encoding="utf-8"?>
+<p:sld xmlns:a="http://schemas.openxmlformats.org/drawingml/2006/main" xmlns:r="http://schemas.openxmlformats.org/officeDocument/2006/relationships" xmlns:p="http://schemas.openxmlformats.org/presentationml/2006/main">
+  <p:cSld>
+    <p:spTree>
+      <p:nvGrpSpPr>
+        <p:cNvPr id="1" name=""/>
+        <p:cNvGrpSpPr/>
+        <p:nvPr/>
+      </p:nvGrpSpPr>
+      <p:grpSpPr>
+        <a:xfrm>
+          <a:off x="0" y="0"/>
+          <a:ext cx="0" cy="0"/>
+          <a:chOff x="0" y="0"/>
+          <a:chExt cx="0" cy="0"/>
+        </a:xfrm>
+      </p:grpSpPr>
+      <p:sp>
+        <p:nvSpPr>
+          <p:cNvPr id="2" name="Title 1"/>
+          <p:cNvSpPr>
+            <a:spLocks noGrp="1"/>
+          </p:cNvSpPr>
+          <p:nvPr>
+            <p:ph type="title"/>
+          </p:nvPr>
+        </p:nvSpPr>
+        <p:spPr/>
+        <p:txBody>
+          <a:bodyPr/>
+          <a:lstStyle/>
+          <a:p>
+            <a:pPr lvl="0" indent="0" marL="0">
+              <a:buNone/>
+            </a:pPr>
+            <a:r>
+              <a:rPr/>
+              <a:t>🟦 Slide 17 - Pourquoi maintenant ?</a:t>
+            </a:r>
+          </a:p>
+        </p:txBody>
+      </p:sp>
+      <p:sp>
+        <p:nvSpPr>
+          <p:cNvPr id="3" name="Content Placeholder 2"/>
+          <p:cNvSpPr>
+            <a:spLocks noGrp="1"/>
+          </p:cNvSpPr>
+          <p:nvPr>
+            <p:ph idx="1"/>
+          </p:nvPr>
+        </p:nvSpPr>
+        <p:spPr/>
+        <p:txBody>
+          <a:bodyPr/>
+          <a:lstStyle/>
+          <a:p>
+            <a:pPr lvl="0" indent="0" marL="0">
+              <a:buNone/>
+            </a:pPr>
+            <a:r>
+              <a:rPr b="1"/>
+              <a:t>Le timing parfait pour GeoRace</a:t>
+            </a:r>
+          </a:p>
+          <a:p>
+            <a:pPr lvl="0" indent="0" marL="0">
+              <a:buNone/>
+            </a:pPr>
+            <a:r>
+              <a:rPr b="1"/>
+              <a:t>1. MARCHÉ MATURE MAIS STAGNANT</a:t>
+            </a:r>
+            <a:r>
+              <a:rPr/>
+              <a:t> - Strava : 100M users, mais taux engagement en baisse - Utilisateurs cherchent nouveauté et excitation</a:t>
+            </a:r>
+          </a:p>
+          <a:p>
+            <a:pPr lvl="0" indent="0" marL="0">
+              <a:buNone/>
+            </a:pPr>
+            <a:r>
+              <a:rPr b="1"/>
+              <a:t>2. TECHNOLOGIE DISPONIBLE</a:t>
+            </a:r>
+            <a:r>
+              <a:rPr/>
+              <a:t> - GPS précis sur tous les smartphones - WebSocket et infra cloud à faible coût - Algorithmes géospatiaux open-source (PostGIS)</a:t>
+            </a:r>
+          </a:p>
+          <a:p>
+            <a:pPr lvl="0" indent="0" marL="0">
+              <a:buNone/>
+            </a:pPr>
+            <a:r>
+              <a:rPr b="1"/>
+              <a:t>3. TENDANCE SOCIALE</a:t>
+            </a:r>
+            <a:r>
+              <a:rPr/>
+              <a:t> - Génération Z/Millennials : veulent compétition et instant gratification - Esport et gamification mainstream - Communautés locales en recherche de connexion IRL</a:t>
+            </a:r>
+          </a:p>
+          <a:p>
+            <a:pPr lvl="0" indent="0" marL="0">
+              <a:buNone/>
+            </a:pPr>
+            <a:r>
+              <a:rPr b="1"/>
+              <a:t>4. COVID A BOOSTÉ LE RUNNING</a:t>
+            </a:r>
+            <a:r>
+              <a:rPr/>
+              <a:t> - +40% de coureurs réguliers depuis 2020 - Besoin d’interaction sociale post-confinement</a:t>
             </a:r>
           </a:p>
         </p:txBody>
@@ -4142,7 +4567,7 @@
             </a:pPr>
             <a:r>
               <a:rPr/>
-              <a:t>🟦 Slide 1 – Titre</a:t>
+              <a:t>🟦 Slide 1 - Titre</a:t>
             </a:r>
           </a:p>
         </p:txBody>
@@ -4189,7 +4614,406 @@
             </a:r>
             <a:r>
               <a:rPr/>
-              <a:t> Transformez chaque sortie running en duel excitant.</a:t>
+              <a:t> Le premier vrai duel de course instantané et équitable.</a:t>
+            </a:r>
+          </a:p>
+        </p:txBody>
+      </p:sp>
+    </p:spTree>
+  </p:cSld>
+</p:sld>
+</file>
+
+<file path=ppt/slides/slide20.xml><?xml version="1.0" encoding="utf-8"?>
+<p:sld xmlns:a="http://schemas.openxmlformats.org/drawingml/2006/main" xmlns:r="http://schemas.openxmlformats.org/officeDocument/2006/relationships" xmlns:p="http://schemas.openxmlformats.org/presentationml/2006/main">
+  <p:cSld>
+    <p:spTree>
+      <p:nvGrpSpPr>
+        <p:cNvPr id="1" name=""/>
+        <p:cNvGrpSpPr/>
+        <p:nvPr/>
+      </p:nvGrpSpPr>
+      <p:grpSpPr>
+        <a:xfrm>
+          <a:off x="0" y="0"/>
+          <a:ext cx="0" cy="0"/>
+          <a:chOff x="0" y="0"/>
+          <a:chExt cx="0" cy="0"/>
+        </a:xfrm>
+      </p:grpSpPr>
+      <p:sp>
+        <p:nvSpPr>
+          <p:cNvPr id="2" name="Title 1"/>
+          <p:cNvSpPr>
+            <a:spLocks noGrp="1"/>
+          </p:cNvSpPr>
+          <p:nvPr>
+            <p:ph type="title"/>
+          </p:nvPr>
+        </p:nvSpPr>
+        <p:spPr/>
+        <p:txBody>
+          <a:bodyPr/>
+          <a:lstStyle/>
+          <a:p>
+            <a:pPr lvl="0" indent="0" marL="0">
+              <a:buNone/>
+            </a:pPr>
+            <a:r>
+              <a:rPr/>
+              <a:t>🟦 Slide 18 - Vision finale</a:t>
+            </a:r>
+          </a:p>
+        </p:txBody>
+      </p:sp>
+      <p:sp>
+        <p:nvSpPr>
+          <p:cNvPr id="3" name="Content Placeholder 2"/>
+          <p:cNvSpPr>
+            <a:spLocks noGrp="1"/>
+          </p:cNvSpPr>
+          <p:nvPr>
+            <p:ph idx="1"/>
+          </p:nvPr>
+        </p:nvSpPr>
+        <p:spPr/>
+        <p:txBody>
+          <a:bodyPr/>
+          <a:lstStyle/>
+          <a:p>
+            <a:pPr lvl="0" indent="0" marL="1270000">
+              <a:buNone/>
+            </a:pPr>
+            <a:r>
+              <a:rPr sz="2000" b="1"/>
+              <a:t>GeoRace ne remplace pas Strava.</a:t>
+            </a:r>
+            <a:br/>
+            <a:r>
+              <a:rPr sz="2000" b="1"/>
+              <a:t>GeoRace transforme la course en sport compétitif accessible.</a:t>
+            </a:r>
+          </a:p>
+          <a:p>
+            <a:pPr lvl="0" indent="0" marL="0">
+              <a:buNone/>
+            </a:pPr>
+            <a:r>
+              <a:rPr b="1"/>
+              <a:t>Notre ambition :</a:t>
+            </a:r>
+          </a:p>
+          <a:p>
+            <a:pPr lvl="0" indent="0" marL="0">
+              <a:buNone/>
+            </a:pPr>
+            <a:r>
+              <a:rPr/>
+              <a:t>🎯 Devenir la plateforme #1 de compétition running temps réel</a:t>
+            </a:r>
+            <a:br/>
+            <a:r>
+              <a:rPr/>
+              <a:t>🌍 Créer une communauté mondiale de 1M+ coureurs compétitifs</a:t>
+            </a:r>
+            <a:br/>
+            <a:r>
+              <a:rPr/>
+              <a:t>🏆 Organiser des ligues professionnelles GeoRace (comme l’esport)</a:t>
+            </a:r>
+          </a:p>
+          <a:p>
+            <a:pPr lvl="0" indent="0" marL="0">
+              <a:buNone/>
+            </a:pPr>
+            <a:r>
+              <a:rPr b="1"/>
+              <a:t>Dans 5 ans :</a:t>
+            </a:r>
+            <a:r>
+              <a:rPr/>
+              <a:t> - “Tu es sur GeoRace ?” = nouvelle norme chez les coureurs - Événements physiques GeoRace dans 50 villes - Partenariats JO Paris 2028 (course urbaine compétitive)</a:t>
+            </a:r>
+          </a:p>
+        </p:txBody>
+      </p:sp>
+    </p:spTree>
+  </p:cSld>
+</p:sld>
+</file>
+
+<file path=ppt/slides/slide21.xml><?xml version="1.0" encoding="utf-8"?>
+<p:sld xmlns:a="http://schemas.openxmlformats.org/drawingml/2006/main" xmlns:r="http://schemas.openxmlformats.org/officeDocument/2006/relationships" xmlns:p="http://schemas.openxmlformats.org/presentationml/2006/main">
+  <p:cSld>
+    <p:spTree>
+      <p:nvGrpSpPr>
+        <p:cNvPr id="1" name=""/>
+        <p:cNvGrpSpPr/>
+        <p:nvPr/>
+      </p:nvGrpSpPr>
+      <p:grpSpPr>
+        <a:xfrm>
+          <a:off x="0" y="0"/>
+          <a:ext cx="0" cy="0"/>
+          <a:chOff x="0" y="0"/>
+          <a:chExt cx="0" cy="0"/>
+        </a:xfrm>
+      </p:grpSpPr>
+      <p:sp>
+        <p:nvSpPr>
+          <p:cNvPr id="2" name="Title 1"/>
+          <p:cNvSpPr>
+            <a:spLocks noGrp="1"/>
+          </p:cNvSpPr>
+          <p:nvPr>
+            <p:ph type="title"/>
+          </p:nvPr>
+        </p:nvSpPr>
+        <p:spPr/>
+        <p:txBody>
+          <a:bodyPr/>
+          <a:lstStyle/>
+          <a:p>
+            <a:pPr lvl="0" indent="0" marL="0">
+              <a:buNone/>
+            </a:pPr>
+            <a:r>
+              <a:rPr/>
+              <a:t>🟦 Slide 19 - Appel à l’action</a:t>
+            </a:r>
+          </a:p>
+        </p:txBody>
+      </p:sp>
+      <p:sp>
+        <p:nvSpPr>
+          <p:cNvPr id="3" name="Content Placeholder 2"/>
+          <p:cNvSpPr>
+            <a:spLocks noGrp="1"/>
+          </p:cNvSpPr>
+          <p:nvPr>
+            <p:ph idx="1"/>
+          </p:nvPr>
+        </p:nvSpPr>
+        <p:spPr/>
+        <p:txBody>
+          <a:bodyPr/>
+          <a:lstStyle/>
+          <a:p>
+            <a:pPr lvl="0" indent="0" marL="0">
+              <a:buNone/>
+            </a:pPr>
+            <a:r>
+              <a:rPr b="1"/>
+              <a:t>Pourquoi investir/soutenir GeoRace ?</a:t>
+            </a:r>
+          </a:p>
+          <a:p>
+            <a:pPr lvl="0" indent="0" marL="0">
+              <a:buNone/>
+            </a:pPr>
+            <a:r>
+              <a:rPr/>
+              <a:t>✅ </a:t>
+            </a:r>
+            <a:r>
+              <a:rPr b="1"/>
+              <a:t>Concept unique</a:t>
+            </a:r>
+            <a:r>
+              <a:rPr/>
+              <a:t> : aucun concurrent direct sur le duel temps réel équitable</a:t>
+            </a:r>
+            <a:br/>
+            <a:r>
+              <a:rPr/>
+              <a:t>✅ </a:t>
+            </a:r>
+            <a:r>
+              <a:rPr b="1"/>
+              <a:t>Marché prouvé</a:t>
+            </a:r>
+            <a:r>
+              <a:rPr/>
+              <a:t> : 100M+ utilisateurs apps running cherchent motivation</a:t>
+            </a:r>
+            <a:br/>
+            <a:r>
+              <a:rPr/>
+              <a:t>✅ </a:t>
+            </a:r>
+            <a:r>
+              <a:rPr b="1"/>
+              <a:t>Différenciation forte</a:t>
+            </a:r>
+            <a:r>
+              <a:rPr/>
+              <a:t> : impossible pour Strava de pivoter vers notre modèle</a:t>
+            </a:r>
+            <a:br/>
+            <a:r>
+              <a:rPr/>
+              <a:t>✅ </a:t>
+            </a:r>
+            <a:r>
+              <a:rPr b="1"/>
+              <a:t>Équipe motivée</a:t>
+            </a:r>
+            <a:r>
+              <a:rPr/>
+              <a:t> : passion pour le running + compétences tech</a:t>
+            </a:r>
+            <a:br/>
+            <a:r>
+              <a:rPr/>
+              <a:t>✅ </a:t>
+            </a:r>
+            <a:r>
+              <a:rPr b="1"/>
+              <a:t>Roadmap claire</a:t>
+            </a:r>
+            <a:r>
+              <a:rPr/>
+              <a:t> : MVP en 6 mois, traction mesurable</a:t>
+            </a:r>
+          </a:p>
+          <a:p>
+            <a:pPr lvl="0" indent="0" marL="0">
+              <a:buNone/>
+            </a:pPr>
+            <a:r>
+              <a:rPr b="1"/>
+              <a:t>Prochaines étapes :</a:t>
+            </a:r>
+            <a:r>
+              <a:rPr/>
+              <a:t> 1. Finaliser MVP (dev en cours) 2. Tester avec 50 beta-testeurs (running clubs Paris) 3. Lancement public dans 3 mois</a:t>
+            </a:r>
+          </a:p>
+          <a:p>
+            <a:pPr lvl="0" indent="0" marL="0">
+              <a:buNone/>
+            </a:pPr>
+            <a:r>
+              <a:rPr b="1"/>
+              <a:t>Rejoignez-nous pour transformer le running en vraie compétition.</a:t>
+            </a:r>
+          </a:p>
+        </p:txBody>
+      </p:sp>
+    </p:spTree>
+  </p:cSld>
+</p:sld>
+</file>
+
+<file path=ppt/slides/slide22.xml><?xml version="1.0" encoding="utf-8"?>
+<p:sld xmlns:a="http://schemas.openxmlformats.org/drawingml/2006/main" xmlns:r="http://schemas.openxmlformats.org/officeDocument/2006/relationships" xmlns:p="http://schemas.openxmlformats.org/presentationml/2006/main">
+  <p:cSld>
+    <p:spTree>
+      <p:nvGrpSpPr>
+        <p:cNvPr id="1" name=""/>
+        <p:cNvGrpSpPr/>
+        <p:nvPr/>
+      </p:nvGrpSpPr>
+      <p:grpSpPr>
+        <a:xfrm>
+          <a:off x="0" y="0"/>
+          <a:ext cx="0" cy="0"/>
+          <a:chOff x="0" y="0"/>
+          <a:chExt cx="0" cy="0"/>
+        </a:xfrm>
+      </p:grpSpPr>
+      <p:sp>
+        <p:nvSpPr>
+          <p:cNvPr id="2" name="Title 1"/>
+          <p:cNvSpPr>
+            <a:spLocks noGrp="1"/>
+          </p:cNvSpPr>
+          <p:nvPr>
+            <p:ph type="title"/>
+          </p:nvPr>
+        </p:nvSpPr>
+        <p:spPr/>
+        <p:txBody>
+          <a:bodyPr/>
+          <a:lstStyle/>
+          <a:p>
+            <a:pPr lvl="0" indent="0" marL="0">
+              <a:buNone/>
+            </a:pPr>
+            <a:r>
+              <a:rPr/>
+              <a:t>🟦 Slide 20 - Phrase finale</a:t>
+            </a:r>
+          </a:p>
+        </p:txBody>
+      </p:sp>
+      <p:sp>
+        <p:nvSpPr>
+          <p:cNvPr id="3" name="Content Placeholder 2"/>
+          <p:cNvSpPr>
+            <a:spLocks noGrp="1"/>
+          </p:cNvSpPr>
+          <p:nvPr>
+            <p:ph idx="1"/>
+          </p:nvPr>
+        </p:nvSpPr>
+        <p:spPr/>
+        <p:txBody>
+          <a:bodyPr/>
+          <a:lstStyle/>
+          <a:p>
+            <a:pPr lvl="0" indent="0" marL="0">
+              <a:buNone/>
+            </a:pPr>
+            <a:r>
+              <a:rPr b="1"/>
+              <a:t>GeoRace</a:t>
+            </a:r>
+          </a:p>
+          <a:p>
+            <a:pPr lvl="0" indent="0" marL="1270000">
+              <a:buNone/>
+            </a:pPr>
+            <a:r>
+              <a:rPr sz="2000"/>
+              <a:t>Chaque course est un duel.</a:t>
+            </a:r>
+            <a:br/>
+            <a:r>
+              <a:rPr sz="2000"/>
+              <a:t>Chaque duel est une victoire ou une leçon.</a:t>
+            </a:r>
+            <a:br/>
+            <a:r>
+              <a:rPr sz="2000"/>
+              <a:t>La motivation ne vient pas du tracking.</a:t>
+            </a:r>
+            <a:br/>
+            <a:r>
+              <a:rPr sz="2000"/>
+              <a:t>Elle vient de la COMPÉTITION.</a:t>
+            </a:r>
+          </a:p>
+          <a:p>
+            <a:pPr lvl="0" indent="0" marL="0">
+              <a:buNone/>
+            </a:pPr>
+            <a:r>
+              <a:rPr b="1"/>
+              <a:t>Êtes-vous prêt à courir pour GAGNER ?</a:t>
+            </a:r>
+          </a:p>
+          <a:p>
+            <a:pPr lvl="0" indent="0" marL="0">
+              <a:buNone/>
+            </a:pPr>
+            <a:r>
+              <a:rPr/>
+              <a:t>🏁 </a:t>
+            </a:r>
+            <a:r>
+              <a:rPr b="1"/>
+              <a:t>GeoRace - Run. Race. Win.</a:t>
             </a:r>
           </a:p>
         </p:txBody>
@@ -4236,7 +5060,7 @@
             </a:pPr>
             <a:r>
               <a:rPr/>
-              <a:t>🟦 Slide 2 – Problème</a:t>
+              <a:t>🟦 Slide 2 - Le problème des apps actuelles</a:t>
             </a:r>
           </a:p>
         </p:txBody>
@@ -4261,44 +5085,61 @@
             </a:pPr>
             <a:r>
               <a:rPr b="1"/>
-              <a:t>Courir seul, une motivation en berne</a:t>
-            </a:r>
-          </a:p>
-          <a:p>
-            <a:pPr lvl="0"/>
-            <a:r>
-              <a:rPr/>
-              <a:t>De nombreux coureurs se sentent démotivés seuls</a:t>
-            </a:r>
-          </a:p>
-          <a:p>
-            <a:pPr lvl="0"/>
-            <a:r>
-              <a:rPr/>
-              <a:t>Manque de défi et d’interaction</a:t>
-            </a:r>
-          </a:p>
-          <a:p>
-            <a:pPr lvl="0"/>
-            <a:r>
-              <a:rPr/>
-              <a:t>Difficulté à mesurer ses progrès face à d’autres</a:t>
-            </a:r>
-          </a:p>
-          <a:p>
-            <a:pPr lvl="0"/>
-            <a:r>
-              <a:rPr/>
-              <a:t>Risque d’abandon des objectifs sportifs</a:t>
-            </a:r>
-          </a:p>
-          <a:p>
-            <a:pPr lvl="0" indent="0" marL="0">
-              <a:buNone/>
-            </a:pPr>
-            <a:r>
-              <a:rPr/>
-              <a:t>➡ Résultat : monotonie, perte de motivation, arrêt de la pratique</a:t>
+              <a:t>Pourquoi les coureurs s’ennuient sur Strava, Nike Run Club et Runkeeper</a:t>
+            </a:r>
+          </a:p>
+          <a:p>
+            <a:pPr lvl="0" indent="0" marL="0">
+              <a:buNone/>
+            </a:pPr>
+            <a:r>
+              <a:rPr/>
+              <a:t>❌ </a:t>
+            </a:r>
+            <a:r>
+              <a:rPr b="1"/>
+              <a:t>Compétition asynchrone</a:t>
+            </a:r>
+            <a:r>
+              <a:rPr/>
+              <a:t> : vous comparez vos temps à des performances passées ❌ </a:t>
+            </a:r>
+            <a:r>
+              <a:rPr b="1"/>
+              <a:t>Pas d’interaction réelle</a:t>
+            </a:r>
+            <a:r>
+              <a:rPr/>
+              <a:t> : vous êtes seul face à votre écran ❌ </a:t>
+            </a:r>
+            <a:r>
+              <a:rPr b="1"/>
+              <a:t>Segments fixes</a:t>
+            </a:r>
+            <a:r>
+              <a:rPr/>
+              <a:t> : toujours les mêmes parcours, aucune surprise ❌ </a:t>
+            </a:r>
+            <a:r>
+              <a:rPr b="1"/>
+              <a:t>Motivation en déclin</a:t>
+            </a:r>
+            <a:r>
+              <a:rPr/>
+              <a:t> : partager des stats ne crée pas d’excitation</a:t>
+            </a:r>
+          </a:p>
+          <a:p>
+            <a:pPr lvl="0" indent="0" marL="0">
+              <a:buNone/>
+            </a:pPr>
+            <a:r>
+              <a:rPr b="1"/>
+              <a:t>Résultat :</a:t>
+            </a:r>
+            <a:r>
+              <a:rPr/>
+              <a:t> 60% des utilisateurs abandonnent après 3 mois</a:t>
             </a:r>
           </a:p>
         </p:txBody>
@@ -4345,7 +5186,7 @@
             </a:pPr>
             <a:r>
               <a:rPr/>
-              <a:t>🟦 Slide 3 – Concept innovant</a:t>
+              <a:t>🟦 Slide 3 - Notre réponse : LE DUEL EN TEMPS RÉEL</a:t>
             </a:r>
           </a:p>
         </p:txBody>
@@ -4370,58 +5211,61 @@
             </a:pPr>
             <a:r>
               <a:rPr b="1"/>
-              <a:t>Duels en temps réel pour tous</a:t>
-            </a:r>
-          </a:p>
-          <a:p>
-            <a:pPr lvl="0" indent="0" marL="0">
-              <a:buNone/>
-            </a:pPr>
-            <a:r>
-              <a:rPr/>
-              <a:t>🏃 </a:t>
-            </a:r>
-            <a:r>
-              <a:rPr b="1"/>
-              <a:t>DUELS EN TEMPS RÉEL</a:t>
-            </a:r>
-            <a:r>
-              <a:rPr/>
-              <a:t> Affrontez d’autres coureurs à proximité dans des courses spontanées</a:t>
-            </a:r>
-          </a:p>
-          <a:p>
-            <a:pPr lvl="0" indent="0" marL="0">
-              <a:buNone/>
-            </a:pPr>
-            <a:r>
-              <a:rPr/>
-              <a:t>📍 </a:t>
-            </a:r>
-            <a:r>
-              <a:rPr b="1"/>
-              <a:t>POINT D’ARRIVÉE ÉQUITABLE</a:t>
-            </a:r>
-            <a:r>
-              <a:rPr/>
-              <a:t> Chaque duel se termine à un point équidistant pour tous les participants</a:t>
-            </a:r>
-          </a:p>
-          <a:p>
-            <a:pPr lvl="0" indent="0" marL="0">
-              <a:buNone/>
-            </a:pPr>
-            <a:r>
-              <a:rPr/>
-              <a:t>⚖️ </a:t>
-            </a:r>
-            <a:r>
-              <a:rPr b="1"/>
-              <a:t>COMPÉTITION JUSTE</a:t>
-            </a:r>
-            <a:r>
-              <a:rPr/>
-              <a:t> Système ELO garantit des matchs équilibrés quel que soit votre niveau</a:t>
+              <a:t>GeoRace = La seule app qui crée de vraies courses spontanées</a:t>
+            </a:r>
+          </a:p>
+          <a:p>
+            <a:pPr lvl="0" indent="0" marL="0">
+              <a:buNone/>
+            </a:pPr>
+            <a:r>
+              <a:rPr/>
+              <a:t>🎯 </a:t>
+            </a:r>
+            <a:r>
+              <a:rPr b="1"/>
+              <a:t>Détection instantanée</a:t>
+            </a:r>
+            <a:r>
+              <a:rPr/>
+              <a:t> : l’app repère les coureurs actifs près de vous ⚡ </a:t>
+            </a:r>
+            <a:r>
+              <a:rPr b="1"/>
+              <a:t>Défi immédiat</a:t>
+            </a:r>
+            <a:r>
+              <a:rPr/>
+              <a:t> : “Paul (ELO 1420) vous défie - Accepter?” 📍 </a:t>
+            </a:r>
+            <a:r>
+              <a:rPr b="1"/>
+              <a:t>Point équidistant</a:t>
+            </a:r>
+            <a:r>
+              <a:rPr/>
+              <a:t> : algorithme calcule un finish accessible à la même distance pour tous 🏁 </a:t>
+            </a:r>
+            <a:r>
+              <a:rPr b="1"/>
+              <a:t>Course en direct</a:t>
+            </a:r>
+            <a:r>
+              <a:rPr/>
+              <a:t> : départ synchronisé, positions live, arrivée simultanée</a:t>
+            </a:r>
+          </a:p>
+          <a:p>
+            <a:pPr lvl="0" indent="0" marL="0">
+              <a:buNone/>
+            </a:pPr>
+            <a:r>
+              <a:rPr b="1"/>
+              <a:t>LA DIFFÉRENCE :</a:t>
+            </a:r>
+            <a:r>
+              <a:rPr/>
+              <a:t> Ce n’est plus du tracking, c’est une vraie compétition !</a:t>
             </a:r>
           </a:p>
         </p:txBody>
@@ -4468,7 +5312,7 @@
             </a:pPr>
             <a:r>
               <a:rPr/>
-              <a:t>🟦 Slide 4 – Fonctionnement d’un duel</a:t>
+              <a:t>🟦 Slide 4 - Pourquoi le duel change tout</a:t>
             </a:r>
           </a:p>
         </p:txBody>
@@ -4493,46 +5337,77 @@
             </a:pPr>
             <a:r>
               <a:rPr b="1"/>
-              <a:t>3 étapes simples</a:t>
-            </a:r>
-          </a:p>
-          <a:p>
-            <a:pPr lvl="0" indent="0" marL="0">
-              <a:buNone/>
-            </a:pPr>
-            <a:r>
-              <a:rPr b="1"/>
-              <a:t>01 - DÉTECTION DES COUREURS</a:t>
-            </a:r>
-            <a:r>
-              <a:rPr/>
-              <a:t> Identification automatique des coureurs actifs à proximité</a:t>
-            </a:r>
-          </a:p>
-          <a:p>
-            <a:pPr lvl="0" indent="0" marL="0">
-              <a:buNone/>
-            </a:pPr>
-            <a:r>
-              <a:rPr b="1"/>
-              <a:t>02 - POINT D’ARRIVÉE ÉQUITABLE</a:t>
-            </a:r>
-            <a:r>
-              <a:rPr/>
-              <a:t> Calcul algorithmique d’un point accessible à distance ��gale pour tous</a:t>
-            </a:r>
-          </a:p>
-          <a:p>
-            <a:pPr lvl="0" indent="0" marL="0">
-              <a:buNone/>
-            </a:pPr>
-            <a:r>
-              <a:rPr b="1"/>
-              <a:t>03 - DÉPART SIMULTANÉ</a:t>
-            </a:r>
-            <a:r>
-              <a:rPr/>
-              <a:t> Compte à rebours synchronisé après acceptation mutuelle</a:t>
+              <a:t>L’adrénaline d’une vraie course, à chaque sortie</a:t>
+            </a:r>
+          </a:p>
+          <a:p>
+            <a:pPr lvl="0" indent="0" marL="0">
+              <a:buNone/>
+            </a:pPr>
+            <a:r>
+              <a:rPr b="1"/>
+              <a:t>Ce que ressent l’utilisateur :</a:t>
+            </a:r>
+          </a:p>
+          <a:p>
+            <a:pPr lvl="0" indent="-342900" marL="342900">
+              <a:buAutoNum type="arabicPeriod"/>
+            </a:pPr>
+            <a:r>
+              <a:rPr b="1"/>
+              <a:t>AVANT</a:t>
+            </a:r>
+            <a:r>
+              <a:rPr/>
+              <a:t> : “Je vais courir 30 minutes…” </a:t>
+            </a:r>
+            <a:r>
+              <a:rPr b="1"/>
+              <a:t>AVEC GEORACE</a:t>
+            </a:r>
+            <a:r>
+              <a:rPr/>
+              <a:t> : “Je vais AFFRONTER ce coureur que je vois au parc !”</a:t>
+            </a:r>
+          </a:p>
+          <a:p>
+            <a:pPr lvl="0" indent="-342900" marL="342900">
+              <a:buAutoNum type="arabicPeriod"/>
+            </a:pPr>
+            <a:r>
+              <a:rPr b="1"/>
+              <a:t>PENDANT</a:t>
+            </a:r>
+            <a:r>
+              <a:rPr/>
+              <a:t> : “Je suis à 500m du but, je le dépasse ou pas ?” → GPS live, distance restante, position de l’adversaire</a:t>
+            </a:r>
+          </a:p>
+          <a:p>
+            <a:pPr lvl="0" indent="-342900" marL="342900">
+              <a:buAutoNum type="arabicPeriod"/>
+            </a:pPr>
+            <a:r>
+              <a:rPr b="1"/>
+              <a:t>APRÈS</a:t>
+            </a:r>
+            <a:r>
+              <a:rPr/>
+              <a:t> : “+25 ELO, 1er sur 3 dans ma ville cette semaine !” → Gratification immédiate, envie de recommencer</a:t>
+            </a:r>
+          </a:p>
+          <a:p>
+            <a:pPr lvl="0" indent="0" marL="0">
+              <a:buNone/>
+            </a:pPr>
+            <a:r>
+              <a:rPr b="1"/>
+              <a:t>Strava vous dit combien vous avez couru.</a:t>
+            </a:r>
+            <a:br/>
+            <a:r>
+              <a:rPr b="1"/>
+              <a:t>GeoRace vous dit si vous avez GAGNÉ.</a:t>
             </a:r>
           </a:p>
         </p:txBody>
@@ -4579,7 +5454,7 @@
             </a:pPr>
             <a:r>
               <a:rPr/>
-              <a:t>🟦 Slide 5 – Un duel GeoRace</a:t>
+              <a:t>🟦 Slide 5 - Le point équidistant : notre innovation technique</a:t>
             </a:r>
           </a:p>
         </p:txBody>
@@ -4604,7 +5479,29 @@
             </a:pPr>
             <a:r>
               <a:rPr b="1"/>
-              <a:t>Scénario typique :</a:t>
+              <a:t>Pourquoi le mode duel est unique et comment il assure l’équité</a:t>
+            </a:r>
+          </a:p>
+          <a:p>
+            <a:pPr lvl="0" indent="0" marL="0">
+              <a:buNone/>
+            </a:pPr>
+            <a:r>
+              <a:rPr b="1"/>
+              <a:t>Le problème des courses spontanées :</a:t>
+            </a:r>
+            <a:r>
+              <a:rPr/>
+              <a:t> - Si on court vers le même point → celui qui est plus proche gagne toujours - Si on court chacun son parcours → impossible de comparer équitablement</a:t>
+            </a:r>
+          </a:p>
+          <a:p>
+            <a:pPr lvl="0" indent="0" marL="0">
+              <a:buNone/>
+            </a:pPr>
+            <a:r>
+              <a:rPr b="1"/>
+              <a:t>Notre solution brevetable :</a:t>
             </a:r>
           </a:p>
           <a:p>
@@ -4613,11 +5510,11 @@
             </a:pPr>
             <a:r>
               <a:rPr b="1"/>
-              <a:t>Vous commencez votre course</a:t>
-            </a:r>
-            <a:r>
-              <a:rPr/>
-              <a:t> → l’app détecte 3 coureurs dans un rayon de 800m</a:t>
+              <a:t>Algorithme de géolocalisation</a:t>
+            </a:r>
+            <a:r>
+              <a:rPr/>
+              <a:t> : calcule un point accessible à distance ÉGALE pour tous</a:t>
             </a:r>
           </a:p>
           <a:p>
@@ -4626,11 +5523,11 @@
             </a:pPr>
             <a:r>
               <a:rPr b="1"/>
-              <a:t>Proposition de duel</a:t>
-            </a:r>
-            <a:r>
-              <a:rPr/>
-              <a:t> → notification “Paul (ELO 1420) vous défie”</a:t>
+              <a:t>Prise en compte du terrain</a:t>
+            </a:r>
+            <a:r>
+              <a:rPr/>
+              <a:t> : routes, chemins, zones interdites</a:t>
             </a:r>
           </a:p>
           <a:p>
@@ -4639,50 +5536,72 @@
             </a:pPr>
             <a:r>
               <a:rPr b="1"/>
-              <a:t>Vous acceptez</a:t>
-            </a:r>
-            <a:r>
-              <a:rPr/>
-              <a:t> → le système calcule un point d’arrivée à 1,2km pour chacun</a:t>
-            </a:r>
-          </a:p>
-          <a:p>
-            <a:pPr lvl="0" indent="-342900" marL="342900">
-              <a:buAutoNum type="arabicPeriod"/>
-            </a:pPr>
-            <a:r>
-              <a:rPr b="1"/>
-              <a:t>Départ dans 10 secondes</a:t>
-            </a:r>
-            <a:r>
-              <a:rPr/>
-              <a:t> → compte à rebours</a:t>
-            </a:r>
-          </a:p>
-          <a:p>
-            <a:pPr lvl="0" indent="-342900" marL="342900">
-              <a:buAutoNum type="arabicPeriod"/>
-            </a:pPr>
-            <a:r>
-              <a:rPr b="1"/>
-              <a:t>Course en direct</a:t>
-            </a:r>
-            <a:r>
-              <a:rPr/>
-              <a:t> → GPS vous guide, position de l’adversaire visible</a:t>
-            </a:r>
-          </a:p>
-          <a:p>
-            <a:pPr lvl="0" indent="-342900" marL="342900">
-              <a:buAutoNum type="arabicPeriod"/>
-            </a:pPr>
-            <a:r>
-              <a:rPr b="1"/>
-              <a:t>Arrivée</a:t>
-            </a:r>
-            <a:r>
-              <a:rPr/>
-              <a:t> → +25 ELO, badge “5 victoires consécutives” débloqué</a:t>
+              <a:t>Validation en temps réel</a:t>
+            </a:r>
+            <a:r>
+              <a:rPr/>
+              <a:t> : les coureurs voient le parcours avant d’accepter</a:t>
+            </a:r>
+          </a:p>
+          <a:p>
+            <a:pPr lvl="0" indent="0" marL="0">
+              <a:buNone/>
+            </a:pPr>
+            <a:r>
+              <a:rPr b="1"/>
+              <a:t>Exemple d’usage concret :</a:t>
+            </a:r>
+            <a:r>
+              <a:rPr/>
+              <a:t> Paul est à 800m au nord du parc, Emma à 800m au sud → l’algorithme trouve un point à 1,2km à l’est pour chacun → départ synchronisé → course équitable garantie</a:t>
+            </a:r>
+          </a:p>
+          <a:p>
+            <a:pPr lvl="0" indent="0" marL="0">
+              <a:buNone/>
+            </a:pPr>
+            <a:r>
+              <a:rPr b="1"/>
+              <a:t>Bénéfices utilisateur :</a:t>
+            </a:r>
+            <a:r>
+              <a:rPr/>
+              <a:t> ✅ Pas de triche de position → course 100% équitable ✅ Motivation instantanée → transforme sortie ordinaire en challenge excitant</a:t>
+            </a:r>
+            <a:br/>
+            <a:r>
+              <a:rPr/>
+              <a:t>✅ Progression mesurée → chaque victoire compte pour votre classement ELO</a:t>
+            </a:r>
+          </a:p>
+          <a:p>
+            <a:pPr lvl="0" indent="0" marL="0">
+              <a:buNone/>
+            </a:pPr>
+            <a:r>
+              <a:rPr b="1"/>
+              <a:t>Résultat :</a:t>
+            </a:r>
+            <a:r>
+              <a:rPr/>
+              <a:t> Compétition 100% équitable, quelle que soit votre position de départ</a:t>
+            </a:r>
+          </a:p>
+          <a:p>
+            <a:pPr lvl="0" indent="0" marL="0">
+              <a:buNone/>
+            </a:pPr>
+            <a:r>
+              <a:rPr b="1"/>
+              <a:t>Notes présentateur :</a:t>
+            </a:r>
+            <a:r>
+              <a:rPr/>
+              <a:t> </a:t>
+            </a:r>
+            <a:r>
+              <a:rPr i="1"/>
+              <a:t>C’est LE différenciateur majeur apprécié par le jury. Insister sur le calcul algorithmique qui garantit l’équité. Aucun concurrent (Strava segments fixes, Nike Run Club défis asynchrones) ne propose cela. Cette innovation technique + système ELO = expérience de duel unique et juste.</a:t>
             </a:r>
           </a:p>
         </p:txBody>
@@ -4729,7 +5648,7 @@
             </a:pPr>
             <a:r>
               <a:rPr/>
-              <a:t>🟦 Slide 6 – Aspect social</a:t>
+              <a:t>🟦 Slide 6 - Scénario utilisateur : Emma vs Strava</a:t>
             </a:r>
           </a:p>
         </p:txBody>
@@ -4754,46 +5673,54 @@
             </a:pPr>
             <a:r>
               <a:rPr b="1"/>
-              <a:t>Construisez une communauté de coureurs</a:t>
-            </a:r>
-          </a:p>
-          <a:p>
-            <a:pPr lvl="0" indent="0" marL="0">
-              <a:buNone/>
-            </a:pPr>
-            <a:r>
-              <a:rPr b="1"/>
-              <a:t>01 - MATCHMAKING ÉQUILIBRÉ</a:t>
-            </a:r>
-            <a:r>
-              <a:rPr/>
-              <a:t> Connexion automatique entre coureurs de niveaux similaires grâce à l’ELO</a:t>
-            </a:r>
-          </a:p>
-          <a:p>
-            <a:pPr lvl="0" indent="0" marL="0">
-              <a:buNone/>
-            </a:pPr>
-            <a:r>
-              <a:rPr b="1"/>
-              <a:t>02 - DISCUSSION ET PARTAGE</a:t>
-            </a:r>
-            <a:r>
-              <a:rPr/>
-              <a:t> Chat en direct, ajout d’amis, profils détaillés avec statistiques</a:t>
-            </a:r>
-          </a:p>
-          <a:p>
-            <a:pPr lvl="0" indent="0" marL="0">
-              <a:buNone/>
-            </a:pPr>
-            <a:r>
-              <a:rPr b="1"/>
-              <a:t>03 - ÉVÉNEMENTS COMMUNAUTAIRES</a:t>
-            </a:r>
-            <a:r>
-              <a:rPr/>
-              <a:t> Courses organisées, défis collectifs, ligues locales par ville/quartier</a:t>
+              <a:t>Pourquoi Emma (29 ans, 4 courses/semaine) quitte Strava pour GeoRace</a:t>
+            </a:r>
+          </a:p>
+          <a:p>
+            <a:pPr lvl="0" indent="0" marL="0">
+              <a:buNone/>
+            </a:pPr>
+            <a:r>
+              <a:rPr b="1"/>
+              <a:t>SUR STRAVA (avant) :</a:t>
+            </a:r>
+            <a:r>
+              <a:rPr/>
+              <a:t> - Lance l’app → court seule → partage son temps → 12 likes - “Mon meilleur temps sur ce segment : 8min23” - Motivation : ★★☆☆☆</a:t>
+            </a:r>
+          </a:p>
+          <a:p>
+            <a:pPr lvl="0" indent="0" marL="0">
+              <a:buNone/>
+            </a:pPr>
+            <a:r>
+              <a:rPr b="1"/>
+              <a:t>SUR GEORACE (maintenant) :</a:t>
+            </a:r>
+            <a:r>
+              <a:rPr/>
+              <a:t> - Lance l’app → “3 coureurs détectés à 600m” - Accepte le défi de Lucas (ELO 1395, proche de son niveau 1420) - Course de 1,8km vers un point au bord de la rivière - </a:t>
+            </a:r>
+            <a:r>
+              <a:rPr b="1"/>
+              <a:t>ELLE GAGNE de 12 secondes</a:t>
+            </a:r>
+            <a:r>
+              <a:rPr/>
+              <a:t> → +28 ELO, badge “5 victoires” - Motivation : ★★★★★</a:t>
+            </a:r>
+          </a:p>
+          <a:p>
+            <a:pPr lvl="0" indent="0" marL="0">
+              <a:buNone/>
+            </a:pPr>
+            <a:r>
+              <a:rPr b="1"/>
+              <a:t>CE QUI CHANGE :</a:t>
+            </a:r>
+            <a:r>
+              <a:rPr/>
+              <a:t> L’excitation d’une vraie compétition vs comparaison de chiffres</a:t>
             </a:r>
           </a:p>
         </p:txBody>
@@ -4840,7 +5767,7 @@
             </a:pPr>
             <a:r>
               <a:rPr/>
-              <a:t>🟦 Slide 7 – Système de classement ELO</a:t>
+              <a:t>🟦 Slide 7 - Pourquoi les utilisateurs vont switcher</a:t>
             </a:r>
           </a:p>
         </p:txBody>
@@ -4865,46 +5792,60 @@
             </a:pPr>
             <a:r>
               <a:rPr b="1"/>
-              <a:t>Compétition équitable et progression motivante</a:t>
-            </a:r>
-          </a:p>
-          <a:p>
-            <a:pPr lvl="0" indent="0" marL="0">
-              <a:buNone/>
-            </a:pPr>
-            <a:r>
-              <a:rPr b="1"/>
-              <a:t>01 - MATCHS ÉQUILIBRÉS</a:t>
-            </a:r>
-            <a:r>
-              <a:rPr/>
-              <a:t> Algorithme ELO vous oppose à des coureurs de niveau proche</a:t>
-            </a:r>
-          </a:p>
-          <a:p>
-            <a:pPr lvl="0" indent="0" marL="0">
-              <a:buNone/>
-            </a:pPr>
-            <a:r>
-              <a:rPr b="1"/>
-              <a:t>02 - PROGRESSION VISIBLE</a:t>
-            </a:r>
-            <a:r>
-              <a:rPr/>
-              <a:t> Suivez votre montée dans les classements (Bronze → Argent → Or → Platine)</a:t>
-            </a:r>
-          </a:p>
-          <a:p>
-            <a:pPr lvl="0" indent="0" marL="0">
-              <a:buNone/>
-            </a:pPr>
-            <a:r>
-              <a:rPr b="1"/>
-              <a:t>03 - RÉCOMPENSES ET BADGES</a:t>
-            </a:r>
-            <a:r>
-              <a:rPr/>
-              <a:t> Débloquez des achievements à chaque niveau atteint</a:t>
+              <a:t>3 raisons concrètes de quitter Strava/Nike Run Club</a:t>
+            </a:r>
+          </a:p>
+          <a:p>
+            <a:pPr lvl="0" indent="0" marL="0">
+              <a:buNone/>
+            </a:pPr>
+            <a:r>
+              <a:rPr b="1"/>
+              <a:t>1️⃣ LA COMPÉTITION RÉELLE</a:t>
+            </a:r>
+            <a:r>
+              <a:rPr/>
+              <a:t> - Strava : “J’ai fait 5km en 28min” → 0 émotion - GeoRace : “J’ai BATTU ce coureur qui me narguait !” → adrénaline ++</a:t>
+            </a:r>
+          </a:p>
+          <a:p>
+            <a:pPr lvl="0" indent="0" marL="0">
+              <a:buNone/>
+            </a:pPr>
+            <a:r>
+              <a:rPr b="1"/>
+              <a:t>2️⃣ L’INTERACTION SOCIALE ACTIVE</a:t>
+            </a:r>
+            <a:r>
+              <a:rPr/>
+              <a:t> - Nike Run Club : partage de stats passives - GeoRace : duels live, chat en direct, défis entre amis</a:t>
+            </a:r>
+          </a:p>
+          <a:p>
+            <a:pPr lvl="0" indent="0" marL="0">
+              <a:buNone/>
+            </a:pPr>
+            <a:r>
+              <a:rPr b="1"/>
+              <a:t>3️⃣ LA PROGRESSION VISIBLE</a:t>
+            </a:r>
+            <a:r>
+              <a:rPr/>
+              <a:t> - Runkeeper : graphiques de distance et temps - GeoRace : classement ELO qui monte, badges débloqués, statut (Bronze → Or)</a:t>
+            </a:r>
+          </a:p>
+          <a:p>
+            <a:pPr lvl="0" indent="0" marL="0">
+              <a:buNone/>
+            </a:pPr>
+            <a:r>
+              <a:rPr b="1"/>
+              <a:t>Les utilisateurs ne veulent plus juste “tracker” leurs courses.</a:t>
+            </a:r>
+            <a:br/>
+            <a:r>
+              <a:rPr b="1"/>
+              <a:t>Ils veulent GAGNER.</a:t>
             </a:r>
           </a:p>
         </p:txBody>
@@ -4951,75 +5892,663 @@
             </a:pPr>
             <a:r>
               <a:rPr/>
-              <a:t>🟦 Slide 8 – Bénéfices de GeoRace</a:t>
-            </a:r>
-          </a:p>
-        </p:txBody>
-      </p:sp>
-      <p:sp>
-        <p:nvSpPr>
-          <p:cNvPr id="3" name="Content Placeholder 2"/>
-          <p:cNvSpPr>
-            <a:spLocks noGrp="1"/>
-          </p:cNvSpPr>
+              <a:t>🟦 Slide 8 - Tableau comparatif : GeoRace vs Concurrents</a:t>
+            </a:r>
+          </a:p>
+        </p:txBody>
+      </p:sp>
+      <p:graphicFrame>
+        <p:nvGraphicFramePr>
+          <p:cNvPr id="6" name="Content Placeholder 5"/>
+          <p:cNvGraphicFramePr>
+            <a:graphicFrameLocks noGrp="1"/>
+          </p:cNvGraphicFramePr>
           <p:nvPr>
             <p:ph idx="1"/>
           </p:nvPr>
-        </p:nvSpPr>
-        <p:spPr/>
-        <p:txBody>
-          <a:bodyPr/>
-          <a:lstStyle/>
-          <a:p>
-            <a:pPr lvl="0" indent="0" marL="0">
-              <a:buNone/>
-            </a:pPr>
-            <a:r>
-              <a:rPr b="1"/>
-              <a:t>Plus qu’une app de running</a:t>
-            </a:r>
-          </a:p>
-          <a:p>
-            <a:pPr lvl="0" indent="0" marL="0">
-              <a:buNone/>
-            </a:pPr>
-            <a:r>
-              <a:rPr b="1"/>
-              <a:t>01 - MOTIVATION ACCRUE</a:t>
-            </a:r>
-            <a:r>
-              <a:rPr/>
-              <a:t> Chaque sortie devient un défi concret et excitant</a:t>
-            </a:r>
-          </a:p>
-          <a:p>
-            <a:pPr lvl="0" indent="0" marL="0">
-              <a:buNone/>
-            </a:pPr>
-            <a:r>
-              <a:rPr b="1"/>
-              <a:t>02 - AMÉLIORATION DES PERFORMANCES</a:t>
-            </a:r>
-            <a:r>
-              <a:rPr/>
-              <a:t> La compétition pousse naturellement au dépassement de soi</a:t>
-            </a:r>
-          </a:p>
-          <a:p>
-            <a:pPr lvl="0" indent="0" marL="0">
-              <a:buNone/>
-            </a:pPr>
-            <a:r>
-              <a:rPr b="1"/>
-              <a:t>03 - BIEN-ÊTRE SOCIAL</a:t>
-            </a:r>
-            <a:r>
-              <a:rPr/>
-              <a:t> Rencontrez et interagissez avec d’autres coureurs passionnés</a:t>
-            </a:r>
-          </a:p>
-        </p:txBody>
-      </p:sp>
+        </p:nvGraphicFramePr>
+        <p:xfrm>
+          <a:off x="457200" y="1193800"/>
+          <a:ext cx="8229600" cy="3390900"/>
+        </p:xfrm>
+        <a:graphic>
+          <a:graphicData uri="http://schemas.openxmlformats.org/drawingml/2006/table">
+            <a:tbl>
+              <a:tblPr firstRow="1" bandRow="1">
+                <a:tableStyleId>{5C22544A-7EE6-4342-B048-85BDC9FD1C3A}</a:tableStyleId>
+              </a:tblPr>
+              <a:tblGrid>
+                <a:gridCol w="1638300"/>
+                <a:gridCol w="1638300"/>
+                <a:gridCol w="1638300"/>
+                <a:gridCol w="1638300"/>
+                <a:gridCol w="1638300"/>
+              </a:tblGrid>
+              <a:tr h="0">
+                <a:tc>
+                  <a:txBody>
+                    <a:bodyPr/>
+                    <a:lstStyle/>
+                    <a:p>
+                      <a:pPr lvl="0" indent="0" marL="0">
+                        <a:buNone/>
+                      </a:pPr>
+                      <a:r>
+                        <a:rPr/>
+                        <a:t>Fonctionnalité</a:t>
+                      </a:r>
+                    </a:p>
+                  </a:txBody>
+                  <a:tcPr/>
+                </a:tc>
+                <a:tc>
+                  <a:txBody>
+                    <a:bodyPr/>
+                    <a:lstStyle/>
+                    <a:p>
+                      <a:pPr lvl="0" indent="0" marL="0" algn="ctr">
+                        <a:buNone/>
+                      </a:pPr>
+                      <a:r>
+                        <a:rPr/>
+                        <a:t>Strava</a:t>
+                      </a:r>
+                    </a:p>
+                  </a:txBody>
+                  <a:tcPr/>
+                </a:tc>
+                <a:tc>
+                  <a:txBody>
+                    <a:bodyPr/>
+                    <a:lstStyle/>
+                    <a:p>
+                      <a:pPr lvl="0" indent="0" marL="0" algn="ctr">
+                        <a:buNone/>
+                      </a:pPr>
+                      <a:r>
+                        <a:rPr/>
+                        <a:t>Nike Run Club</a:t>
+                      </a:r>
+                    </a:p>
+                  </a:txBody>
+                  <a:tcPr/>
+                </a:tc>
+                <a:tc>
+                  <a:txBody>
+                    <a:bodyPr/>
+                    <a:lstStyle/>
+                    <a:p>
+                      <a:pPr lvl="0" indent="0" marL="0" algn="ctr">
+                        <a:buNone/>
+                      </a:pPr>
+                      <a:r>
+                        <a:rPr/>
+                        <a:t>Runkeeper</a:t>
+                      </a:r>
+                    </a:p>
+                  </a:txBody>
+                  <a:tcPr/>
+                </a:tc>
+                <a:tc>
+                  <a:txBody>
+                    <a:bodyPr/>
+                    <a:lstStyle/>
+                    <a:p>
+                      <a:pPr lvl="0" indent="0" marL="0" algn="ctr">
+                        <a:buNone/>
+                      </a:pPr>
+                      <a:r>
+                        <a:rPr b="1"/>
+                        <a:t>GeoRace</a:t>
+                      </a:r>
+                    </a:p>
+                  </a:txBody>
+                  <a:tcPr/>
+                </a:tc>
+              </a:tr>
+              <a:tr h="0">
+                <a:tc>
+                  <a:txBody>
+                    <a:bodyPr/>
+                    <a:lstStyle/>
+                    <a:p>
+                      <a:pPr lvl="0" indent="0" marL="0">
+                        <a:buNone/>
+                      </a:pPr>
+                      <a:r>
+                        <a:rPr/>
+                        <a:t>Duels en temps réel</a:t>
+                      </a:r>
+                    </a:p>
+                  </a:txBody>
+                </a:tc>
+                <a:tc>
+                  <a:txBody>
+                    <a:bodyPr/>
+                    <a:lstStyle/>
+                    <a:p>
+                      <a:pPr lvl="0" indent="0" marL="0" algn="ctr">
+                        <a:buNone/>
+                      </a:pPr>
+                      <a:r>
+                        <a:rPr/>
+                        <a:t>❌</a:t>
+                      </a:r>
+                    </a:p>
+                  </a:txBody>
+                </a:tc>
+                <a:tc>
+                  <a:txBody>
+                    <a:bodyPr/>
+                    <a:lstStyle/>
+                    <a:p>
+                      <a:pPr lvl="0" indent="0" marL="0" algn="ctr">
+                        <a:buNone/>
+                      </a:pPr>
+                      <a:r>
+                        <a:rPr/>
+                        <a:t>❌</a:t>
+                      </a:r>
+                    </a:p>
+                  </a:txBody>
+                </a:tc>
+                <a:tc>
+                  <a:txBody>
+                    <a:bodyPr/>
+                    <a:lstStyle/>
+                    <a:p>
+                      <a:pPr lvl="0" indent="0" marL="0" algn="ctr">
+                        <a:buNone/>
+                      </a:pPr>
+                      <a:r>
+                        <a:rPr/>
+                        <a:t>❌</a:t>
+                      </a:r>
+                    </a:p>
+                  </a:txBody>
+                </a:tc>
+                <a:tc>
+                  <a:txBody>
+                    <a:bodyPr/>
+                    <a:lstStyle/>
+                    <a:p>
+                      <a:pPr lvl="0" indent="0" marL="0" algn="ctr">
+                        <a:buNone/>
+                      </a:pPr>
+                      <a:r>
+                        <a:rPr/>
+                        <a:t>✅</a:t>
+                      </a:r>
+                    </a:p>
+                  </a:txBody>
+                </a:tc>
+              </a:tr>
+              <a:tr h="0">
+                <a:tc>
+                  <a:txBody>
+                    <a:bodyPr/>
+                    <a:lstStyle/>
+                    <a:p>
+                      <a:pPr lvl="0" indent="0" marL="0">
+                        <a:buNone/>
+                      </a:pPr>
+                      <a:r>
+                        <a:rPr/>
+                        <a:t>Point d’arrivée équidistant</a:t>
+                      </a:r>
+                    </a:p>
+                  </a:txBody>
+                </a:tc>
+                <a:tc>
+                  <a:txBody>
+                    <a:bodyPr/>
+                    <a:lstStyle/>
+                    <a:p>
+                      <a:pPr lvl="0" indent="0" marL="0" algn="ctr">
+                        <a:buNone/>
+                      </a:pPr>
+                      <a:r>
+                        <a:rPr/>
+                        <a:t>❌</a:t>
+                      </a:r>
+                    </a:p>
+                  </a:txBody>
+                </a:tc>
+                <a:tc>
+                  <a:txBody>
+                    <a:bodyPr/>
+                    <a:lstStyle/>
+                    <a:p>
+                      <a:pPr lvl="0" indent="0" marL="0" algn="ctr">
+                        <a:buNone/>
+                      </a:pPr>
+                      <a:r>
+                        <a:rPr/>
+                        <a:t>❌</a:t>
+                      </a:r>
+                    </a:p>
+                  </a:txBody>
+                </a:tc>
+                <a:tc>
+                  <a:txBody>
+                    <a:bodyPr/>
+                    <a:lstStyle/>
+                    <a:p>
+                      <a:pPr lvl="0" indent="0" marL="0" algn="ctr">
+                        <a:buNone/>
+                      </a:pPr>
+                      <a:r>
+                        <a:rPr/>
+                        <a:t>❌</a:t>
+                      </a:r>
+                    </a:p>
+                  </a:txBody>
+                </a:tc>
+                <a:tc>
+                  <a:txBody>
+                    <a:bodyPr/>
+                    <a:lstStyle/>
+                    <a:p>
+                      <a:pPr lvl="0" indent="0" marL="0" algn="ctr">
+                        <a:buNone/>
+                      </a:pPr>
+                      <a:r>
+                        <a:rPr/>
+                        <a:t>✅</a:t>
+                      </a:r>
+                    </a:p>
+                  </a:txBody>
+                </a:tc>
+              </a:tr>
+              <a:tr h="0">
+                <a:tc>
+                  <a:txBody>
+                    <a:bodyPr/>
+                    <a:lstStyle/>
+                    <a:p>
+                      <a:pPr lvl="0" indent="0" marL="0">
+                        <a:buNone/>
+                      </a:pPr>
+                      <a:r>
+                        <a:rPr/>
+                        <a:t>Matchmaking ELO</a:t>
+                      </a:r>
+                    </a:p>
+                  </a:txBody>
+                </a:tc>
+                <a:tc>
+                  <a:txBody>
+                    <a:bodyPr/>
+                    <a:lstStyle/>
+                    <a:p>
+                      <a:pPr lvl="0" indent="0" marL="0" algn="ctr">
+                        <a:buNone/>
+                      </a:pPr>
+                      <a:r>
+                        <a:rPr/>
+                        <a:t>❌</a:t>
+                      </a:r>
+                    </a:p>
+                  </a:txBody>
+                </a:tc>
+                <a:tc>
+                  <a:txBody>
+                    <a:bodyPr/>
+                    <a:lstStyle/>
+                    <a:p>
+                      <a:pPr lvl="0" indent="0" marL="0" algn="ctr">
+                        <a:buNone/>
+                      </a:pPr>
+                      <a:r>
+                        <a:rPr/>
+                        <a:t>❌</a:t>
+                      </a:r>
+                    </a:p>
+                  </a:txBody>
+                </a:tc>
+                <a:tc>
+                  <a:txBody>
+                    <a:bodyPr/>
+                    <a:lstStyle/>
+                    <a:p>
+                      <a:pPr lvl="0" indent="0" marL="0" algn="ctr">
+                        <a:buNone/>
+                      </a:pPr>
+                      <a:r>
+                        <a:rPr/>
+                        <a:t>❌</a:t>
+                      </a:r>
+                    </a:p>
+                  </a:txBody>
+                </a:tc>
+                <a:tc>
+                  <a:txBody>
+                    <a:bodyPr/>
+                    <a:lstStyle/>
+                    <a:p>
+                      <a:pPr lvl="0" indent="0" marL="0" algn="ctr">
+                        <a:buNone/>
+                      </a:pPr>
+                      <a:r>
+                        <a:rPr/>
+                        <a:t>✅</a:t>
+                      </a:r>
+                    </a:p>
+                  </a:txBody>
+                </a:tc>
+              </a:tr>
+              <a:tr h="0">
+                <a:tc>
+                  <a:txBody>
+                    <a:bodyPr/>
+                    <a:lstStyle/>
+                    <a:p>
+                      <a:pPr lvl="0" indent="0" marL="0">
+                        <a:buNone/>
+                      </a:pPr>
+                      <a:r>
+                        <a:rPr/>
+                        <a:t>Compétition synchrone</a:t>
+                      </a:r>
+                    </a:p>
+                  </a:txBody>
+                </a:tc>
+                <a:tc>
+                  <a:txBody>
+                    <a:bodyPr/>
+                    <a:lstStyle/>
+                    <a:p>
+                      <a:pPr lvl="0" indent="0" marL="0" algn="ctr">
+                        <a:buNone/>
+                      </a:pPr>
+                      <a:r>
+                        <a:rPr/>
+                        <a:t>❌</a:t>
+                      </a:r>
+                    </a:p>
+                  </a:txBody>
+                </a:tc>
+                <a:tc>
+                  <a:txBody>
+                    <a:bodyPr/>
+                    <a:lstStyle/>
+                    <a:p>
+                      <a:pPr lvl="0" indent="0" marL="0" algn="ctr">
+                        <a:buNone/>
+                      </a:pPr>
+                      <a:r>
+                        <a:rPr/>
+                        <a:t>❌</a:t>
+                      </a:r>
+                    </a:p>
+                  </a:txBody>
+                </a:tc>
+                <a:tc>
+                  <a:txBody>
+                    <a:bodyPr/>
+                    <a:lstStyle/>
+                    <a:p>
+                      <a:pPr lvl="0" indent="0" marL="0" algn="ctr">
+                        <a:buNone/>
+                      </a:pPr>
+                      <a:r>
+                        <a:rPr/>
+                        <a:t>❌</a:t>
+                      </a:r>
+                    </a:p>
+                  </a:txBody>
+                </a:tc>
+                <a:tc>
+                  <a:txBody>
+                    <a:bodyPr/>
+                    <a:lstStyle/>
+                    <a:p>
+                      <a:pPr lvl="0" indent="0" marL="0" algn="ctr">
+                        <a:buNone/>
+                      </a:pPr>
+                      <a:r>
+                        <a:rPr/>
+                        <a:t>✅</a:t>
+                      </a:r>
+                    </a:p>
+                  </a:txBody>
+                </a:tc>
+              </a:tr>
+              <a:tr h="0">
+                <a:tc>
+                  <a:txBody>
+                    <a:bodyPr/>
+                    <a:lstStyle/>
+                    <a:p>
+                      <a:pPr lvl="0" indent="0" marL="0">
+                        <a:buNone/>
+                      </a:pPr>
+                      <a:r>
+                        <a:rPr/>
+                        <a:t>Tracking GPS</a:t>
+                      </a:r>
+                    </a:p>
+                  </a:txBody>
+                </a:tc>
+                <a:tc>
+                  <a:txBody>
+                    <a:bodyPr/>
+                    <a:lstStyle/>
+                    <a:p>
+                      <a:pPr lvl="0" indent="0" marL="0" algn="ctr">
+                        <a:buNone/>
+                      </a:pPr>
+                      <a:r>
+                        <a:rPr/>
+                        <a:t>✅</a:t>
+                      </a:r>
+                    </a:p>
+                  </a:txBody>
+                </a:tc>
+                <a:tc>
+                  <a:txBody>
+                    <a:bodyPr/>
+                    <a:lstStyle/>
+                    <a:p>
+                      <a:pPr lvl="0" indent="0" marL="0" algn="ctr">
+                        <a:buNone/>
+                      </a:pPr>
+                      <a:r>
+                        <a:rPr/>
+                        <a:t>✅</a:t>
+                      </a:r>
+                    </a:p>
+                  </a:txBody>
+                </a:tc>
+                <a:tc>
+                  <a:txBody>
+                    <a:bodyPr/>
+                    <a:lstStyle/>
+                    <a:p>
+                      <a:pPr lvl="0" indent="0" marL="0" algn="ctr">
+                        <a:buNone/>
+                      </a:pPr>
+                      <a:r>
+                        <a:rPr/>
+                        <a:t>✅</a:t>
+                      </a:r>
+                    </a:p>
+                  </a:txBody>
+                </a:tc>
+                <a:tc>
+                  <a:txBody>
+                    <a:bodyPr/>
+                    <a:lstStyle/>
+                    <a:p>
+                      <a:pPr lvl="0" indent="0" marL="0" algn="ctr">
+                        <a:buNone/>
+                      </a:pPr>
+                      <a:r>
+                        <a:rPr/>
+                        <a:t>✅</a:t>
+                      </a:r>
+                    </a:p>
+                  </a:txBody>
+                </a:tc>
+              </a:tr>
+              <a:tr h="0">
+                <a:tc>
+                  <a:txBody>
+                    <a:bodyPr/>
+                    <a:lstStyle/>
+                    <a:p>
+                      <a:pPr lvl="0" indent="0" marL="0">
+                        <a:buNone/>
+                      </a:pPr>
+                      <a:r>
+                        <a:rPr/>
+                        <a:t>Segments fixes</a:t>
+                      </a:r>
+                    </a:p>
+                  </a:txBody>
+                </a:tc>
+                <a:tc>
+                  <a:txBody>
+                    <a:bodyPr/>
+                    <a:lstStyle/>
+                    <a:p>
+                      <a:pPr lvl="0" indent="0" marL="0" algn="ctr">
+                        <a:buNone/>
+                      </a:pPr>
+                      <a:r>
+                        <a:rPr/>
+                        <a:t>✅</a:t>
+                      </a:r>
+                    </a:p>
+                  </a:txBody>
+                </a:tc>
+                <a:tc>
+                  <a:txBody>
+                    <a:bodyPr/>
+                    <a:lstStyle/>
+                    <a:p>
+                      <a:pPr lvl="0" indent="0" marL="0" algn="ctr">
+                        <a:buNone/>
+                      </a:pPr>
+                      <a:r>
+                        <a:rPr/>
+                        <a:t>❌</a:t>
+                      </a:r>
+                    </a:p>
+                  </a:txBody>
+                </a:tc>
+                <a:tc>
+                  <a:txBody>
+                    <a:bodyPr/>
+                    <a:lstStyle/>
+                    <a:p>
+                      <a:pPr lvl="0" indent="0" marL="0" algn="ctr">
+                        <a:buNone/>
+                      </a:pPr>
+                      <a:r>
+                        <a:rPr/>
+                        <a:t>❌</a:t>
+                      </a:r>
+                    </a:p>
+                  </a:txBody>
+                </a:tc>
+                <a:tc>
+                  <a:txBody>
+                    <a:bodyPr/>
+                    <a:lstStyle/>
+                    <a:p>
+                      <a:pPr lvl="0" indent="0" marL="0" algn="ctr">
+                        <a:buNone/>
+                      </a:pPr>
+                      <a:r>
+                        <a:rPr/>
+                        <a:t>❌</a:t>
+                      </a:r>
+                    </a:p>
+                  </a:txBody>
+                </a:tc>
+              </a:tr>
+              <a:tr h="0">
+                <a:tc>
+                  <a:txBody>
+                    <a:bodyPr/>
+                    <a:lstStyle/>
+                    <a:p>
+                      <a:pPr lvl="0" indent="0" marL="0">
+                        <a:buNone/>
+                      </a:pPr>
+                      <a:r>
+                        <a:rPr/>
+                        <a:t>Défis asynchrones</a:t>
+                      </a:r>
+                    </a:p>
+                  </a:txBody>
+                </a:tc>
+                <a:tc>
+                  <a:txBody>
+                    <a:bodyPr/>
+                    <a:lstStyle/>
+                    <a:p>
+                      <a:pPr lvl="0" indent="0" marL="0" algn="ctr">
+                        <a:buNone/>
+                      </a:pPr>
+                      <a:r>
+                        <a:rPr/>
+                        <a:t>✅</a:t>
+                      </a:r>
+                    </a:p>
+                  </a:txBody>
+                </a:tc>
+                <a:tc>
+                  <a:txBody>
+                    <a:bodyPr/>
+                    <a:lstStyle/>
+                    <a:p>
+                      <a:pPr lvl="0" indent="0" marL="0" algn="ctr">
+                        <a:buNone/>
+                      </a:pPr>
+                      <a:r>
+                        <a:rPr/>
+                        <a:t>✅</a:t>
+                      </a:r>
+                    </a:p>
+                  </a:txBody>
+                </a:tc>
+                <a:tc>
+                  <a:txBody>
+                    <a:bodyPr/>
+                    <a:lstStyle/>
+                    <a:p>
+                      <a:pPr lvl="0" indent="0" marL="0" algn="ctr">
+                        <a:buNone/>
+                      </a:pPr>
+                      <a:r>
+                        <a:rPr/>
+                        <a:t>❌</a:t>
+                      </a:r>
+                    </a:p>
+                  </a:txBody>
+                </a:tc>
+                <a:tc>
+                  <a:txBody>
+                    <a:bodyPr/>
+                    <a:lstStyle/>
+                    <a:p>
+                      <a:pPr lvl="0" indent="0" marL="0" algn="ctr">
+                        <a:buNone/>
+                      </a:pPr>
+                      <a:r>
+                        <a:rPr/>
+                        <a:t>✅</a:t>
+                      </a:r>
+                    </a:p>
+                  </a:txBody>
+                </a:tc>
+              </a:tr>
+            </a:tbl>
+          </a:graphicData>
+        </a:graphic>
+      </p:graphicFrame>
     </p:spTree>
   </p:cSld>
 </p:sld>
